--- a/RA-L/pictures/pdf/multirobotSliderHardware.pptx
+++ b/RA-L/pictures/pdf/multirobotSliderHardware.pptx
@@ -7,14 +7,14 @@
   <p:sldIdLst>
     <p:sldId id="256" r:id="rId2"/>
   </p:sldIdLst>
-  <p:sldSz cx="21945600" cy="16459200"/>
+  <p:sldSz cx="10972800" cy="8229600"/>
   <p:notesSz cx="6858000" cy="9144000"/>
   <p:defaultTextStyle>
     <a:defPPr>
       <a:defRPr lang="en-US"/>
     </a:defPPr>
-    <a:lvl1pPr marL="0" algn="l" defTabSz="1267298" rtl="0" eaLnBrk="1" latinLnBrk="0" hangingPunct="1">
-      <a:defRPr sz="2500" kern="1200">
+    <a:lvl1pPr marL="0" algn="l" defTabSz="633649" rtl="0" eaLnBrk="1" latinLnBrk="0" hangingPunct="1">
+      <a:defRPr sz="1300" kern="1200">
         <a:solidFill>
           <a:schemeClr val="tx1"/>
         </a:solidFill>
@@ -23,8 +23,8 @@
         <a:cs typeface="+mn-cs"/>
       </a:defRPr>
     </a:lvl1pPr>
-    <a:lvl2pPr marL="633650" algn="l" defTabSz="1267298" rtl="0" eaLnBrk="1" latinLnBrk="0" hangingPunct="1">
-      <a:defRPr sz="2500" kern="1200">
+    <a:lvl2pPr marL="316825" algn="l" defTabSz="633649" rtl="0" eaLnBrk="1" latinLnBrk="0" hangingPunct="1">
+      <a:defRPr sz="1300" kern="1200">
         <a:solidFill>
           <a:schemeClr val="tx1"/>
         </a:solidFill>
@@ -33,8 +33,8 @@
         <a:cs typeface="+mn-cs"/>
       </a:defRPr>
     </a:lvl2pPr>
-    <a:lvl3pPr marL="1267298" algn="l" defTabSz="1267298" rtl="0" eaLnBrk="1" latinLnBrk="0" hangingPunct="1">
-      <a:defRPr sz="2500" kern="1200">
+    <a:lvl3pPr marL="633649" algn="l" defTabSz="633649" rtl="0" eaLnBrk="1" latinLnBrk="0" hangingPunct="1">
+      <a:defRPr sz="1300" kern="1200">
         <a:solidFill>
           <a:schemeClr val="tx1"/>
         </a:solidFill>
@@ -43,8 +43,8 @@
         <a:cs typeface="+mn-cs"/>
       </a:defRPr>
     </a:lvl3pPr>
-    <a:lvl4pPr marL="1900947" algn="l" defTabSz="1267298" rtl="0" eaLnBrk="1" latinLnBrk="0" hangingPunct="1">
-      <a:defRPr sz="2500" kern="1200">
+    <a:lvl4pPr marL="950474" algn="l" defTabSz="633649" rtl="0" eaLnBrk="1" latinLnBrk="0" hangingPunct="1">
+      <a:defRPr sz="1300" kern="1200">
         <a:solidFill>
           <a:schemeClr val="tx1"/>
         </a:solidFill>
@@ -53,8 +53,8 @@
         <a:cs typeface="+mn-cs"/>
       </a:defRPr>
     </a:lvl4pPr>
-    <a:lvl5pPr marL="2534596" algn="l" defTabSz="1267298" rtl="0" eaLnBrk="1" latinLnBrk="0" hangingPunct="1">
-      <a:defRPr sz="2500" kern="1200">
+    <a:lvl5pPr marL="1267298" algn="l" defTabSz="633649" rtl="0" eaLnBrk="1" latinLnBrk="0" hangingPunct="1">
+      <a:defRPr sz="1300" kern="1200">
         <a:solidFill>
           <a:schemeClr val="tx1"/>
         </a:solidFill>
@@ -63,8 +63,8 @@
         <a:cs typeface="+mn-cs"/>
       </a:defRPr>
     </a:lvl5pPr>
-    <a:lvl6pPr marL="3168245" algn="l" defTabSz="1267298" rtl="0" eaLnBrk="1" latinLnBrk="0" hangingPunct="1">
-      <a:defRPr sz="2500" kern="1200">
+    <a:lvl6pPr marL="1584123" algn="l" defTabSz="633649" rtl="0" eaLnBrk="1" latinLnBrk="0" hangingPunct="1">
+      <a:defRPr sz="1300" kern="1200">
         <a:solidFill>
           <a:schemeClr val="tx1"/>
         </a:solidFill>
@@ -73,8 +73,8 @@
         <a:cs typeface="+mn-cs"/>
       </a:defRPr>
     </a:lvl6pPr>
-    <a:lvl7pPr marL="3801895" algn="l" defTabSz="1267298" rtl="0" eaLnBrk="1" latinLnBrk="0" hangingPunct="1">
-      <a:defRPr sz="2500" kern="1200">
+    <a:lvl7pPr marL="1900948" algn="l" defTabSz="633649" rtl="0" eaLnBrk="1" latinLnBrk="0" hangingPunct="1">
+      <a:defRPr sz="1300" kern="1200">
         <a:solidFill>
           <a:schemeClr val="tx1"/>
         </a:solidFill>
@@ -83,8 +83,8 @@
         <a:cs typeface="+mn-cs"/>
       </a:defRPr>
     </a:lvl7pPr>
-    <a:lvl8pPr marL="4435543" algn="l" defTabSz="1267298" rtl="0" eaLnBrk="1" latinLnBrk="0" hangingPunct="1">
-      <a:defRPr sz="2500" kern="1200">
+    <a:lvl8pPr marL="2217772" algn="l" defTabSz="633649" rtl="0" eaLnBrk="1" latinLnBrk="0" hangingPunct="1">
+      <a:defRPr sz="1300" kern="1200">
         <a:solidFill>
           <a:schemeClr val="tx1"/>
         </a:solidFill>
@@ -93,8 +93,8 @@
         <a:cs typeface="+mn-cs"/>
       </a:defRPr>
     </a:lvl8pPr>
-    <a:lvl9pPr marL="5069192" algn="l" defTabSz="1267298" rtl="0" eaLnBrk="1" latinLnBrk="0" hangingPunct="1">
-      <a:defRPr sz="2500" kern="1200">
+    <a:lvl9pPr marL="2534596" algn="l" defTabSz="633649" rtl="0" eaLnBrk="1" latinLnBrk="0" hangingPunct="1">
+      <a:defRPr sz="1300" kern="1200">
         <a:solidFill>
           <a:schemeClr val="tx1"/>
         </a:solidFill>
@@ -106,7 +106,7 @@
   </p:defaultTextStyle>
   <p:extLst>
     <p:ext uri="{EFAFB233-063F-42B5-8137-9DF3F51BA10A}">
-      <p15:sldGuideLst xmlns:p15="http://schemas.microsoft.com/office/powerpoint/2012/main" xmlns=""/>
+      <p15:sldGuideLst xmlns="" xmlns:p15="http://schemas.microsoft.com/office/powerpoint/2012/main"/>
     </p:ext>
   </p:extLst>
 </p:presentation>
@@ -141,15 +141,15 @@
         </p:nvSpPr>
         <p:spPr>
           <a:xfrm>
-            <a:off x="1645920" y="2693671"/>
-            <a:ext cx="18653760" cy="5730240"/>
+            <a:off x="822960" y="1346836"/>
+            <a:ext cx="9326880" cy="2865120"/>
           </a:xfrm>
         </p:spPr>
         <p:txBody>
           <a:bodyPr anchor="b"/>
           <a:lstStyle>
             <a:lvl1pPr algn="ctr">
-              <a:defRPr sz="14300"/>
+              <a:defRPr sz="7200"/>
             </a:lvl1pPr>
           </a:lstStyle>
           <a:p>
@@ -173,8 +173,8 @@
         </p:nvSpPr>
         <p:spPr>
           <a:xfrm>
-            <a:off x="2743200" y="8644893"/>
-            <a:ext cx="16459200" cy="3973829"/>
+            <a:off x="1371600" y="4322447"/>
+            <a:ext cx="8229600" cy="1986915"/>
           </a:xfrm>
         </p:spPr>
         <p:txBody>
@@ -182,39 +182,39 @@
           <a:lstStyle>
             <a:lvl1pPr marL="0" indent="0" algn="ctr">
               <a:buNone/>
-              <a:defRPr sz="5700"/>
+              <a:defRPr sz="2900"/>
             </a:lvl1pPr>
-            <a:lvl2pPr marL="1090994" indent="0" algn="ctr">
+            <a:lvl2pPr marL="545497" indent="0" algn="ctr">
               <a:buNone/>
-              <a:defRPr sz="4800"/>
+              <a:defRPr sz="2400"/>
             </a:lvl2pPr>
-            <a:lvl3pPr marL="2181987" indent="0" algn="ctr">
+            <a:lvl3pPr marL="1090994" indent="0" algn="ctr">
               <a:buNone/>
-              <a:defRPr sz="4300"/>
+              <a:defRPr sz="2200"/>
             </a:lvl3pPr>
-            <a:lvl4pPr marL="3272981" indent="0" algn="ctr">
+            <a:lvl4pPr marL="1636491" indent="0" algn="ctr">
               <a:buNone/>
-              <a:defRPr sz="3800"/>
+              <a:defRPr sz="1900"/>
             </a:lvl4pPr>
-            <a:lvl5pPr marL="4363974" indent="0" algn="ctr">
+            <a:lvl5pPr marL="2181987" indent="0" algn="ctr">
               <a:buNone/>
-              <a:defRPr sz="3800"/>
+              <a:defRPr sz="1900"/>
             </a:lvl5pPr>
-            <a:lvl6pPr marL="5454968" indent="0" algn="ctr">
+            <a:lvl6pPr marL="2727484" indent="0" algn="ctr">
               <a:buNone/>
-              <a:defRPr sz="3800"/>
+              <a:defRPr sz="1900"/>
             </a:lvl6pPr>
-            <a:lvl7pPr marL="6545961" indent="0" algn="ctr">
+            <a:lvl7pPr marL="3272981" indent="0" algn="ctr">
               <a:buNone/>
-              <a:defRPr sz="3800"/>
+              <a:defRPr sz="1900"/>
             </a:lvl7pPr>
-            <a:lvl8pPr marL="7636955" indent="0" algn="ctr">
+            <a:lvl8pPr marL="3818478" indent="0" algn="ctr">
               <a:buNone/>
-              <a:defRPr sz="3800"/>
+              <a:defRPr sz="1900"/>
             </a:lvl8pPr>
-            <a:lvl9pPr marL="8727948" indent="0" algn="ctr">
+            <a:lvl9pPr marL="4363974" indent="0" algn="ctr">
               <a:buNone/>
-              <a:defRPr sz="3800"/>
+              <a:defRPr sz="1900"/>
             </a:lvl9pPr>
           </a:lstStyle>
           <a:p>
@@ -243,7 +243,7 @@
           <a:p>
             <a:fld id="{42C1E845-9D35-42B9-9CDA-699C804E8D28}" type="datetimeFigureOut">
               <a:rPr lang="en-US" smtClean="0"/>
-              <a:t>9/5/16</a:t>
+              <a:t>9/6/16</a:t>
             </a:fld>
             <a:endParaRPr lang="en-US"/>
           </a:p>
@@ -413,7 +413,7 @@
           <a:p>
             <a:fld id="{42C1E845-9D35-42B9-9CDA-699C804E8D28}" type="datetimeFigureOut">
               <a:rPr lang="en-US" smtClean="0"/>
-              <a:t>9/5/16</a:t>
+              <a:t>9/6/16</a:t>
             </a:fld>
             <a:endParaRPr lang="en-US"/>
           </a:p>
@@ -503,8 +503,8 @@
         </p:nvSpPr>
         <p:spPr>
           <a:xfrm>
-            <a:off x="15704822" y="876302"/>
-            <a:ext cx="4732020" cy="13948411"/>
+            <a:off x="7852411" y="438151"/>
+            <a:ext cx="2366010" cy="6974206"/>
           </a:xfrm>
         </p:spPr>
         <p:txBody>
@@ -531,8 +531,8 @@
         </p:nvSpPr>
         <p:spPr>
           <a:xfrm>
-            <a:off x="1508765" y="876302"/>
-            <a:ext cx="13921740" cy="13948411"/>
+            <a:off x="754383" y="438151"/>
+            <a:ext cx="6960870" cy="6974206"/>
           </a:xfrm>
         </p:spPr>
         <p:txBody>
@@ -593,7 +593,7 @@
           <a:p>
             <a:fld id="{42C1E845-9D35-42B9-9CDA-699C804E8D28}" type="datetimeFigureOut">
               <a:rPr lang="en-US" smtClean="0"/>
-              <a:t>9/5/16</a:t>
+              <a:t>9/6/16</a:t>
             </a:fld>
             <a:endParaRPr lang="en-US"/>
           </a:p>
@@ -763,7 +763,7 @@
           <a:p>
             <a:fld id="{42C1E845-9D35-42B9-9CDA-699C804E8D28}" type="datetimeFigureOut">
               <a:rPr lang="en-US" smtClean="0"/>
-              <a:t>9/5/16</a:t>
+              <a:t>9/6/16</a:t>
             </a:fld>
             <a:endParaRPr lang="en-US"/>
           </a:p>
@@ -853,15 +853,15 @@
         </p:nvSpPr>
         <p:spPr>
           <a:xfrm>
-            <a:off x="1497331" y="4103376"/>
-            <a:ext cx="18928080" cy="6846569"/>
+            <a:off x="748666" y="2051688"/>
+            <a:ext cx="9464040" cy="3423285"/>
           </a:xfrm>
         </p:spPr>
         <p:txBody>
           <a:bodyPr anchor="b"/>
           <a:lstStyle>
             <a:lvl1pPr>
-              <a:defRPr sz="14300"/>
+              <a:defRPr sz="7200"/>
             </a:lvl1pPr>
           </a:lstStyle>
           <a:p>
@@ -885,8 +885,8 @@
         </p:nvSpPr>
         <p:spPr>
           <a:xfrm>
-            <a:off x="1497331" y="11014715"/>
-            <a:ext cx="18928080" cy="3600449"/>
+            <a:off x="748666" y="5507358"/>
+            <a:ext cx="9464040" cy="1800225"/>
           </a:xfrm>
         </p:spPr>
         <p:txBody>
@@ -894,15 +894,15 @@
           <a:lstStyle>
             <a:lvl1pPr marL="0" indent="0">
               <a:buNone/>
-              <a:defRPr sz="5700">
+              <a:defRPr sz="2900">
                 <a:solidFill>
                   <a:schemeClr val="tx1"/>
                 </a:solidFill>
               </a:defRPr>
             </a:lvl1pPr>
-            <a:lvl2pPr marL="1090994" indent="0">
+            <a:lvl2pPr marL="545497" indent="0">
               <a:buNone/>
-              <a:defRPr sz="4800">
+              <a:defRPr sz="2400">
                 <a:solidFill>
                   <a:schemeClr val="tx1">
                     <a:tint val="75000"/>
@@ -910,9 +910,9 @@
                 </a:solidFill>
               </a:defRPr>
             </a:lvl2pPr>
-            <a:lvl3pPr marL="2181987" indent="0">
+            <a:lvl3pPr marL="1090994" indent="0">
               <a:buNone/>
-              <a:defRPr sz="4300">
+              <a:defRPr sz="2200">
                 <a:solidFill>
                   <a:schemeClr val="tx1">
                     <a:tint val="75000"/>
@@ -920,9 +920,9 @@
                 </a:solidFill>
               </a:defRPr>
             </a:lvl3pPr>
-            <a:lvl4pPr marL="3272981" indent="0">
+            <a:lvl4pPr marL="1636491" indent="0">
               <a:buNone/>
-              <a:defRPr sz="3800">
+              <a:defRPr sz="1900">
                 <a:solidFill>
                   <a:schemeClr val="tx1">
                     <a:tint val="75000"/>
@@ -930,9 +930,9 @@
                 </a:solidFill>
               </a:defRPr>
             </a:lvl4pPr>
-            <a:lvl5pPr marL="4363974" indent="0">
+            <a:lvl5pPr marL="2181987" indent="0">
               <a:buNone/>
-              <a:defRPr sz="3800">
+              <a:defRPr sz="1900">
                 <a:solidFill>
                   <a:schemeClr val="tx1">
                     <a:tint val="75000"/>
@@ -940,9 +940,9 @@
                 </a:solidFill>
               </a:defRPr>
             </a:lvl5pPr>
-            <a:lvl6pPr marL="5454968" indent="0">
+            <a:lvl6pPr marL="2727484" indent="0">
               <a:buNone/>
-              <a:defRPr sz="3800">
+              <a:defRPr sz="1900">
                 <a:solidFill>
                   <a:schemeClr val="tx1">
                     <a:tint val="75000"/>
@@ -950,9 +950,9 @@
                 </a:solidFill>
               </a:defRPr>
             </a:lvl6pPr>
-            <a:lvl7pPr marL="6545961" indent="0">
+            <a:lvl7pPr marL="3272981" indent="0">
               <a:buNone/>
-              <a:defRPr sz="3800">
+              <a:defRPr sz="1900">
                 <a:solidFill>
                   <a:schemeClr val="tx1">
                     <a:tint val="75000"/>
@@ -960,9 +960,9 @@
                 </a:solidFill>
               </a:defRPr>
             </a:lvl7pPr>
-            <a:lvl8pPr marL="7636955" indent="0">
+            <a:lvl8pPr marL="3818478" indent="0">
               <a:buNone/>
-              <a:defRPr sz="3800">
+              <a:defRPr sz="1900">
                 <a:solidFill>
                   <a:schemeClr val="tx1">
                     <a:tint val="75000"/>
@@ -970,9 +970,9 @@
                 </a:solidFill>
               </a:defRPr>
             </a:lvl8pPr>
-            <a:lvl9pPr marL="8727948" indent="0">
+            <a:lvl9pPr marL="4363974" indent="0">
               <a:buNone/>
-              <a:defRPr sz="3800">
+              <a:defRPr sz="1900">
                 <a:solidFill>
                   <a:schemeClr val="tx1">
                     <a:tint val="75000"/>
@@ -1007,7 +1007,7 @@
           <a:p>
             <a:fld id="{42C1E845-9D35-42B9-9CDA-699C804E8D28}" type="datetimeFigureOut">
               <a:rPr lang="en-US" smtClean="0"/>
-              <a:t>9/5/16</a:t>
+              <a:t>9/6/16</a:t>
             </a:fld>
             <a:endParaRPr lang="en-US"/>
           </a:p>
@@ -1120,8 +1120,8 @@
         </p:nvSpPr>
         <p:spPr>
           <a:xfrm>
-            <a:off x="1508760" y="4381500"/>
-            <a:ext cx="9326880" cy="10443212"/>
+            <a:off x="754380" y="2190750"/>
+            <a:ext cx="4663440" cy="5221606"/>
           </a:xfrm>
         </p:spPr>
         <p:txBody>
@@ -1177,8 +1177,8 @@
         </p:nvSpPr>
         <p:spPr>
           <a:xfrm>
-            <a:off x="11109960" y="4381500"/>
-            <a:ext cx="9326880" cy="10443212"/>
+            <a:off x="5554980" y="2190750"/>
+            <a:ext cx="4663440" cy="5221606"/>
           </a:xfrm>
         </p:spPr>
         <p:txBody>
@@ -1239,7 +1239,7 @@
           <a:p>
             <a:fld id="{42C1E845-9D35-42B9-9CDA-699C804E8D28}" type="datetimeFigureOut">
               <a:rPr lang="en-US" smtClean="0"/>
-              <a:t>9/5/16</a:t>
+              <a:t>9/6/16</a:t>
             </a:fld>
             <a:endParaRPr lang="en-US"/>
           </a:p>
@@ -1329,8 +1329,8 @@
         </p:nvSpPr>
         <p:spPr>
           <a:xfrm>
-            <a:off x="1511619" y="876305"/>
-            <a:ext cx="18928080" cy="3181351"/>
+            <a:off x="755809" y="438153"/>
+            <a:ext cx="9464040" cy="1590676"/>
           </a:xfrm>
         </p:spPr>
         <p:txBody>
@@ -1357,8 +1357,8 @@
         </p:nvSpPr>
         <p:spPr>
           <a:xfrm>
-            <a:off x="1511621" y="4034793"/>
-            <a:ext cx="9284016" cy="1977389"/>
+            <a:off x="755811" y="2017397"/>
+            <a:ext cx="4642008" cy="988695"/>
           </a:xfrm>
         </p:spPr>
         <p:txBody>
@@ -1366,39 +1366,39 @@
           <a:lstStyle>
             <a:lvl1pPr marL="0" indent="0">
               <a:buNone/>
-              <a:defRPr sz="5700" b="1"/>
+              <a:defRPr sz="2900" b="1"/>
             </a:lvl1pPr>
-            <a:lvl2pPr marL="1090994" indent="0">
+            <a:lvl2pPr marL="545497" indent="0">
               <a:buNone/>
-              <a:defRPr sz="4800" b="1"/>
+              <a:defRPr sz="2400" b="1"/>
             </a:lvl2pPr>
-            <a:lvl3pPr marL="2181987" indent="0">
+            <a:lvl3pPr marL="1090994" indent="0">
               <a:buNone/>
-              <a:defRPr sz="4300" b="1"/>
+              <a:defRPr sz="2200" b="1"/>
             </a:lvl3pPr>
-            <a:lvl4pPr marL="3272981" indent="0">
+            <a:lvl4pPr marL="1636491" indent="0">
               <a:buNone/>
-              <a:defRPr sz="3800" b="1"/>
+              <a:defRPr sz="1900" b="1"/>
             </a:lvl4pPr>
-            <a:lvl5pPr marL="4363974" indent="0">
+            <a:lvl5pPr marL="2181987" indent="0">
               <a:buNone/>
-              <a:defRPr sz="3800" b="1"/>
+              <a:defRPr sz="1900" b="1"/>
             </a:lvl5pPr>
-            <a:lvl6pPr marL="5454968" indent="0">
+            <a:lvl6pPr marL="2727484" indent="0">
               <a:buNone/>
-              <a:defRPr sz="3800" b="1"/>
+              <a:defRPr sz="1900" b="1"/>
             </a:lvl6pPr>
-            <a:lvl7pPr marL="6545961" indent="0">
+            <a:lvl7pPr marL="3272981" indent="0">
               <a:buNone/>
-              <a:defRPr sz="3800" b="1"/>
+              <a:defRPr sz="1900" b="1"/>
             </a:lvl7pPr>
-            <a:lvl8pPr marL="7636955" indent="0">
+            <a:lvl8pPr marL="3818478" indent="0">
               <a:buNone/>
-              <a:defRPr sz="3800" b="1"/>
+              <a:defRPr sz="1900" b="1"/>
             </a:lvl8pPr>
-            <a:lvl9pPr marL="8727948" indent="0">
+            <a:lvl9pPr marL="4363974" indent="0">
               <a:buNone/>
-              <a:defRPr sz="3800" b="1"/>
+              <a:defRPr sz="1900" b="1"/>
             </a:lvl9pPr>
           </a:lstStyle>
           <a:p>
@@ -1422,8 +1422,8 @@
         </p:nvSpPr>
         <p:spPr>
           <a:xfrm>
-            <a:off x="1511621" y="6012180"/>
-            <a:ext cx="9284016" cy="8843012"/>
+            <a:off x="755811" y="3006090"/>
+            <a:ext cx="4642008" cy="4421506"/>
           </a:xfrm>
         </p:spPr>
         <p:txBody>
@@ -1479,8 +1479,8 @@
         </p:nvSpPr>
         <p:spPr>
           <a:xfrm>
-            <a:off x="11109961" y="4034793"/>
-            <a:ext cx="9329739" cy="1977389"/>
+            <a:off x="5554981" y="2017397"/>
+            <a:ext cx="4664870" cy="988695"/>
           </a:xfrm>
         </p:spPr>
         <p:txBody>
@@ -1488,39 +1488,39 @@
           <a:lstStyle>
             <a:lvl1pPr marL="0" indent="0">
               <a:buNone/>
-              <a:defRPr sz="5700" b="1"/>
+              <a:defRPr sz="2900" b="1"/>
             </a:lvl1pPr>
-            <a:lvl2pPr marL="1090994" indent="0">
+            <a:lvl2pPr marL="545497" indent="0">
               <a:buNone/>
-              <a:defRPr sz="4800" b="1"/>
+              <a:defRPr sz="2400" b="1"/>
             </a:lvl2pPr>
-            <a:lvl3pPr marL="2181987" indent="0">
+            <a:lvl3pPr marL="1090994" indent="0">
               <a:buNone/>
-              <a:defRPr sz="4300" b="1"/>
+              <a:defRPr sz="2200" b="1"/>
             </a:lvl3pPr>
-            <a:lvl4pPr marL="3272981" indent="0">
+            <a:lvl4pPr marL="1636491" indent="0">
               <a:buNone/>
-              <a:defRPr sz="3800" b="1"/>
+              <a:defRPr sz="1900" b="1"/>
             </a:lvl4pPr>
-            <a:lvl5pPr marL="4363974" indent="0">
+            <a:lvl5pPr marL="2181987" indent="0">
               <a:buNone/>
-              <a:defRPr sz="3800" b="1"/>
+              <a:defRPr sz="1900" b="1"/>
             </a:lvl5pPr>
-            <a:lvl6pPr marL="5454968" indent="0">
+            <a:lvl6pPr marL="2727484" indent="0">
               <a:buNone/>
-              <a:defRPr sz="3800" b="1"/>
+              <a:defRPr sz="1900" b="1"/>
             </a:lvl6pPr>
-            <a:lvl7pPr marL="6545961" indent="0">
+            <a:lvl7pPr marL="3272981" indent="0">
               <a:buNone/>
-              <a:defRPr sz="3800" b="1"/>
+              <a:defRPr sz="1900" b="1"/>
             </a:lvl7pPr>
-            <a:lvl8pPr marL="7636955" indent="0">
+            <a:lvl8pPr marL="3818478" indent="0">
               <a:buNone/>
-              <a:defRPr sz="3800" b="1"/>
+              <a:defRPr sz="1900" b="1"/>
             </a:lvl8pPr>
-            <a:lvl9pPr marL="8727948" indent="0">
+            <a:lvl9pPr marL="4363974" indent="0">
               <a:buNone/>
-              <a:defRPr sz="3800" b="1"/>
+              <a:defRPr sz="1900" b="1"/>
             </a:lvl9pPr>
           </a:lstStyle>
           <a:p>
@@ -1544,8 +1544,8 @@
         </p:nvSpPr>
         <p:spPr>
           <a:xfrm>
-            <a:off x="11109961" y="6012180"/>
-            <a:ext cx="9329739" cy="8843012"/>
+            <a:off x="5554981" y="3006090"/>
+            <a:ext cx="4664870" cy="4421506"/>
           </a:xfrm>
         </p:spPr>
         <p:txBody>
@@ -1606,7 +1606,7 @@
           <a:p>
             <a:fld id="{42C1E845-9D35-42B9-9CDA-699C804E8D28}" type="datetimeFigureOut">
               <a:rPr lang="en-US" smtClean="0"/>
-              <a:t>9/5/16</a:t>
+              <a:t>9/6/16</a:t>
             </a:fld>
             <a:endParaRPr lang="en-US"/>
           </a:p>
@@ -1724,7 +1724,7 @@
           <a:p>
             <a:fld id="{42C1E845-9D35-42B9-9CDA-699C804E8D28}" type="datetimeFigureOut">
               <a:rPr lang="en-US" smtClean="0"/>
-              <a:t>9/5/16</a:t>
+              <a:t>9/6/16</a:t>
             </a:fld>
             <a:endParaRPr lang="en-US"/>
           </a:p>
@@ -1819,7 +1819,7 @@
           <a:p>
             <a:fld id="{42C1E845-9D35-42B9-9CDA-699C804E8D28}" type="datetimeFigureOut">
               <a:rPr lang="en-US" smtClean="0"/>
-              <a:t>9/5/16</a:t>
+              <a:t>9/6/16</a:t>
             </a:fld>
             <a:endParaRPr lang="en-US"/>
           </a:p>
@@ -1909,15 +1909,15 @@
         </p:nvSpPr>
         <p:spPr>
           <a:xfrm>
-            <a:off x="1511621" y="1097280"/>
-            <a:ext cx="7078027" cy="3840480"/>
+            <a:off x="755811" y="548640"/>
+            <a:ext cx="3539014" cy="1920240"/>
           </a:xfrm>
         </p:spPr>
         <p:txBody>
           <a:bodyPr anchor="b"/>
           <a:lstStyle>
             <a:lvl1pPr>
-              <a:defRPr sz="7600"/>
+              <a:defRPr sz="3800"/>
             </a:lvl1pPr>
           </a:lstStyle>
           <a:p>
@@ -1941,39 +1941,39 @@
         </p:nvSpPr>
         <p:spPr>
           <a:xfrm>
-            <a:off x="9329738" y="2369826"/>
-            <a:ext cx="11109960" cy="11696700"/>
+            <a:off x="4664869" y="1184913"/>
+            <a:ext cx="5554980" cy="5848350"/>
           </a:xfrm>
         </p:spPr>
         <p:txBody>
           <a:bodyPr/>
           <a:lstStyle>
             <a:lvl1pPr>
-              <a:defRPr sz="7600"/>
+              <a:defRPr sz="3800"/>
             </a:lvl1pPr>
             <a:lvl2pPr>
-              <a:defRPr sz="6700"/>
+              <a:defRPr sz="3400"/>
             </a:lvl2pPr>
             <a:lvl3pPr>
-              <a:defRPr sz="5700"/>
+              <a:defRPr sz="2900"/>
             </a:lvl3pPr>
             <a:lvl4pPr>
-              <a:defRPr sz="4800"/>
+              <a:defRPr sz="2400"/>
             </a:lvl4pPr>
             <a:lvl5pPr>
-              <a:defRPr sz="4800"/>
+              <a:defRPr sz="2400"/>
             </a:lvl5pPr>
             <a:lvl6pPr>
-              <a:defRPr sz="4800"/>
+              <a:defRPr sz="2400"/>
             </a:lvl6pPr>
             <a:lvl7pPr>
-              <a:defRPr sz="4800"/>
+              <a:defRPr sz="2400"/>
             </a:lvl7pPr>
             <a:lvl8pPr>
-              <a:defRPr sz="4800"/>
+              <a:defRPr sz="2400"/>
             </a:lvl8pPr>
             <a:lvl9pPr>
-              <a:defRPr sz="4800"/>
+              <a:defRPr sz="2400"/>
             </a:lvl9pPr>
           </a:lstStyle>
           <a:p>
@@ -2026,8 +2026,8 @@
         </p:nvSpPr>
         <p:spPr>
           <a:xfrm>
-            <a:off x="1511621" y="4937762"/>
-            <a:ext cx="7078027" cy="9147811"/>
+            <a:off x="755811" y="2468881"/>
+            <a:ext cx="3539014" cy="4573906"/>
           </a:xfrm>
         </p:spPr>
         <p:txBody>
@@ -2035,39 +2035,39 @@
           <a:lstStyle>
             <a:lvl1pPr marL="0" indent="0">
               <a:buNone/>
-              <a:defRPr sz="3800"/>
+              <a:defRPr sz="1900"/>
             </a:lvl1pPr>
-            <a:lvl2pPr marL="1090994" indent="0">
+            <a:lvl2pPr marL="545497" indent="0">
               <a:buNone/>
-              <a:defRPr sz="3300"/>
+              <a:defRPr sz="1700"/>
             </a:lvl2pPr>
-            <a:lvl3pPr marL="2181987" indent="0">
+            <a:lvl3pPr marL="1090994" indent="0">
               <a:buNone/>
-              <a:defRPr sz="2900"/>
+              <a:defRPr sz="1500"/>
             </a:lvl3pPr>
-            <a:lvl4pPr marL="3272981" indent="0">
+            <a:lvl4pPr marL="1636491" indent="0">
               <a:buNone/>
-              <a:defRPr sz="2400"/>
+              <a:defRPr sz="1200"/>
             </a:lvl4pPr>
-            <a:lvl5pPr marL="4363974" indent="0">
+            <a:lvl5pPr marL="2181987" indent="0">
               <a:buNone/>
-              <a:defRPr sz="2400"/>
+              <a:defRPr sz="1200"/>
             </a:lvl5pPr>
-            <a:lvl6pPr marL="5454968" indent="0">
+            <a:lvl6pPr marL="2727484" indent="0">
               <a:buNone/>
-              <a:defRPr sz="2400"/>
+              <a:defRPr sz="1200"/>
             </a:lvl6pPr>
-            <a:lvl7pPr marL="6545961" indent="0">
+            <a:lvl7pPr marL="3272981" indent="0">
               <a:buNone/>
-              <a:defRPr sz="2400"/>
+              <a:defRPr sz="1200"/>
             </a:lvl7pPr>
-            <a:lvl8pPr marL="7636955" indent="0">
+            <a:lvl8pPr marL="3818478" indent="0">
               <a:buNone/>
-              <a:defRPr sz="2400"/>
+              <a:defRPr sz="1200"/>
             </a:lvl8pPr>
-            <a:lvl9pPr marL="8727948" indent="0">
+            <a:lvl9pPr marL="4363974" indent="0">
               <a:buNone/>
-              <a:defRPr sz="2400"/>
+              <a:defRPr sz="1200"/>
             </a:lvl9pPr>
           </a:lstStyle>
           <a:p>
@@ -2096,7 +2096,7 @@
           <a:p>
             <a:fld id="{42C1E845-9D35-42B9-9CDA-699C804E8D28}" type="datetimeFigureOut">
               <a:rPr lang="en-US" smtClean="0"/>
-              <a:t>9/5/16</a:t>
+              <a:t>9/6/16</a:t>
             </a:fld>
             <a:endParaRPr lang="en-US"/>
           </a:p>
@@ -2186,15 +2186,15 @@
         </p:nvSpPr>
         <p:spPr>
           <a:xfrm>
-            <a:off x="1511621" y="1097280"/>
-            <a:ext cx="7078027" cy="3840480"/>
+            <a:off x="755811" y="548640"/>
+            <a:ext cx="3539014" cy="1920240"/>
           </a:xfrm>
         </p:spPr>
         <p:txBody>
           <a:bodyPr anchor="b"/>
           <a:lstStyle>
             <a:lvl1pPr>
-              <a:defRPr sz="7600"/>
+              <a:defRPr sz="3800"/>
             </a:lvl1pPr>
           </a:lstStyle>
           <a:p>
@@ -2218,8 +2218,8 @@
         </p:nvSpPr>
         <p:spPr>
           <a:xfrm>
-            <a:off x="9329738" y="2369826"/>
-            <a:ext cx="11109960" cy="11696700"/>
+            <a:off x="4664869" y="1184913"/>
+            <a:ext cx="5554980" cy="5848350"/>
           </a:xfrm>
         </p:spPr>
         <p:txBody>
@@ -2227,39 +2227,39 @@
           <a:lstStyle>
             <a:lvl1pPr marL="0" indent="0">
               <a:buNone/>
-              <a:defRPr sz="7600"/>
+              <a:defRPr sz="3800"/>
             </a:lvl1pPr>
-            <a:lvl2pPr marL="1090994" indent="0">
+            <a:lvl2pPr marL="545497" indent="0">
               <a:buNone/>
-              <a:defRPr sz="6700"/>
+              <a:defRPr sz="3400"/>
             </a:lvl2pPr>
-            <a:lvl3pPr marL="2181987" indent="0">
+            <a:lvl3pPr marL="1090994" indent="0">
               <a:buNone/>
-              <a:defRPr sz="5700"/>
+              <a:defRPr sz="2900"/>
             </a:lvl3pPr>
-            <a:lvl4pPr marL="3272981" indent="0">
+            <a:lvl4pPr marL="1636491" indent="0">
               <a:buNone/>
-              <a:defRPr sz="4800"/>
+              <a:defRPr sz="2400"/>
             </a:lvl4pPr>
-            <a:lvl5pPr marL="4363974" indent="0">
+            <a:lvl5pPr marL="2181987" indent="0">
               <a:buNone/>
-              <a:defRPr sz="4800"/>
+              <a:defRPr sz="2400"/>
             </a:lvl5pPr>
-            <a:lvl6pPr marL="5454968" indent="0">
+            <a:lvl6pPr marL="2727484" indent="0">
               <a:buNone/>
-              <a:defRPr sz="4800"/>
+              <a:defRPr sz="2400"/>
             </a:lvl6pPr>
-            <a:lvl7pPr marL="6545961" indent="0">
+            <a:lvl7pPr marL="3272981" indent="0">
               <a:buNone/>
-              <a:defRPr sz="4800"/>
+              <a:defRPr sz="2400"/>
             </a:lvl7pPr>
-            <a:lvl8pPr marL="7636955" indent="0">
+            <a:lvl8pPr marL="3818478" indent="0">
               <a:buNone/>
-              <a:defRPr sz="4800"/>
+              <a:defRPr sz="2400"/>
             </a:lvl8pPr>
-            <a:lvl9pPr marL="8727948" indent="0">
+            <a:lvl9pPr marL="4363974" indent="0">
               <a:buNone/>
-              <a:defRPr sz="4800"/>
+              <a:defRPr sz="2400"/>
             </a:lvl9pPr>
           </a:lstStyle>
           <a:p>
@@ -2283,8 +2283,8 @@
         </p:nvSpPr>
         <p:spPr>
           <a:xfrm>
-            <a:off x="1511621" y="4937762"/>
-            <a:ext cx="7078027" cy="9147811"/>
+            <a:off x="755811" y="2468881"/>
+            <a:ext cx="3539014" cy="4573906"/>
           </a:xfrm>
         </p:spPr>
         <p:txBody>
@@ -2292,39 +2292,39 @@
           <a:lstStyle>
             <a:lvl1pPr marL="0" indent="0">
               <a:buNone/>
-              <a:defRPr sz="3800"/>
+              <a:defRPr sz="1900"/>
             </a:lvl1pPr>
-            <a:lvl2pPr marL="1090994" indent="0">
+            <a:lvl2pPr marL="545497" indent="0">
               <a:buNone/>
-              <a:defRPr sz="3300"/>
+              <a:defRPr sz="1700"/>
             </a:lvl2pPr>
-            <a:lvl3pPr marL="2181987" indent="0">
+            <a:lvl3pPr marL="1090994" indent="0">
               <a:buNone/>
-              <a:defRPr sz="2900"/>
+              <a:defRPr sz="1500"/>
             </a:lvl3pPr>
-            <a:lvl4pPr marL="3272981" indent="0">
+            <a:lvl4pPr marL="1636491" indent="0">
               <a:buNone/>
-              <a:defRPr sz="2400"/>
+              <a:defRPr sz="1200"/>
             </a:lvl4pPr>
-            <a:lvl5pPr marL="4363974" indent="0">
+            <a:lvl5pPr marL="2181987" indent="0">
               <a:buNone/>
-              <a:defRPr sz="2400"/>
+              <a:defRPr sz="1200"/>
             </a:lvl5pPr>
-            <a:lvl6pPr marL="5454968" indent="0">
+            <a:lvl6pPr marL="2727484" indent="0">
               <a:buNone/>
-              <a:defRPr sz="2400"/>
+              <a:defRPr sz="1200"/>
             </a:lvl6pPr>
-            <a:lvl7pPr marL="6545961" indent="0">
+            <a:lvl7pPr marL="3272981" indent="0">
               <a:buNone/>
-              <a:defRPr sz="2400"/>
+              <a:defRPr sz="1200"/>
             </a:lvl7pPr>
-            <a:lvl8pPr marL="7636955" indent="0">
+            <a:lvl8pPr marL="3818478" indent="0">
               <a:buNone/>
-              <a:defRPr sz="2400"/>
+              <a:defRPr sz="1200"/>
             </a:lvl8pPr>
-            <a:lvl9pPr marL="8727948" indent="0">
+            <a:lvl9pPr marL="4363974" indent="0">
               <a:buNone/>
-              <a:defRPr sz="2400"/>
+              <a:defRPr sz="1200"/>
             </a:lvl9pPr>
           </a:lstStyle>
           <a:p>
@@ -2353,7 +2353,7 @@
           <a:p>
             <a:fld id="{42C1E845-9D35-42B9-9CDA-699C804E8D28}" type="datetimeFigureOut">
               <a:rPr lang="en-US" smtClean="0"/>
-              <a:t>9/5/16</a:t>
+              <a:t>9/6/16</a:t>
             </a:fld>
             <a:endParaRPr lang="en-US"/>
           </a:p>
@@ -2448,15 +2448,15 @@
         </p:nvSpPr>
         <p:spPr>
           <a:xfrm>
-            <a:off x="1508760" y="876305"/>
-            <a:ext cx="18928080" cy="3181351"/>
+            <a:off x="754380" y="438153"/>
+            <a:ext cx="9464040" cy="1590676"/>
           </a:xfrm>
           <a:prstGeom prst="rect">
             <a:avLst/>
           </a:prstGeom>
         </p:spPr>
         <p:txBody>
-          <a:bodyPr vert="horz" lIns="43640" tIns="21820" rIns="43640" bIns="21820" rtlCol="0" anchor="ctr">
+          <a:bodyPr vert="horz" lIns="21820" tIns="10910" rIns="21820" bIns="10910" rtlCol="0" anchor="ctr">
             <a:normAutofit/>
           </a:bodyPr>
           <a:lstStyle/>
@@ -2481,15 +2481,15 @@
         </p:nvSpPr>
         <p:spPr>
           <a:xfrm>
-            <a:off x="1508760" y="4381500"/>
-            <a:ext cx="18928080" cy="10443212"/>
+            <a:off x="754380" y="2190750"/>
+            <a:ext cx="9464040" cy="5221606"/>
           </a:xfrm>
           <a:prstGeom prst="rect">
             <a:avLst/>
           </a:prstGeom>
         </p:spPr>
         <p:txBody>
-          <a:bodyPr vert="horz" lIns="43640" tIns="21820" rIns="43640" bIns="21820" rtlCol="0">
+          <a:bodyPr vert="horz" lIns="21820" tIns="10910" rIns="21820" bIns="10910" rtlCol="0">
             <a:normAutofit/>
           </a:bodyPr>
           <a:lstStyle/>
@@ -2543,18 +2543,18 @@
         </p:nvSpPr>
         <p:spPr>
           <a:xfrm>
-            <a:off x="1508760" y="15255243"/>
-            <a:ext cx="4937760" cy="876301"/>
+            <a:off x="754380" y="7627622"/>
+            <a:ext cx="2468880" cy="438151"/>
           </a:xfrm>
           <a:prstGeom prst="rect">
             <a:avLst/>
           </a:prstGeom>
         </p:spPr>
         <p:txBody>
-          <a:bodyPr vert="horz" lIns="43640" tIns="21820" rIns="43640" bIns="21820" rtlCol="0" anchor="ctr"/>
+          <a:bodyPr vert="horz" lIns="21820" tIns="10910" rIns="21820" bIns="10910" rtlCol="0" anchor="ctr"/>
           <a:lstStyle>
             <a:lvl1pPr algn="l">
-              <a:defRPr sz="2900">
+              <a:defRPr sz="1500">
                 <a:solidFill>
                   <a:schemeClr val="tx1">
                     <a:tint val="75000"/>
@@ -2566,7 +2566,7 @@
           <a:p>
             <a:fld id="{42C1E845-9D35-42B9-9CDA-699C804E8D28}" type="datetimeFigureOut">
               <a:rPr lang="en-US" smtClean="0"/>
-              <a:t>9/5/16</a:t>
+              <a:t>9/6/16</a:t>
             </a:fld>
             <a:endParaRPr lang="en-US"/>
           </a:p>
@@ -2584,18 +2584,18 @@
         </p:nvSpPr>
         <p:spPr>
           <a:xfrm>
-            <a:off x="7269480" y="15255243"/>
-            <a:ext cx="7406640" cy="876301"/>
+            <a:off x="3634740" y="7627622"/>
+            <a:ext cx="3703320" cy="438151"/>
           </a:xfrm>
           <a:prstGeom prst="rect">
             <a:avLst/>
           </a:prstGeom>
         </p:spPr>
         <p:txBody>
-          <a:bodyPr vert="horz" lIns="43640" tIns="21820" rIns="43640" bIns="21820" rtlCol="0" anchor="ctr"/>
+          <a:bodyPr vert="horz" lIns="21820" tIns="10910" rIns="21820" bIns="10910" rtlCol="0" anchor="ctr"/>
           <a:lstStyle>
             <a:lvl1pPr algn="ctr">
-              <a:defRPr sz="2900">
+              <a:defRPr sz="1500">
                 <a:solidFill>
                   <a:schemeClr val="tx1">
                     <a:tint val="75000"/>
@@ -2621,18 +2621,18 @@
         </p:nvSpPr>
         <p:spPr>
           <a:xfrm>
-            <a:off x="15499080" y="15255243"/>
-            <a:ext cx="4937760" cy="876301"/>
+            <a:off x="7749540" y="7627622"/>
+            <a:ext cx="2468880" cy="438151"/>
           </a:xfrm>
           <a:prstGeom prst="rect">
             <a:avLst/>
           </a:prstGeom>
         </p:spPr>
         <p:txBody>
-          <a:bodyPr vert="horz" lIns="43640" tIns="21820" rIns="43640" bIns="21820" rtlCol="0" anchor="ctr"/>
+          <a:bodyPr vert="horz" lIns="21820" tIns="10910" rIns="21820" bIns="10910" rtlCol="0" anchor="ctr"/>
           <a:lstStyle>
             <a:lvl1pPr algn="r">
-              <a:defRPr sz="2900">
+              <a:defRPr sz="1500">
                 <a:solidFill>
                   <a:schemeClr val="tx1">
                     <a:tint val="75000"/>
@@ -2673,7 +2673,7 @@
   </p:sldLayoutIdLst>
   <p:txStyles>
     <p:titleStyle>
-      <a:lvl1pPr algn="l" defTabSz="2181987" rtl="0" eaLnBrk="1" latinLnBrk="0" hangingPunct="1">
+      <a:lvl1pPr algn="l" defTabSz="1090994" rtl="0" eaLnBrk="1" latinLnBrk="0" hangingPunct="1">
         <a:lnSpc>
           <a:spcPct val="90000"/>
         </a:lnSpc>
@@ -2681,7 +2681,7 @@
           <a:spcPct val="0"/>
         </a:spcBef>
         <a:buNone/>
-        <a:defRPr sz="10500" kern="1200">
+        <a:defRPr sz="5300" kern="1200">
           <a:solidFill>
             <a:schemeClr val="tx1"/>
           </a:solidFill>
@@ -2692,16 +2692,16 @@
       </a:lvl1pPr>
     </p:titleStyle>
     <p:bodyStyle>
-      <a:lvl1pPr marL="545497" indent="-545497" algn="l" defTabSz="2181987" rtl="0" eaLnBrk="1" latinLnBrk="0" hangingPunct="1">
+      <a:lvl1pPr marL="272749" indent="-272749" algn="l" defTabSz="1090994" rtl="0" eaLnBrk="1" latinLnBrk="0" hangingPunct="1">
         <a:lnSpc>
           <a:spcPct val="90000"/>
         </a:lnSpc>
         <a:spcBef>
-          <a:spcPts val="2386"/>
+          <a:spcPts val="1193"/>
         </a:spcBef>
         <a:buFont typeface="Arial" panose="020B0604020202020204" pitchFamily="34" charset="0"/>
         <a:buChar char="•"/>
-        <a:defRPr sz="6700" kern="1200">
+        <a:defRPr sz="3400" kern="1200">
           <a:solidFill>
             <a:schemeClr val="tx1"/>
           </a:solidFill>
@@ -2710,16 +2710,16 @@
           <a:cs typeface="+mn-cs"/>
         </a:defRPr>
       </a:lvl1pPr>
-      <a:lvl2pPr marL="1636490" indent="-545497" algn="l" defTabSz="2181987" rtl="0" eaLnBrk="1" latinLnBrk="0" hangingPunct="1">
+      <a:lvl2pPr marL="818245" indent="-272749" algn="l" defTabSz="1090994" rtl="0" eaLnBrk="1" latinLnBrk="0" hangingPunct="1">
         <a:lnSpc>
           <a:spcPct val="90000"/>
         </a:lnSpc>
         <a:spcBef>
-          <a:spcPts val="1193"/>
+          <a:spcPts val="597"/>
         </a:spcBef>
         <a:buFont typeface="Arial" panose="020B0604020202020204" pitchFamily="34" charset="0"/>
         <a:buChar char="•"/>
-        <a:defRPr sz="5700" kern="1200">
+        <a:defRPr sz="2900" kern="1200">
           <a:solidFill>
             <a:schemeClr val="tx1"/>
           </a:solidFill>
@@ -2728,16 +2728,16 @@
           <a:cs typeface="+mn-cs"/>
         </a:defRPr>
       </a:lvl2pPr>
-      <a:lvl3pPr marL="2727484" indent="-545497" algn="l" defTabSz="2181987" rtl="0" eaLnBrk="1" latinLnBrk="0" hangingPunct="1">
+      <a:lvl3pPr marL="1363742" indent="-272749" algn="l" defTabSz="1090994" rtl="0" eaLnBrk="1" latinLnBrk="0" hangingPunct="1">
         <a:lnSpc>
           <a:spcPct val="90000"/>
         </a:lnSpc>
         <a:spcBef>
-          <a:spcPts val="1193"/>
+          <a:spcPts val="597"/>
         </a:spcBef>
         <a:buFont typeface="Arial" panose="020B0604020202020204" pitchFamily="34" charset="0"/>
         <a:buChar char="•"/>
-        <a:defRPr sz="4800" kern="1200">
+        <a:defRPr sz="2400" kern="1200">
           <a:solidFill>
             <a:schemeClr val="tx1"/>
           </a:solidFill>
@@ -2746,16 +2746,16 @@
           <a:cs typeface="+mn-cs"/>
         </a:defRPr>
       </a:lvl3pPr>
-      <a:lvl4pPr marL="3818477" indent="-545497" algn="l" defTabSz="2181987" rtl="0" eaLnBrk="1" latinLnBrk="0" hangingPunct="1">
+      <a:lvl4pPr marL="1909239" indent="-272749" algn="l" defTabSz="1090994" rtl="0" eaLnBrk="1" latinLnBrk="0" hangingPunct="1">
         <a:lnSpc>
           <a:spcPct val="90000"/>
         </a:lnSpc>
         <a:spcBef>
-          <a:spcPts val="1193"/>
+          <a:spcPts val="597"/>
         </a:spcBef>
         <a:buFont typeface="Arial" panose="020B0604020202020204" pitchFamily="34" charset="0"/>
         <a:buChar char="•"/>
-        <a:defRPr sz="4300" kern="1200">
+        <a:defRPr sz="2200" kern="1200">
           <a:solidFill>
             <a:schemeClr val="tx1"/>
           </a:solidFill>
@@ -2764,16 +2764,16 @@
           <a:cs typeface="+mn-cs"/>
         </a:defRPr>
       </a:lvl4pPr>
-      <a:lvl5pPr marL="4909471" indent="-545497" algn="l" defTabSz="2181987" rtl="0" eaLnBrk="1" latinLnBrk="0" hangingPunct="1">
+      <a:lvl5pPr marL="2454736" indent="-272749" algn="l" defTabSz="1090994" rtl="0" eaLnBrk="1" latinLnBrk="0" hangingPunct="1">
         <a:lnSpc>
           <a:spcPct val="90000"/>
         </a:lnSpc>
         <a:spcBef>
-          <a:spcPts val="1193"/>
+          <a:spcPts val="597"/>
         </a:spcBef>
         <a:buFont typeface="Arial" panose="020B0604020202020204" pitchFamily="34" charset="0"/>
         <a:buChar char="•"/>
-        <a:defRPr sz="4300" kern="1200">
+        <a:defRPr sz="2200" kern="1200">
           <a:solidFill>
             <a:schemeClr val="tx1"/>
           </a:solidFill>
@@ -2782,16 +2782,16 @@
           <a:cs typeface="+mn-cs"/>
         </a:defRPr>
       </a:lvl5pPr>
-      <a:lvl6pPr marL="6000464" indent="-545497" algn="l" defTabSz="2181987" rtl="0" eaLnBrk="1" latinLnBrk="0" hangingPunct="1">
+      <a:lvl6pPr marL="3000232" indent="-272749" algn="l" defTabSz="1090994" rtl="0" eaLnBrk="1" latinLnBrk="0" hangingPunct="1">
         <a:lnSpc>
           <a:spcPct val="90000"/>
         </a:lnSpc>
         <a:spcBef>
-          <a:spcPts val="1193"/>
+          <a:spcPts val="597"/>
         </a:spcBef>
         <a:buFont typeface="Arial" panose="020B0604020202020204" pitchFamily="34" charset="0"/>
         <a:buChar char="•"/>
-        <a:defRPr sz="4300" kern="1200">
+        <a:defRPr sz="2200" kern="1200">
           <a:solidFill>
             <a:schemeClr val="tx1"/>
           </a:solidFill>
@@ -2800,16 +2800,16 @@
           <a:cs typeface="+mn-cs"/>
         </a:defRPr>
       </a:lvl6pPr>
-      <a:lvl7pPr marL="7091458" indent="-545497" algn="l" defTabSz="2181987" rtl="0" eaLnBrk="1" latinLnBrk="0" hangingPunct="1">
+      <a:lvl7pPr marL="3545729" indent="-272749" algn="l" defTabSz="1090994" rtl="0" eaLnBrk="1" latinLnBrk="0" hangingPunct="1">
         <a:lnSpc>
           <a:spcPct val="90000"/>
         </a:lnSpc>
         <a:spcBef>
-          <a:spcPts val="1193"/>
+          <a:spcPts val="597"/>
         </a:spcBef>
         <a:buFont typeface="Arial" panose="020B0604020202020204" pitchFamily="34" charset="0"/>
         <a:buChar char="•"/>
-        <a:defRPr sz="4300" kern="1200">
+        <a:defRPr sz="2200" kern="1200">
           <a:solidFill>
             <a:schemeClr val="tx1"/>
           </a:solidFill>
@@ -2818,16 +2818,16 @@
           <a:cs typeface="+mn-cs"/>
         </a:defRPr>
       </a:lvl7pPr>
-      <a:lvl8pPr marL="8182451" indent="-545497" algn="l" defTabSz="2181987" rtl="0" eaLnBrk="1" latinLnBrk="0" hangingPunct="1">
+      <a:lvl8pPr marL="4091226" indent="-272749" algn="l" defTabSz="1090994" rtl="0" eaLnBrk="1" latinLnBrk="0" hangingPunct="1">
         <a:lnSpc>
           <a:spcPct val="90000"/>
         </a:lnSpc>
         <a:spcBef>
-          <a:spcPts val="1193"/>
+          <a:spcPts val="597"/>
         </a:spcBef>
         <a:buFont typeface="Arial" panose="020B0604020202020204" pitchFamily="34" charset="0"/>
         <a:buChar char="•"/>
-        <a:defRPr sz="4300" kern="1200">
+        <a:defRPr sz="2200" kern="1200">
           <a:solidFill>
             <a:schemeClr val="tx1"/>
           </a:solidFill>
@@ -2836,16 +2836,16 @@
           <a:cs typeface="+mn-cs"/>
         </a:defRPr>
       </a:lvl8pPr>
-      <a:lvl9pPr marL="9273445" indent="-545497" algn="l" defTabSz="2181987" rtl="0" eaLnBrk="1" latinLnBrk="0" hangingPunct="1">
+      <a:lvl9pPr marL="4636723" indent="-272749" algn="l" defTabSz="1090994" rtl="0" eaLnBrk="1" latinLnBrk="0" hangingPunct="1">
         <a:lnSpc>
           <a:spcPct val="90000"/>
         </a:lnSpc>
         <a:spcBef>
-          <a:spcPts val="1193"/>
+          <a:spcPts val="597"/>
         </a:spcBef>
         <a:buFont typeface="Arial" panose="020B0604020202020204" pitchFamily="34" charset="0"/>
         <a:buChar char="•"/>
-        <a:defRPr sz="4300" kern="1200">
+        <a:defRPr sz="2200" kern="1200">
           <a:solidFill>
             <a:schemeClr val="tx1"/>
           </a:solidFill>
@@ -2859,8 +2859,8 @@
       <a:defPPr>
         <a:defRPr lang="en-US"/>
       </a:defPPr>
-      <a:lvl1pPr marL="0" algn="l" defTabSz="2181987" rtl="0" eaLnBrk="1" latinLnBrk="0" hangingPunct="1">
-        <a:defRPr sz="4300" kern="1200">
+      <a:lvl1pPr marL="0" algn="l" defTabSz="1090994" rtl="0" eaLnBrk="1" latinLnBrk="0" hangingPunct="1">
+        <a:defRPr sz="2200" kern="1200">
           <a:solidFill>
             <a:schemeClr val="tx1"/>
           </a:solidFill>
@@ -2869,8 +2869,8 @@
           <a:cs typeface="+mn-cs"/>
         </a:defRPr>
       </a:lvl1pPr>
-      <a:lvl2pPr marL="1090994" algn="l" defTabSz="2181987" rtl="0" eaLnBrk="1" latinLnBrk="0" hangingPunct="1">
-        <a:defRPr sz="4300" kern="1200">
+      <a:lvl2pPr marL="545497" algn="l" defTabSz="1090994" rtl="0" eaLnBrk="1" latinLnBrk="0" hangingPunct="1">
+        <a:defRPr sz="2200" kern="1200">
           <a:solidFill>
             <a:schemeClr val="tx1"/>
           </a:solidFill>
@@ -2879,8 +2879,8 @@
           <a:cs typeface="+mn-cs"/>
         </a:defRPr>
       </a:lvl2pPr>
-      <a:lvl3pPr marL="2181987" algn="l" defTabSz="2181987" rtl="0" eaLnBrk="1" latinLnBrk="0" hangingPunct="1">
-        <a:defRPr sz="4300" kern="1200">
+      <a:lvl3pPr marL="1090994" algn="l" defTabSz="1090994" rtl="0" eaLnBrk="1" latinLnBrk="0" hangingPunct="1">
+        <a:defRPr sz="2200" kern="1200">
           <a:solidFill>
             <a:schemeClr val="tx1"/>
           </a:solidFill>
@@ -2889,8 +2889,8 @@
           <a:cs typeface="+mn-cs"/>
         </a:defRPr>
       </a:lvl3pPr>
-      <a:lvl4pPr marL="3272981" algn="l" defTabSz="2181987" rtl="0" eaLnBrk="1" latinLnBrk="0" hangingPunct="1">
-        <a:defRPr sz="4300" kern="1200">
+      <a:lvl4pPr marL="1636491" algn="l" defTabSz="1090994" rtl="0" eaLnBrk="1" latinLnBrk="0" hangingPunct="1">
+        <a:defRPr sz="2200" kern="1200">
           <a:solidFill>
             <a:schemeClr val="tx1"/>
           </a:solidFill>
@@ -2899,8 +2899,8 @@
           <a:cs typeface="+mn-cs"/>
         </a:defRPr>
       </a:lvl4pPr>
-      <a:lvl5pPr marL="4363974" algn="l" defTabSz="2181987" rtl="0" eaLnBrk="1" latinLnBrk="0" hangingPunct="1">
-        <a:defRPr sz="4300" kern="1200">
+      <a:lvl5pPr marL="2181987" algn="l" defTabSz="1090994" rtl="0" eaLnBrk="1" latinLnBrk="0" hangingPunct="1">
+        <a:defRPr sz="2200" kern="1200">
           <a:solidFill>
             <a:schemeClr val="tx1"/>
           </a:solidFill>
@@ -2909,8 +2909,8 @@
           <a:cs typeface="+mn-cs"/>
         </a:defRPr>
       </a:lvl5pPr>
-      <a:lvl6pPr marL="5454968" algn="l" defTabSz="2181987" rtl="0" eaLnBrk="1" latinLnBrk="0" hangingPunct="1">
-        <a:defRPr sz="4300" kern="1200">
+      <a:lvl6pPr marL="2727484" algn="l" defTabSz="1090994" rtl="0" eaLnBrk="1" latinLnBrk="0" hangingPunct="1">
+        <a:defRPr sz="2200" kern="1200">
           <a:solidFill>
             <a:schemeClr val="tx1"/>
           </a:solidFill>
@@ -2919,8 +2919,8 @@
           <a:cs typeface="+mn-cs"/>
         </a:defRPr>
       </a:lvl6pPr>
-      <a:lvl7pPr marL="6545961" algn="l" defTabSz="2181987" rtl="0" eaLnBrk="1" latinLnBrk="0" hangingPunct="1">
-        <a:defRPr sz="4300" kern="1200">
+      <a:lvl7pPr marL="3272981" algn="l" defTabSz="1090994" rtl="0" eaLnBrk="1" latinLnBrk="0" hangingPunct="1">
+        <a:defRPr sz="2200" kern="1200">
           <a:solidFill>
             <a:schemeClr val="tx1"/>
           </a:solidFill>
@@ -2929,8 +2929,8 @@
           <a:cs typeface="+mn-cs"/>
         </a:defRPr>
       </a:lvl7pPr>
-      <a:lvl8pPr marL="7636955" algn="l" defTabSz="2181987" rtl="0" eaLnBrk="1" latinLnBrk="0" hangingPunct="1">
-        <a:defRPr sz="4300" kern="1200">
+      <a:lvl8pPr marL="3818478" algn="l" defTabSz="1090994" rtl="0" eaLnBrk="1" latinLnBrk="0" hangingPunct="1">
+        <a:defRPr sz="2200" kern="1200">
           <a:solidFill>
             <a:schemeClr val="tx1"/>
           </a:solidFill>
@@ -2939,8 +2939,8 @@
           <a:cs typeface="+mn-cs"/>
         </a:defRPr>
       </a:lvl8pPr>
-      <a:lvl9pPr marL="8727948" algn="l" defTabSz="2181987" rtl="0" eaLnBrk="1" latinLnBrk="0" hangingPunct="1">
-        <a:defRPr sz="4300" kern="1200">
+      <a:lvl9pPr marL="4363974" algn="l" defTabSz="1090994" rtl="0" eaLnBrk="1" latinLnBrk="0" hangingPunct="1">
+        <a:defRPr sz="2200" kern="1200">
           <a:solidFill>
             <a:schemeClr val="tx1"/>
           </a:solidFill>
@@ -2979,8 +2979,8 @@
         </p:nvGrpSpPr>
         <p:grpSpPr>
           <a:xfrm>
-            <a:off x="-2726801" y="-66745"/>
-            <a:ext cx="11915632" cy="6702542"/>
+            <a:off x="-1363401" y="-33373"/>
+            <a:ext cx="5957816" cy="3351271"/>
             <a:chOff x="-4711990" y="513760"/>
             <a:chExt cx="24328597" cy="13684834"/>
           </a:xfrm>
@@ -3072,7 +3072,7 @@
               <a:lstStyle/>
               <a:p>
                 <a:pPr algn="ctr"/>
-                <a:endParaRPr lang="en-US" sz="5000">
+                <a:endParaRPr lang="en-US" sz="2500">
                   <a:latin typeface="Times New Roman"/>
                   <a:cs typeface="Times New Roman"/>
                 </a:endParaRPr>
@@ -3122,7 +3122,7 @@
               <a:lstStyle/>
               <a:p>
                 <a:pPr algn="ctr"/>
-                <a:endParaRPr lang="en-US" sz="5000">
+                <a:endParaRPr lang="en-US" sz="2500">
                   <a:latin typeface="Times New Roman"/>
                   <a:cs typeface="Times New Roman"/>
                 </a:endParaRPr>
@@ -3137,8 +3137,8 @@
             </p:nvSpPr>
             <p:spPr>
               <a:xfrm>
-                <a:off x="8785183" y="2447757"/>
-                <a:ext cx="2149555" cy="2366436"/>
+                <a:off x="8593224" y="2447757"/>
+                <a:ext cx="2533472" cy="2569276"/>
               </a:xfrm>
               <a:prstGeom prst="rect">
                 <a:avLst/>
@@ -3153,7 +3153,7 @@
               <a:p>
                 <a:pPr algn="ctr"/>
                 <a:r>
-                  <a:rPr lang="en-US" sz="3200" dirty="0">
+                  <a:rPr lang="en-US" sz="1600" dirty="0">
                     <a:latin typeface="Times New Roman"/>
                     <a:cs typeface="Times New Roman"/>
                   </a:rPr>
@@ -3163,7 +3163,7 @@
               <a:p>
                 <a:pPr algn="ctr"/>
                 <a:r>
-                  <a:rPr lang="en-US" sz="3200" dirty="0">
+                  <a:rPr lang="en-US" sz="1600" dirty="0">
                     <a:latin typeface="Times New Roman"/>
                     <a:cs typeface="Times New Roman"/>
                   </a:rPr>
@@ -3180,8 +3180,8 @@
             </p:nvSpPr>
             <p:spPr>
               <a:xfrm>
-                <a:off x="5601440" y="9867047"/>
-                <a:ext cx="1352216" cy="1284638"/>
+                <a:off x="5424145" y="9867047"/>
+                <a:ext cx="1706811" cy="1487473"/>
               </a:xfrm>
               <a:prstGeom prst="rect">
                 <a:avLst/>
@@ -3196,7 +3196,7 @@
               <a:p>
                 <a:pPr algn="ctr"/>
                 <a:r>
-                  <a:rPr lang="en-US" sz="3200" i="1" dirty="0">
+                  <a:rPr lang="en-US" sz="1600" i="1" dirty="0">
                     <a:latin typeface="Times New Roman"/>
                     <a:cs typeface="Times New Roman"/>
                   </a:rPr>
@@ -3213,8 +3213,8 @@
             </p:nvSpPr>
             <p:spPr>
               <a:xfrm>
-                <a:off x="5705357" y="-85772"/>
-                <a:ext cx="950079" cy="1284638"/>
+                <a:off x="5528062" y="-85772"/>
+                <a:ext cx="1304673" cy="1487473"/>
               </a:xfrm>
               <a:prstGeom prst="rect">
                 <a:avLst/>
@@ -3229,13 +3229,13 @@
               <a:p>
                 <a:pPr algn="ctr"/>
                 <a:r>
-                  <a:rPr lang="en-US" sz="3200" i="1" dirty="0" err="1">
+                  <a:rPr lang="en-US" sz="1600" i="1" dirty="0" err="1">
                     <a:latin typeface="Times New Roman"/>
                     <a:cs typeface="Times New Roman"/>
                   </a:rPr>
                   <a:t>ε</a:t>
                 </a:r>
-                <a:endParaRPr lang="en-US" sz="3200" i="1" dirty="0">
+                <a:endParaRPr lang="en-US" sz="1600" i="1" dirty="0">
                   <a:latin typeface="Times New Roman"/>
                   <a:cs typeface="Times New Roman"/>
                 </a:endParaRPr>
@@ -3250,8 +3250,8 @@
             </p:nvSpPr>
             <p:spPr>
               <a:xfrm>
-                <a:off x="3101131" y="6479146"/>
-                <a:ext cx="2118793" cy="1284638"/>
+                <a:off x="2923834" y="6479146"/>
+                <a:ext cx="2473386" cy="1487473"/>
               </a:xfrm>
               <a:prstGeom prst="rect">
                 <a:avLst/>
@@ -3266,21 +3266,21 @@
               <a:p>
                 <a:pPr algn="ctr"/>
                 <a:r>
-                  <a:rPr lang="en-US" sz="3200" i="1" dirty="0">
+                  <a:rPr lang="en-US" sz="1600" i="1" dirty="0">
                     <a:latin typeface="Times New Roman"/>
                     <a:cs typeface="Times New Roman"/>
                   </a:rPr>
                   <a:t>ε</a:t>
                 </a:r>
                 <a:r>
-                  <a:rPr lang="en-US" sz="3200" dirty="0">
+                  <a:rPr lang="en-US" sz="1600" dirty="0">
                     <a:latin typeface="Times New Roman"/>
                     <a:cs typeface="Times New Roman"/>
                   </a:rPr>
                   <a:t>+2</a:t>
                 </a:r>
                 <a:r>
-                  <a:rPr lang="en-US" sz="3200" i="1" dirty="0">
+                  <a:rPr lang="en-US" sz="1600" i="1" dirty="0">
                     <a:latin typeface="Times New Roman"/>
                     <a:cs typeface="Times New Roman"/>
                   </a:rPr>
@@ -3449,8 +3449,8 @@
             </p:nvSpPr>
             <p:spPr>
               <a:xfrm>
-                <a:off x="9102265" y="1415631"/>
-                <a:ext cx="1410817" cy="1284638"/>
+                <a:off x="8923747" y="1415633"/>
+                <a:ext cx="1767854" cy="1487473"/>
               </a:xfrm>
               <a:prstGeom prst="rect">
                 <a:avLst/>
@@ -3467,20 +3467,20 @@
               <a:p>
                 <a:pPr algn="ctr"/>
                 <a:r>
-                  <a:rPr lang="en-US" sz="3200" i="1" dirty="0" err="1">
+                  <a:rPr lang="en-US" sz="1600" i="1" dirty="0" err="1">
                     <a:latin typeface="Times New Roman"/>
                     <a:cs typeface="Times New Roman"/>
                   </a:rPr>
                   <a:t>w</a:t>
                 </a:r>
                 <a:r>
-                  <a:rPr lang="en-US" sz="3200" i="1" baseline="-25000" dirty="0" err="1">
+                  <a:rPr lang="en-US" sz="1600" i="1" baseline="-25000" dirty="0" err="1">
                     <a:latin typeface="Times New Roman"/>
                     <a:cs typeface="Times New Roman"/>
                   </a:rPr>
                   <a:t>b</a:t>
                 </a:r>
-                <a:endParaRPr lang="en-US" sz="3200" i="1" dirty="0">
+                <a:endParaRPr lang="en-US" sz="1600" i="1" dirty="0">
                   <a:latin typeface="Times New Roman"/>
                   <a:cs typeface="Times New Roman"/>
                 </a:endParaRPr>
@@ -3533,8 +3533,8 @@
             </p:nvSpPr>
             <p:spPr>
               <a:xfrm>
-                <a:off x="5753700" y="2274041"/>
-                <a:ext cx="1175444" cy="1284638"/>
+                <a:off x="5753700" y="2274043"/>
+                <a:ext cx="1175442" cy="2208675"/>
               </a:xfrm>
               <a:prstGeom prst="rect">
                 <a:avLst/>
@@ -3549,20 +3549,20 @@
               <a:p>
                 <a:pPr algn="ctr"/>
                 <a:r>
-                  <a:rPr lang="en-US" sz="3200" i="1" dirty="0" err="1">
+                  <a:rPr lang="en-US" sz="1600" i="1" dirty="0" err="1">
                     <a:latin typeface="Times New Roman"/>
                     <a:cs typeface="Times New Roman"/>
                   </a:rPr>
                   <a:t>h</a:t>
                 </a:r>
                 <a:r>
-                  <a:rPr lang="en-US" sz="3200" i="1" baseline="-25000" dirty="0" err="1">
+                  <a:rPr lang="en-US" sz="1600" i="1" baseline="-25000" dirty="0" err="1">
                     <a:latin typeface="Times New Roman"/>
                     <a:cs typeface="Times New Roman"/>
                   </a:rPr>
                   <a:t>b</a:t>
                 </a:r>
-                <a:endParaRPr lang="en-US" sz="3200" i="1" dirty="0">
+                <a:endParaRPr lang="en-US" sz="1600" i="1" dirty="0">
                   <a:latin typeface="Times New Roman"/>
                   <a:cs typeface="Times New Roman"/>
                 </a:endParaRPr>
@@ -3654,7 +3654,7 @@
             <p:spPr>
               <a:xfrm>
                 <a:off x="5731318" y="7427405"/>
-                <a:ext cx="1055127" cy="1284638"/>
+                <a:ext cx="1055129" cy="2208675"/>
               </a:xfrm>
               <a:prstGeom prst="rect">
                 <a:avLst/>
@@ -3669,20 +3669,20 @@
               <a:p>
                 <a:pPr algn="ctr"/>
                 <a:r>
-                  <a:rPr lang="en-US" sz="3200" i="1" dirty="0" err="1">
+                  <a:rPr lang="en-US" sz="1600" i="1" dirty="0" err="1">
                     <a:latin typeface="Times New Roman"/>
                     <a:cs typeface="Times New Roman"/>
                   </a:rPr>
                   <a:t>h</a:t>
                 </a:r>
                 <a:r>
-                  <a:rPr lang="en-US" sz="3200" i="1" baseline="-25000" dirty="0" err="1">
+                  <a:rPr lang="en-US" sz="1600" i="1" baseline="-25000" dirty="0" err="1">
                     <a:latin typeface="Times New Roman"/>
                     <a:cs typeface="Times New Roman"/>
                   </a:rPr>
                   <a:t>s</a:t>
                 </a:r>
-                <a:endParaRPr lang="en-US" sz="3200" i="1" dirty="0">
+                <a:endParaRPr lang="en-US" sz="1600" i="1" dirty="0">
                   <a:latin typeface="Times New Roman"/>
                   <a:cs typeface="Times New Roman"/>
                 </a:endParaRPr>
@@ -3698,7 +3698,7 @@
             <p:spPr>
               <a:xfrm>
                 <a:off x="8769696" y="9448468"/>
-                <a:ext cx="1240324" cy="1284638"/>
+                <a:ext cx="1240323" cy="2208675"/>
               </a:xfrm>
               <a:prstGeom prst="rect">
                 <a:avLst/>
@@ -3713,20 +3713,20 @@
               <a:p>
                 <a:pPr algn="ctr"/>
                 <a:r>
-                  <a:rPr lang="en-US" sz="3200" i="1" dirty="0" err="1">
+                  <a:rPr lang="en-US" sz="1600" i="1" dirty="0" err="1">
                     <a:latin typeface="Times New Roman"/>
                     <a:cs typeface="Times New Roman"/>
                   </a:rPr>
                   <a:t>w</a:t>
                 </a:r>
                 <a:r>
-                  <a:rPr lang="en-US" sz="3200" i="1" baseline="-25000" dirty="0" err="1">
+                  <a:rPr lang="en-US" sz="1600" i="1" baseline="-25000" dirty="0" err="1">
                     <a:latin typeface="Times New Roman"/>
                     <a:cs typeface="Times New Roman"/>
                   </a:rPr>
                   <a:t>s</a:t>
                 </a:r>
-                <a:endParaRPr lang="en-US" sz="3200" i="1" dirty="0">
+                <a:endParaRPr lang="en-US" sz="1600" i="1" dirty="0">
                   <a:latin typeface="Times New Roman"/>
                   <a:cs typeface="Times New Roman"/>
                 </a:endParaRPr>
@@ -3741,8 +3741,8 @@
             </p:nvSpPr>
             <p:spPr>
               <a:xfrm>
-                <a:off x="7862564" y="7100850"/>
-                <a:ext cx="2819523" cy="2366436"/>
+                <a:off x="7681605" y="7100850"/>
+                <a:ext cx="3181446" cy="2569276"/>
               </a:xfrm>
               <a:prstGeom prst="rect">
                 <a:avLst/>
@@ -3757,7 +3757,7 @@
               <a:p>
                 <a:pPr algn="ctr"/>
                 <a:r>
-                  <a:rPr lang="en-US" sz="3200" dirty="0">
+                  <a:rPr lang="en-US" sz="1600" dirty="0">
                     <a:latin typeface="Times New Roman"/>
                     <a:cs typeface="Times New Roman"/>
                   </a:rPr>
@@ -3767,7 +3767,7 @@
               <a:p>
                 <a:pPr algn="ctr"/>
                 <a:r>
-                  <a:rPr lang="en-US" sz="3200" dirty="0">
+                  <a:rPr lang="en-US" sz="1600" dirty="0">
                     <a:latin typeface="Times New Roman"/>
                     <a:cs typeface="Times New Roman"/>
                   </a:rPr>
@@ -3800,8 +3800,8 @@
         </p:blipFill>
         <p:spPr>
           <a:xfrm>
-            <a:off x="-1092848" y="7255894"/>
-            <a:ext cx="4681318" cy="2633242"/>
+            <a:off x="-546424" y="3627947"/>
+            <a:ext cx="2340659" cy="1316621"/>
           </a:xfrm>
           <a:prstGeom prst="rect">
             <a:avLst/>
@@ -3830,8 +3830,8 @@
         </p:blipFill>
         <p:spPr>
           <a:xfrm>
-            <a:off x="-1092846" y="10554231"/>
-            <a:ext cx="4670875" cy="2627368"/>
+            <a:off x="-546423" y="5277116"/>
+            <a:ext cx="2335438" cy="1313684"/>
           </a:xfrm>
           <a:prstGeom prst="rect">
             <a:avLst/>
@@ -3860,8 +3860,8 @@
         </p:blipFill>
         <p:spPr>
           <a:xfrm>
-            <a:off x="-1079995" y="13846701"/>
-            <a:ext cx="4668465" cy="2626012"/>
+            <a:off x="-539998" y="6923351"/>
+            <a:ext cx="2334233" cy="1313006"/>
           </a:xfrm>
           <a:prstGeom prst="rect">
             <a:avLst/>
@@ -3890,8 +3890,8 @@
         </p:blipFill>
         <p:spPr>
           <a:xfrm>
-            <a:off x="1693929" y="7279544"/>
-            <a:ext cx="4639271" cy="2609590"/>
+            <a:off x="846965" y="3639772"/>
+            <a:ext cx="2319636" cy="1304795"/>
           </a:xfrm>
           <a:prstGeom prst="rect">
             <a:avLst/>
@@ -3920,8 +3920,8 @@
         </p:blipFill>
         <p:spPr>
           <a:xfrm>
-            <a:off x="4461178" y="7277728"/>
-            <a:ext cx="4639272" cy="2609590"/>
+            <a:off x="2230589" y="3638864"/>
+            <a:ext cx="2319636" cy="1304795"/>
           </a:xfrm>
           <a:prstGeom prst="rect">
             <a:avLst/>
@@ -3950,8 +3950,8 @@
         </p:blipFill>
         <p:spPr>
           <a:xfrm>
-            <a:off x="7230079" y="7279544"/>
-            <a:ext cx="4641366" cy="2610768"/>
+            <a:off x="3615040" y="3639772"/>
+            <a:ext cx="2320683" cy="1305384"/>
           </a:xfrm>
           <a:prstGeom prst="rect">
             <a:avLst/>
@@ -3980,8 +3980,8 @@
         </p:blipFill>
         <p:spPr>
           <a:xfrm>
-            <a:off x="10001077" y="7277728"/>
-            <a:ext cx="4639271" cy="2609590"/>
+            <a:off x="5000539" y="3638864"/>
+            <a:ext cx="2319636" cy="1304795"/>
           </a:xfrm>
           <a:prstGeom prst="rect">
             <a:avLst/>
@@ -4010,8 +4010,8 @@
         </p:blipFill>
         <p:spPr>
           <a:xfrm>
-            <a:off x="12768326" y="7277728"/>
-            <a:ext cx="4639271" cy="2609590"/>
+            <a:off x="6384163" y="3638864"/>
+            <a:ext cx="2319636" cy="1304795"/>
           </a:xfrm>
           <a:prstGeom prst="rect">
             <a:avLst/>
@@ -4040,8 +4040,8 @@
         </p:blipFill>
         <p:spPr>
           <a:xfrm>
-            <a:off x="15537225" y="7255896"/>
-            <a:ext cx="4634918" cy="2607142"/>
+            <a:off x="7768613" y="3627948"/>
+            <a:ext cx="2317459" cy="1303571"/>
           </a:xfrm>
           <a:prstGeom prst="rect">
             <a:avLst/>
@@ -4070,8 +4070,8 @@
         </p:blipFill>
         <p:spPr>
           <a:xfrm>
-            <a:off x="18397135" y="7210129"/>
-            <a:ext cx="4596824" cy="2585714"/>
+            <a:off x="9198568" y="3605065"/>
+            <a:ext cx="2298412" cy="1292857"/>
           </a:xfrm>
           <a:prstGeom prst="rect">
             <a:avLst/>
@@ -4100,8 +4100,8 @@
         </p:blipFill>
         <p:spPr>
           <a:xfrm>
-            <a:off x="4461178" y="10571263"/>
-            <a:ext cx="4640602" cy="2610339"/>
+            <a:off x="2230589" y="5285632"/>
+            <a:ext cx="2320301" cy="1305170"/>
           </a:xfrm>
           <a:prstGeom prst="rect">
             <a:avLst/>
@@ -4130,8 +4130,8 @@
         </p:blipFill>
         <p:spPr>
           <a:xfrm>
-            <a:off x="7230080" y="10576068"/>
-            <a:ext cx="4632053" cy="2605530"/>
+            <a:off x="3615040" y="5288034"/>
+            <a:ext cx="2316027" cy="1302765"/>
           </a:xfrm>
           <a:prstGeom prst="rect">
             <a:avLst/>
@@ -4160,8 +4160,8 @@
         </p:blipFill>
         <p:spPr>
           <a:xfrm>
-            <a:off x="1672830" y="10561837"/>
-            <a:ext cx="4674103" cy="2629183"/>
+            <a:off x="836415" y="5280919"/>
+            <a:ext cx="2337052" cy="1314592"/>
           </a:xfrm>
           <a:prstGeom prst="rect">
             <a:avLst/>
@@ -4190,8 +4190,8 @@
         </p:blipFill>
         <p:spPr>
           <a:xfrm>
-            <a:off x="9984928" y="10575207"/>
-            <a:ext cx="4633589" cy="2606394"/>
+            <a:off x="4992464" y="5287604"/>
+            <a:ext cx="2316795" cy="1303197"/>
           </a:xfrm>
           <a:prstGeom prst="rect">
             <a:avLst/>
@@ -4220,8 +4220,8 @@
         </p:blipFill>
         <p:spPr>
           <a:xfrm>
-            <a:off x="15537230" y="10580688"/>
-            <a:ext cx="4626733" cy="2602537"/>
+            <a:off x="7768615" y="5290344"/>
+            <a:ext cx="2313367" cy="1301269"/>
           </a:xfrm>
           <a:prstGeom prst="rect">
             <a:avLst/>
@@ -4250,8 +4250,8 @@
         </p:blipFill>
         <p:spPr>
           <a:xfrm>
-            <a:off x="12786650" y="10582315"/>
-            <a:ext cx="4620948" cy="2599283"/>
+            <a:off x="6393325" y="5291158"/>
+            <a:ext cx="2310474" cy="1299642"/>
           </a:xfrm>
           <a:prstGeom prst="rect">
             <a:avLst/>
@@ -4280,8 +4280,8 @@
         </p:blipFill>
         <p:spPr>
           <a:xfrm>
-            <a:off x="18368828" y="10534923"/>
-            <a:ext cx="4653438" cy="2617559"/>
+            <a:off x="9184414" y="5267462"/>
+            <a:ext cx="2326719" cy="1308780"/>
           </a:xfrm>
           <a:prstGeom prst="rect">
             <a:avLst/>
@@ -4310,8 +4310,8 @@
         </p:blipFill>
         <p:spPr>
           <a:xfrm>
-            <a:off x="1664728" y="13846698"/>
-            <a:ext cx="4668470" cy="2626015"/>
+            <a:off x="832364" y="6923349"/>
+            <a:ext cx="2334235" cy="1313008"/>
           </a:xfrm>
           <a:prstGeom prst="rect">
             <a:avLst/>
@@ -4340,8 +4340,8 @@
         </p:blipFill>
         <p:spPr>
           <a:xfrm>
-            <a:off x="4446578" y="13846695"/>
-            <a:ext cx="4668471" cy="2626016"/>
+            <a:off x="2223289" y="6923348"/>
+            <a:ext cx="2334236" cy="1313008"/>
           </a:xfrm>
           <a:prstGeom prst="rect">
             <a:avLst/>
@@ -4370,8 +4370,8 @@
         </p:blipFill>
         <p:spPr>
           <a:xfrm>
-            <a:off x="7211871" y="13846695"/>
-            <a:ext cx="4668471" cy="2626016"/>
+            <a:off x="3605936" y="6923348"/>
+            <a:ext cx="2334236" cy="1313008"/>
           </a:xfrm>
           <a:prstGeom prst="rect">
             <a:avLst/>
@@ -4400,8 +4400,8 @@
         </p:blipFill>
         <p:spPr>
           <a:xfrm>
-            <a:off x="9977164" y="13846695"/>
-            <a:ext cx="4668472" cy="2626016"/>
+            <a:off x="4988582" y="6923348"/>
+            <a:ext cx="2334236" cy="1313008"/>
           </a:xfrm>
           <a:prstGeom prst="rect">
             <a:avLst/>
@@ -4430,8 +4430,8 @@
         </p:blipFill>
         <p:spPr>
           <a:xfrm>
-            <a:off x="12768324" y="13846695"/>
-            <a:ext cx="4668471" cy="2626016"/>
+            <a:off x="6384162" y="6923348"/>
+            <a:ext cx="2334236" cy="1313008"/>
           </a:xfrm>
           <a:prstGeom prst="rect">
             <a:avLst/>
@@ -4460,8 +4460,8 @@
         </p:blipFill>
         <p:spPr>
           <a:xfrm>
-            <a:off x="15520451" y="13846695"/>
-            <a:ext cx="4668471" cy="2626016"/>
+            <a:off x="7760226" y="6923348"/>
+            <a:ext cx="2334236" cy="1313008"/>
           </a:xfrm>
           <a:prstGeom prst="rect">
             <a:avLst/>
@@ -4490,8 +4490,8 @@
         </p:blipFill>
         <p:spPr>
           <a:xfrm>
-            <a:off x="18368830" y="13824370"/>
-            <a:ext cx="4668472" cy="2626016"/>
+            <a:off x="9184415" y="6912185"/>
+            <a:ext cx="2334236" cy="1313008"/>
           </a:xfrm>
           <a:prstGeom prst="rect">
             <a:avLst/>
@@ -4506,8 +4506,8 @@
         </p:nvGrpSpPr>
         <p:grpSpPr>
           <a:xfrm>
-            <a:off x="10887210" y="13237195"/>
-            <a:ext cx="137160" cy="546463"/>
+            <a:off x="5443605" y="6618598"/>
+            <a:ext cx="68580" cy="273232"/>
             <a:chOff x="13396070" y="13514614"/>
             <a:chExt cx="274320" cy="1092926"/>
           </a:xfrm>
@@ -4665,8 +4665,8 @@
         </p:nvSpPr>
         <p:spPr>
           <a:xfrm>
-            <a:off x="-19941" y="13366404"/>
-            <a:ext cx="764091" cy="553998"/>
+            <a:off x="-9971" y="6683202"/>
+            <a:ext cx="389844" cy="284693"/>
           </a:xfrm>
           <a:prstGeom prst="rect">
             <a:avLst/>
@@ -4674,20 +4674,20 @@
           <a:noFill/>
         </p:spPr>
         <p:txBody>
-          <a:bodyPr wrap="none" lIns="45720" tIns="22860" rIns="45720" bIns="22860" rtlCol="0">
+          <a:bodyPr wrap="none" lIns="22860" tIns="11430" rIns="22860" bIns="11430" rtlCol="0">
             <a:spAutoFit/>
           </a:bodyPr>
           <a:lstStyle/>
           <a:p>
             <a:r>
-              <a:rPr lang="en-US" sz="3300" i="1" dirty="0">
+              <a:rPr lang="en-US" sz="1700" i="1" dirty="0">
                 <a:latin typeface="Times New Roman"/>
                 <a:cs typeface="Times New Roman"/>
               </a:rPr>
               <a:t>k</a:t>
             </a:r>
             <a:r>
-              <a:rPr lang="en-US" sz="3300" dirty="0">
+              <a:rPr lang="en-US" sz="1700" dirty="0">
                 <a:latin typeface="Times New Roman"/>
                 <a:cs typeface="Times New Roman"/>
               </a:rPr>
@@ -4704,8 +4704,8 @@
         </p:nvSpPr>
         <p:spPr>
           <a:xfrm>
-            <a:off x="-35181" y="10059324"/>
-            <a:ext cx="764091" cy="553998"/>
+            <a:off x="-17591" y="5029662"/>
+            <a:ext cx="389844" cy="284693"/>
           </a:xfrm>
           <a:prstGeom prst="rect">
             <a:avLst/>
@@ -4713,20 +4713,20 @@
           <a:noFill/>
         </p:spPr>
         <p:txBody>
-          <a:bodyPr wrap="none" lIns="45720" tIns="22860" rIns="45720" bIns="22860" rtlCol="0">
+          <a:bodyPr wrap="none" lIns="22860" tIns="11430" rIns="22860" bIns="11430" rtlCol="0">
             <a:spAutoFit/>
           </a:bodyPr>
           <a:lstStyle/>
           <a:p>
             <a:r>
-              <a:rPr lang="en-US" sz="3300" i="1" dirty="0">
+              <a:rPr lang="en-US" sz="1700" i="1" dirty="0">
                 <a:latin typeface="Times New Roman"/>
                 <a:cs typeface="Times New Roman"/>
               </a:rPr>
               <a:t>k</a:t>
             </a:r>
             <a:r>
-              <a:rPr lang="en-US" sz="3300" dirty="0">
+              <a:rPr lang="en-US" sz="1700" dirty="0">
                 <a:latin typeface="Times New Roman"/>
                 <a:cs typeface="Times New Roman"/>
               </a:rPr>
@@ -4743,8 +4743,8 @@
         </p:nvSpPr>
         <p:spPr>
           <a:xfrm>
-            <a:off x="-35181" y="6748368"/>
-            <a:ext cx="764091" cy="553998"/>
+            <a:off x="-17591" y="3374184"/>
+            <a:ext cx="389844" cy="284693"/>
           </a:xfrm>
           <a:prstGeom prst="rect">
             <a:avLst/>
@@ -4752,20 +4752,20 @@
           <a:noFill/>
         </p:spPr>
         <p:txBody>
-          <a:bodyPr wrap="none" lIns="45720" tIns="22860" rIns="45720" bIns="22860" rtlCol="0">
+          <a:bodyPr wrap="none" lIns="22860" tIns="11430" rIns="22860" bIns="11430" rtlCol="0">
             <a:spAutoFit/>
           </a:bodyPr>
           <a:lstStyle/>
           <a:p>
             <a:r>
-              <a:rPr lang="en-US" sz="3300" i="1" dirty="0">
+              <a:rPr lang="en-US" sz="1700" i="1" dirty="0">
                 <a:latin typeface="Times New Roman"/>
                 <a:cs typeface="Times New Roman"/>
               </a:rPr>
               <a:t>k</a:t>
             </a:r>
             <a:r>
-              <a:rPr lang="en-US" sz="3300" dirty="0">
+              <a:rPr lang="en-US" sz="1700" dirty="0">
                 <a:latin typeface="Times New Roman"/>
                 <a:cs typeface="Times New Roman"/>
               </a:rPr>
@@ -4782,8 +4782,8 @@
         </p:nvSpPr>
         <p:spPr>
           <a:xfrm>
-            <a:off x="6811244" y="1646714"/>
-            <a:ext cx="1131079" cy="553998"/>
+            <a:off x="3396005" y="823357"/>
+            <a:ext cx="584775" cy="284693"/>
           </a:xfrm>
           <a:prstGeom prst="rect">
             <a:avLst/>
@@ -4791,14 +4791,14 @@
           <a:noFill/>
         </p:spPr>
         <p:txBody>
-          <a:bodyPr wrap="none" lIns="45720" tIns="22860" rIns="45720" bIns="22860" rtlCol="0">
+          <a:bodyPr wrap="none" lIns="22860" tIns="11430" rIns="22860" bIns="11430" rtlCol="0">
             <a:spAutoFit/>
           </a:bodyPr>
           <a:lstStyle/>
           <a:p>
             <a:pPr algn="ctr"/>
             <a:r>
-              <a:rPr lang="en-US" sz="3300" dirty="0">
+              <a:rPr lang="en-US" sz="1700" dirty="0">
                 <a:latin typeface="Times New Roman"/>
                 <a:cs typeface="Times New Roman"/>
               </a:rPr>
@@ -4815,8 +4815,8 @@
         </p:nvSpPr>
         <p:spPr>
           <a:xfrm>
-            <a:off x="6813107" y="2500318"/>
-            <a:ext cx="914955" cy="553998"/>
+            <a:off x="3400322" y="1250159"/>
+            <a:ext cx="469942" cy="284693"/>
           </a:xfrm>
           <a:prstGeom prst="rect">
             <a:avLst/>
@@ -4824,14 +4824,14 @@
           <a:noFill/>
         </p:spPr>
         <p:txBody>
-          <a:bodyPr wrap="none" lIns="45720" tIns="22860" rIns="45720" bIns="22860" rtlCol="0">
+          <a:bodyPr wrap="none" lIns="22860" tIns="11430" rIns="22860" bIns="11430" rtlCol="0">
             <a:spAutoFit/>
           </a:bodyPr>
           <a:lstStyle/>
           <a:p>
             <a:pPr algn="ctr"/>
             <a:r>
-              <a:rPr lang="en-US" sz="3300" dirty="0">
+              <a:rPr lang="en-US" sz="1700" dirty="0">
                 <a:latin typeface="Times New Roman"/>
                 <a:cs typeface="Times New Roman"/>
               </a:rPr>
@@ -4848,8 +4848,8 @@
         </p:nvSpPr>
         <p:spPr>
           <a:xfrm>
-            <a:off x="6812915" y="3330714"/>
-            <a:ext cx="1079645" cy="553998"/>
+            <a:off x="3396806" y="1665357"/>
+            <a:ext cx="559127" cy="284693"/>
           </a:xfrm>
           <a:prstGeom prst="rect">
             <a:avLst/>
@@ -4857,14 +4857,14 @@
           <a:noFill/>
         </p:spPr>
         <p:txBody>
-          <a:bodyPr wrap="none" lIns="45720" tIns="22860" rIns="45720" bIns="22860" rtlCol="0">
+          <a:bodyPr wrap="none" lIns="22860" tIns="11430" rIns="22860" bIns="11430" rtlCol="0">
             <a:spAutoFit/>
           </a:bodyPr>
           <a:lstStyle/>
           <a:p>
             <a:pPr algn="ctr"/>
             <a:r>
-              <a:rPr lang="en-US" sz="3300" dirty="0">
+              <a:rPr lang="en-US" sz="1700" dirty="0">
                 <a:latin typeface="Times New Roman"/>
                 <a:cs typeface="Times New Roman"/>
               </a:rPr>
@@ -4881,8 +4881,8 @@
         </p:nvSpPr>
         <p:spPr>
           <a:xfrm>
-            <a:off x="6741284" y="4182637"/>
-            <a:ext cx="2008065" cy="553998"/>
+            <a:off x="3355851" y="2091319"/>
+            <a:ext cx="1033616" cy="284693"/>
           </a:xfrm>
           <a:prstGeom prst="rect">
             <a:avLst/>
@@ -4890,14 +4890,14 @@
           <a:noFill/>
         </p:spPr>
         <p:txBody>
-          <a:bodyPr wrap="none" lIns="45720" tIns="22860" rIns="45720" bIns="22860" rtlCol="0">
+          <a:bodyPr wrap="none" lIns="22860" tIns="11430" rIns="22860" bIns="11430" rtlCol="0">
             <a:spAutoFit/>
           </a:bodyPr>
           <a:lstStyle/>
           <a:p>
             <a:pPr algn="ctr"/>
             <a:r>
-              <a:rPr lang="en-US" sz="3300" dirty="0">
+              <a:rPr lang="en-US" sz="1700" dirty="0">
                 <a:latin typeface="Times New Roman"/>
                 <a:cs typeface="Times New Roman"/>
               </a:rPr>
@@ -4914,8 +4914,8 @@
         </p:nvGrpSpPr>
         <p:grpSpPr>
           <a:xfrm rot="5400000">
-            <a:off x="9057775" y="4236202"/>
-            <a:ext cx="735576" cy="724439"/>
+            <a:off x="4528888" y="2118101"/>
+            <a:ext cx="367788" cy="362220"/>
             <a:chOff x="6330339" y="5786642"/>
             <a:chExt cx="631500" cy="334817"/>
           </a:xfrm>
@@ -5045,8 +5045,8 @@
         </p:nvCxnSpPr>
         <p:spPr>
           <a:xfrm flipH="1">
-            <a:off x="1746325" y="9222128"/>
-            <a:ext cx="362856" cy="397661"/>
+            <a:off x="873163" y="4611064"/>
+            <a:ext cx="181428" cy="198831"/>
           </a:xfrm>
           <a:prstGeom prst="straightConnector1">
             <a:avLst/>
@@ -5095,8 +5095,8 @@
         </p:blipFill>
         <p:spPr>
           <a:xfrm>
-            <a:off x="8894123" y="1477890"/>
-            <a:ext cx="868681" cy="914401"/>
+            <a:off x="4447062" y="738945"/>
+            <a:ext cx="434341" cy="457201"/>
           </a:xfrm>
           <a:prstGeom prst="rect">
             <a:avLst/>
@@ -5124,8 +5124,8 @@
         </p:blipFill>
         <p:spPr>
           <a:xfrm>
-            <a:off x="8959095" y="2558367"/>
-            <a:ext cx="757989" cy="737937"/>
+            <a:off x="4479548" y="1279184"/>
+            <a:ext cx="378995" cy="368969"/>
           </a:xfrm>
           <a:prstGeom prst="rect">
             <a:avLst/>
@@ -5140,8 +5140,8 @@
         </p:nvCxnSpPr>
         <p:spPr>
           <a:xfrm flipH="1">
-            <a:off x="1470842" y="9222128"/>
-            <a:ext cx="345909" cy="397661"/>
+            <a:off x="735421" y="4611064"/>
+            <a:ext cx="172955" cy="198831"/>
           </a:xfrm>
           <a:prstGeom prst="straightConnector1">
             <a:avLst/>
@@ -5177,8 +5177,8 @@
         </p:nvCxnSpPr>
         <p:spPr>
           <a:xfrm flipH="1">
-            <a:off x="1178409" y="9222128"/>
-            <a:ext cx="338213" cy="397661"/>
+            <a:off x="589205" y="4611064"/>
+            <a:ext cx="169107" cy="198831"/>
           </a:xfrm>
           <a:prstGeom prst="straightConnector1">
             <a:avLst/>
@@ -5214,8 +5214,8 @@
         </p:nvCxnSpPr>
         <p:spPr>
           <a:xfrm flipH="1">
-            <a:off x="878278" y="9222128"/>
-            <a:ext cx="319171" cy="397661"/>
+            <a:off x="439139" y="4611064"/>
+            <a:ext cx="159586" cy="198831"/>
           </a:xfrm>
           <a:prstGeom prst="straightConnector1">
             <a:avLst/>
@@ -5251,8 +5251,8 @@
         </p:nvGrpSpPr>
         <p:grpSpPr>
           <a:xfrm>
-            <a:off x="5788515" y="9083562"/>
-            <a:ext cx="386539" cy="327838"/>
+            <a:off x="2894258" y="4541781"/>
+            <a:ext cx="193270" cy="163919"/>
             <a:chOff x="12500645" y="19167862"/>
             <a:chExt cx="773077" cy="655676"/>
           </a:xfrm>
@@ -5382,8 +5382,8 @@
         </p:nvGrpSpPr>
         <p:grpSpPr>
           <a:xfrm rot="5400000">
-            <a:off x="8449685" y="8738271"/>
-            <a:ext cx="205647" cy="156301"/>
+            <a:off x="4224843" y="4369136"/>
+            <a:ext cx="102824" cy="78151"/>
             <a:chOff x="6330339" y="5786642"/>
             <a:chExt cx="631500" cy="334817"/>
           </a:xfrm>
@@ -5513,8 +5513,8 @@
         </p:nvCxnSpPr>
         <p:spPr>
           <a:xfrm flipH="1">
-            <a:off x="11252674" y="9083561"/>
-            <a:ext cx="609459" cy="12840"/>
+            <a:off x="5626337" y="4541781"/>
+            <a:ext cx="304730" cy="6420"/>
           </a:xfrm>
           <a:prstGeom prst="straightConnector1">
             <a:avLst/>
@@ -5550,8 +5550,8 @@
         </p:nvGrpSpPr>
         <p:grpSpPr>
           <a:xfrm rot="5400000">
-            <a:off x="8449685" y="8450889"/>
-            <a:ext cx="205647" cy="156301"/>
+            <a:off x="4224843" y="4225445"/>
+            <a:ext cx="102824" cy="78151"/>
             <a:chOff x="6330339" y="5786642"/>
             <a:chExt cx="631500" cy="334817"/>
           </a:xfrm>
@@ -5681,8 +5681,8 @@
         </p:nvGrpSpPr>
         <p:grpSpPr>
           <a:xfrm rot="5400000">
-            <a:off x="8449685" y="8195525"/>
-            <a:ext cx="205647" cy="156301"/>
+            <a:off x="4224843" y="4097762"/>
+            <a:ext cx="102824" cy="78151"/>
             <a:chOff x="6330339" y="5786642"/>
             <a:chExt cx="631500" cy="334817"/>
           </a:xfrm>
@@ -5812,8 +5812,8 @@
         </p:nvGrpSpPr>
         <p:grpSpPr>
           <a:xfrm rot="5400000">
-            <a:off x="8449685" y="7932500"/>
-            <a:ext cx="205647" cy="156301"/>
+            <a:off x="4224843" y="3966250"/>
+            <a:ext cx="102824" cy="78151"/>
             <a:chOff x="6330339" y="5786642"/>
             <a:chExt cx="631500" cy="334817"/>
           </a:xfrm>
@@ -5943,8 +5943,8 @@
         </p:nvCxnSpPr>
         <p:spPr>
           <a:xfrm flipH="1">
-            <a:off x="11139016" y="9370971"/>
-            <a:ext cx="186491" cy="1828"/>
+            <a:off x="5569508" y="4685486"/>
+            <a:ext cx="93246" cy="914"/>
           </a:xfrm>
           <a:prstGeom prst="straightConnector1">
             <a:avLst/>
@@ -5980,8 +5980,8 @@
         </p:nvCxnSpPr>
         <p:spPr>
           <a:xfrm>
-            <a:off x="14213740" y="8008107"/>
-            <a:ext cx="1713314" cy="1627"/>
+            <a:off x="7106870" y="4004054"/>
+            <a:ext cx="856657" cy="814"/>
           </a:xfrm>
           <a:prstGeom prst="straightConnector1">
             <a:avLst/>
@@ -6017,8 +6017,8 @@
         </p:nvCxnSpPr>
         <p:spPr>
           <a:xfrm flipV="1">
-            <a:off x="14731356" y="9064303"/>
-            <a:ext cx="1338121" cy="4912"/>
+            <a:off x="7365678" y="4532152"/>
+            <a:ext cx="669061" cy="2456"/>
           </a:xfrm>
           <a:prstGeom prst="straightConnector1">
             <a:avLst/>
@@ -6054,8 +6054,8 @@
         </p:nvCxnSpPr>
         <p:spPr>
           <a:xfrm flipV="1">
-            <a:off x="14731356" y="9343400"/>
-            <a:ext cx="1338121" cy="6269"/>
+            <a:off x="7365678" y="4671700"/>
+            <a:ext cx="669061" cy="3135"/>
           </a:xfrm>
           <a:prstGeom prst="straightConnector1">
             <a:avLst/>
@@ -6091,8 +6091,8 @@
         </p:nvGrpSpPr>
         <p:grpSpPr>
           <a:xfrm>
-            <a:off x="11475594" y="8488379"/>
-            <a:ext cx="386539" cy="327838"/>
+            <a:off x="5737797" y="4244190"/>
+            <a:ext cx="193270" cy="163919"/>
             <a:chOff x="12500645" y="19167862"/>
             <a:chExt cx="773077" cy="655676"/>
           </a:xfrm>
@@ -6222,8 +6222,8 @@
         </p:nvCxnSpPr>
         <p:spPr>
           <a:xfrm rot="16200000" flipH="1" flipV="1">
-            <a:off x="18016726" y="9038867"/>
-            <a:ext cx="4251" cy="307063"/>
+            <a:off x="9008363" y="4519434"/>
+            <a:ext cx="2126" cy="153532"/>
           </a:xfrm>
           <a:prstGeom prst="straightConnector1">
             <a:avLst/>
@@ -6261,8 +6261,8 @@
         </p:nvCxnSpPr>
         <p:spPr>
           <a:xfrm flipV="1">
-            <a:off x="17834685" y="8853482"/>
-            <a:ext cx="0" cy="368648"/>
+            <a:off x="8917343" y="4426741"/>
+            <a:ext cx="0" cy="184324"/>
           </a:xfrm>
           <a:prstGeom prst="straightConnector1">
             <a:avLst/>
@@ -6301,8 +6301,8 @@
         </p:nvCxnSpPr>
         <p:spPr>
           <a:xfrm rot="16200000">
-            <a:off x="18022819" y="8735344"/>
-            <a:ext cx="1" cy="314999"/>
+            <a:off x="9011410" y="4367672"/>
+            <a:ext cx="1" cy="157500"/>
           </a:xfrm>
           <a:prstGeom prst="straightConnector1">
             <a:avLst/>
@@ -6338,8 +6338,8 @@
         </p:nvCxnSpPr>
         <p:spPr>
           <a:xfrm rot="16200000" flipH="1" flipV="1">
-            <a:off x="18354422" y="7829355"/>
-            <a:ext cx="4251" cy="307063"/>
+            <a:off x="9177211" y="3914678"/>
+            <a:ext cx="2126" cy="153532"/>
           </a:xfrm>
           <a:prstGeom prst="straightConnector1">
             <a:avLst/>
@@ -6377,8 +6377,8 @@
         </p:nvCxnSpPr>
         <p:spPr>
           <a:xfrm flipV="1">
-            <a:off x="18172381" y="7643971"/>
-            <a:ext cx="0" cy="368648"/>
+            <a:off x="9086191" y="3821986"/>
+            <a:ext cx="0" cy="184324"/>
           </a:xfrm>
           <a:prstGeom prst="straightConnector1">
             <a:avLst/>
@@ -6417,8 +6417,8 @@
         </p:nvCxnSpPr>
         <p:spPr>
           <a:xfrm rot="16200000">
-            <a:off x="18360515" y="7525832"/>
-            <a:ext cx="1" cy="314999"/>
+            <a:off x="9180258" y="3762916"/>
+            <a:ext cx="1" cy="157500"/>
           </a:xfrm>
           <a:prstGeom prst="straightConnector1">
             <a:avLst/>
@@ -6454,8 +6454,8 @@
         </p:nvCxnSpPr>
         <p:spPr>
           <a:xfrm flipH="1">
-            <a:off x="1824194" y="12507939"/>
-            <a:ext cx="371243" cy="330878"/>
+            <a:off x="912097" y="6253970"/>
+            <a:ext cx="185622" cy="165439"/>
           </a:xfrm>
           <a:prstGeom prst="straightConnector1">
             <a:avLst/>
@@ -6491,8 +6491,8 @@
         </p:nvCxnSpPr>
         <p:spPr>
           <a:xfrm flipH="1">
-            <a:off x="1519175" y="12507939"/>
-            <a:ext cx="371243" cy="330878"/>
+            <a:off x="759588" y="6253970"/>
+            <a:ext cx="185622" cy="165439"/>
           </a:xfrm>
           <a:prstGeom prst="straightConnector1">
             <a:avLst/>
@@ -6528,8 +6528,8 @@
         </p:nvCxnSpPr>
         <p:spPr>
           <a:xfrm flipH="1">
-            <a:off x="1214156" y="12507939"/>
-            <a:ext cx="371243" cy="330878"/>
+            <a:off x="607078" y="6253970"/>
+            <a:ext cx="185622" cy="165439"/>
           </a:xfrm>
           <a:prstGeom prst="straightConnector1">
             <a:avLst/>
@@ -6565,8 +6565,8 @@
         </p:nvCxnSpPr>
         <p:spPr>
           <a:xfrm flipH="1">
-            <a:off x="1523102" y="11131315"/>
-            <a:ext cx="371243" cy="330878"/>
+            <a:off x="761551" y="5565658"/>
+            <a:ext cx="185622" cy="165439"/>
           </a:xfrm>
           <a:prstGeom prst="straightConnector1">
             <a:avLst/>
@@ -6602,8 +6602,8 @@
         </p:nvGrpSpPr>
         <p:grpSpPr>
           <a:xfrm rot="7373386">
-            <a:off x="3929853" y="11429261"/>
-            <a:ext cx="205647" cy="156301"/>
+            <a:off x="1964927" y="5714631"/>
+            <a:ext cx="102824" cy="78151"/>
             <a:chOff x="6330339" y="5786642"/>
             <a:chExt cx="631500" cy="334817"/>
           </a:xfrm>
@@ -6733,8 +6733,8 @@
         </p:nvGrpSpPr>
         <p:grpSpPr>
           <a:xfrm rot="7373386">
-            <a:off x="3653178" y="12815933"/>
-            <a:ext cx="205647" cy="156301"/>
+            <a:off x="1826589" y="6407967"/>
+            <a:ext cx="102824" cy="78151"/>
             <a:chOff x="6330339" y="5786642"/>
             <a:chExt cx="631500" cy="334817"/>
           </a:xfrm>
@@ -6864,8 +6864,8 @@
         </p:nvGrpSpPr>
         <p:grpSpPr>
           <a:xfrm rot="7373386">
-            <a:off x="3678755" y="12558569"/>
-            <a:ext cx="205647" cy="156301"/>
+            <a:off x="1839378" y="6279285"/>
+            <a:ext cx="102824" cy="78151"/>
             <a:chOff x="6330339" y="5786642"/>
             <a:chExt cx="631500" cy="334817"/>
           </a:xfrm>
@@ -6995,8 +6995,8 @@
         </p:nvGrpSpPr>
         <p:grpSpPr>
           <a:xfrm rot="7373386">
-            <a:off x="3362320" y="12815932"/>
-            <a:ext cx="205647" cy="156301"/>
+            <a:off x="1681160" y="6407966"/>
+            <a:ext cx="102824" cy="78151"/>
             <a:chOff x="6330339" y="5786642"/>
             <a:chExt cx="631500" cy="334817"/>
           </a:xfrm>
@@ -7126,8 +7126,8 @@
         </p:nvGrpSpPr>
         <p:grpSpPr>
           <a:xfrm>
-            <a:off x="5792835" y="12372253"/>
-            <a:ext cx="386539" cy="327838"/>
+            <a:off x="2896418" y="6186127"/>
+            <a:ext cx="193270" cy="163919"/>
             <a:chOff x="12500645" y="19167862"/>
             <a:chExt cx="773077" cy="655676"/>
           </a:xfrm>
@@ -7257,8 +7257,8 @@
         </p:nvGrpSpPr>
         <p:grpSpPr>
           <a:xfrm>
-            <a:off x="6921549" y="10978330"/>
-            <a:ext cx="386539" cy="327838"/>
+            <a:off x="3460774" y="5489165"/>
+            <a:ext cx="193270" cy="163919"/>
             <a:chOff x="12500645" y="19167862"/>
             <a:chExt cx="773077" cy="655676"/>
           </a:xfrm>
@@ -7388,8 +7388,8 @@
         </p:nvGrpSpPr>
         <p:grpSpPr>
           <a:xfrm rot="5400000">
-            <a:off x="8455074" y="11486866"/>
-            <a:ext cx="205647" cy="156301"/>
+            <a:off x="4227537" y="5743433"/>
+            <a:ext cx="102824" cy="78151"/>
             <a:chOff x="6330339" y="5786642"/>
             <a:chExt cx="631500" cy="334817"/>
           </a:xfrm>
@@ -7519,8 +7519,8 @@
         </p:nvGrpSpPr>
         <p:grpSpPr>
           <a:xfrm rot="5400000">
-            <a:off x="8455074" y="12039526"/>
-            <a:ext cx="205647" cy="156301"/>
+            <a:off x="4227537" y="6019763"/>
+            <a:ext cx="102824" cy="78151"/>
             <a:chOff x="6330339" y="5786642"/>
             <a:chExt cx="631500" cy="334817"/>
           </a:xfrm>
@@ -7650,8 +7650,8 @@
         </p:nvGrpSpPr>
         <p:grpSpPr>
           <a:xfrm rot="5400000">
-            <a:off x="8455074" y="12295055"/>
-            <a:ext cx="205647" cy="156301"/>
+            <a:off x="4227537" y="6147528"/>
+            <a:ext cx="102824" cy="78151"/>
             <a:chOff x="6330339" y="5786642"/>
             <a:chExt cx="631500" cy="334817"/>
           </a:xfrm>
@@ -7781,8 +7781,8 @@
         </p:nvGrpSpPr>
         <p:grpSpPr>
           <a:xfrm rot="5400000">
-            <a:off x="9419629" y="10900180"/>
-            <a:ext cx="205647" cy="156301"/>
+            <a:off x="4709815" y="5450090"/>
+            <a:ext cx="102824" cy="78151"/>
             <a:chOff x="6330339" y="5786642"/>
             <a:chExt cx="631500" cy="334817"/>
           </a:xfrm>
@@ -7912,8 +7912,8 @@
         </p:nvGrpSpPr>
         <p:grpSpPr>
           <a:xfrm rot="5400000">
-            <a:off x="9177372" y="12020678"/>
-            <a:ext cx="205647" cy="156301"/>
+            <a:off x="4588686" y="6010339"/>
+            <a:ext cx="102824" cy="78151"/>
             <a:chOff x="6330339" y="5786642"/>
             <a:chExt cx="631500" cy="334817"/>
           </a:xfrm>
@@ -8043,8 +8043,8 @@
         </p:nvGrpSpPr>
         <p:grpSpPr>
           <a:xfrm rot="5400000">
-            <a:off x="9489065" y="12020678"/>
-            <a:ext cx="205647" cy="156301"/>
+            <a:off x="4744533" y="6010339"/>
+            <a:ext cx="102824" cy="78151"/>
             <a:chOff x="6330339" y="5786642"/>
             <a:chExt cx="631500" cy="334817"/>
           </a:xfrm>
@@ -8174,8 +8174,8 @@
         </p:nvGrpSpPr>
         <p:grpSpPr>
           <a:xfrm rot="5400000">
-            <a:off x="9778406" y="11990534"/>
-            <a:ext cx="205647" cy="156301"/>
+            <a:off x="4889203" y="5995267"/>
+            <a:ext cx="102824" cy="78151"/>
             <a:chOff x="6330339" y="5786642"/>
             <a:chExt cx="631500" cy="334817"/>
           </a:xfrm>
@@ -8305,8 +8305,8 @@
         </p:nvGrpSpPr>
         <p:grpSpPr>
           <a:xfrm rot="5400000">
-            <a:off x="8913407" y="12289497"/>
-            <a:ext cx="205647" cy="156301"/>
+            <a:off x="4456704" y="6144749"/>
+            <a:ext cx="102824" cy="78151"/>
             <a:chOff x="6330339" y="5786642"/>
             <a:chExt cx="631500" cy="334817"/>
           </a:xfrm>
@@ -8436,8 +8436,8 @@
         </p:nvGrpSpPr>
         <p:grpSpPr>
           <a:xfrm rot="5400000">
-            <a:off x="8682551" y="12289497"/>
-            <a:ext cx="205647" cy="156301"/>
+            <a:off x="4341276" y="6144749"/>
+            <a:ext cx="102824" cy="78151"/>
             <a:chOff x="6330339" y="5786642"/>
             <a:chExt cx="631500" cy="334817"/>
           </a:xfrm>
@@ -8567,8 +8567,8 @@
         </p:nvGrpSpPr>
         <p:grpSpPr>
           <a:xfrm rot="5400000">
-            <a:off x="9177372" y="8738271"/>
-            <a:ext cx="205647" cy="156301"/>
+            <a:off x="4588686" y="4369136"/>
+            <a:ext cx="102824" cy="78151"/>
             <a:chOff x="6330339" y="5786642"/>
             <a:chExt cx="631500" cy="334817"/>
           </a:xfrm>
@@ -8698,8 +8698,8 @@
         </p:nvGrpSpPr>
         <p:grpSpPr>
           <a:xfrm rot="5400000">
-            <a:off x="9489065" y="8738271"/>
-            <a:ext cx="205647" cy="156301"/>
+            <a:off x="4744533" y="4369136"/>
+            <a:ext cx="102824" cy="78151"/>
             <a:chOff x="6330339" y="5786642"/>
             <a:chExt cx="631500" cy="334817"/>
           </a:xfrm>
@@ -8829,8 +8829,8 @@
         </p:nvGrpSpPr>
         <p:grpSpPr>
           <a:xfrm rot="5400000">
-            <a:off x="9778406" y="8708127"/>
-            <a:ext cx="205647" cy="156301"/>
+            <a:off x="4889203" y="4354064"/>
+            <a:ext cx="102824" cy="78151"/>
             <a:chOff x="6330339" y="5786642"/>
             <a:chExt cx="631500" cy="334817"/>
           </a:xfrm>
@@ -8960,8 +8960,8 @@
         </p:nvGrpSpPr>
         <p:grpSpPr>
           <a:xfrm rot="5400000">
-            <a:off x="8913407" y="9007090"/>
-            <a:ext cx="205647" cy="156301"/>
+            <a:off x="4456704" y="4503545"/>
+            <a:ext cx="102824" cy="78151"/>
             <a:chOff x="6330339" y="5786642"/>
             <a:chExt cx="631500" cy="334817"/>
           </a:xfrm>
@@ -9091,8 +9091,8 @@
         </p:nvGrpSpPr>
         <p:grpSpPr>
           <a:xfrm rot="5400000">
-            <a:off x="8682551" y="9007090"/>
-            <a:ext cx="205647" cy="156301"/>
+            <a:off x="4341276" y="4503545"/>
+            <a:ext cx="102824" cy="78151"/>
             <a:chOff x="6330339" y="5786642"/>
             <a:chExt cx="631500" cy="334817"/>
           </a:xfrm>
@@ -9222,8 +9222,8 @@
         </p:nvCxnSpPr>
         <p:spPr>
           <a:xfrm flipH="1">
-            <a:off x="11252673" y="12384450"/>
-            <a:ext cx="609458" cy="12840"/>
+            <a:off x="5626337" y="6192225"/>
+            <a:ext cx="304729" cy="6420"/>
           </a:xfrm>
           <a:prstGeom prst="straightConnector1">
             <a:avLst/>
@@ -9259,8 +9259,8 @@
         </p:nvCxnSpPr>
         <p:spPr>
           <a:xfrm flipH="1" flipV="1">
-            <a:off x="11139016" y="12673687"/>
-            <a:ext cx="177721" cy="5628"/>
+            <a:off x="5569508" y="6336844"/>
+            <a:ext cx="88861" cy="2814"/>
           </a:xfrm>
           <a:prstGeom prst="straightConnector1">
             <a:avLst/>
@@ -9296,8 +9296,8 @@
         </p:nvCxnSpPr>
         <p:spPr>
           <a:xfrm flipH="1">
-            <a:off x="11316735" y="11288222"/>
-            <a:ext cx="813414" cy="22450"/>
+            <a:off x="5658368" y="5644111"/>
+            <a:ext cx="406707" cy="11225"/>
           </a:xfrm>
           <a:prstGeom prst="straightConnector1">
             <a:avLst/>
@@ -9333,8 +9333,8 @@
         </p:nvCxnSpPr>
         <p:spPr>
           <a:xfrm flipV="1">
-            <a:off x="14731356" y="12389732"/>
-            <a:ext cx="1338121" cy="4912"/>
+            <a:off x="7365678" y="6194866"/>
+            <a:ext cx="669061" cy="2456"/>
           </a:xfrm>
           <a:prstGeom prst="straightConnector1">
             <a:avLst/>
@@ -9370,8 +9370,8 @@
         </p:nvCxnSpPr>
         <p:spPr>
           <a:xfrm flipV="1">
-            <a:off x="14482043" y="12668827"/>
-            <a:ext cx="1587432" cy="10489"/>
+            <a:off x="7241022" y="6334414"/>
+            <a:ext cx="793716" cy="5245"/>
           </a:xfrm>
           <a:prstGeom prst="straightConnector1">
             <a:avLst/>
@@ -9407,8 +9407,8 @@
         </p:nvCxnSpPr>
         <p:spPr>
           <a:xfrm>
-            <a:off x="14213740" y="11310672"/>
-            <a:ext cx="1713314" cy="1627"/>
+            <a:off x="7106870" y="5655336"/>
+            <a:ext cx="856657" cy="814"/>
           </a:xfrm>
           <a:prstGeom prst="straightConnector1">
             <a:avLst/>
@@ -9444,8 +9444,8 @@
         </p:nvCxnSpPr>
         <p:spPr>
           <a:xfrm>
-            <a:off x="14213740" y="11564813"/>
-            <a:ext cx="1713314" cy="1627"/>
+            <a:off x="7106870" y="5782407"/>
+            <a:ext cx="856657" cy="814"/>
           </a:xfrm>
           <a:prstGeom prst="straightConnector1">
             <a:avLst/>
@@ -9481,8 +9481,8 @@
         </p:nvCxnSpPr>
         <p:spPr>
           <a:xfrm rot="16200000" flipH="1" flipV="1">
-            <a:off x="18016726" y="12416821"/>
-            <a:ext cx="4251" cy="307063"/>
+            <a:off x="9008363" y="6208411"/>
+            <a:ext cx="2126" cy="153532"/>
           </a:xfrm>
           <a:prstGeom prst="straightConnector1">
             <a:avLst/>
@@ -9520,8 +9520,8 @@
         </p:nvCxnSpPr>
         <p:spPr>
           <a:xfrm flipV="1">
-            <a:off x="17834685" y="12231436"/>
-            <a:ext cx="0" cy="368648"/>
+            <a:off x="8917343" y="6115718"/>
+            <a:ext cx="0" cy="184324"/>
           </a:xfrm>
           <a:prstGeom prst="straightConnector1">
             <a:avLst/>
@@ -9560,8 +9560,8 @@
         </p:nvCxnSpPr>
         <p:spPr>
           <a:xfrm rot="16200000">
-            <a:off x="18022819" y="12113299"/>
-            <a:ext cx="1" cy="314999"/>
+            <a:off x="9011410" y="6056650"/>
+            <a:ext cx="1" cy="157500"/>
           </a:xfrm>
           <a:prstGeom prst="straightConnector1">
             <a:avLst/>
@@ -9597,8 +9597,8 @@
         </p:nvCxnSpPr>
         <p:spPr>
           <a:xfrm rot="16200000" flipH="1" flipV="1">
-            <a:off x="18304182" y="11277651"/>
-            <a:ext cx="4251" cy="307063"/>
+            <a:off x="9152091" y="5638826"/>
+            <a:ext cx="2126" cy="153532"/>
           </a:xfrm>
           <a:prstGeom prst="straightConnector1">
             <a:avLst/>
@@ -9636,8 +9636,8 @@
         </p:nvCxnSpPr>
         <p:spPr>
           <a:xfrm flipV="1">
-            <a:off x="18122141" y="11092267"/>
-            <a:ext cx="0" cy="368648"/>
+            <a:off x="9061071" y="5546134"/>
+            <a:ext cx="0" cy="184324"/>
           </a:xfrm>
           <a:prstGeom prst="straightConnector1">
             <a:avLst/>
@@ -9676,8 +9676,8 @@
         </p:nvCxnSpPr>
         <p:spPr>
           <a:xfrm rot="16200000">
-            <a:off x="18310275" y="10974128"/>
-            <a:ext cx="1" cy="314999"/>
+            <a:off x="9155138" y="5487064"/>
+            <a:ext cx="1" cy="157500"/>
           </a:xfrm>
           <a:prstGeom prst="straightConnector1">
             <a:avLst/>
@@ -9713,8 +9713,8 @@
         </p:nvCxnSpPr>
         <p:spPr>
           <a:xfrm flipH="1">
-            <a:off x="1254238" y="15537204"/>
-            <a:ext cx="215332" cy="607365"/>
+            <a:off x="627119" y="7768602"/>
+            <a:ext cx="107666" cy="303683"/>
           </a:xfrm>
           <a:prstGeom prst="straightConnector1">
             <a:avLst/>
@@ -9750,8 +9750,8 @@
         </p:nvGrpSpPr>
         <p:grpSpPr>
           <a:xfrm rot="7373386">
-            <a:off x="3379423" y="9513065"/>
-            <a:ext cx="205647" cy="156301"/>
+            <a:off x="1689712" y="4756533"/>
+            <a:ext cx="102824" cy="78151"/>
             <a:chOff x="6330339" y="5786642"/>
             <a:chExt cx="631500" cy="334817"/>
           </a:xfrm>
@@ -9881,8 +9881,8 @@
         </p:nvGrpSpPr>
         <p:grpSpPr>
           <a:xfrm rot="7373386">
-            <a:off x="3622079" y="9274028"/>
-            <a:ext cx="205647" cy="156301"/>
+            <a:off x="1811040" y="4637014"/>
+            <a:ext cx="102824" cy="78151"/>
             <a:chOff x="6330339" y="5786642"/>
             <a:chExt cx="631500" cy="334817"/>
           </a:xfrm>
@@ -10012,8 +10012,8 @@
         </p:nvCxnSpPr>
         <p:spPr>
           <a:xfrm flipH="1">
-            <a:off x="1254238" y="14989728"/>
-            <a:ext cx="215332" cy="607365"/>
+            <a:off x="627119" y="7494864"/>
+            <a:ext cx="107666" cy="303683"/>
           </a:xfrm>
           <a:prstGeom prst="straightConnector1">
             <a:avLst/>
@@ -10049,8 +10049,8 @@
         </p:nvCxnSpPr>
         <p:spPr>
           <a:xfrm flipH="1">
-            <a:off x="1828177" y="14989728"/>
-            <a:ext cx="215332" cy="607365"/>
+            <a:off x="914089" y="7494864"/>
+            <a:ext cx="107666" cy="303683"/>
           </a:xfrm>
           <a:prstGeom prst="straightConnector1">
             <a:avLst/>
@@ -10086,8 +10086,8 @@
         </p:nvGrpSpPr>
         <p:grpSpPr>
           <a:xfrm rot="7373386">
-            <a:off x="3653178" y="16080706"/>
-            <a:ext cx="205647" cy="156301"/>
+            <a:off x="1826589" y="8040353"/>
+            <a:ext cx="102824" cy="78151"/>
             <a:chOff x="6330339" y="5786642"/>
             <a:chExt cx="631500" cy="334817"/>
           </a:xfrm>
@@ -10217,8 +10217,8 @@
         </p:nvGrpSpPr>
         <p:grpSpPr>
           <a:xfrm rot="7373386">
-            <a:off x="3369396" y="16080706"/>
-            <a:ext cx="205647" cy="156301"/>
+            <a:off x="1684698" y="8040353"/>
+            <a:ext cx="102824" cy="78151"/>
             <a:chOff x="6330339" y="5786642"/>
             <a:chExt cx="631500" cy="334817"/>
           </a:xfrm>
@@ -10348,8 +10348,8 @@
         </p:nvGrpSpPr>
         <p:grpSpPr>
           <a:xfrm>
-            <a:off x="5792835" y="15719830"/>
-            <a:ext cx="386539" cy="327838"/>
+            <a:off x="2896418" y="7859915"/>
+            <a:ext cx="193270" cy="163919"/>
             <a:chOff x="12500645" y="19167862"/>
             <a:chExt cx="773077" cy="655676"/>
           </a:xfrm>
@@ -10479,8 +10479,8 @@
         </p:nvGrpSpPr>
         <p:grpSpPr>
           <a:xfrm>
-            <a:off x="6600623" y="14817577"/>
-            <a:ext cx="386539" cy="327838"/>
+            <a:off x="3300312" y="7408789"/>
+            <a:ext cx="193270" cy="163919"/>
             <a:chOff x="12500645" y="19167862"/>
             <a:chExt cx="773077" cy="655676"/>
           </a:xfrm>
@@ -10610,8 +10610,8 @@
         </p:nvGrpSpPr>
         <p:grpSpPr>
           <a:xfrm rot="5400000">
-            <a:off x="8440786" y="15319588"/>
-            <a:ext cx="205647" cy="156301"/>
+            <a:off x="4220393" y="7659794"/>
+            <a:ext cx="102824" cy="78151"/>
             <a:chOff x="6330339" y="5786642"/>
             <a:chExt cx="631500" cy="334817"/>
           </a:xfrm>
@@ -10741,8 +10741,8 @@
         </p:nvGrpSpPr>
         <p:grpSpPr>
           <a:xfrm rot="5400000">
-            <a:off x="8440786" y="15575118"/>
-            <a:ext cx="205647" cy="156301"/>
+            <a:off x="4220393" y="7787559"/>
+            <a:ext cx="102824" cy="78151"/>
             <a:chOff x="6330339" y="5786642"/>
             <a:chExt cx="631500" cy="334817"/>
           </a:xfrm>
@@ -10872,8 +10872,8 @@
         </p:nvGrpSpPr>
         <p:grpSpPr>
           <a:xfrm rot="5400000">
-            <a:off x="8440786" y="14774949"/>
-            <a:ext cx="205647" cy="156301"/>
+            <a:off x="4220393" y="7387475"/>
+            <a:ext cx="102824" cy="78151"/>
             <a:chOff x="6330339" y="5786642"/>
             <a:chExt cx="631500" cy="334817"/>
           </a:xfrm>
@@ -11003,8 +11003,8 @@
         </p:nvCxnSpPr>
         <p:spPr>
           <a:xfrm flipH="1">
-            <a:off x="11232262" y="15096927"/>
-            <a:ext cx="637237" cy="17587"/>
+            <a:off x="5616131" y="7548464"/>
+            <a:ext cx="318619" cy="8794"/>
           </a:xfrm>
           <a:prstGeom prst="straightConnector1">
             <a:avLst/>
@@ -11040,8 +11040,8 @@
         </p:nvCxnSpPr>
         <p:spPr>
           <a:xfrm flipH="1">
-            <a:off x="11232262" y="15382118"/>
-            <a:ext cx="637237" cy="17587"/>
+            <a:off x="5616131" y="7691059"/>
+            <a:ext cx="318619" cy="8794"/>
           </a:xfrm>
           <a:prstGeom prst="straightConnector1">
             <a:avLst/>
@@ -11077,8 +11077,8 @@
         </p:nvCxnSpPr>
         <p:spPr>
           <a:xfrm flipV="1">
-            <a:off x="14728721" y="14830113"/>
-            <a:ext cx="1423840" cy="5226"/>
+            <a:off x="7364360" y="7415057"/>
+            <a:ext cx="711920" cy="2613"/>
           </a:xfrm>
           <a:prstGeom prst="straightConnector1">
             <a:avLst/>
@@ -11114,8 +11114,8 @@
         </p:nvCxnSpPr>
         <p:spPr>
           <a:xfrm flipV="1">
-            <a:off x="14728721" y="15100494"/>
-            <a:ext cx="1423840" cy="5226"/>
+            <a:off x="7364360" y="7550247"/>
+            <a:ext cx="711920" cy="2613"/>
           </a:xfrm>
           <a:prstGeom prst="straightConnector1">
             <a:avLst/>
@@ -11151,8 +11151,8 @@
         </p:nvCxnSpPr>
         <p:spPr>
           <a:xfrm flipV="1">
-            <a:off x="14728721" y="15385686"/>
-            <a:ext cx="1423840" cy="5226"/>
+            <a:off x="7364360" y="7692843"/>
+            <a:ext cx="711920" cy="2613"/>
           </a:xfrm>
           <a:prstGeom prst="straightConnector1">
             <a:avLst/>
@@ -11188,8 +11188,8 @@
         </p:nvCxnSpPr>
         <p:spPr>
           <a:xfrm flipH="1">
-            <a:off x="17724633" y="15107533"/>
-            <a:ext cx="470071" cy="6980"/>
+            <a:off x="8862317" y="7553767"/>
+            <a:ext cx="235036" cy="3490"/>
           </a:xfrm>
           <a:prstGeom prst="straightConnector1">
             <a:avLst/>
@@ -11227,8 +11227,8 @@
         </p:nvCxnSpPr>
         <p:spPr>
           <a:xfrm flipH="1" flipV="1">
-            <a:off x="17724633" y="14569036"/>
-            <a:ext cx="1719" cy="527892"/>
+            <a:off x="8862317" y="7284518"/>
+            <a:ext cx="860" cy="263946"/>
           </a:xfrm>
           <a:prstGeom prst="straightConnector1">
             <a:avLst/>
@@ -11267,8 +11267,8 @@
         </p:nvCxnSpPr>
         <p:spPr>
           <a:xfrm>
-            <a:off x="17773924" y="14569035"/>
-            <a:ext cx="234170" cy="0"/>
+            <a:off x="8886962" y="7284518"/>
+            <a:ext cx="117085" cy="0"/>
           </a:xfrm>
           <a:prstGeom prst="straightConnector1">
             <a:avLst/>
@@ -11304,8 +11304,8 @@
         </p:nvCxnSpPr>
         <p:spPr>
           <a:xfrm flipV="1">
-            <a:off x="8995631" y="3694979"/>
-            <a:ext cx="792153" cy="2908"/>
+            <a:off x="4497816" y="1847490"/>
+            <a:ext cx="396077" cy="1454"/>
           </a:xfrm>
           <a:prstGeom prst="straightConnector1">
             <a:avLst/>
@@ -11355,8 +11355,8 @@
         </p:blipFill>
         <p:spPr>
           <a:xfrm>
-            <a:off x="8085022" y="-16529"/>
-            <a:ext cx="9752719" cy="5485905"/>
+            <a:off x="4042511" y="-8265"/>
+            <a:ext cx="4876360" cy="2742953"/>
           </a:xfrm>
           <a:prstGeom prst="rect">
             <a:avLst/>
@@ -11385,8 +11385,8 @@
         </p:blipFill>
         <p:spPr>
           <a:xfrm>
-            <a:off x="14479715" y="-1388"/>
-            <a:ext cx="9708024" cy="5460764"/>
+            <a:off x="7239858" y="-694"/>
+            <a:ext cx="4854012" cy="2730382"/>
           </a:xfrm>
           <a:prstGeom prst="rect">
             <a:avLst/>
@@ -11401,8 +11401,8 @@
         </p:nvSpPr>
         <p:spPr>
           <a:xfrm>
-            <a:off x="15490165" y="2097372"/>
-            <a:ext cx="1751061" cy="1385463"/>
+            <a:off x="7745083" y="1048686"/>
+            <a:ext cx="875531" cy="692732"/>
           </a:xfrm>
           <a:prstGeom prst="rightArrow">
             <a:avLst/>
@@ -11423,7 +11423,7 @@
           </a:fontRef>
         </p:style>
         <p:txBody>
-          <a:bodyPr lIns="45720" tIns="22860" rIns="45720" bIns="22860" rtlCol="0" anchor="ctr"/>
+          <a:bodyPr lIns="22860" tIns="11430" rIns="22860" bIns="11430" rtlCol="0" anchor="ctr"/>
           <a:lstStyle/>
           <a:p>
             <a:pPr algn="ctr"/>
@@ -11439,8 +11439,8 @@
         </p:nvSpPr>
         <p:spPr>
           <a:xfrm>
-            <a:off x="12625562" y="5573804"/>
-            <a:ext cx="823302" cy="553998"/>
+            <a:off x="6312781" y="2786902"/>
+            <a:ext cx="430887" cy="284693"/>
           </a:xfrm>
           <a:prstGeom prst="rect">
             <a:avLst/>
@@ -11448,13 +11448,13 @@
           <a:noFill/>
         </p:spPr>
         <p:txBody>
-          <a:bodyPr wrap="none" lIns="45720" tIns="22860" rIns="45720" bIns="22860" rtlCol="0">
+          <a:bodyPr wrap="none" lIns="22860" tIns="11430" rIns="22860" bIns="11430" rtlCol="0">
             <a:spAutoFit/>
           </a:bodyPr>
           <a:lstStyle/>
           <a:p>
             <a:r>
-              <a:rPr lang="en-US" sz="3300" dirty="0">
+              <a:rPr lang="en-US" sz="1700" dirty="0">
                 <a:latin typeface="Times New Roman"/>
                 <a:cs typeface="Times New Roman"/>
               </a:rPr>
@@ -11471,8 +11471,8 @@
         </p:nvSpPr>
         <p:spPr>
           <a:xfrm>
-            <a:off x="19128731" y="5553791"/>
-            <a:ext cx="867842" cy="553998"/>
+            <a:off x="9564366" y="2776896"/>
+            <a:ext cx="445671" cy="284693"/>
           </a:xfrm>
           <a:prstGeom prst="rect">
             <a:avLst/>
@@ -11480,13 +11480,13 @@
           <a:noFill/>
         </p:spPr>
         <p:txBody>
-          <a:bodyPr wrap="none" lIns="45720" tIns="22860" rIns="45720" bIns="22860" rtlCol="0">
+          <a:bodyPr wrap="none" lIns="22860" tIns="11430" rIns="22860" bIns="11430" rtlCol="0">
             <a:spAutoFit/>
           </a:bodyPr>
           <a:lstStyle/>
           <a:p>
             <a:r>
-              <a:rPr lang="en-US" sz="3300" dirty="0">
+              <a:rPr lang="en-US" sz="1700" dirty="0">
                 <a:latin typeface="Times New Roman"/>
                 <a:cs typeface="Times New Roman"/>
               </a:rPr>
@@ -11763,7 +11763,7 @@
   <a:extraClrSchemeLst/>
   <a:extLst>
     <a:ext uri="{05A4C25C-085E-4340-85A3-A5531E510DB2}">
-      <thm15:themeFamily xmlns:thm15="http://schemas.microsoft.com/office/thememl/2012/main" xmlns="" name="Office Theme" id="{62F939B6-93AF-4DB8-9C6B-D6C7DFDC589F}" vid="{4A3C46E8-61CC-4603-A589-7422A47A8E4A}"/>
+      <thm15:themeFamily xmlns="" xmlns:thm15="http://schemas.microsoft.com/office/thememl/2012/main" name="Office Theme" id="{62F939B6-93AF-4DB8-9C6B-D6C7DFDC589F}" vid="{4A3C46E8-61CC-4603-A589-7422A47A8E4A}"/>
     </a:ext>
   </a:extLst>
 </a:theme>

--- a/RA-L/pictures/pdf/multirobotSliderHardware.pptx
+++ b/RA-L/pictures/pdf/multirobotSliderHardware.pptx
@@ -3533,8 +3533,8 @@
             </p:nvSpPr>
             <p:spPr>
               <a:xfrm>
-                <a:off x="5753700" y="2274043"/>
-                <a:ext cx="1175442" cy="2208675"/>
+                <a:off x="5077531" y="2274043"/>
+                <a:ext cx="1851611" cy="1487473"/>
               </a:xfrm>
               <a:prstGeom prst="rect">
                 <a:avLst/>
@@ -3653,8 +3653,8 @@
             </p:nvSpPr>
             <p:spPr>
               <a:xfrm>
-                <a:off x="5731318" y="7427405"/>
-                <a:ext cx="1055129" cy="2208675"/>
+                <a:off x="5201991" y="7427405"/>
+                <a:ext cx="1584455" cy="1487473"/>
               </a:xfrm>
               <a:prstGeom prst="rect">
                 <a:avLst/>
@@ -3697,8 +3697,8 @@
             </p:nvSpPr>
             <p:spPr>
               <a:xfrm>
-                <a:off x="8769696" y="9448468"/>
-                <a:ext cx="1240323" cy="2208675"/>
+                <a:off x="8189005" y="9448468"/>
+                <a:ext cx="1821018" cy="1487473"/>
               </a:xfrm>
               <a:prstGeom prst="rect">
                 <a:avLst/>

--- a/RA-L/pictures/pdf/multirobotSliderHardware.pptx
+++ b/RA-L/pictures/pdf/multirobotSliderHardware.pptx
@@ -7,7 +7,7 @@
   <p:sldIdLst>
     <p:sldId id="256" r:id="rId2"/>
   </p:sldIdLst>
-  <p:sldSz cx="10972800" cy="8229600"/>
+  <p:sldSz cx="10972800" cy="8229600" type="B4JIS"/>
   <p:notesSz cx="6858000" cy="9144000"/>
   <p:defaultTextStyle>
     <a:defPPr>
@@ -106,7 +106,7 @@
   </p:defaultTextStyle>
   <p:extLst>
     <p:ext uri="{EFAFB233-063F-42B5-8137-9DF3F51BA10A}">
-      <p15:sldGuideLst xmlns="" xmlns:p15="http://schemas.microsoft.com/office/powerpoint/2012/main"/>
+      <p15:sldGuideLst xmlns:p15="http://schemas.microsoft.com/office/powerpoint/2012/main" xmlns=""/>
     </p:ext>
   </p:extLst>
 </p:presentation>
@@ -243,7 +243,7 @@
           <a:p>
             <a:fld id="{42C1E845-9D35-42B9-9CDA-699C804E8D28}" type="datetimeFigureOut">
               <a:rPr lang="en-US" smtClean="0"/>
-              <a:t>9/6/16</a:t>
+              <a:t>9/10/16</a:t>
             </a:fld>
             <a:endParaRPr lang="en-US"/>
           </a:p>
@@ -413,7 +413,7 @@
           <a:p>
             <a:fld id="{42C1E845-9D35-42B9-9CDA-699C804E8D28}" type="datetimeFigureOut">
               <a:rPr lang="en-US" smtClean="0"/>
-              <a:t>9/6/16</a:t>
+              <a:t>9/10/16</a:t>
             </a:fld>
             <a:endParaRPr lang="en-US"/>
           </a:p>
@@ -593,7 +593,7 @@
           <a:p>
             <a:fld id="{42C1E845-9D35-42B9-9CDA-699C804E8D28}" type="datetimeFigureOut">
               <a:rPr lang="en-US" smtClean="0"/>
-              <a:t>9/6/16</a:t>
+              <a:t>9/10/16</a:t>
             </a:fld>
             <a:endParaRPr lang="en-US"/>
           </a:p>
@@ -763,7 +763,7 @@
           <a:p>
             <a:fld id="{42C1E845-9D35-42B9-9CDA-699C804E8D28}" type="datetimeFigureOut">
               <a:rPr lang="en-US" smtClean="0"/>
-              <a:t>9/6/16</a:t>
+              <a:t>9/10/16</a:t>
             </a:fld>
             <a:endParaRPr lang="en-US"/>
           </a:p>
@@ -1007,7 +1007,7 @@
           <a:p>
             <a:fld id="{42C1E845-9D35-42B9-9CDA-699C804E8D28}" type="datetimeFigureOut">
               <a:rPr lang="en-US" smtClean="0"/>
-              <a:t>9/6/16</a:t>
+              <a:t>9/10/16</a:t>
             </a:fld>
             <a:endParaRPr lang="en-US"/>
           </a:p>
@@ -1239,7 +1239,7 @@
           <a:p>
             <a:fld id="{42C1E845-9D35-42B9-9CDA-699C804E8D28}" type="datetimeFigureOut">
               <a:rPr lang="en-US" smtClean="0"/>
-              <a:t>9/6/16</a:t>
+              <a:t>9/10/16</a:t>
             </a:fld>
             <a:endParaRPr lang="en-US"/>
           </a:p>
@@ -1606,7 +1606,7 @@
           <a:p>
             <a:fld id="{42C1E845-9D35-42B9-9CDA-699C804E8D28}" type="datetimeFigureOut">
               <a:rPr lang="en-US" smtClean="0"/>
-              <a:t>9/6/16</a:t>
+              <a:t>9/10/16</a:t>
             </a:fld>
             <a:endParaRPr lang="en-US"/>
           </a:p>
@@ -1724,7 +1724,7 @@
           <a:p>
             <a:fld id="{42C1E845-9D35-42B9-9CDA-699C804E8D28}" type="datetimeFigureOut">
               <a:rPr lang="en-US" smtClean="0"/>
-              <a:t>9/6/16</a:t>
+              <a:t>9/10/16</a:t>
             </a:fld>
             <a:endParaRPr lang="en-US"/>
           </a:p>
@@ -1819,7 +1819,7 @@
           <a:p>
             <a:fld id="{42C1E845-9D35-42B9-9CDA-699C804E8D28}" type="datetimeFigureOut">
               <a:rPr lang="en-US" smtClean="0"/>
-              <a:t>9/6/16</a:t>
+              <a:t>9/10/16</a:t>
             </a:fld>
             <a:endParaRPr lang="en-US"/>
           </a:p>
@@ -2096,7 +2096,7 @@
           <a:p>
             <a:fld id="{42C1E845-9D35-42B9-9CDA-699C804E8D28}" type="datetimeFigureOut">
               <a:rPr lang="en-US" smtClean="0"/>
-              <a:t>9/6/16</a:t>
+              <a:t>9/10/16</a:t>
             </a:fld>
             <a:endParaRPr lang="en-US"/>
           </a:p>
@@ -2353,7 +2353,7 @@
           <a:p>
             <a:fld id="{42C1E845-9D35-42B9-9CDA-699C804E8D28}" type="datetimeFigureOut">
               <a:rPr lang="en-US" smtClean="0"/>
-              <a:t>9/6/16</a:t>
+              <a:t>9/10/16</a:t>
             </a:fld>
             <a:endParaRPr lang="en-US"/>
           </a:p>
@@ -2566,7 +2566,7 @@
           <a:p>
             <a:fld id="{42C1E845-9D35-42B9-9CDA-699C804E8D28}" type="datetimeFigureOut">
               <a:rPr lang="en-US" smtClean="0"/>
-              <a:t>9/6/16</a:t>
+              <a:t>9/10/16</a:t>
             </a:fld>
             <a:endParaRPr lang="en-US"/>
           </a:p>
@@ -2971,813 +2971,631 @@
           <a:chExt cx="0" cy="0"/>
         </a:xfrm>
       </p:grpSpPr>
-      <p:grpSp>
-        <p:nvGrpSpPr>
-          <p:cNvPr id="582" name="Group 581"/>
-          <p:cNvGrpSpPr/>
-          <p:nvPr/>
-        </p:nvGrpSpPr>
-        <p:grpSpPr>
+      <p:pic>
+        <p:nvPicPr>
+          <p:cNvPr id="583" name="Picture 582"/>
+          <p:cNvPicPr>
+            <a:picLocks noChangeAspect="1"/>
+          </p:cNvPicPr>
+          <p:nvPr/>
+        </p:nvPicPr>
+        <p:blipFill>
+          <a:blip r:embed="rId2" cstate="email">
+            <a:extLst>
+              <a:ext uri="{28A0092B-C50C-407E-A947-70E740481C1C}">
+                <a14:useLocalDpi xmlns:a14="http://schemas.microsoft.com/office/drawing/2010/main"/>
+              </a:ext>
+            </a:extLst>
+          </a:blip>
+          <a:stretch>
+            <a:fillRect/>
+          </a:stretch>
+        </p:blipFill>
+        <p:spPr>
           <a:xfrm>
             <a:off x="-1363401" y="-33373"/>
             <a:ext cx="5957816" cy="3351271"/>
-            <a:chOff x="-4711990" y="513760"/>
-            <a:chExt cx="24328597" cy="13684834"/>
-          </a:xfrm>
-        </p:grpSpPr>
-        <p:pic>
-          <p:nvPicPr>
-            <p:cNvPr id="583" name="Picture 582"/>
-            <p:cNvPicPr>
-              <a:picLocks noChangeAspect="1"/>
-            </p:cNvPicPr>
-            <p:nvPr/>
-          </p:nvPicPr>
-          <p:blipFill>
-            <a:blip r:embed="rId2" cstate="email">
-              <a:extLst>
-                <a:ext uri="{28A0092B-C50C-407E-A947-70E740481C1C}">
-                  <a14:useLocalDpi xmlns:a14="http://schemas.microsoft.com/office/drawing/2010/main"/>
-                </a:ext>
-              </a:extLst>
-            </a:blip>
-            <a:stretch>
-              <a:fillRect/>
-            </a:stretch>
-          </p:blipFill>
-          <p:spPr>
-            <a:xfrm>
-              <a:off x="-4711990" y="513760"/>
-              <a:ext cx="24328597" cy="13684834"/>
-            </a:xfrm>
-            <a:prstGeom prst="rect">
-              <a:avLst/>
-            </a:prstGeom>
-          </p:spPr>
-        </p:pic>
-        <p:grpSp>
-          <p:nvGrpSpPr>
-            <p:cNvPr id="584" name="Group 583"/>
-            <p:cNvGrpSpPr/>
-            <p:nvPr/>
-          </p:nvGrpSpPr>
-          <p:grpSpPr>
-            <a:xfrm>
-              <a:off x="2297428" y="1529854"/>
-              <a:ext cx="10022377" cy="11123110"/>
-              <a:chOff x="2230124" y="-85772"/>
-              <a:chExt cx="9620593" cy="11967885"/>
-            </a:xfrm>
-          </p:grpSpPr>
-          <p:sp>
-            <p:nvSpPr>
-              <p:cNvPr id="585" name="Rectangle 584"/>
-              <p:cNvSpPr/>
-              <p:nvPr/>
-            </p:nvSpPr>
-            <p:spPr>
-              <a:xfrm>
-                <a:off x="7104421" y="6869680"/>
-                <a:ext cx="4746296" cy="2589096"/>
-              </a:xfrm>
-              <a:prstGeom prst="rect">
-                <a:avLst/>
-              </a:prstGeom>
-              <a:solidFill>
-                <a:srgbClr val="FFFF00"/>
-              </a:solidFill>
-              <a:ln>
-                <a:solidFill>
-                  <a:schemeClr val="tx1"/>
-                </a:solidFill>
-              </a:ln>
-              <a:effectLst/>
-            </p:spPr>
-            <p:style>
-              <a:lnRef idx="1">
-                <a:schemeClr val="accent1"/>
-              </a:lnRef>
-              <a:fillRef idx="3">
-                <a:schemeClr val="accent1"/>
-              </a:fillRef>
-              <a:effectRef idx="2">
-                <a:schemeClr val="accent1"/>
-              </a:effectRef>
-              <a:fontRef idx="minor">
-                <a:schemeClr val="lt1"/>
-              </a:fontRef>
-            </p:style>
-            <p:txBody>
-              <a:bodyPr rtlCol="0" anchor="ctr"/>
-              <a:lstStyle/>
-              <a:p>
-                <a:pPr algn="ctr"/>
-                <a:endParaRPr lang="en-US" sz="2500">
-                  <a:latin typeface="Times New Roman"/>
-                  <a:cs typeface="Times New Roman"/>
-                </a:endParaRPr>
-              </a:p>
-            </p:txBody>
-          </p:sp>
-          <p:sp>
-            <p:nvSpPr>
-              <p:cNvPr id="586" name="Rectangle 585"/>
-              <p:cNvSpPr/>
-              <p:nvPr/>
-            </p:nvSpPr>
-            <p:spPr>
-              <a:xfrm>
-                <a:off x="8104269" y="1111813"/>
-                <a:ext cx="3490768" cy="3704315"/>
-              </a:xfrm>
-              <a:prstGeom prst="rect">
-                <a:avLst/>
-              </a:prstGeom>
-              <a:solidFill>
-                <a:schemeClr val="accent6"/>
-              </a:solidFill>
-              <a:ln>
-                <a:solidFill>
-                  <a:schemeClr val="tx1"/>
-                </a:solidFill>
-              </a:ln>
-              <a:effectLst/>
-            </p:spPr>
-            <p:style>
-              <a:lnRef idx="1">
-                <a:schemeClr val="accent1"/>
-              </a:lnRef>
-              <a:fillRef idx="3">
-                <a:schemeClr val="accent1"/>
-              </a:fillRef>
-              <a:effectRef idx="2">
-                <a:schemeClr val="accent1"/>
-              </a:effectRef>
-              <a:fontRef idx="minor">
-                <a:schemeClr val="lt1"/>
-              </a:fontRef>
-            </p:style>
-            <p:txBody>
-              <a:bodyPr rtlCol="0" anchor="ctr"/>
-              <a:lstStyle/>
-              <a:p>
-                <a:pPr algn="ctr"/>
-                <a:endParaRPr lang="en-US" sz="2500">
-                  <a:latin typeface="Times New Roman"/>
-                  <a:cs typeface="Times New Roman"/>
-                </a:endParaRPr>
-              </a:p>
-            </p:txBody>
-          </p:sp>
-          <p:sp>
-            <p:nvSpPr>
-              <p:cNvPr id="587" name="TextBox 586"/>
-              <p:cNvSpPr txBox="1"/>
-              <p:nvPr/>
-            </p:nvSpPr>
-            <p:spPr>
-              <a:xfrm>
-                <a:off x="8593224" y="2447757"/>
-                <a:ext cx="2533472" cy="2569276"/>
-              </a:xfrm>
-              <a:prstGeom prst="rect">
-                <a:avLst/>
-              </a:prstGeom>
-              <a:noFill/>
-            </p:spPr>
-            <p:txBody>
-              <a:bodyPr wrap="none" rtlCol="0">
-                <a:spAutoFit/>
-              </a:bodyPr>
-              <a:lstStyle/>
-              <a:p>
-                <a:pPr algn="ctr"/>
-                <a:r>
-                  <a:rPr lang="en-US" sz="1600" dirty="0">
-                    <a:latin typeface="Times New Roman"/>
-                    <a:cs typeface="Times New Roman"/>
-                  </a:rPr>
-                  <a:t>Build</a:t>
-                </a:r>
-              </a:p>
-              <a:p>
-                <a:pPr algn="ctr"/>
-                <a:r>
-                  <a:rPr lang="en-US" sz="1600" dirty="0">
-                    <a:latin typeface="Times New Roman"/>
-                    <a:cs typeface="Times New Roman"/>
-                  </a:rPr>
-                  <a:t>zone</a:t>
-                </a:r>
-              </a:p>
-            </p:txBody>
-          </p:sp>
-          <p:sp>
-            <p:nvSpPr>
-              <p:cNvPr id="588" name="TextBox 587"/>
-              <p:cNvSpPr txBox="1"/>
-              <p:nvPr/>
-            </p:nvSpPr>
-            <p:spPr>
-              <a:xfrm>
-                <a:off x="5424145" y="9867047"/>
-                <a:ext cx="1706811" cy="1487473"/>
-              </a:xfrm>
-              <a:prstGeom prst="rect">
-                <a:avLst/>
-              </a:prstGeom>
-              <a:noFill/>
-            </p:spPr>
-            <p:txBody>
-              <a:bodyPr wrap="none" rtlCol="0">
-                <a:spAutoFit/>
-              </a:bodyPr>
-              <a:lstStyle/>
-              <a:p>
-                <a:pPr algn="ctr"/>
-                <a:r>
-                  <a:rPr lang="en-US" sz="1600" i="1" dirty="0">
-                    <a:latin typeface="Times New Roman"/>
-                    <a:cs typeface="Times New Roman"/>
-                  </a:rPr>
-                  <a:t>2ε</a:t>
-                </a:r>
-              </a:p>
-            </p:txBody>
-          </p:sp>
-          <p:sp>
-            <p:nvSpPr>
-              <p:cNvPr id="589" name="TextBox 588"/>
-              <p:cNvSpPr txBox="1"/>
-              <p:nvPr/>
-            </p:nvSpPr>
-            <p:spPr>
-              <a:xfrm>
-                <a:off x="5528062" y="-85772"/>
-                <a:ext cx="1304673" cy="1487473"/>
-              </a:xfrm>
-              <a:prstGeom prst="rect">
-                <a:avLst/>
-              </a:prstGeom>
-              <a:noFill/>
-            </p:spPr>
-            <p:txBody>
-              <a:bodyPr wrap="none" rtlCol="0">
-                <a:spAutoFit/>
-              </a:bodyPr>
-              <a:lstStyle/>
-              <a:p>
-                <a:pPr algn="ctr"/>
-                <a:r>
-                  <a:rPr lang="en-US" sz="1600" i="1" dirty="0" err="1">
-                    <a:latin typeface="Times New Roman"/>
-                    <a:cs typeface="Times New Roman"/>
-                  </a:rPr>
-                  <a:t>ε</a:t>
-                </a:r>
-                <a:endParaRPr lang="en-US" sz="1600" i="1" dirty="0">
-                  <a:latin typeface="Times New Roman"/>
-                  <a:cs typeface="Times New Roman"/>
-                </a:endParaRPr>
-              </a:p>
-            </p:txBody>
-          </p:sp>
-          <p:sp>
-            <p:nvSpPr>
-              <p:cNvPr id="590" name="TextBox 589"/>
-              <p:cNvSpPr txBox="1"/>
-              <p:nvPr/>
-            </p:nvSpPr>
-            <p:spPr>
-              <a:xfrm>
-                <a:off x="2923834" y="6479146"/>
-                <a:ext cx="2473386" cy="1487473"/>
-              </a:xfrm>
-              <a:prstGeom prst="rect">
-                <a:avLst/>
-              </a:prstGeom>
-              <a:noFill/>
-            </p:spPr>
-            <p:txBody>
-              <a:bodyPr wrap="none" rtlCol="0">
-                <a:spAutoFit/>
-              </a:bodyPr>
-              <a:lstStyle/>
-              <a:p>
-                <a:pPr algn="ctr"/>
-                <a:r>
-                  <a:rPr lang="en-US" sz="1600" i="1" dirty="0">
-                    <a:latin typeface="Times New Roman"/>
-                    <a:cs typeface="Times New Roman"/>
-                  </a:rPr>
-                  <a:t>ε</a:t>
-                </a:r>
-                <a:r>
-                  <a:rPr lang="en-US" sz="1600" dirty="0">
-                    <a:latin typeface="Times New Roman"/>
-                    <a:cs typeface="Times New Roman"/>
-                  </a:rPr>
-                  <a:t>+2</a:t>
-                </a:r>
-                <a:r>
-                  <a:rPr lang="en-US" sz="1600" i="1" dirty="0">
-                    <a:latin typeface="Times New Roman"/>
-                    <a:cs typeface="Times New Roman"/>
-                  </a:rPr>
-                  <a:t>r</a:t>
-                </a:r>
-              </a:p>
-            </p:txBody>
-          </p:sp>
-          <p:cxnSp>
-            <p:nvCxnSpPr>
-              <p:cNvPr id="591" name="Straight Arrow Connector 590"/>
-              <p:cNvCxnSpPr/>
-              <p:nvPr/>
-            </p:nvCxnSpPr>
-            <p:spPr>
-              <a:xfrm>
-                <a:off x="2230124" y="6479148"/>
-                <a:ext cx="3833790" cy="93843"/>
-              </a:xfrm>
-              <a:prstGeom prst="straightConnector1">
-                <a:avLst/>
-              </a:prstGeom>
-              <a:ln w="57150" cmpd="sng">
-                <a:solidFill>
-                  <a:schemeClr val="tx1"/>
-                </a:solidFill>
-                <a:headEnd type="stealth" w="med" len="lg"/>
-                <a:tailEnd type="stealth" w="med" len="lg"/>
-              </a:ln>
-              <a:effectLst/>
-            </p:spPr>
-            <p:style>
-              <a:lnRef idx="2">
-                <a:schemeClr val="accent1"/>
-              </a:lnRef>
-              <a:fillRef idx="0">
-                <a:schemeClr val="accent1"/>
-              </a:fillRef>
-              <a:effectRef idx="1">
-                <a:schemeClr val="accent1"/>
-              </a:effectRef>
-              <a:fontRef idx="minor">
-                <a:schemeClr val="tx1"/>
-              </a:fontRef>
-            </p:style>
-          </p:cxnSp>
-          <p:cxnSp>
-            <p:nvCxnSpPr>
-              <p:cNvPr id="592" name="Straight Arrow Connector 591"/>
-              <p:cNvCxnSpPr/>
-              <p:nvPr/>
-            </p:nvCxnSpPr>
-            <p:spPr>
-              <a:xfrm>
-                <a:off x="6809526" y="9458777"/>
-                <a:ext cx="0" cy="2423336"/>
-              </a:xfrm>
-              <a:prstGeom prst="straightConnector1">
-                <a:avLst/>
-              </a:prstGeom>
-              <a:ln w="57150" cmpd="sng">
-                <a:solidFill>
-                  <a:schemeClr val="tx1"/>
-                </a:solidFill>
-                <a:headEnd type="stealth" w="med" len="lg"/>
-                <a:tailEnd type="stealth" w="med" len="lg"/>
-              </a:ln>
-              <a:effectLst/>
-            </p:spPr>
-            <p:style>
-              <a:lnRef idx="2">
-                <a:schemeClr val="accent1"/>
-              </a:lnRef>
-              <a:fillRef idx="0">
-                <a:schemeClr val="accent1"/>
-              </a:fillRef>
-              <a:effectRef idx="1">
-                <a:schemeClr val="accent1"/>
-              </a:effectRef>
-              <a:fontRef idx="minor">
-                <a:schemeClr val="tx1"/>
-              </a:fontRef>
-            </p:style>
-          </p:cxnSp>
-          <p:cxnSp>
-            <p:nvCxnSpPr>
-              <p:cNvPr id="593" name="Straight Arrow Connector 592"/>
-              <p:cNvCxnSpPr/>
-              <p:nvPr/>
-            </p:nvCxnSpPr>
-            <p:spPr>
-              <a:xfrm>
-                <a:off x="6758675" y="300343"/>
-                <a:ext cx="0" cy="882829"/>
-              </a:xfrm>
-              <a:prstGeom prst="straightConnector1">
-                <a:avLst/>
-              </a:prstGeom>
-              <a:ln w="57150" cmpd="sng">
-                <a:solidFill>
-                  <a:schemeClr val="tx1"/>
-                </a:solidFill>
-                <a:headEnd type="stealth" w="med" len="lg"/>
-                <a:tailEnd type="stealth" w="med" len="lg"/>
-              </a:ln>
-              <a:effectLst/>
-            </p:spPr>
-            <p:style>
-              <a:lnRef idx="2">
-                <a:schemeClr val="accent1"/>
-              </a:lnRef>
-              <a:fillRef idx="0">
-                <a:schemeClr val="accent1"/>
-              </a:fillRef>
-              <a:effectRef idx="1">
-                <a:schemeClr val="accent1"/>
-              </a:effectRef>
-              <a:fontRef idx="minor">
-                <a:schemeClr val="tx1"/>
-              </a:fontRef>
-            </p:style>
-          </p:cxnSp>
-          <p:cxnSp>
-            <p:nvCxnSpPr>
-              <p:cNvPr id="594" name="Straight Arrow Connector 593"/>
-              <p:cNvCxnSpPr/>
-              <p:nvPr/>
-            </p:nvCxnSpPr>
-            <p:spPr>
-              <a:xfrm flipV="1">
-                <a:off x="8104269" y="2058014"/>
-                <a:ext cx="3322953" cy="8429"/>
-              </a:xfrm>
-              <a:prstGeom prst="straightConnector1">
-                <a:avLst/>
-              </a:prstGeom>
-              <a:ln w="57150" cmpd="sng">
-                <a:solidFill>
-                  <a:schemeClr val="tx1"/>
-                </a:solidFill>
-                <a:headEnd type="stealth" w="med" len="lg"/>
-                <a:tailEnd type="stealth" w="med" len="lg"/>
-              </a:ln>
-              <a:effectLst/>
-            </p:spPr>
-            <p:style>
-              <a:lnRef idx="2">
-                <a:schemeClr val="accent1"/>
-              </a:lnRef>
-              <a:fillRef idx="0">
-                <a:schemeClr val="accent1"/>
-              </a:fillRef>
-              <a:effectRef idx="1">
-                <a:schemeClr val="accent1"/>
-              </a:effectRef>
-              <a:fontRef idx="minor">
-                <a:schemeClr val="tx1"/>
-              </a:fontRef>
-            </p:style>
-          </p:cxnSp>
-          <p:sp>
-            <p:nvSpPr>
-              <p:cNvPr id="595" name="TextBox 594"/>
-              <p:cNvSpPr txBox="1"/>
-              <p:nvPr/>
-            </p:nvSpPr>
-            <p:spPr>
-              <a:xfrm>
-                <a:off x="8923747" y="1415633"/>
-                <a:ext cx="1767854" cy="1487473"/>
-              </a:xfrm>
-              <a:prstGeom prst="rect">
-                <a:avLst/>
-              </a:prstGeom>
-              <a:solidFill>
-                <a:schemeClr val="accent6"/>
-              </a:solidFill>
-            </p:spPr>
-            <p:txBody>
-              <a:bodyPr wrap="none" rtlCol="0">
-                <a:spAutoFit/>
-              </a:bodyPr>
-              <a:lstStyle/>
-              <a:p>
-                <a:pPr algn="ctr"/>
-                <a:r>
-                  <a:rPr lang="en-US" sz="1600" i="1" dirty="0" err="1">
-                    <a:latin typeface="Times New Roman"/>
-                    <a:cs typeface="Times New Roman"/>
-                  </a:rPr>
-                  <a:t>w</a:t>
-                </a:r>
-                <a:r>
-                  <a:rPr lang="en-US" sz="1600" i="1" baseline="-25000" dirty="0" err="1">
-                    <a:latin typeface="Times New Roman"/>
-                    <a:cs typeface="Times New Roman"/>
-                  </a:rPr>
-                  <a:t>b</a:t>
-                </a:r>
-                <a:endParaRPr lang="en-US" sz="1600" i="1" dirty="0">
-                  <a:latin typeface="Times New Roman"/>
-                  <a:cs typeface="Times New Roman"/>
-                </a:endParaRPr>
-              </a:p>
-            </p:txBody>
-          </p:sp>
-          <p:cxnSp>
-            <p:nvCxnSpPr>
-              <p:cNvPr id="596" name="Straight Arrow Connector 595"/>
-              <p:cNvCxnSpPr/>
-              <p:nvPr/>
-            </p:nvCxnSpPr>
-            <p:spPr>
-              <a:xfrm>
-                <a:off x="6770310" y="1183172"/>
-                <a:ext cx="0" cy="3737367"/>
-              </a:xfrm>
-              <a:prstGeom prst="straightConnector1">
-                <a:avLst/>
-              </a:prstGeom>
-              <a:ln w="57150" cmpd="sng">
-                <a:solidFill>
-                  <a:schemeClr val="tx1"/>
-                </a:solidFill>
-                <a:headEnd type="stealth" w="med" len="lg"/>
-                <a:tailEnd type="stealth" w="med" len="lg"/>
-              </a:ln>
-              <a:effectLst/>
-            </p:spPr>
-            <p:style>
-              <a:lnRef idx="2">
-                <a:schemeClr val="accent1"/>
-              </a:lnRef>
-              <a:fillRef idx="0">
-                <a:schemeClr val="accent1"/>
-              </a:fillRef>
-              <a:effectRef idx="1">
-                <a:schemeClr val="accent1"/>
-              </a:effectRef>
-              <a:fontRef idx="minor">
-                <a:schemeClr val="tx1"/>
-              </a:fontRef>
-            </p:style>
-          </p:cxnSp>
-          <p:sp>
-            <p:nvSpPr>
-              <p:cNvPr id="597" name="TextBox 596"/>
-              <p:cNvSpPr txBox="1"/>
-              <p:nvPr/>
-            </p:nvSpPr>
-            <p:spPr>
-              <a:xfrm>
-                <a:off x="5077531" y="2274043"/>
-                <a:ext cx="1851611" cy="1487473"/>
-              </a:xfrm>
-              <a:prstGeom prst="rect">
-                <a:avLst/>
-              </a:prstGeom>
-              <a:noFill/>
-            </p:spPr>
-            <p:txBody>
-              <a:bodyPr wrap="square" rtlCol="0">
-                <a:spAutoFit/>
-              </a:bodyPr>
-              <a:lstStyle/>
-              <a:p>
-                <a:pPr algn="ctr"/>
-                <a:r>
-                  <a:rPr lang="en-US" sz="1600" i="1" dirty="0" err="1">
-                    <a:latin typeface="Times New Roman"/>
-                    <a:cs typeface="Times New Roman"/>
-                  </a:rPr>
-                  <a:t>h</a:t>
-                </a:r>
-                <a:r>
-                  <a:rPr lang="en-US" sz="1600" i="1" baseline="-25000" dirty="0" err="1">
-                    <a:latin typeface="Times New Roman"/>
-                    <a:cs typeface="Times New Roman"/>
-                  </a:rPr>
-                  <a:t>b</a:t>
-                </a:r>
-                <a:endParaRPr lang="en-US" sz="1600" i="1" dirty="0">
-                  <a:latin typeface="Times New Roman"/>
-                  <a:cs typeface="Times New Roman"/>
-                </a:endParaRPr>
-              </a:p>
-            </p:txBody>
-          </p:sp>
-          <p:cxnSp>
-            <p:nvCxnSpPr>
-              <p:cNvPr id="598" name="Straight Arrow Connector 597"/>
-              <p:cNvCxnSpPr/>
-              <p:nvPr/>
-            </p:nvCxnSpPr>
-            <p:spPr>
-              <a:xfrm>
-                <a:off x="7224064" y="9849279"/>
-                <a:ext cx="4470712" cy="0"/>
-              </a:xfrm>
-              <a:prstGeom prst="straightConnector1">
-                <a:avLst/>
-              </a:prstGeom>
-              <a:ln w="57150" cmpd="sng">
-                <a:solidFill>
-                  <a:schemeClr val="tx1"/>
-                </a:solidFill>
-                <a:headEnd type="stealth" w="med" len="lg"/>
-                <a:tailEnd type="stealth" w="med" len="lg"/>
-              </a:ln>
-              <a:effectLst/>
-            </p:spPr>
-            <p:style>
-              <a:lnRef idx="2">
-                <a:schemeClr val="accent1"/>
-              </a:lnRef>
-              <a:fillRef idx="0">
-                <a:schemeClr val="accent1"/>
-              </a:fillRef>
-              <a:effectRef idx="1">
-                <a:schemeClr val="accent1"/>
-              </a:effectRef>
-              <a:fontRef idx="minor">
-                <a:schemeClr val="tx1"/>
-              </a:fontRef>
-            </p:style>
-          </p:cxnSp>
-          <p:cxnSp>
-            <p:nvCxnSpPr>
-              <p:cNvPr id="599" name="Straight Arrow Connector 598"/>
-              <p:cNvCxnSpPr/>
-              <p:nvPr/>
-            </p:nvCxnSpPr>
-            <p:spPr>
-              <a:xfrm>
-                <a:off x="6770310" y="6869680"/>
-                <a:ext cx="0" cy="2589096"/>
-              </a:xfrm>
-              <a:prstGeom prst="straightConnector1">
-                <a:avLst/>
-              </a:prstGeom>
-              <a:ln w="57150" cmpd="sng">
-                <a:solidFill>
-                  <a:schemeClr val="tx1"/>
-                </a:solidFill>
-                <a:headEnd type="stealth" w="med" len="lg"/>
-                <a:tailEnd type="stealth" w="med" len="lg"/>
-              </a:ln>
-              <a:effectLst/>
-            </p:spPr>
-            <p:style>
-              <a:lnRef idx="2">
-                <a:schemeClr val="accent1"/>
-              </a:lnRef>
-              <a:fillRef idx="0">
-                <a:schemeClr val="accent1"/>
-              </a:fillRef>
-              <a:effectRef idx="1">
-                <a:schemeClr val="accent1"/>
-              </a:effectRef>
-              <a:fontRef idx="minor">
-                <a:schemeClr val="tx1"/>
-              </a:fontRef>
-            </p:style>
-          </p:cxnSp>
-          <p:sp>
-            <p:nvSpPr>
-              <p:cNvPr id="600" name="TextBox 599"/>
-              <p:cNvSpPr txBox="1"/>
-              <p:nvPr/>
-            </p:nvSpPr>
-            <p:spPr>
-              <a:xfrm>
-                <a:off x="5201991" y="7427405"/>
-                <a:ext cx="1584455" cy="1487473"/>
-              </a:xfrm>
-              <a:prstGeom prst="rect">
-                <a:avLst/>
-              </a:prstGeom>
-              <a:noFill/>
-            </p:spPr>
-            <p:txBody>
-              <a:bodyPr wrap="square" rtlCol="0">
-                <a:spAutoFit/>
-              </a:bodyPr>
-              <a:lstStyle/>
-              <a:p>
-                <a:pPr algn="ctr"/>
-                <a:r>
-                  <a:rPr lang="en-US" sz="1600" i="1" dirty="0" err="1">
-                    <a:latin typeface="Times New Roman"/>
-                    <a:cs typeface="Times New Roman"/>
-                  </a:rPr>
-                  <a:t>h</a:t>
-                </a:r>
-                <a:r>
-                  <a:rPr lang="en-US" sz="1600" i="1" baseline="-25000" dirty="0" err="1">
-                    <a:latin typeface="Times New Roman"/>
-                    <a:cs typeface="Times New Roman"/>
-                  </a:rPr>
-                  <a:t>s</a:t>
-                </a:r>
-                <a:endParaRPr lang="en-US" sz="1600" i="1" dirty="0">
-                  <a:latin typeface="Times New Roman"/>
-                  <a:cs typeface="Times New Roman"/>
-                </a:endParaRPr>
-              </a:p>
-            </p:txBody>
-          </p:sp>
-          <p:sp>
-            <p:nvSpPr>
-              <p:cNvPr id="601" name="TextBox 600"/>
-              <p:cNvSpPr txBox="1"/>
-              <p:nvPr/>
-            </p:nvSpPr>
-            <p:spPr>
-              <a:xfrm>
-                <a:off x="8189005" y="9448468"/>
-                <a:ext cx="1821018" cy="1487473"/>
-              </a:xfrm>
-              <a:prstGeom prst="rect">
-                <a:avLst/>
-              </a:prstGeom>
-              <a:noFill/>
-            </p:spPr>
-            <p:txBody>
-              <a:bodyPr wrap="square" rtlCol="0">
-                <a:spAutoFit/>
-              </a:bodyPr>
-              <a:lstStyle/>
-              <a:p>
-                <a:pPr algn="ctr"/>
-                <a:r>
-                  <a:rPr lang="en-US" sz="1600" i="1" dirty="0" err="1">
-                    <a:latin typeface="Times New Roman"/>
-                    <a:cs typeface="Times New Roman"/>
-                  </a:rPr>
-                  <a:t>w</a:t>
-                </a:r>
-                <a:r>
-                  <a:rPr lang="en-US" sz="1600" i="1" baseline="-25000" dirty="0" err="1">
-                    <a:latin typeface="Times New Roman"/>
-                    <a:cs typeface="Times New Roman"/>
-                  </a:rPr>
-                  <a:t>s</a:t>
-                </a:r>
-                <a:endParaRPr lang="en-US" sz="1600" i="1" dirty="0">
-                  <a:latin typeface="Times New Roman"/>
-                  <a:cs typeface="Times New Roman"/>
-                </a:endParaRPr>
-              </a:p>
-            </p:txBody>
-          </p:sp>
-          <p:sp>
-            <p:nvSpPr>
-              <p:cNvPr id="602" name="TextBox 601"/>
-              <p:cNvSpPr txBox="1"/>
-              <p:nvPr/>
-            </p:nvSpPr>
-            <p:spPr>
-              <a:xfrm>
-                <a:off x="7681605" y="7100850"/>
-                <a:ext cx="3181446" cy="2569276"/>
-              </a:xfrm>
-              <a:prstGeom prst="rect">
-                <a:avLst/>
-              </a:prstGeom>
-              <a:noFill/>
-            </p:spPr>
-            <p:txBody>
-              <a:bodyPr wrap="none" rtlCol="0">
-                <a:spAutoFit/>
-              </a:bodyPr>
-              <a:lstStyle/>
-              <a:p>
-                <a:pPr algn="ctr"/>
-                <a:r>
-                  <a:rPr lang="en-US" sz="1600" dirty="0">
-                    <a:latin typeface="Times New Roman"/>
-                    <a:cs typeface="Times New Roman"/>
-                  </a:rPr>
-                  <a:t>Staging</a:t>
-                </a:r>
-              </a:p>
-              <a:p>
-                <a:pPr algn="ctr"/>
-                <a:r>
-                  <a:rPr lang="en-US" sz="1600" dirty="0">
-                    <a:latin typeface="Times New Roman"/>
-                    <a:cs typeface="Times New Roman"/>
-                  </a:rPr>
-                  <a:t>zone</a:t>
-                </a:r>
-              </a:p>
-            </p:txBody>
-          </p:sp>
-        </p:grpSp>
-      </p:grpSp>
+          </a:xfrm>
+          <a:prstGeom prst="rect">
+            <a:avLst/>
+          </a:prstGeom>
+        </p:spPr>
+      </p:pic>
+      <p:sp>
+        <p:nvSpPr>
+          <p:cNvPr id="585" name="Rectangle 584"/>
+          <p:cNvSpPr/>
+          <p:nvPr/>
+        </p:nvSpPr>
+        <p:spPr>
+          <a:xfrm>
+            <a:off x="825500" y="1682750"/>
+            <a:ext cx="1993899" cy="869950"/>
+          </a:xfrm>
+          <a:prstGeom prst="rect">
+            <a:avLst/>
+          </a:prstGeom>
+          <a:solidFill>
+            <a:srgbClr val="FFFF00"/>
+          </a:solidFill>
+          <a:ln>
+            <a:solidFill>
+              <a:schemeClr val="tx1"/>
+            </a:solidFill>
+          </a:ln>
+          <a:effectLst/>
+        </p:spPr>
+        <p:style>
+          <a:lnRef idx="1">
+            <a:schemeClr val="accent1"/>
+          </a:lnRef>
+          <a:fillRef idx="3">
+            <a:schemeClr val="accent1"/>
+          </a:fillRef>
+          <a:effectRef idx="2">
+            <a:schemeClr val="accent1"/>
+          </a:effectRef>
+          <a:fontRef idx="minor">
+            <a:schemeClr val="lt1"/>
+          </a:fontRef>
+        </p:style>
+        <p:txBody>
+          <a:bodyPr rtlCol="0" anchor="ctr"/>
+          <a:lstStyle/>
+          <a:p>
+            <a:pPr algn="ctr"/>
+            <a:endParaRPr lang="en-US" sz="2500">
+              <a:latin typeface="Times New Roman"/>
+              <a:cs typeface="Times New Roman"/>
+            </a:endParaRPr>
+          </a:p>
+        </p:txBody>
+      </p:sp>
+      <p:sp>
+        <p:nvSpPr>
+          <p:cNvPr id="586" name="Rectangle 585"/>
+          <p:cNvSpPr/>
+          <p:nvPr/>
+        </p:nvSpPr>
+        <p:spPr>
+          <a:xfrm>
+            <a:off x="825500" y="488031"/>
+            <a:ext cx="2006600" cy="1188368"/>
+          </a:xfrm>
+          <a:prstGeom prst="rect">
+            <a:avLst/>
+          </a:prstGeom>
+          <a:solidFill>
+            <a:schemeClr val="accent6"/>
+          </a:solidFill>
+          <a:ln>
+            <a:solidFill>
+              <a:schemeClr val="tx1"/>
+            </a:solidFill>
+          </a:ln>
+          <a:effectLst/>
+        </p:spPr>
+        <p:style>
+          <a:lnRef idx="1">
+            <a:schemeClr val="accent1"/>
+          </a:lnRef>
+          <a:fillRef idx="3">
+            <a:schemeClr val="accent1"/>
+          </a:fillRef>
+          <a:effectRef idx="2">
+            <a:schemeClr val="accent1"/>
+          </a:effectRef>
+          <a:fontRef idx="minor">
+            <a:schemeClr val="lt1"/>
+          </a:fontRef>
+        </p:style>
+        <p:txBody>
+          <a:bodyPr rtlCol="0" anchor="ctr"/>
+          <a:lstStyle/>
+          <a:p>
+            <a:pPr algn="ctr"/>
+            <a:endParaRPr lang="en-US" sz="2500">
+              <a:latin typeface="Times New Roman"/>
+              <a:cs typeface="Times New Roman"/>
+            </a:endParaRPr>
+          </a:p>
+        </p:txBody>
+      </p:sp>
+      <p:sp>
+        <p:nvSpPr>
+          <p:cNvPr id="587" name="TextBox 586"/>
+          <p:cNvSpPr txBox="1"/>
+          <p:nvPr/>
+        </p:nvSpPr>
+        <p:spPr>
+          <a:xfrm>
+            <a:off x="2059014" y="538097"/>
+            <a:ext cx="646331" cy="584776"/>
+          </a:xfrm>
+          <a:prstGeom prst="rect">
+            <a:avLst/>
+          </a:prstGeom>
+          <a:noFill/>
+        </p:spPr>
+        <p:txBody>
+          <a:bodyPr wrap="none" rtlCol="0">
+            <a:spAutoFit/>
+          </a:bodyPr>
+          <a:lstStyle/>
+          <a:p>
+            <a:pPr algn="ctr"/>
+            <a:r>
+              <a:rPr lang="en-US" sz="1600" dirty="0">
+                <a:latin typeface="Times New Roman"/>
+                <a:cs typeface="Times New Roman"/>
+              </a:rPr>
+              <a:t>Build</a:t>
+            </a:r>
+          </a:p>
+          <a:p>
+            <a:pPr algn="ctr"/>
+            <a:r>
+              <a:rPr lang="en-US" sz="1600" dirty="0">
+                <a:latin typeface="Times New Roman"/>
+                <a:cs typeface="Times New Roman"/>
+              </a:rPr>
+              <a:t>zone</a:t>
+            </a:r>
+          </a:p>
+        </p:txBody>
+      </p:sp>
+      <p:sp>
+        <p:nvSpPr>
+          <p:cNvPr id="588" name="TextBox 587"/>
+          <p:cNvSpPr txBox="1"/>
+          <p:nvPr/>
+        </p:nvSpPr>
+        <p:spPr>
+          <a:xfrm>
+            <a:off x="863675" y="2506154"/>
+            <a:ext cx="332844" cy="338554"/>
+          </a:xfrm>
+          <a:prstGeom prst="rect">
+            <a:avLst/>
+          </a:prstGeom>
+          <a:noFill/>
+        </p:spPr>
+        <p:txBody>
+          <a:bodyPr wrap="none" rtlCol="0">
+            <a:spAutoFit/>
+          </a:bodyPr>
+          <a:lstStyle/>
+          <a:p>
+            <a:pPr algn="ctr"/>
+            <a:r>
+              <a:rPr lang="en-US" sz="1600" i="1" dirty="0" err="1" smtClean="0">
+                <a:latin typeface="Times New Roman"/>
+                <a:cs typeface="Times New Roman"/>
+              </a:rPr>
+              <a:t>ε</a:t>
+            </a:r>
+            <a:endParaRPr lang="en-US" sz="1600" i="1" dirty="0">
+              <a:latin typeface="Times New Roman"/>
+              <a:cs typeface="Times New Roman"/>
+            </a:endParaRPr>
+          </a:p>
+        </p:txBody>
+      </p:sp>
+      <p:sp>
+        <p:nvSpPr>
+          <p:cNvPr id="589" name="TextBox 588"/>
+          <p:cNvSpPr txBox="1"/>
+          <p:nvPr/>
+        </p:nvSpPr>
+        <p:spPr>
+          <a:xfrm>
+            <a:off x="775390" y="113858"/>
+            <a:ext cx="332844" cy="338554"/>
+          </a:xfrm>
+          <a:prstGeom prst="rect">
+            <a:avLst/>
+          </a:prstGeom>
+          <a:noFill/>
+        </p:spPr>
+        <p:txBody>
+          <a:bodyPr wrap="none" rtlCol="0">
+            <a:spAutoFit/>
+          </a:bodyPr>
+          <a:lstStyle/>
+          <a:p>
+            <a:pPr algn="ctr"/>
+            <a:r>
+              <a:rPr lang="en-US" sz="1600" i="1" dirty="0" err="1">
+                <a:latin typeface="Times New Roman"/>
+                <a:cs typeface="Times New Roman"/>
+              </a:rPr>
+              <a:t>ε</a:t>
+            </a:r>
+            <a:endParaRPr lang="en-US" sz="1600" i="1" dirty="0">
+              <a:latin typeface="Times New Roman"/>
+              <a:cs typeface="Times New Roman"/>
+            </a:endParaRPr>
+          </a:p>
+        </p:txBody>
+      </p:sp>
+      <p:sp>
+        <p:nvSpPr>
+          <p:cNvPr id="590" name="TextBox 589"/>
+          <p:cNvSpPr txBox="1"/>
+          <p:nvPr/>
+        </p:nvSpPr>
+        <p:spPr>
+          <a:xfrm>
+            <a:off x="288808" y="1703305"/>
+            <a:ext cx="631002" cy="338554"/>
+          </a:xfrm>
+          <a:prstGeom prst="rect">
+            <a:avLst/>
+          </a:prstGeom>
+          <a:noFill/>
+        </p:spPr>
+        <p:txBody>
+          <a:bodyPr wrap="none" rtlCol="0">
+            <a:spAutoFit/>
+          </a:bodyPr>
+          <a:lstStyle/>
+          <a:p>
+            <a:pPr algn="ctr"/>
+            <a:r>
+              <a:rPr lang="en-US" sz="1600" i="1" dirty="0">
+                <a:latin typeface="Times New Roman"/>
+                <a:cs typeface="Times New Roman"/>
+              </a:rPr>
+              <a:t>ε</a:t>
+            </a:r>
+            <a:r>
+              <a:rPr lang="en-US" sz="1600" dirty="0">
+                <a:latin typeface="Times New Roman"/>
+                <a:cs typeface="Times New Roman"/>
+              </a:rPr>
+              <a:t>+2</a:t>
+            </a:r>
+            <a:r>
+              <a:rPr lang="en-US" sz="1600" i="1" dirty="0">
+                <a:latin typeface="Times New Roman"/>
+                <a:cs typeface="Times New Roman"/>
+              </a:rPr>
+              <a:t>r</a:t>
+            </a:r>
+          </a:p>
+        </p:txBody>
+      </p:sp>
+      <p:cxnSp>
+        <p:nvCxnSpPr>
+          <p:cNvPr id="591" name="Straight Arrow Connector 590"/>
+          <p:cNvCxnSpPr/>
+          <p:nvPr/>
+        </p:nvCxnSpPr>
+        <p:spPr>
+          <a:xfrm>
+            <a:off x="304800" y="1701800"/>
+            <a:ext cx="520700" cy="0"/>
+          </a:xfrm>
+          <a:prstGeom prst="straightConnector1">
+            <a:avLst/>
+          </a:prstGeom>
+          <a:ln w="38100" cmpd="sng">
+            <a:solidFill>
+              <a:schemeClr val="tx1"/>
+            </a:solidFill>
+            <a:headEnd type="stealth" w="med" len="lg"/>
+            <a:tailEnd type="stealth" w="med" len="lg"/>
+          </a:ln>
+          <a:effectLst/>
+        </p:spPr>
+        <p:style>
+          <a:lnRef idx="2">
+            <a:schemeClr val="accent1"/>
+          </a:lnRef>
+          <a:fillRef idx="0">
+            <a:schemeClr val="accent1"/>
+          </a:fillRef>
+          <a:effectRef idx="1">
+            <a:schemeClr val="accent1"/>
+          </a:effectRef>
+          <a:fontRef idx="minor">
+            <a:schemeClr val="tx1"/>
+          </a:fontRef>
+        </p:style>
+      </p:cxnSp>
+      <p:cxnSp>
+        <p:nvCxnSpPr>
+          <p:cNvPr id="596" name="Straight Arrow Connector 595"/>
+          <p:cNvCxnSpPr/>
+          <p:nvPr/>
+        </p:nvCxnSpPr>
+        <p:spPr>
+          <a:xfrm flipH="1">
+            <a:off x="1206500" y="504273"/>
+            <a:ext cx="6458" cy="1159426"/>
+          </a:xfrm>
+          <a:prstGeom prst="straightConnector1">
+            <a:avLst/>
+          </a:prstGeom>
+          <a:ln w="38100" cmpd="sng">
+            <a:solidFill>
+              <a:schemeClr val="tx1"/>
+            </a:solidFill>
+            <a:headEnd type="stealth" w="med" len="lg"/>
+            <a:tailEnd type="stealth" w="med" len="lg"/>
+          </a:ln>
+          <a:effectLst/>
+        </p:spPr>
+        <p:style>
+          <a:lnRef idx="2">
+            <a:schemeClr val="accent1"/>
+          </a:lnRef>
+          <a:fillRef idx="0">
+            <a:schemeClr val="accent1"/>
+          </a:fillRef>
+          <a:effectRef idx="1">
+            <a:schemeClr val="accent1"/>
+          </a:effectRef>
+          <a:fontRef idx="minor">
+            <a:schemeClr val="tx1"/>
+          </a:fontRef>
+        </p:style>
+      </p:cxnSp>
+      <p:sp>
+        <p:nvSpPr>
+          <p:cNvPr id="597" name="TextBox 596"/>
+          <p:cNvSpPr txBox="1"/>
+          <p:nvPr/>
+        </p:nvSpPr>
+        <p:spPr>
+          <a:xfrm>
+            <a:off x="1016052" y="752559"/>
+            <a:ext cx="472377" cy="338554"/>
+          </a:xfrm>
+          <a:prstGeom prst="rect">
+            <a:avLst/>
+          </a:prstGeom>
+          <a:solidFill>
+            <a:srgbClr val="70AD47"/>
+          </a:solidFill>
+        </p:spPr>
+        <p:txBody>
+          <a:bodyPr wrap="square" rtlCol="0">
+            <a:spAutoFit/>
+          </a:bodyPr>
+          <a:lstStyle/>
+          <a:p>
+            <a:r>
+              <a:rPr lang="en-US" sz="1600" i="1" dirty="0" err="1">
+                <a:latin typeface="Times New Roman"/>
+                <a:cs typeface="Times New Roman"/>
+              </a:rPr>
+              <a:t>h</a:t>
+            </a:r>
+            <a:r>
+              <a:rPr lang="en-US" sz="1600" i="1" baseline="-25000" dirty="0" err="1">
+                <a:latin typeface="Times New Roman"/>
+                <a:cs typeface="Times New Roman"/>
+              </a:rPr>
+              <a:t>b</a:t>
+            </a:r>
+            <a:endParaRPr lang="en-US" sz="1600" i="1" dirty="0">
+              <a:latin typeface="Times New Roman"/>
+              <a:cs typeface="Times New Roman"/>
+            </a:endParaRPr>
+          </a:p>
+        </p:txBody>
+      </p:sp>
+      <p:cxnSp>
+        <p:nvCxnSpPr>
+          <p:cNvPr id="598" name="Straight Arrow Connector 597"/>
+          <p:cNvCxnSpPr/>
+          <p:nvPr/>
+        </p:nvCxnSpPr>
+        <p:spPr>
+          <a:xfrm>
+            <a:off x="831850" y="2343150"/>
+            <a:ext cx="2006600" cy="0"/>
+          </a:xfrm>
+          <a:prstGeom prst="straightConnector1">
+            <a:avLst/>
+          </a:prstGeom>
+          <a:ln w="38100" cmpd="sng">
+            <a:solidFill>
+              <a:schemeClr val="tx1"/>
+            </a:solidFill>
+            <a:headEnd type="stealth" w="med" len="lg"/>
+            <a:tailEnd type="stealth" w="med" len="lg"/>
+          </a:ln>
+          <a:effectLst/>
+        </p:spPr>
+        <p:style>
+          <a:lnRef idx="2">
+            <a:schemeClr val="accent1"/>
+          </a:lnRef>
+          <a:fillRef idx="0">
+            <a:schemeClr val="accent1"/>
+          </a:fillRef>
+          <a:effectRef idx="1">
+            <a:schemeClr val="accent1"/>
+          </a:effectRef>
+          <a:fontRef idx="minor">
+            <a:schemeClr val="tx1"/>
+          </a:fontRef>
+        </p:style>
+      </p:cxnSp>
+      <p:cxnSp>
+        <p:nvCxnSpPr>
+          <p:cNvPr id="599" name="Straight Arrow Connector 598"/>
+          <p:cNvCxnSpPr/>
+          <p:nvPr/>
+        </p:nvCxnSpPr>
+        <p:spPr>
+          <a:xfrm>
+            <a:off x="1212850" y="1676399"/>
+            <a:ext cx="0" cy="869950"/>
+          </a:xfrm>
+          <a:prstGeom prst="straightConnector1">
+            <a:avLst/>
+          </a:prstGeom>
+          <a:ln w="38100" cmpd="sng">
+            <a:solidFill>
+              <a:schemeClr val="tx1"/>
+            </a:solidFill>
+            <a:headEnd type="stealth" w="med" len="lg"/>
+            <a:tailEnd type="stealth" w="med" len="lg"/>
+          </a:ln>
+          <a:effectLst/>
+        </p:spPr>
+        <p:style>
+          <a:lnRef idx="2">
+            <a:schemeClr val="accent1"/>
+          </a:lnRef>
+          <a:fillRef idx="0">
+            <a:schemeClr val="accent1"/>
+          </a:fillRef>
+          <a:effectRef idx="1">
+            <a:schemeClr val="accent1"/>
+          </a:effectRef>
+          <a:fontRef idx="minor">
+            <a:schemeClr val="tx1"/>
+          </a:fontRef>
+        </p:style>
+      </p:cxnSp>
+      <p:sp>
+        <p:nvSpPr>
+          <p:cNvPr id="600" name="TextBox 599"/>
+          <p:cNvSpPr txBox="1"/>
+          <p:nvPr/>
+        </p:nvSpPr>
+        <p:spPr>
+          <a:xfrm>
+            <a:off x="1041454" y="1925483"/>
+            <a:ext cx="457145" cy="338554"/>
+          </a:xfrm>
+          <a:prstGeom prst="rect">
+            <a:avLst/>
+          </a:prstGeom>
+          <a:solidFill>
+            <a:srgbClr val="FFFF00"/>
+          </a:solidFill>
+        </p:spPr>
+        <p:txBody>
+          <a:bodyPr wrap="square" rtlCol="0">
+            <a:spAutoFit/>
+          </a:bodyPr>
+          <a:lstStyle/>
+          <a:p>
+            <a:r>
+              <a:rPr lang="en-US" sz="1600" i="1" dirty="0" err="1">
+                <a:latin typeface="Times New Roman"/>
+                <a:cs typeface="Times New Roman"/>
+              </a:rPr>
+              <a:t>h</a:t>
+            </a:r>
+            <a:r>
+              <a:rPr lang="en-US" sz="1600" i="1" baseline="-25000" dirty="0" err="1">
+                <a:latin typeface="Times New Roman"/>
+                <a:cs typeface="Times New Roman"/>
+              </a:rPr>
+              <a:t>s</a:t>
+            </a:r>
+            <a:endParaRPr lang="en-US" sz="1600" i="1" dirty="0">
+              <a:latin typeface="Times New Roman"/>
+              <a:cs typeface="Times New Roman"/>
+            </a:endParaRPr>
+          </a:p>
+        </p:txBody>
+      </p:sp>
+      <p:sp>
+        <p:nvSpPr>
+          <p:cNvPr id="601" name="TextBox 600"/>
+          <p:cNvSpPr txBox="1"/>
+          <p:nvPr/>
+        </p:nvSpPr>
+        <p:spPr>
+          <a:xfrm>
+            <a:off x="1562191" y="2182284"/>
+            <a:ext cx="464572" cy="338554"/>
+          </a:xfrm>
+          <a:prstGeom prst="rect">
+            <a:avLst/>
+          </a:prstGeom>
+          <a:solidFill>
+            <a:srgbClr val="FFFF00"/>
+          </a:solidFill>
+        </p:spPr>
+        <p:txBody>
+          <a:bodyPr wrap="square" rtlCol="0">
+            <a:spAutoFit/>
+          </a:bodyPr>
+          <a:lstStyle/>
+          <a:p>
+            <a:pPr algn="ctr"/>
+            <a:r>
+              <a:rPr lang="en-US" sz="1600" i="1" dirty="0" err="1">
+                <a:latin typeface="Times New Roman"/>
+                <a:cs typeface="Times New Roman"/>
+              </a:rPr>
+              <a:t>w</a:t>
+            </a:r>
+            <a:r>
+              <a:rPr lang="en-US" sz="1600" i="1" baseline="-25000" dirty="0" err="1">
+                <a:latin typeface="Times New Roman"/>
+                <a:cs typeface="Times New Roman"/>
+              </a:rPr>
+              <a:t>s</a:t>
+            </a:r>
+            <a:endParaRPr lang="en-US" sz="1600" i="1" dirty="0">
+              <a:latin typeface="Times New Roman"/>
+              <a:cs typeface="Times New Roman"/>
+            </a:endParaRPr>
+          </a:p>
+        </p:txBody>
+      </p:sp>
+      <p:sp>
+        <p:nvSpPr>
+          <p:cNvPr id="602" name="TextBox 601"/>
+          <p:cNvSpPr txBox="1"/>
+          <p:nvPr/>
+        </p:nvSpPr>
+        <p:spPr>
+          <a:xfrm>
+            <a:off x="1902645" y="1711458"/>
+            <a:ext cx="811640" cy="584776"/>
+          </a:xfrm>
+          <a:prstGeom prst="rect">
+            <a:avLst/>
+          </a:prstGeom>
+          <a:noFill/>
+        </p:spPr>
+        <p:txBody>
+          <a:bodyPr wrap="none" rtlCol="0">
+            <a:spAutoFit/>
+          </a:bodyPr>
+          <a:lstStyle/>
+          <a:p>
+            <a:pPr algn="ctr"/>
+            <a:r>
+              <a:rPr lang="en-US" sz="1600" dirty="0">
+                <a:latin typeface="Times New Roman"/>
+                <a:cs typeface="Times New Roman"/>
+              </a:rPr>
+              <a:t>Staging</a:t>
+            </a:r>
+          </a:p>
+          <a:p>
+            <a:pPr algn="ctr"/>
+            <a:r>
+              <a:rPr lang="en-US" sz="1600" dirty="0">
+                <a:latin typeface="Times New Roman"/>
+                <a:cs typeface="Times New Roman"/>
+              </a:rPr>
+              <a:t>zone</a:t>
+            </a:r>
+          </a:p>
+        </p:txBody>
+      </p:sp>
       <p:pic>
         <p:nvPicPr>
           <p:cNvPr id="603" name="Picture 602"/>
@@ -11492,6 +11310,1013 @@
               </a:rPr>
               <a:t>final</a:t>
             </a:r>
+          </a:p>
+        </p:txBody>
+      </p:sp>
+      <p:cxnSp>
+        <p:nvCxnSpPr>
+          <p:cNvPr id="260" name="Straight Arrow Connector 259"/>
+          <p:cNvCxnSpPr/>
+          <p:nvPr/>
+        </p:nvCxnSpPr>
+        <p:spPr>
+          <a:xfrm>
+            <a:off x="1200218" y="165099"/>
+            <a:ext cx="6282" cy="323851"/>
+          </a:xfrm>
+          <a:prstGeom prst="straightConnector1">
+            <a:avLst/>
+          </a:prstGeom>
+          <a:ln w="38100" cmpd="sng">
+            <a:solidFill>
+              <a:schemeClr val="tx1"/>
+            </a:solidFill>
+            <a:headEnd type="stealth" w="med" len="lg"/>
+            <a:tailEnd type="stealth" w="med" len="lg"/>
+          </a:ln>
+          <a:effectLst/>
+        </p:spPr>
+        <p:style>
+          <a:lnRef idx="2">
+            <a:schemeClr val="accent1"/>
+          </a:lnRef>
+          <a:fillRef idx="0">
+            <a:schemeClr val="accent1"/>
+          </a:fillRef>
+          <a:effectRef idx="1">
+            <a:schemeClr val="accent1"/>
+          </a:effectRef>
+          <a:fontRef idx="minor">
+            <a:schemeClr val="tx1"/>
+          </a:fontRef>
+        </p:style>
+      </p:cxnSp>
+      <p:sp>
+        <p:nvSpPr>
+          <p:cNvPr id="262" name="TextBox 261"/>
+          <p:cNvSpPr txBox="1"/>
+          <p:nvPr/>
+        </p:nvSpPr>
+        <p:spPr>
+          <a:xfrm>
+            <a:off x="7208719" y="288353"/>
+            <a:ext cx="287258" cy="338554"/>
+          </a:xfrm>
+          <a:prstGeom prst="rect">
+            <a:avLst/>
+          </a:prstGeom>
+          <a:noFill/>
+        </p:spPr>
+        <p:txBody>
+          <a:bodyPr wrap="none" rtlCol="0">
+            <a:spAutoFit/>
+          </a:bodyPr>
+          <a:lstStyle/>
+          <a:p>
+            <a:pPr algn="ctr"/>
+            <a:r>
+              <a:rPr lang="en-US" sz="1600" dirty="0" smtClean="0">
+                <a:solidFill>
+                  <a:schemeClr val="bg2">
+                    <a:lumMod val="50000"/>
+                  </a:schemeClr>
+                </a:solidFill>
+                <a:latin typeface="Times New Roman"/>
+                <a:cs typeface="Times New Roman"/>
+              </a:rPr>
+              <a:t>1</a:t>
+            </a:r>
+            <a:endParaRPr lang="en-US" sz="1600" dirty="0">
+              <a:solidFill>
+                <a:schemeClr val="bg2">
+                  <a:lumMod val="50000"/>
+                </a:schemeClr>
+              </a:solidFill>
+              <a:latin typeface="Times New Roman"/>
+              <a:cs typeface="Times New Roman"/>
+            </a:endParaRPr>
+          </a:p>
+        </p:txBody>
+      </p:sp>
+      <p:sp>
+        <p:nvSpPr>
+          <p:cNvPr id="264" name="TextBox 263"/>
+          <p:cNvSpPr txBox="1"/>
+          <p:nvPr/>
+        </p:nvSpPr>
+        <p:spPr>
+          <a:xfrm>
+            <a:off x="7212945" y="578331"/>
+            <a:ext cx="287258" cy="338554"/>
+          </a:xfrm>
+          <a:prstGeom prst="rect">
+            <a:avLst/>
+          </a:prstGeom>
+          <a:noFill/>
+        </p:spPr>
+        <p:txBody>
+          <a:bodyPr wrap="none" rtlCol="0">
+            <a:spAutoFit/>
+          </a:bodyPr>
+          <a:lstStyle/>
+          <a:p>
+            <a:pPr algn="ctr"/>
+            <a:r>
+              <a:rPr lang="en-US" sz="1600" dirty="0" smtClean="0">
+                <a:solidFill>
+                  <a:schemeClr val="bg2">
+                    <a:lumMod val="50000"/>
+                  </a:schemeClr>
+                </a:solidFill>
+                <a:latin typeface="Times New Roman"/>
+                <a:cs typeface="Times New Roman"/>
+              </a:rPr>
+              <a:t>2</a:t>
+            </a:r>
+            <a:endParaRPr lang="en-US" sz="1600" dirty="0">
+              <a:solidFill>
+                <a:schemeClr val="bg2">
+                  <a:lumMod val="50000"/>
+                </a:schemeClr>
+              </a:solidFill>
+              <a:latin typeface="Times New Roman"/>
+              <a:cs typeface="Times New Roman"/>
+            </a:endParaRPr>
+          </a:p>
+        </p:txBody>
+      </p:sp>
+      <p:sp>
+        <p:nvSpPr>
+          <p:cNvPr id="265" name="TextBox 264"/>
+          <p:cNvSpPr txBox="1"/>
+          <p:nvPr/>
+        </p:nvSpPr>
+        <p:spPr>
+          <a:xfrm>
+            <a:off x="7231995" y="851381"/>
+            <a:ext cx="287258" cy="338554"/>
+          </a:xfrm>
+          <a:prstGeom prst="rect">
+            <a:avLst/>
+          </a:prstGeom>
+          <a:noFill/>
+        </p:spPr>
+        <p:txBody>
+          <a:bodyPr wrap="none" rtlCol="0">
+            <a:spAutoFit/>
+          </a:bodyPr>
+          <a:lstStyle/>
+          <a:p>
+            <a:pPr algn="ctr"/>
+            <a:r>
+              <a:rPr lang="en-US" sz="1600" dirty="0" smtClean="0">
+                <a:solidFill>
+                  <a:schemeClr val="bg2">
+                    <a:lumMod val="50000"/>
+                  </a:schemeClr>
+                </a:solidFill>
+                <a:latin typeface="Times New Roman"/>
+                <a:cs typeface="Times New Roman"/>
+              </a:rPr>
+              <a:t>3</a:t>
+            </a:r>
+            <a:endParaRPr lang="en-US" sz="1600" dirty="0">
+              <a:solidFill>
+                <a:schemeClr val="bg2">
+                  <a:lumMod val="50000"/>
+                </a:schemeClr>
+              </a:solidFill>
+              <a:latin typeface="Times New Roman"/>
+              <a:cs typeface="Times New Roman"/>
+            </a:endParaRPr>
+          </a:p>
+        </p:txBody>
+      </p:sp>
+      <p:sp>
+        <p:nvSpPr>
+          <p:cNvPr id="266" name="TextBox 265"/>
+          <p:cNvSpPr txBox="1"/>
+          <p:nvPr/>
+        </p:nvSpPr>
+        <p:spPr>
+          <a:xfrm>
+            <a:off x="6927195" y="857731"/>
+            <a:ext cx="287258" cy="338554"/>
+          </a:xfrm>
+          <a:prstGeom prst="rect">
+            <a:avLst/>
+          </a:prstGeom>
+          <a:noFill/>
+        </p:spPr>
+        <p:txBody>
+          <a:bodyPr wrap="none" rtlCol="0">
+            <a:spAutoFit/>
+          </a:bodyPr>
+          <a:lstStyle/>
+          <a:p>
+            <a:pPr algn="ctr"/>
+            <a:r>
+              <a:rPr lang="en-US" sz="1600" dirty="0" smtClean="0">
+                <a:solidFill>
+                  <a:schemeClr val="bg2">
+                    <a:lumMod val="50000"/>
+                  </a:schemeClr>
+                </a:solidFill>
+                <a:latin typeface="Times New Roman"/>
+                <a:cs typeface="Times New Roman"/>
+              </a:rPr>
+              <a:t>4</a:t>
+            </a:r>
+            <a:endParaRPr lang="en-US" sz="1600" dirty="0">
+              <a:solidFill>
+                <a:schemeClr val="bg2">
+                  <a:lumMod val="50000"/>
+                </a:schemeClr>
+              </a:solidFill>
+              <a:latin typeface="Times New Roman"/>
+              <a:cs typeface="Times New Roman"/>
+            </a:endParaRPr>
+          </a:p>
+        </p:txBody>
+      </p:sp>
+      <p:sp>
+        <p:nvSpPr>
+          <p:cNvPr id="267" name="TextBox 266"/>
+          <p:cNvSpPr txBox="1"/>
+          <p:nvPr/>
+        </p:nvSpPr>
+        <p:spPr>
+          <a:xfrm>
+            <a:off x="6647795" y="864081"/>
+            <a:ext cx="287258" cy="338554"/>
+          </a:xfrm>
+          <a:prstGeom prst="rect">
+            <a:avLst/>
+          </a:prstGeom>
+          <a:noFill/>
+        </p:spPr>
+        <p:txBody>
+          <a:bodyPr wrap="none" rtlCol="0">
+            <a:spAutoFit/>
+          </a:bodyPr>
+          <a:lstStyle/>
+          <a:p>
+            <a:pPr algn="ctr"/>
+            <a:r>
+              <a:rPr lang="en-US" sz="1600" dirty="0" smtClean="0">
+                <a:solidFill>
+                  <a:schemeClr val="bg2">
+                    <a:lumMod val="50000"/>
+                  </a:schemeClr>
+                </a:solidFill>
+                <a:latin typeface="Times New Roman"/>
+                <a:cs typeface="Times New Roman"/>
+              </a:rPr>
+              <a:t>5</a:t>
+            </a:r>
+            <a:endParaRPr lang="en-US" sz="1600" dirty="0">
+              <a:solidFill>
+                <a:schemeClr val="bg2">
+                  <a:lumMod val="50000"/>
+                </a:schemeClr>
+              </a:solidFill>
+              <a:latin typeface="Times New Roman"/>
+              <a:cs typeface="Times New Roman"/>
+            </a:endParaRPr>
+          </a:p>
+        </p:txBody>
+      </p:sp>
+      <p:sp>
+        <p:nvSpPr>
+          <p:cNvPr id="268" name="TextBox 267"/>
+          <p:cNvSpPr txBox="1"/>
+          <p:nvPr/>
+        </p:nvSpPr>
+        <p:spPr>
+          <a:xfrm>
+            <a:off x="6641445" y="571981"/>
+            <a:ext cx="287258" cy="338554"/>
+          </a:xfrm>
+          <a:prstGeom prst="rect">
+            <a:avLst/>
+          </a:prstGeom>
+          <a:noFill/>
+        </p:spPr>
+        <p:txBody>
+          <a:bodyPr wrap="none" rtlCol="0">
+            <a:spAutoFit/>
+          </a:bodyPr>
+          <a:lstStyle/>
+          <a:p>
+            <a:pPr algn="ctr"/>
+            <a:r>
+              <a:rPr lang="en-US" sz="1600" dirty="0" smtClean="0">
+                <a:solidFill>
+                  <a:schemeClr val="bg2">
+                    <a:lumMod val="50000"/>
+                  </a:schemeClr>
+                </a:solidFill>
+                <a:latin typeface="Times New Roman"/>
+                <a:cs typeface="Times New Roman"/>
+              </a:rPr>
+              <a:t>6</a:t>
+            </a:r>
+            <a:endParaRPr lang="en-US" sz="1600" dirty="0">
+              <a:solidFill>
+                <a:schemeClr val="bg2">
+                  <a:lumMod val="50000"/>
+                </a:schemeClr>
+              </a:solidFill>
+              <a:latin typeface="Times New Roman"/>
+              <a:cs typeface="Times New Roman"/>
+            </a:endParaRPr>
+          </a:p>
+        </p:txBody>
+      </p:sp>
+      <p:sp>
+        <p:nvSpPr>
+          <p:cNvPr id="269" name="TextBox 268"/>
+          <p:cNvSpPr txBox="1"/>
+          <p:nvPr/>
+        </p:nvSpPr>
+        <p:spPr>
+          <a:xfrm>
+            <a:off x="6641445" y="292581"/>
+            <a:ext cx="287258" cy="338554"/>
+          </a:xfrm>
+          <a:prstGeom prst="rect">
+            <a:avLst/>
+          </a:prstGeom>
+          <a:noFill/>
+        </p:spPr>
+        <p:txBody>
+          <a:bodyPr wrap="none" rtlCol="0">
+            <a:spAutoFit/>
+          </a:bodyPr>
+          <a:lstStyle/>
+          <a:p>
+            <a:pPr algn="ctr"/>
+            <a:r>
+              <a:rPr lang="en-US" sz="1600" dirty="0" smtClean="0">
+                <a:solidFill>
+                  <a:schemeClr val="bg2">
+                    <a:lumMod val="50000"/>
+                  </a:schemeClr>
+                </a:solidFill>
+                <a:latin typeface="Times New Roman"/>
+                <a:cs typeface="Times New Roman"/>
+              </a:rPr>
+              <a:t>7</a:t>
+            </a:r>
+            <a:endParaRPr lang="en-US" sz="1600" dirty="0">
+              <a:solidFill>
+                <a:schemeClr val="bg2">
+                  <a:lumMod val="50000"/>
+                </a:schemeClr>
+              </a:solidFill>
+              <a:latin typeface="Times New Roman"/>
+              <a:cs typeface="Times New Roman"/>
+            </a:endParaRPr>
+          </a:p>
+        </p:txBody>
+      </p:sp>
+      <p:sp>
+        <p:nvSpPr>
+          <p:cNvPr id="270" name="TextBox 269"/>
+          <p:cNvSpPr txBox="1"/>
+          <p:nvPr/>
+        </p:nvSpPr>
+        <p:spPr>
+          <a:xfrm>
+            <a:off x="6374745" y="1714981"/>
+            <a:ext cx="287258" cy="338554"/>
+          </a:xfrm>
+          <a:prstGeom prst="rect">
+            <a:avLst/>
+          </a:prstGeom>
+          <a:noFill/>
+        </p:spPr>
+        <p:txBody>
+          <a:bodyPr wrap="none" rtlCol="0">
+            <a:spAutoFit/>
+          </a:bodyPr>
+          <a:lstStyle/>
+          <a:p>
+            <a:pPr algn="ctr"/>
+            <a:r>
+              <a:rPr lang="en-US" sz="1600" dirty="0" smtClean="0">
+                <a:latin typeface="Times New Roman"/>
+                <a:cs typeface="Times New Roman"/>
+              </a:rPr>
+              <a:t>1</a:t>
+            </a:r>
+            <a:endParaRPr lang="en-US" sz="1600" dirty="0">
+              <a:latin typeface="Times New Roman"/>
+              <a:cs typeface="Times New Roman"/>
+            </a:endParaRPr>
+          </a:p>
+        </p:txBody>
+      </p:sp>
+      <p:sp>
+        <p:nvSpPr>
+          <p:cNvPr id="271" name="TextBox 270"/>
+          <p:cNvSpPr txBox="1"/>
+          <p:nvPr/>
+        </p:nvSpPr>
+        <p:spPr>
+          <a:xfrm>
+            <a:off x="6685895" y="1708631"/>
+            <a:ext cx="287258" cy="338554"/>
+          </a:xfrm>
+          <a:prstGeom prst="rect">
+            <a:avLst/>
+          </a:prstGeom>
+          <a:noFill/>
+        </p:spPr>
+        <p:txBody>
+          <a:bodyPr wrap="none" rtlCol="0">
+            <a:spAutoFit/>
+          </a:bodyPr>
+          <a:lstStyle/>
+          <a:p>
+            <a:pPr algn="ctr"/>
+            <a:r>
+              <a:rPr lang="en-US" sz="1600" dirty="0" smtClean="0">
+                <a:latin typeface="Times New Roman"/>
+                <a:cs typeface="Times New Roman"/>
+              </a:rPr>
+              <a:t>2</a:t>
+            </a:r>
+            <a:endParaRPr lang="en-US" sz="1600" dirty="0">
+              <a:latin typeface="Times New Roman"/>
+              <a:cs typeface="Times New Roman"/>
+            </a:endParaRPr>
+          </a:p>
+        </p:txBody>
+      </p:sp>
+      <p:sp>
+        <p:nvSpPr>
+          <p:cNvPr id="272" name="TextBox 271"/>
+          <p:cNvSpPr txBox="1"/>
+          <p:nvPr/>
+        </p:nvSpPr>
+        <p:spPr>
+          <a:xfrm>
+            <a:off x="6990695" y="1695931"/>
+            <a:ext cx="287258" cy="338554"/>
+          </a:xfrm>
+          <a:prstGeom prst="rect">
+            <a:avLst/>
+          </a:prstGeom>
+          <a:noFill/>
+        </p:spPr>
+        <p:txBody>
+          <a:bodyPr wrap="none" rtlCol="0">
+            <a:spAutoFit/>
+          </a:bodyPr>
+          <a:lstStyle/>
+          <a:p>
+            <a:pPr algn="ctr"/>
+            <a:r>
+              <a:rPr lang="en-US" sz="1600" dirty="0" smtClean="0">
+                <a:latin typeface="Times New Roman"/>
+                <a:cs typeface="Times New Roman"/>
+              </a:rPr>
+              <a:t>3</a:t>
+            </a:r>
+            <a:endParaRPr lang="en-US" sz="1600" dirty="0">
+              <a:latin typeface="Times New Roman"/>
+              <a:cs typeface="Times New Roman"/>
+            </a:endParaRPr>
+          </a:p>
+        </p:txBody>
+      </p:sp>
+      <p:sp>
+        <p:nvSpPr>
+          <p:cNvPr id="273" name="TextBox 272"/>
+          <p:cNvSpPr txBox="1"/>
+          <p:nvPr/>
+        </p:nvSpPr>
+        <p:spPr>
+          <a:xfrm>
+            <a:off x="7282795" y="1689581"/>
+            <a:ext cx="287258" cy="338554"/>
+          </a:xfrm>
+          <a:prstGeom prst="rect">
+            <a:avLst/>
+          </a:prstGeom>
+          <a:noFill/>
+        </p:spPr>
+        <p:txBody>
+          <a:bodyPr wrap="none" rtlCol="0">
+            <a:spAutoFit/>
+          </a:bodyPr>
+          <a:lstStyle/>
+          <a:p>
+            <a:pPr algn="ctr"/>
+            <a:r>
+              <a:rPr lang="en-US" sz="1600" dirty="0" smtClean="0">
+                <a:latin typeface="Times New Roman"/>
+                <a:cs typeface="Times New Roman"/>
+              </a:rPr>
+              <a:t>4</a:t>
+            </a:r>
+            <a:endParaRPr lang="en-US" sz="1600" dirty="0">
+              <a:latin typeface="Times New Roman"/>
+              <a:cs typeface="Times New Roman"/>
+            </a:endParaRPr>
+          </a:p>
+        </p:txBody>
+      </p:sp>
+      <p:sp>
+        <p:nvSpPr>
+          <p:cNvPr id="274" name="TextBox 273"/>
+          <p:cNvSpPr txBox="1"/>
+          <p:nvPr/>
+        </p:nvSpPr>
+        <p:spPr>
+          <a:xfrm>
+            <a:off x="6673195" y="1397481"/>
+            <a:ext cx="287258" cy="338554"/>
+          </a:xfrm>
+          <a:prstGeom prst="rect">
+            <a:avLst/>
+          </a:prstGeom>
+          <a:noFill/>
+        </p:spPr>
+        <p:txBody>
+          <a:bodyPr wrap="none" rtlCol="0">
+            <a:spAutoFit/>
+          </a:bodyPr>
+          <a:lstStyle/>
+          <a:p>
+            <a:pPr algn="ctr"/>
+            <a:r>
+              <a:rPr lang="en-US" sz="1600" dirty="0" smtClean="0">
+                <a:latin typeface="Times New Roman"/>
+                <a:cs typeface="Times New Roman"/>
+              </a:rPr>
+              <a:t>5</a:t>
+            </a:r>
+            <a:endParaRPr lang="en-US" sz="1600" dirty="0">
+              <a:latin typeface="Times New Roman"/>
+              <a:cs typeface="Times New Roman"/>
+            </a:endParaRPr>
+          </a:p>
+        </p:txBody>
+      </p:sp>
+      <p:sp>
+        <p:nvSpPr>
+          <p:cNvPr id="275" name="TextBox 274"/>
+          <p:cNvSpPr txBox="1"/>
+          <p:nvPr/>
+        </p:nvSpPr>
+        <p:spPr>
+          <a:xfrm>
+            <a:off x="6971645" y="1391131"/>
+            <a:ext cx="287258" cy="338554"/>
+          </a:xfrm>
+          <a:prstGeom prst="rect">
+            <a:avLst/>
+          </a:prstGeom>
+          <a:noFill/>
+        </p:spPr>
+        <p:txBody>
+          <a:bodyPr wrap="none" rtlCol="0">
+            <a:spAutoFit/>
+          </a:bodyPr>
+          <a:lstStyle/>
+          <a:p>
+            <a:pPr algn="ctr"/>
+            <a:r>
+              <a:rPr lang="en-US" sz="1600" dirty="0" smtClean="0">
+                <a:latin typeface="Times New Roman"/>
+                <a:cs typeface="Times New Roman"/>
+              </a:rPr>
+              <a:t>6</a:t>
+            </a:r>
+            <a:endParaRPr lang="en-US" sz="1600" dirty="0">
+              <a:latin typeface="Times New Roman"/>
+              <a:cs typeface="Times New Roman"/>
+            </a:endParaRPr>
+          </a:p>
+        </p:txBody>
+      </p:sp>
+      <p:sp>
+        <p:nvSpPr>
+          <p:cNvPr id="276" name="TextBox 275"/>
+          <p:cNvSpPr txBox="1"/>
+          <p:nvPr/>
+        </p:nvSpPr>
+        <p:spPr>
+          <a:xfrm>
+            <a:off x="7276445" y="1384781"/>
+            <a:ext cx="287258" cy="338554"/>
+          </a:xfrm>
+          <a:prstGeom prst="rect">
+            <a:avLst/>
+          </a:prstGeom>
+          <a:noFill/>
+        </p:spPr>
+        <p:txBody>
+          <a:bodyPr wrap="none" rtlCol="0">
+            <a:spAutoFit/>
+          </a:bodyPr>
+          <a:lstStyle/>
+          <a:p>
+            <a:pPr algn="ctr"/>
+            <a:r>
+              <a:rPr lang="en-US" sz="1600" dirty="0" smtClean="0">
+                <a:latin typeface="Times New Roman"/>
+                <a:cs typeface="Times New Roman"/>
+              </a:rPr>
+              <a:t>7</a:t>
+            </a:r>
+            <a:endParaRPr lang="en-US" sz="1600" dirty="0">
+              <a:latin typeface="Times New Roman"/>
+              <a:cs typeface="Times New Roman"/>
+            </a:endParaRPr>
+          </a:p>
+        </p:txBody>
+      </p:sp>
+      <p:sp>
+        <p:nvSpPr>
+          <p:cNvPr id="277" name="TextBox 276"/>
+          <p:cNvSpPr txBox="1"/>
+          <p:nvPr/>
+        </p:nvSpPr>
+        <p:spPr>
+          <a:xfrm>
+            <a:off x="10392185" y="288352"/>
+            <a:ext cx="287258" cy="338554"/>
+          </a:xfrm>
+          <a:prstGeom prst="rect">
+            <a:avLst/>
+          </a:prstGeom>
+          <a:noFill/>
+        </p:spPr>
+        <p:txBody>
+          <a:bodyPr wrap="none" rtlCol="0">
+            <a:spAutoFit/>
+          </a:bodyPr>
+          <a:lstStyle/>
+          <a:p>
+            <a:pPr algn="ctr"/>
+            <a:r>
+              <a:rPr lang="en-US" sz="1600" dirty="0" smtClean="0">
+                <a:latin typeface="Times New Roman"/>
+                <a:cs typeface="Times New Roman"/>
+              </a:rPr>
+              <a:t>1</a:t>
+            </a:r>
+            <a:endParaRPr lang="en-US" sz="1600" dirty="0">
+              <a:latin typeface="Times New Roman"/>
+              <a:cs typeface="Times New Roman"/>
+            </a:endParaRPr>
+          </a:p>
+        </p:txBody>
+      </p:sp>
+      <p:sp>
+        <p:nvSpPr>
+          <p:cNvPr id="278" name="TextBox 277"/>
+          <p:cNvSpPr txBox="1"/>
+          <p:nvPr/>
+        </p:nvSpPr>
+        <p:spPr>
+          <a:xfrm>
+            <a:off x="10396411" y="578330"/>
+            <a:ext cx="287258" cy="338554"/>
+          </a:xfrm>
+          <a:prstGeom prst="rect">
+            <a:avLst/>
+          </a:prstGeom>
+          <a:noFill/>
+        </p:spPr>
+        <p:txBody>
+          <a:bodyPr wrap="none" rtlCol="0">
+            <a:spAutoFit/>
+          </a:bodyPr>
+          <a:lstStyle/>
+          <a:p>
+            <a:pPr algn="ctr"/>
+            <a:r>
+              <a:rPr lang="en-US" sz="1600" dirty="0" smtClean="0">
+                <a:latin typeface="Times New Roman"/>
+                <a:cs typeface="Times New Roman"/>
+              </a:rPr>
+              <a:t>2</a:t>
+            </a:r>
+            <a:endParaRPr lang="en-US" sz="1600" dirty="0">
+              <a:latin typeface="Times New Roman"/>
+              <a:cs typeface="Times New Roman"/>
+            </a:endParaRPr>
+          </a:p>
+        </p:txBody>
+      </p:sp>
+      <p:sp>
+        <p:nvSpPr>
+          <p:cNvPr id="279" name="TextBox 278"/>
+          <p:cNvSpPr txBox="1"/>
+          <p:nvPr/>
+        </p:nvSpPr>
+        <p:spPr>
+          <a:xfrm>
+            <a:off x="10415461" y="851380"/>
+            <a:ext cx="287258" cy="338554"/>
+          </a:xfrm>
+          <a:prstGeom prst="rect">
+            <a:avLst/>
+          </a:prstGeom>
+          <a:noFill/>
+        </p:spPr>
+        <p:txBody>
+          <a:bodyPr wrap="none" rtlCol="0">
+            <a:spAutoFit/>
+          </a:bodyPr>
+          <a:lstStyle/>
+          <a:p>
+            <a:pPr algn="ctr"/>
+            <a:r>
+              <a:rPr lang="en-US" sz="1600" dirty="0" smtClean="0">
+                <a:latin typeface="Times New Roman"/>
+                <a:cs typeface="Times New Roman"/>
+              </a:rPr>
+              <a:t>3</a:t>
+            </a:r>
+            <a:endParaRPr lang="en-US" sz="1600" dirty="0">
+              <a:latin typeface="Times New Roman"/>
+              <a:cs typeface="Times New Roman"/>
+            </a:endParaRPr>
+          </a:p>
+        </p:txBody>
+      </p:sp>
+      <p:sp>
+        <p:nvSpPr>
+          <p:cNvPr id="280" name="TextBox 279"/>
+          <p:cNvSpPr txBox="1"/>
+          <p:nvPr/>
+        </p:nvSpPr>
+        <p:spPr>
+          <a:xfrm>
+            <a:off x="10110661" y="857730"/>
+            <a:ext cx="287258" cy="338554"/>
+          </a:xfrm>
+          <a:prstGeom prst="rect">
+            <a:avLst/>
+          </a:prstGeom>
+          <a:noFill/>
+        </p:spPr>
+        <p:txBody>
+          <a:bodyPr wrap="none" rtlCol="0">
+            <a:spAutoFit/>
+          </a:bodyPr>
+          <a:lstStyle/>
+          <a:p>
+            <a:pPr algn="ctr"/>
+            <a:r>
+              <a:rPr lang="en-US" sz="1600" dirty="0" smtClean="0">
+                <a:latin typeface="Times New Roman"/>
+                <a:cs typeface="Times New Roman"/>
+              </a:rPr>
+              <a:t>4</a:t>
+            </a:r>
+            <a:endParaRPr lang="en-US" sz="1600" dirty="0">
+              <a:latin typeface="Times New Roman"/>
+              <a:cs typeface="Times New Roman"/>
+            </a:endParaRPr>
+          </a:p>
+        </p:txBody>
+      </p:sp>
+      <p:sp>
+        <p:nvSpPr>
+          <p:cNvPr id="281" name="TextBox 280"/>
+          <p:cNvSpPr txBox="1"/>
+          <p:nvPr/>
+        </p:nvSpPr>
+        <p:spPr>
+          <a:xfrm>
+            <a:off x="9831261" y="864080"/>
+            <a:ext cx="287258" cy="338554"/>
+          </a:xfrm>
+          <a:prstGeom prst="rect">
+            <a:avLst/>
+          </a:prstGeom>
+          <a:noFill/>
+        </p:spPr>
+        <p:txBody>
+          <a:bodyPr wrap="none" rtlCol="0">
+            <a:spAutoFit/>
+          </a:bodyPr>
+          <a:lstStyle/>
+          <a:p>
+            <a:pPr algn="ctr"/>
+            <a:r>
+              <a:rPr lang="en-US" sz="1600" dirty="0" smtClean="0">
+                <a:latin typeface="Times New Roman"/>
+                <a:cs typeface="Times New Roman"/>
+              </a:rPr>
+              <a:t>5</a:t>
+            </a:r>
+            <a:endParaRPr lang="en-US" sz="1600" dirty="0">
+              <a:latin typeface="Times New Roman"/>
+              <a:cs typeface="Times New Roman"/>
+            </a:endParaRPr>
+          </a:p>
+        </p:txBody>
+      </p:sp>
+      <p:sp>
+        <p:nvSpPr>
+          <p:cNvPr id="282" name="TextBox 281"/>
+          <p:cNvSpPr txBox="1"/>
+          <p:nvPr/>
+        </p:nvSpPr>
+        <p:spPr>
+          <a:xfrm>
+            <a:off x="9824911" y="571980"/>
+            <a:ext cx="287258" cy="338554"/>
+          </a:xfrm>
+          <a:prstGeom prst="rect">
+            <a:avLst/>
+          </a:prstGeom>
+          <a:noFill/>
+        </p:spPr>
+        <p:txBody>
+          <a:bodyPr wrap="none" rtlCol="0">
+            <a:spAutoFit/>
+          </a:bodyPr>
+          <a:lstStyle/>
+          <a:p>
+            <a:pPr algn="ctr"/>
+            <a:r>
+              <a:rPr lang="en-US" sz="1600" dirty="0" smtClean="0">
+                <a:latin typeface="Times New Roman"/>
+                <a:cs typeface="Times New Roman"/>
+              </a:rPr>
+              <a:t>6</a:t>
+            </a:r>
+            <a:endParaRPr lang="en-US" sz="1600" dirty="0">
+              <a:latin typeface="Times New Roman"/>
+              <a:cs typeface="Times New Roman"/>
+            </a:endParaRPr>
+          </a:p>
+        </p:txBody>
+      </p:sp>
+      <p:sp>
+        <p:nvSpPr>
+          <p:cNvPr id="283" name="TextBox 282"/>
+          <p:cNvSpPr txBox="1"/>
+          <p:nvPr/>
+        </p:nvSpPr>
+        <p:spPr>
+          <a:xfrm>
+            <a:off x="9824911" y="292580"/>
+            <a:ext cx="287258" cy="338554"/>
+          </a:xfrm>
+          <a:prstGeom prst="rect">
+            <a:avLst/>
+          </a:prstGeom>
+          <a:noFill/>
+        </p:spPr>
+        <p:txBody>
+          <a:bodyPr wrap="none" rtlCol="0">
+            <a:spAutoFit/>
+          </a:bodyPr>
+          <a:lstStyle/>
+          <a:p>
+            <a:pPr algn="ctr"/>
+            <a:r>
+              <a:rPr lang="en-US" sz="1600" dirty="0" smtClean="0">
+                <a:latin typeface="Times New Roman"/>
+                <a:cs typeface="Times New Roman"/>
+              </a:rPr>
+              <a:t>7</a:t>
+            </a:r>
+            <a:endParaRPr lang="en-US" sz="1600" dirty="0">
+              <a:latin typeface="Times New Roman"/>
+              <a:cs typeface="Times New Roman"/>
+            </a:endParaRPr>
+          </a:p>
+        </p:txBody>
+      </p:sp>
+      <p:cxnSp>
+        <p:nvCxnSpPr>
+          <p:cNvPr id="288" name="Straight Arrow Connector 287"/>
+          <p:cNvCxnSpPr/>
+          <p:nvPr/>
+        </p:nvCxnSpPr>
+        <p:spPr>
+          <a:xfrm>
+            <a:off x="1212918" y="2546349"/>
+            <a:ext cx="6282" cy="323851"/>
+          </a:xfrm>
+          <a:prstGeom prst="straightConnector1">
+            <a:avLst/>
+          </a:prstGeom>
+          <a:ln w="38100" cmpd="sng">
+            <a:solidFill>
+              <a:schemeClr val="tx1"/>
+            </a:solidFill>
+            <a:headEnd type="stealth" w="med" len="lg"/>
+            <a:tailEnd type="stealth" w="med" len="lg"/>
+          </a:ln>
+          <a:effectLst/>
+        </p:spPr>
+        <p:style>
+          <a:lnRef idx="2">
+            <a:schemeClr val="accent1"/>
+          </a:lnRef>
+          <a:fillRef idx="0">
+            <a:schemeClr val="accent1"/>
+          </a:fillRef>
+          <a:effectRef idx="1">
+            <a:schemeClr val="accent1"/>
+          </a:effectRef>
+          <a:fontRef idx="minor">
+            <a:schemeClr val="tx1"/>
+          </a:fontRef>
+        </p:style>
+      </p:cxnSp>
+      <p:cxnSp>
+        <p:nvCxnSpPr>
+          <p:cNvPr id="296" name="Straight Arrow Connector 295"/>
+          <p:cNvCxnSpPr/>
+          <p:nvPr/>
+        </p:nvCxnSpPr>
+        <p:spPr>
+          <a:xfrm>
+            <a:off x="844550" y="1365250"/>
+            <a:ext cx="1987550" cy="0"/>
+          </a:xfrm>
+          <a:prstGeom prst="straightConnector1">
+            <a:avLst/>
+          </a:prstGeom>
+          <a:ln w="38100" cmpd="sng">
+            <a:solidFill>
+              <a:schemeClr val="tx1"/>
+            </a:solidFill>
+            <a:headEnd type="stealth" w="med" len="lg"/>
+            <a:tailEnd type="stealth" w="med" len="lg"/>
+          </a:ln>
+          <a:effectLst/>
+        </p:spPr>
+        <p:style>
+          <a:lnRef idx="2">
+            <a:schemeClr val="accent1"/>
+          </a:lnRef>
+          <a:fillRef idx="0">
+            <a:schemeClr val="accent1"/>
+          </a:fillRef>
+          <a:effectRef idx="1">
+            <a:schemeClr val="accent1"/>
+          </a:effectRef>
+          <a:fontRef idx="minor">
+            <a:schemeClr val="tx1"/>
+          </a:fontRef>
+        </p:style>
+      </p:cxnSp>
+      <p:sp>
+        <p:nvSpPr>
+          <p:cNvPr id="595" name="TextBox 594"/>
+          <p:cNvSpPr txBox="1"/>
+          <p:nvPr/>
+        </p:nvSpPr>
+        <p:spPr>
+          <a:xfrm>
+            <a:off x="1584536" y="1154082"/>
+            <a:ext cx="451009" cy="338554"/>
+          </a:xfrm>
+          <a:prstGeom prst="rect">
+            <a:avLst/>
+          </a:prstGeom>
+          <a:solidFill>
+            <a:srgbClr val="70AD47"/>
+          </a:solidFill>
+        </p:spPr>
+        <p:txBody>
+          <a:bodyPr wrap="none" rtlCol="0">
+            <a:spAutoFit/>
+          </a:bodyPr>
+          <a:lstStyle/>
+          <a:p>
+            <a:pPr algn="ctr"/>
+            <a:r>
+              <a:rPr lang="en-US" sz="1600" i="1" dirty="0" err="1">
+                <a:latin typeface="Times New Roman"/>
+                <a:cs typeface="Times New Roman"/>
+              </a:rPr>
+              <a:t>w</a:t>
+            </a:r>
+            <a:r>
+              <a:rPr lang="en-US" sz="1600" i="1" baseline="-25000" dirty="0" err="1">
+                <a:latin typeface="Times New Roman"/>
+                <a:cs typeface="Times New Roman"/>
+              </a:rPr>
+              <a:t>b</a:t>
+            </a:r>
+            <a:endParaRPr lang="en-US" sz="1600" i="1" dirty="0">
+              <a:latin typeface="Times New Roman"/>
+              <a:cs typeface="Times New Roman"/>
+            </a:endParaRPr>
           </a:p>
         </p:txBody>
       </p:sp>
@@ -11763,7 +12588,7 @@
   <a:extraClrSchemeLst/>
   <a:extLst>
     <a:ext uri="{05A4C25C-085E-4340-85A3-A5531E510DB2}">
-      <thm15:themeFamily xmlns="" xmlns:thm15="http://schemas.microsoft.com/office/thememl/2012/main" name="Office Theme" id="{62F939B6-93AF-4DB8-9C6B-D6C7DFDC589F}" vid="{4A3C46E8-61CC-4603-A589-7422A47A8E4A}"/>
+      <thm15:themeFamily xmlns:thm15="http://schemas.microsoft.com/office/thememl/2012/main" xmlns="" name="Office Theme" id="{62F939B6-93AF-4DB8-9C6B-D6C7DFDC589F}" vid="{4A3C46E8-61CC-4603-A589-7422A47A8E4A}"/>
     </a:ext>
   </a:extLst>
 </a:theme>

--- a/RA-L/pictures/pdf/multirobotSliderHardware.pptx
+++ b/RA-L/pictures/pdf/multirobotSliderHardware.pptx
@@ -7,14 +7,14 @@
   <p:sldIdLst>
     <p:sldId id="256" r:id="rId2"/>
   </p:sldIdLst>
-  <p:sldSz cx="10972800" cy="8229600" type="B4JIS"/>
+  <p:sldSz cx="7315200" cy="5486400"/>
   <p:notesSz cx="6858000" cy="9144000"/>
   <p:defaultTextStyle>
     <a:defPPr>
       <a:defRPr lang="en-US"/>
     </a:defPPr>
-    <a:lvl1pPr marL="0" algn="l" defTabSz="633649" rtl="0" eaLnBrk="1" latinLnBrk="0" hangingPunct="1">
-      <a:defRPr sz="1300" kern="1200">
+    <a:lvl1pPr marL="0" algn="l" defTabSz="422348" rtl="0" eaLnBrk="1" latinLnBrk="0" hangingPunct="1">
+      <a:defRPr sz="900" kern="1200">
         <a:solidFill>
           <a:schemeClr val="tx1"/>
         </a:solidFill>
@@ -23,8 +23,8 @@
         <a:cs typeface="+mn-cs"/>
       </a:defRPr>
     </a:lvl1pPr>
-    <a:lvl2pPr marL="316825" algn="l" defTabSz="633649" rtl="0" eaLnBrk="1" latinLnBrk="0" hangingPunct="1">
-      <a:defRPr sz="1300" kern="1200">
+    <a:lvl2pPr marL="211175" algn="l" defTabSz="422348" rtl="0" eaLnBrk="1" latinLnBrk="0" hangingPunct="1">
+      <a:defRPr sz="900" kern="1200">
         <a:solidFill>
           <a:schemeClr val="tx1"/>
         </a:solidFill>
@@ -33,8 +33,8 @@
         <a:cs typeface="+mn-cs"/>
       </a:defRPr>
     </a:lvl2pPr>
-    <a:lvl3pPr marL="633649" algn="l" defTabSz="633649" rtl="0" eaLnBrk="1" latinLnBrk="0" hangingPunct="1">
-      <a:defRPr sz="1300" kern="1200">
+    <a:lvl3pPr marL="422348" algn="l" defTabSz="422348" rtl="0" eaLnBrk="1" latinLnBrk="0" hangingPunct="1">
+      <a:defRPr sz="900" kern="1200">
         <a:solidFill>
           <a:schemeClr val="tx1"/>
         </a:solidFill>
@@ -43,8 +43,8 @@
         <a:cs typeface="+mn-cs"/>
       </a:defRPr>
     </a:lvl3pPr>
-    <a:lvl4pPr marL="950474" algn="l" defTabSz="633649" rtl="0" eaLnBrk="1" latinLnBrk="0" hangingPunct="1">
-      <a:defRPr sz="1300" kern="1200">
+    <a:lvl4pPr marL="633523" algn="l" defTabSz="422348" rtl="0" eaLnBrk="1" latinLnBrk="0" hangingPunct="1">
+      <a:defRPr sz="900" kern="1200">
         <a:solidFill>
           <a:schemeClr val="tx1"/>
         </a:solidFill>
@@ -53,8 +53,8 @@
         <a:cs typeface="+mn-cs"/>
       </a:defRPr>
     </a:lvl4pPr>
-    <a:lvl5pPr marL="1267298" algn="l" defTabSz="633649" rtl="0" eaLnBrk="1" latinLnBrk="0" hangingPunct="1">
-      <a:defRPr sz="1300" kern="1200">
+    <a:lvl5pPr marL="844697" algn="l" defTabSz="422348" rtl="0" eaLnBrk="1" latinLnBrk="0" hangingPunct="1">
+      <a:defRPr sz="900" kern="1200">
         <a:solidFill>
           <a:schemeClr val="tx1"/>
         </a:solidFill>
@@ -63,8 +63,8 @@
         <a:cs typeface="+mn-cs"/>
       </a:defRPr>
     </a:lvl5pPr>
-    <a:lvl6pPr marL="1584123" algn="l" defTabSz="633649" rtl="0" eaLnBrk="1" latinLnBrk="0" hangingPunct="1">
-      <a:defRPr sz="1300" kern="1200">
+    <a:lvl6pPr marL="1055870" algn="l" defTabSz="422348" rtl="0" eaLnBrk="1" latinLnBrk="0" hangingPunct="1">
+      <a:defRPr sz="900" kern="1200">
         <a:solidFill>
           <a:schemeClr val="tx1"/>
         </a:solidFill>
@@ -73,8 +73,8 @@
         <a:cs typeface="+mn-cs"/>
       </a:defRPr>
     </a:lvl6pPr>
-    <a:lvl7pPr marL="1900948" algn="l" defTabSz="633649" rtl="0" eaLnBrk="1" latinLnBrk="0" hangingPunct="1">
-      <a:defRPr sz="1300" kern="1200">
+    <a:lvl7pPr marL="1267045" algn="l" defTabSz="422348" rtl="0" eaLnBrk="1" latinLnBrk="0" hangingPunct="1">
+      <a:defRPr sz="900" kern="1200">
         <a:solidFill>
           <a:schemeClr val="tx1"/>
         </a:solidFill>
@@ -83,8 +83,8 @@
         <a:cs typeface="+mn-cs"/>
       </a:defRPr>
     </a:lvl7pPr>
-    <a:lvl8pPr marL="2217772" algn="l" defTabSz="633649" rtl="0" eaLnBrk="1" latinLnBrk="0" hangingPunct="1">
-      <a:defRPr sz="1300" kern="1200">
+    <a:lvl8pPr marL="1478219" algn="l" defTabSz="422348" rtl="0" eaLnBrk="1" latinLnBrk="0" hangingPunct="1">
+      <a:defRPr sz="900" kern="1200">
         <a:solidFill>
           <a:schemeClr val="tx1"/>
         </a:solidFill>
@@ -93,8 +93,8 @@
         <a:cs typeface="+mn-cs"/>
       </a:defRPr>
     </a:lvl8pPr>
-    <a:lvl9pPr marL="2534596" algn="l" defTabSz="633649" rtl="0" eaLnBrk="1" latinLnBrk="0" hangingPunct="1">
-      <a:defRPr sz="1300" kern="1200">
+    <a:lvl9pPr marL="1689393" algn="l" defTabSz="422348" rtl="0" eaLnBrk="1" latinLnBrk="0" hangingPunct="1">
+      <a:defRPr sz="900" kern="1200">
         <a:solidFill>
           <a:schemeClr val="tx1"/>
         </a:solidFill>
@@ -106,7 +106,7 @@
   </p:defaultTextStyle>
   <p:extLst>
     <p:ext uri="{EFAFB233-063F-42B5-8137-9DF3F51BA10A}">
-      <p15:sldGuideLst xmlns:p15="http://schemas.microsoft.com/office/powerpoint/2012/main" xmlns=""/>
+      <p15:sldGuideLst xmlns="" xmlns:p15="http://schemas.microsoft.com/office/powerpoint/2012/main"/>
     </p:ext>
   </p:extLst>
 </p:presentation>
@@ -141,15 +141,15 @@
         </p:nvSpPr>
         <p:spPr>
           <a:xfrm>
-            <a:off x="822960" y="1346836"/>
-            <a:ext cx="9326880" cy="2865120"/>
+            <a:off x="548640" y="897891"/>
+            <a:ext cx="6217920" cy="1910080"/>
           </a:xfrm>
         </p:spPr>
         <p:txBody>
           <a:bodyPr anchor="b"/>
           <a:lstStyle>
             <a:lvl1pPr algn="ctr">
-              <a:defRPr sz="7200"/>
+              <a:defRPr sz="4800"/>
             </a:lvl1pPr>
           </a:lstStyle>
           <a:p>
@@ -173,8 +173,8 @@
         </p:nvSpPr>
         <p:spPr>
           <a:xfrm>
-            <a:off x="1371600" y="4322447"/>
-            <a:ext cx="8229600" cy="1986915"/>
+            <a:off x="914400" y="2881632"/>
+            <a:ext cx="5486400" cy="1324610"/>
           </a:xfrm>
         </p:spPr>
         <p:txBody>
@@ -182,39 +182,39 @@
           <a:lstStyle>
             <a:lvl1pPr marL="0" indent="0" algn="ctr">
               <a:buNone/>
-              <a:defRPr sz="2900"/>
+              <a:defRPr sz="1900"/>
             </a:lvl1pPr>
-            <a:lvl2pPr marL="545497" indent="0" algn="ctr">
+            <a:lvl2pPr marL="363592" indent="0" algn="ctr">
               <a:buNone/>
-              <a:defRPr sz="2400"/>
+              <a:defRPr sz="1600"/>
             </a:lvl2pPr>
-            <a:lvl3pPr marL="1090994" indent="0" algn="ctr">
+            <a:lvl3pPr marL="727185" indent="0" algn="ctr">
               <a:buNone/>
-              <a:defRPr sz="2200"/>
+              <a:defRPr sz="1500"/>
             </a:lvl3pPr>
-            <a:lvl4pPr marL="1636491" indent="0" algn="ctr">
+            <a:lvl4pPr marL="1090776" indent="0" algn="ctr">
               <a:buNone/>
-              <a:defRPr sz="1900"/>
+              <a:defRPr sz="1300"/>
             </a:lvl4pPr>
-            <a:lvl5pPr marL="2181987" indent="0" algn="ctr">
+            <a:lvl5pPr marL="1454368" indent="0" algn="ctr">
               <a:buNone/>
-              <a:defRPr sz="1900"/>
+              <a:defRPr sz="1300"/>
             </a:lvl5pPr>
-            <a:lvl6pPr marL="2727484" indent="0" algn="ctr">
+            <a:lvl6pPr marL="1817960" indent="0" algn="ctr">
               <a:buNone/>
-              <a:defRPr sz="1900"/>
+              <a:defRPr sz="1300"/>
             </a:lvl6pPr>
-            <a:lvl7pPr marL="3272981" indent="0" algn="ctr">
+            <a:lvl7pPr marL="2181551" indent="0" algn="ctr">
               <a:buNone/>
-              <a:defRPr sz="1900"/>
+              <a:defRPr sz="1300"/>
             </a:lvl7pPr>
-            <a:lvl8pPr marL="3818478" indent="0" algn="ctr">
+            <a:lvl8pPr marL="2545143" indent="0" algn="ctr">
               <a:buNone/>
-              <a:defRPr sz="1900"/>
+              <a:defRPr sz="1300"/>
             </a:lvl8pPr>
-            <a:lvl9pPr marL="4363974" indent="0" algn="ctr">
+            <a:lvl9pPr marL="2908734" indent="0" algn="ctr">
               <a:buNone/>
-              <a:defRPr sz="1900"/>
+              <a:defRPr sz="1300"/>
             </a:lvl9pPr>
           </a:lstStyle>
           <a:p>
@@ -243,7 +243,7 @@
           <a:p>
             <a:fld id="{42C1E845-9D35-42B9-9CDA-699C804E8D28}" type="datetimeFigureOut">
               <a:rPr lang="en-US" smtClean="0"/>
-              <a:t>9/10/16</a:t>
+              <a:t>9/6/16</a:t>
             </a:fld>
             <a:endParaRPr lang="en-US"/>
           </a:p>
@@ -413,7 +413,7 @@
           <a:p>
             <a:fld id="{42C1E845-9D35-42B9-9CDA-699C804E8D28}" type="datetimeFigureOut">
               <a:rPr lang="en-US" smtClean="0"/>
-              <a:t>9/10/16</a:t>
+              <a:t>9/6/16</a:t>
             </a:fld>
             <a:endParaRPr lang="en-US"/>
           </a:p>
@@ -503,8 +503,8 @@
         </p:nvSpPr>
         <p:spPr>
           <a:xfrm>
-            <a:off x="7852411" y="438151"/>
-            <a:ext cx="2366010" cy="6974206"/>
+            <a:off x="5234941" y="292102"/>
+            <a:ext cx="1577340" cy="4649471"/>
           </a:xfrm>
         </p:spPr>
         <p:txBody>
@@ -531,8 +531,8 @@
         </p:nvSpPr>
         <p:spPr>
           <a:xfrm>
-            <a:off x="754383" y="438151"/>
-            <a:ext cx="6960870" cy="6974206"/>
+            <a:off x="502922" y="292102"/>
+            <a:ext cx="4640580" cy="4649471"/>
           </a:xfrm>
         </p:spPr>
         <p:txBody>
@@ -593,7 +593,7 @@
           <a:p>
             <a:fld id="{42C1E845-9D35-42B9-9CDA-699C804E8D28}" type="datetimeFigureOut">
               <a:rPr lang="en-US" smtClean="0"/>
-              <a:t>9/10/16</a:t>
+              <a:t>9/6/16</a:t>
             </a:fld>
             <a:endParaRPr lang="en-US"/>
           </a:p>
@@ -763,7 +763,7 @@
           <a:p>
             <a:fld id="{42C1E845-9D35-42B9-9CDA-699C804E8D28}" type="datetimeFigureOut">
               <a:rPr lang="en-US" smtClean="0"/>
-              <a:t>9/10/16</a:t>
+              <a:t>9/6/16</a:t>
             </a:fld>
             <a:endParaRPr lang="en-US"/>
           </a:p>
@@ -853,15 +853,15 @@
         </p:nvSpPr>
         <p:spPr>
           <a:xfrm>
-            <a:off x="748666" y="2051688"/>
-            <a:ext cx="9464040" cy="3423285"/>
+            <a:off x="499111" y="1367792"/>
+            <a:ext cx="6309360" cy="2282190"/>
           </a:xfrm>
         </p:spPr>
         <p:txBody>
           <a:bodyPr anchor="b"/>
           <a:lstStyle>
             <a:lvl1pPr>
-              <a:defRPr sz="7200"/>
+              <a:defRPr sz="4800"/>
             </a:lvl1pPr>
           </a:lstStyle>
           <a:p>
@@ -885,8 +885,8 @@
         </p:nvSpPr>
         <p:spPr>
           <a:xfrm>
-            <a:off x="748666" y="5507358"/>
-            <a:ext cx="9464040" cy="1800225"/>
+            <a:off x="499111" y="3671572"/>
+            <a:ext cx="6309360" cy="1200150"/>
           </a:xfrm>
         </p:spPr>
         <p:txBody>
@@ -894,15 +894,15 @@
           <a:lstStyle>
             <a:lvl1pPr marL="0" indent="0">
               <a:buNone/>
-              <a:defRPr sz="2900">
+              <a:defRPr sz="1900">
                 <a:solidFill>
                   <a:schemeClr val="tx1"/>
                 </a:solidFill>
               </a:defRPr>
             </a:lvl1pPr>
-            <a:lvl2pPr marL="545497" indent="0">
+            <a:lvl2pPr marL="363592" indent="0">
               <a:buNone/>
-              <a:defRPr sz="2400">
+              <a:defRPr sz="1600">
                 <a:solidFill>
                   <a:schemeClr val="tx1">
                     <a:tint val="75000"/>
@@ -910,9 +910,9 @@
                 </a:solidFill>
               </a:defRPr>
             </a:lvl2pPr>
-            <a:lvl3pPr marL="1090994" indent="0">
+            <a:lvl3pPr marL="727185" indent="0">
               <a:buNone/>
-              <a:defRPr sz="2200">
+              <a:defRPr sz="1500">
                 <a:solidFill>
                   <a:schemeClr val="tx1">
                     <a:tint val="75000"/>
@@ -920,9 +920,9 @@
                 </a:solidFill>
               </a:defRPr>
             </a:lvl3pPr>
-            <a:lvl4pPr marL="1636491" indent="0">
+            <a:lvl4pPr marL="1090776" indent="0">
               <a:buNone/>
-              <a:defRPr sz="1900">
+              <a:defRPr sz="1300">
                 <a:solidFill>
                   <a:schemeClr val="tx1">
                     <a:tint val="75000"/>
@@ -930,9 +930,9 @@
                 </a:solidFill>
               </a:defRPr>
             </a:lvl4pPr>
-            <a:lvl5pPr marL="2181987" indent="0">
+            <a:lvl5pPr marL="1454368" indent="0">
               <a:buNone/>
-              <a:defRPr sz="1900">
+              <a:defRPr sz="1300">
                 <a:solidFill>
                   <a:schemeClr val="tx1">
                     <a:tint val="75000"/>
@@ -940,9 +940,9 @@
                 </a:solidFill>
               </a:defRPr>
             </a:lvl5pPr>
-            <a:lvl6pPr marL="2727484" indent="0">
+            <a:lvl6pPr marL="1817960" indent="0">
               <a:buNone/>
-              <a:defRPr sz="1900">
+              <a:defRPr sz="1300">
                 <a:solidFill>
                   <a:schemeClr val="tx1">
                     <a:tint val="75000"/>
@@ -950,9 +950,9 @@
                 </a:solidFill>
               </a:defRPr>
             </a:lvl6pPr>
-            <a:lvl7pPr marL="3272981" indent="0">
+            <a:lvl7pPr marL="2181551" indent="0">
               <a:buNone/>
-              <a:defRPr sz="1900">
+              <a:defRPr sz="1300">
                 <a:solidFill>
                   <a:schemeClr val="tx1">
                     <a:tint val="75000"/>
@@ -960,9 +960,9 @@
                 </a:solidFill>
               </a:defRPr>
             </a:lvl7pPr>
-            <a:lvl8pPr marL="3818478" indent="0">
+            <a:lvl8pPr marL="2545143" indent="0">
               <a:buNone/>
-              <a:defRPr sz="1900">
+              <a:defRPr sz="1300">
                 <a:solidFill>
                   <a:schemeClr val="tx1">
                     <a:tint val="75000"/>
@@ -970,9 +970,9 @@
                 </a:solidFill>
               </a:defRPr>
             </a:lvl8pPr>
-            <a:lvl9pPr marL="4363974" indent="0">
+            <a:lvl9pPr marL="2908734" indent="0">
               <a:buNone/>
-              <a:defRPr sz="1900">
+              <a:defRPr sz="1300">
                 <a:solidFill>
                   <a:schemeClr val="tx1">
                     <a:tint val="75000"/>
@@ -1007,7 +1007,7 @@
           <a:p>
             <a:fld id="{42C1E845-9D35-42B9-9CDA-699C804E8D28}" type="datetimeFigureOut">
               <a:rPr lang="en-US" smtClean="0"/>
-              <a:t>9/10/16</a:t>
+              <a:t>9/6/16</a:t>
             </a:fld>
             <a:endParaRPr lang="en-US"/>
           </a:p>
@@ -1120,8 +1120,8 @@
         </p:nvSpPr>
         <p:spPr>
           <a:xfrm>
-            <a:off x="754380" y="2190750"/>
-            <a:ext cx="4663440" cy="5221606"/>
+            <a:off x="502920" y="1460501"/>
+            <a:ext cx="3108960" cy="3481071"/>
           </a:xfrm>
         </p:spPr>
         <p:txBody>
@@ -1177,8 +1177,8 @@
         </p:nvSpPr>
         <p:spPr>
           <a:xfrm>
-            <a:off x="5554980" y="2190750"/>
-            <a:ext cx="4663440" cy="5221606"/>
+            <a:off x="3703320" y="1460501"/>
+            <a:ext cx="3108960" cy="3481071"/>
           </a:xfrm>
         </p:spPr>
         <p:txBody>
@@ -1239,7 +1239,7 @@
           <a:p>
             <a:fld id="{42C1E845-9D35-42B9-9CDA-699C804E8D28}" type="datetimeFigureOut">
               <a:rPr lang="en-US" smtClean="0"/>
-              <a:t>9/10/16</a:t>
+              <a:t>9/6/16</a:t>
             </a:fld>
             <a:endParaRPr lang="en-US"/>
           </a:p>
@@ -1329,8 +1329,8 @@
         </p:nvSpPr>
         <p:spPr>
           <a:xfrm>
-            <a:off x="755809" y="438153"/>
-            <a:ext cx="9464040" cy="1590676"/>
+            <a:off x="503873" y="292103"/>
+            <a:ext cx="6309360" cy="1060451"/>
           </a:xfrm>
         </p:spPr>
         <p:txBody>
@@ -1357,8 +1357,8 @@
         </p:nvSpPr>
         <p:spPr>
           <a:xfrm>
-            <a:off x="755811" y="2017397"/>
-            <a:ext cx="4642008" cy="988695"/>
+            <a:off x="503874" y="1344932"/>
+            <a:ext cx="3094672" cy="659130"/>
           </a:xfrm>
         </p:spPr>
         <p:txBody>
@@ -1366,39 +1366,39 @@
           <a:lstStyle>
             <a:lvl1pPr marL="0" indent="0">
               <a:buNone/>
-              <a:defRPr sz="2900" b="1"/>
+              <a:defRPr sz="1900" b="1"/>
             </a:lvl1pPr>
-            <a:lvl2pPr marL="545497" indent="0">
+            <a:lvl2pPr marL="363592" indent="0">
               <a:buNone/>
-              <a:defRPr sz="2400" b="1"/>
+              <a:defRPr sz="1600" b="1"/>
             </a:lvl2pPr>
-            <a:lvl3pPr marL="1090994" indent="0">
+            <a:lvl3pPr marL="727185" indent="0">
               <a:buNone/>
-              <a:defRPr sz="2200" b="1"/>
+              <a:defRPr sz="1500" b="1"/>
             </a:lvl3pPr>
-            <a:lvl4pPr marL="1636491" indent="0">
+            <a:lvl4pPr marL="1090776" indent="0">
               <a:buNone/>
-              <a:defRPr sz="1900" b="1"/>
+              <a:defRPr sz="1300" b="1"/>
             </a:lvl4pPr>
-            <a:lvl5pPr marL="2181987" indent="0">
+            <a:lvl5pPr marL="1454368" indent="0">
               <a:buNone/>
-              <a:defRPr sz="1900" b="1"/>
+              <a:defRPr sz="1300" b="1"/>
             </a:lvl5pPr>
-            <a:lvl6pPr marL="2727484" indent="0">
+            <a:lvl6pPr marL="1817960" indent="0">
               <a:buNone/>
-              <a:defRPr sz="1900" b="1"/>
+              <a:defRPr sz="1300" b="1"/>
             </a:lvl6pPr>
-            <a:lvl7pPr marL="3272981" indent="0">
+            <a:lvl7pPr marL="2181551" indent="0">
               <a:buNone/>
-              <a:defRPr sz="1900" b="1"/>
+              <a:defRPr sz="1300" b="1"/>
             </a:lvl7pPr>
-            <a:lvl8pPr marL="3818478" indent="0">
+            <a:lvl8pPr marL="2545143" indent="0">
               <a:buNone/>
-              <a:defRPr sz="1900" b="1"/>
+              <a:defRPr sz="1300" b="1"/>
             </a:lvl8pPr>
-            <a:lvl9pPr marL="4363974" indent="0">
+            <a:lvl9pPr marL="2908734" indent="0">
               <a:buNone/>
-              <a:defRPr sz="1900" b="1"/>
+              <a:defRPr sz="1300" b="1"/>
             </a:lvl9pPr>
           </a:lstStyle>
           <a:p>
@@ -1422,8 +1422,8 @@
         </p:nvSpPr>
         <p:spPr>
           <a:xfrm>
-            <a:off x="755811" y="3006090"/>
-            <a:ext cx="4642008" cy="4421506"/>
+            <a:off x="503874" y="2004061"/>
+            <a:ext cx="3094672" cy="2947671"/>
           </a:xfrm>
         </p:spPr>
         <p:txBody>
@@ -1479,8 +1479,8 @@
         </p:nvSpPr>
         <p:spPr>
           <a:xfrm>
-            <a:off x="5554981" y="2017397"/>
-            <a:ext cx="4664870" cy="988695"/>
+            <a:off x="3703322" y="1344932"/>
+            <a:ext cx="3109913" cy="659130"/>
           </a:xfrm>
         </p:spPr>
         <p:txBody>
@@ -1488,39 +1488,39 @@
           <a:lstStyle>
             <a:lvl1pPr marL="0" indent="0">
               <a:buNone/>
-              <a:defRPr sz="2900" b="1"/>
+              <a:defRPr sz="1900" b="1"/>
             </a:lvl1pPr>
-            <a:lvl2pPr marL="545497" indent="0">
+            <a:lvl2pPr marL="363592" indent="0">
               <a:buNone/>
-              <a:defRPr sz="2400" b="1"/>
+              <a:defRPr sz="1600" b="1"/>
             </a:lvl2pPr>
-            <a:lvl3pPr marL="1090994" indent="0">
+            <a:lvl3pPr marL="727185" indent="0">
               <a:buNone/>
-              <a:defRPr sz="2200" b="1"/>
+              <a:defRPr sz="1500" b="1"/>
             </a:lvl3pPr>
-            <a:lvl4pPr marL="1636491" indent="0">
+            <a:lvl4pPr marL="1090776" indent="0">
               <a:buNone/>
-              <a:defRPr sz="1900" b="1"/>
+              <a:defRPr sz="1300" b="1"/>
             </a:lvl4pPr>
-            <a:lvl5pPr marL="2181987" indent="0">
+            <a:lvl5pPr marL="1454368" indent="0">
               <a:buNone/>
-              <a:defRPr sz="1900" b="1"/>
+              <a:defRPr sz="1300" b="1"/>
             </a:lvl5pPr>
-            <a:lvl6pPr marL="2727484" indent="0">
+            <a:lvl6pPr marL="1817960" indent="0">
               <a:buNone/>
-              <a:defRPr sz="1900" b="1"/>
+              <a:defRPr sz="1300" b="1"/>
             </a:lvl6pPr>
-            <a:lvl7pPr marL="3272981" indent="0">
+            <a:lvl7pPr marL="2181551" indent="0">
               <a:buNone/>
-              <a:defRPr sz="1900" b="1"/>
+              <a:defRPr sz="1300" b="1"/>
             </a:lvl7pPr>
-            <a:lvl8pPr marL="3818478" indent="0">
+            <a:lvl8pPr marL="2545143" indent="0">
               <a:buNone/>
-              <a:defRPr sz="1900" b="1"/>
+              <a:defRPr sz="1300" b="1"/>
             </a:lvl8pPr>
-            <a:lvl9pPr marL="4363974" indent="0">
+            <a:lvl9pPr marL="2908734" indent="0">
               <a:buNone/>
-              <a:defRPr sz="1900" b="1"/>
+              <a:defRPr sz="1300" b="1"/>
             </a:lvl9pPr>
           </a:lstStyle>
           <a:p>
@@ -1544,8 +1544,8 @@
         </p:nvSpPr>
         <p:spPr>
           <a:xfrm>
-            <a:off x="5554981" y="3006090"/>
-            <a:ext cx="4664870" cy="4421506"/>
+            <a:off x="3703322" y="2004061"/>
+            <a:ext cx="3109913" cy="2947671"/>
           </a:xfrm>
         </p:spPr>
         <p:txBody>
@@ -1606,7 +1606,7 @@
           <a:p>
             <a:fld id="{42C1E845-9D35-42B9-9CDA-699C804E8D28}" type="datetimeFigureOut">
               <a:rPr lang="en-US" smtClean="0"/>
-              <a:t>9/10/16</a:t>
+              <a:t>9/6/16</a:t>
             </a:fld>
             <a:endParaRPr lang="en-US"/>
           </a:p>
@@ -1724,7 +1724,7 @@
           <a:p>
             <a:fld id="{42C1E845-9D35-42B9-9CDA-699C804E8D28}" type="datetimeFigureOut">
               <a:rPr lang="en-US" smtClean="0"/>
-              <a:t>9/10/16</a:t>
+              <a:t>9/6/16</a:t>
             </a:fld>
             <a:endParaRPr lang="en-US"/>
           </a:p>
@@ -1819,7 +1819,7 @@
           <a:p>
             <a:fld id="{42C1E845-9D35-42B9-9CDA-699C804E8D28}" type="datetimeFigureOut">
               <a:rPr lang="en-US" smtClean="0"/>
-              <a:t>9/10/16</a:t>
+              <a:t>9/6/16</a:t>
             </a:fld>
             <a:endParaRPr lang="en-US"/>
           </a:p>
@@ -1909,15 +1909,15 @@
         </p:nvSpPr>
         <p:spPr>
           <a:xfrm>
-            <a:off x="755811" y="548640"/>
-            <a:ext cx="3539014" cy="1920240"/>
+            <a:off x="503875" y="365760"/>
+            <a:ext cx="2359343" cy="1280160"/>
           </a:xfrm>
         </p:spPr>
         <p:txBody>
           <a:bodyPr anchor="b"/>
           <a:lstStyle>
             <a:lvl1pPr>
-              <a:defRPr sz="3800"/>
+              <a:defRPr sz="2500"/>
             </a:lvl1pPr>
           </a:lstStyle>
           <a:p>
@@ -1941,39 +1941,39 @@
         </p:nvSpPr>
         <p:spPr>
           <a:xfrm>
-            <a:off x="4664869" y="1184913"/>
-            <a:ext cx="5554980" cy="5848350"/>
+            <a:off x="3109913" y="789942"/>
+            <a:ext cx="3703320" cy="3898900"/>
           </a:xfrm>
         </p:spPr>
         <p:txBody>
           <a:bodyPr/>
           <a:lstStyle>
             <a:lvl1pPr>
-              <a:defRPr sz="3800"/>
+              <a:defRPr sz="2500"/>
             </a:lvl1pPr>
             <a:lvl2pPr>
-              <a:defRPr sz="3400"/>
+              <a:defRPr sz="2300"/>
             </a:lvl2pPr>
             <a:lvl3pPr>
-              <a:defRPr sz="2900"/>
+              <a:defRPr sz="1900"/>
             </a:lvl3pPr>
             <a:lvl4pPr>
-              <a:defRPr sz="2400"/>
+              <a:defRPr sz="1600"/>
             </a:lvl4pPr>
             <a:lvl5pPr>
-              <a:defRPr sz="2400"/>
+              <a:defRPr sz="1600"/>
             </a:lvl5pPr>
             <a:lvl6pPr>
-              <a:defRPr sz="2400"/>
+              <a:defRPr sz="1600"/>
             </a:lvl6pPr>
             <a:lvl7pPr>
-              <a:defRPr sz="2400"/>
+              <a:defRPr sz="1600"/>
             </a:lvl7pPr>
             <a:lvl8pPr>
-              <a:defRPr sz="2400"/>
+              <a:defRPr sz="1600"/>
             </a:lvl8pPr>
             <a:lvl9pPr>
-              <a:defRPr sz="2400"/>
+              <a:defRPr sz="1600"/>
             </a:lvl9pPr>
           </a:lstStyle>
           <a:p>
@@ -2026,8 +2026,8 @@
         </p:nvSpPr>
         <p:spPr>
           <a:xfrm>
-            <a:off x="755811" y="2468881"/>
-            <a:ext cx="3539014" cy="4573906"/>
+            <a:off x="503875" y="1645922"/>
+            <a:ext cx="2359343" cy="3049271"/>
           </a:xfrm>
         </p:spPr>
         <p:txBody>
@@ -2035,39 +2035,39 @@
           <a:lstStyle>
             <a:lvl1pPr marL="0" indent="0">
               <a:buNone/>
-              <a:defRPr sz="1900"/>
+              <a:defRPr sz="1300"/>
             </a:lvl1pPr>
-            <a:lvl2pPr marL="545497" indent="0">
+            <a:lvl2pPr marL="363592" indent="0">
               <a:buNone/>
-              <a:defRPr sz="1700"/>
+              <a:defRPr sz="1100"/>
             </a:lvl2pPr>
-            <a:lvl3pPr marL="1090994" indent="0">
+            <a:lvl3pPr marL="727185" indent="0">
               <a:buNone/>
-              <a:defRPr sz="1500"/>
+              <a:defRPr sz="1000"/>
             </a:lvl3pPr>
-            <a:lvl4pPr marL="1636491" indent="0">
+            <a:lvl4pPr marL="1090776" indent="0">
               <a:buNone/>
-              <a:defRPr sz="1200"/>
+              <a:defRPr sz="800"/>
             </a:lvl4pPr>
-            <a:lvl5pPr marL="2181987" indent="0">
+            <a:lvl5pPr marL="1454368" indent="0">
               <a:buNone/>
-              <a:defRPr sz="1200"/>
+              <a:defRPr sz="800"/>
             </a:lvl5pPr>
-            <a:lvl6pPr marL="2727484" indent="0">
+            <a:lvl6pPr marL="1817960" indent="0">
               <a:buNone/>
-              <a:defRPr sz="1200"/>
+              <a:defRPr sz="800"/>
             </a:lvl6pPr>
-            <a:lvl7pPr marL="3272981" indent="0">
+            <a:lvl7pPr marL="2181551" indent="0">
               <a:buNone/>
-              <a:defRPr sz="1200"/>
+              <a:defRPr sz="800"/>
             </a:lvl7pPr>
-            <a:lvl8pPr marL="3818478" indent="0">
+            <a:lvl8pPr marL="2545143" indent="0">
               <a:buNone/>
-              <a:defRPr sz="1200"/>
+              <a:defRPr sz="800"/>
             </a:lvl8pPr>
-            <a:lvl9pPr marL="4363974" indent="0">
+            <a:lvl9pPr marL="2908734" indent="0">
               <a:buNone/>
-              <a:defRPr sz="1200"/>
+              <a:defRPr sz="800"/>
             </a:lvl9pPr>
           </a:lstStyle>
           <a:p>
@@ -2096,7 +2096,7 @@
           <a:p>
             <a:fld id="{42C1E845-9D35-42B9-9CDA-699C804E8D28}" type="datetimeFigureOut">
               <a:rPr lang="en-US" smtClean="0"/>
-              <a:t>9/10/16</a:t>
+              <a:t>9/6/16</a:t>
             </a:fld>
             <a:endParaRPr lang="en-US"/>
           </a:p>
@@ -2186,15 +2186,15 @@
         </p:nvSpPr>
         <p:spPr>
           <a:xfrm>
-            <a:off x="755811" y="548640"/>
-            <a:ext cx="3539014" cy="1920240"/>
+            <a:off x="503875" y="365760"/>
+            <a:ext cx="2359343" cy="1280160"/>
           </a:xfrm>
         </p:spPr>
         <p:txBody>
           <a:bodyPr anchor="b"/>
           <a:lstStyle>
             <a:lvl1pPr>
-              <a:defRPr sz="3800"/>
+              <a:defRPr sz="2500"/>
             </a:lvl1pPr>
           </a:lstStyle>
           <a:p>
@@ -2218,8 +2218,8 @@
         </p:nvSpPr>
         <p:spPr>
           <a:xfrm>
-            <a:off x="4664869" y="1184913"/>
-            <a:ext cx="5554980" cy="5848350"/>
+            <a:off x="3109913" y="789942"/>
+            <a:ext cx="3703320" cy="3898900"/>
           </a:xfrm>
         </p:spPr>
         <p:txBody>
@@ -2227,39 +2227,39 @@
           <a:lstStyle>
             <a:lvl1pPr marL="0" indent="0">
               <a:buNone/>
-              <a:defRPr sz="3800"/>
+              <a:defRPr sz="2500"/>
             </a:lvl1pPr>
-            <a:lvl2pPr marL="545497" indent="0">
+            <a:lvl2pPr marL="363592" indent="0">
               <a:buNone/>
-              <a:defRPr sz="3400"/>
+              <a:defRPr sz="2300"/>
             </a:lvl2pPr>
-            <a:lvl3pPr marL="1090994" indent="0">
+            <a:lvl3pPr marL="727185" indent="0">
               <a:buNone/>
-              <a:defRPr sz="2900"/>
+              <a:defRPr sz="1900"/>
             </a:lvl3pPr>
-            <a:lvl4pPr marL="1636491" indent="0">
+            <a:lvl4pPr marL="1090776" indent="0">
               <a:buNone/>
-              <a:defRPr sz="2400"/>
+              <a:defRPr sz="1600"/>
             </a:lvl4pPr>
-            <a:lvl5pPr marL="2181987" indent="0">
+            <a:lvl5pPr marL="1454368" indent="0">
               <a:buNone/>
-              <a:defRPr sz="2400"/>
+              <a:defRPr sz="1600"/>
             </a:lvl5pPr>
-            <a:lvl6pPr marL="2727484" indent="0">
+            <a:lvl6pPr marL="1817960" indent="0">
               <a:buNone/>
-              <a:defRPr sz="2400"/>
+              <a:defRPr sz="1600"/>
             </a:lvl6pPr>
-            <a:lvl7pPr marL="3272981" indent="0">
+            <a:lvl7pPr marL="2181551" indent="0">
               <a:buNone/>
-              <a:defRPr sz="2400"/>
+              <a:defRPr sz="1600"/>
             </a:lvl7pPr>
-            <a:lvl8pPr marL="3818478" indent="0">
+            <a:lvl8pPr marL="2545143" indent="0">
               <a:buNone/>
-              <a:defRPr sz="2400"/>
+              <a:defRPr sz="1600"/>
             </a:lvl8pPr>
-            <a:lvl9pPr marL="4363974" indent="0">
+            <a:lvl9pPr marL="2908734" indent="0">
               <a:buNone/>
-              <a:defRPr sz="2400"/>
+              <a:defRPr sz="1600"/>
             </a:lvl9pPr>
           </a:lstStyle>
           <a:p>
@@ -2283,8 +2283,8 @@
         </p:nvSpPr>
         <p:spPr>
           <a:xfrm>
-            <a:off x="755811" y="2468881"/>
-            <a:ext cx="3539014" cy="4573906"/>
+            <a:off x="503875" y="1645922"/>
+            <a:ext cx="2359343" cy="3049271"/>
           </a:xfrm>
         </p:spPr>
         <p:txBody>
@@ -2292,39 +2292,39 @@
           <a:lstStyle>
             <a:lvl1pPr marL="0" indent="0">
               <a:buNone/>
-              <a:defRPr sz="1900"/>
+              <a:defRPr sz="1300"/>
             </a:lvl1pPr>
-            <a:lvl2pPr marL="545497" indent="0">
+            <a:lvl2pPr marL="363592" indent="0">
               <a:buNone/>
-              <a:defRPr sz="1700"/>
+              <a:defRPr sz="1100"/>
             </a:lvl2pPr>
-            <a:lvl3pPr marL="1090994" indent="0">
+            <a:lvl3pPr marL="727185" indent="0">
               <a:buNone/>
-              <a:defRPr sz="1500"/>
+              <a:defRPr sz="1000"/>
             </a:lvl3pPr>
-            <a:lvl4pPr marL="1636491" indent="0">
+            <a:lvl4pPr marL="1090776" indent="0">
               <a:buNone/>
-              <a:defRPr sz="1200"/>
+              <a:defRPr sz="800"/>
             </a:lvl4pPr>
-            <a:lvl5pPr marL="2181987" indent="0">
+            <a:lvl5pPr marL="1454368" indent="0">
               <a:buNone/>
-              <a:defRPr sz="1200"/>
+              <a:defRPr sz="800"/>
             </a:lvl5pPr>
-            <a:lvl6pPr marL="2727484" indent="0">
+            <a:lvl6pPr marL="1817960" indent="0">
               <a:buNone/>
-              <a:defRPr sz="1200"/>
+              <a:defRPr sz="800"/>
             </a:lvl6pPr>
-            <a:lvl7pPr marL="3272981" indent="0">
+            <a:lvl7pPr marL="2181551" indent="0">
               <a:buNone/>
-              <a:defRPr sz="1200"/>
+              <a:defRPr sz="800"/>
             </a:lvl7pPr>
-            <a:lvl8pPr marL="3818478" indent="0">
+            <a:lvl8pPr marL="2545143" indent="0">
               <a:buNone/>
-              <a:defRPr sz="1200"/>
+              <a:defRPr sz="800"/>
             </a:lvl8pPr>
-            <a:lvl9pPr marL="4363974" indent="0">
+            <a:lvl9pPr marL="2908734" indent="0">
               <a:buNone/>
-              <a:defRPr sz="1200"/>
+              <a:defRPr sz="800"/>
             </a:lvl9pPr>
           </a:lstStyle>
           <a:p>
@@ -2353,7 +2353,7 @@
           <a:p>
             <a:fld id="{42C1E845-9D35-42B9-9CDA-699C804E8D28}" type="datetimeFigureOut">
               <a:rPr lang="en-US" smtClean="0"/>
-              <a:t>9/10/16</a:t>
+              <a:t>9/6/16</a:t>
             </a:fld>
             <a:endParaRPr lang="en-US"/>
           </a:p>
@@ -2448,15 +2448,15 @@
         </p:nvSpPr>
         <p:spPr>
           <a:xfrm>
-            <a:off x="754380" y="438153"/>
-            <a:ext cx="9464040" cy="1590676"/>
+            <a:off x="502920" y="292103"/>
+            <a:ext cx="6309360" cy="1060451"/>
           </a:xfrm>
           <a:prstGeom prst="rect">
             <a:avLst/>
           </a:prstGeom>
         </p:spPr>
         <p:txBody>
-          <a:bodyPr vert="horz" lIns="21820" tIns="10910" rIns="21820" bIns="10910" rtlCol="0" anchor="ctr">
+          <a:bodyPr vert="horz" lIns="14544" tIns="7273" rIns="14544" bIns="7273" rtlCol="0" anchor="ctr">
             <a:normAutofit/>
           </a:bodyPr>
           <a:lstStyle/>
@@ -2481,15 +2481,15 @@
         </p:nvSpPr>
         <p:spPr>
           <a:xfrm>
-            <a:off x="754380" y="2190750"/>
-            <a:ext cx="9464040" cy="5221606"/>
+            <a:off x="502920" y="1460501"/>
+            <a:ext cx="6309360" cy="3481071"/>
           </a:xfrm>
           <a:prstGeom prst="rect">
             <a:avLst/>
           </a:prstGeom>
         </p:spPr>
         <p:txBody>
-          <a:bodyPr vert="horz" lIns="21820" tIns="10910" rIns="21820" bIns="10910" rtlCol="0">
+          <a:bodyPr vert="horz" lIns="14544" tIns="7273" rIns="14544" bIns="7273" rtlCol="0">
             <a:normAutofit/>
           </a:bodyPr>
           <a:lstStyle/>
@@ -2543,18 +2543,18 @@
         </p:nvSpPr>
         <p:spPr>
           <a:xfrm>
-            <a:off x="754380" y="7627622"/>
-            <a:ext cx="2468880" cy="438151"/>
+            <a:off x="502920" y="5085083"/>
+            <a:ext cx="1645920" cy="292101"/>
           </a:xfrm>
           <a:prstGeom prst="rect">
             <a:avLst/>
           </a:prstGeom>
         </p:spPr>
         <p:txBody>
-          <a:bodyPr vert="horz" lIns="21820" tIns="10910" rIns="21820" bIns="10910" rtlCol="0" anchor="ctr"/>
+          <a:bodyPr vert="horz" lIns="14544" tIns="7273" rIns="14544" bIns="7273" rtlCol="0" anchor="ctr"/>
           <a:lstStyle>
             <a:lvl1pPr algn="l">
-              <a:defRPr sz="1500">
+              <a:defRPr sz="1000">
                 <a:solidFill>
                   <a:schemeClr val="tx1">
                     <a:tint val="75000"/>
@@ -2566,7 +2566,7 @@
           <a:p>
             <a:fld id="{42C1E845-9D35-42B9-9CDA-699C804E8D28}" type="datetimeFigureOut">
               <a:rPr lang="en-US" smtClean="0"/>
-              <a:t>9/10/16</a:t>
+              <a:t>9/6/16</a:t>
             </a:fld>
             <a:endParaRPr lang="en-US"/>
           </a:p>
@@ -2584,18 +2584,18 @@
         </p:nvSpPr>
         <p:spPr>
           <a:xfrm>
-            <a:off x="3634740" y="7627622"/>
-            <a:ext cx="3703320" cy="438151"/>
+            <a:off x="2423160" y="5085083"/>
+            <a:ext cx="2468880" cy="292101"/>
           </a:xfrm>
           <a:prstGeom prst="rect">
             <a:avLst/>
           </a:prstGeom>
         </p:spPr>
         <p:txBody>
-          <a:bodyPr vert="horz" lIns="21820" tIns="10910" rIns="21820" bIns="10910" rtlCol="0" anchor="ctr"/>
+          <a:bodyPr vert="horz" lIns="14544" tIns="7273" rIns="14544" bIns="7273" rtlCol="0" anchor="ctr"/>
           <a:lstStyle>
             <a:lvl1pPr algn="ctr">
-              <a:defRPr sz="1500">
+              <a:defRPr sz="1000">
                 <a:solidFill>
                   <a:schemeClr val="tx1">
                     <a:tint val="75000"/>
@@ -2621,18 +2621,18 @@
         </p:nvSpPr>
         <p:spPr>
           <a:xfrm>
-            <a:off x="7749540" y="7627622"/>
-            <a:ext cx="2468880" cy="438151"/>
+            <a:off x="5166360" y="5085083"/>
+            <a:ext cx="1645920" cy="292101"/>
           </a:xfrm>
           <a:prstGeom prst="rect">
             <a:avLst/>
           </a:prstGeom>
         </p:spPr>
         <p:txBody>
-          <a:bodyPr vert="horz" lIns="21820" tIns="10910" rIns="21820" bIns="10910" rtlCol="0" anchor="ctr"/>
+          <a:bodyPr vert="horz" lIns="14544" tIns="7273" rIns="14544" bIns="7273" rtlCol="0" anchor="ctr"/>
           <a:lstStyle>
             <a:lvl1pPr algn="r">
-              <a:defRPr sz="1500">
+              <a:defRPr sz="1000">
                 <a:solidFill>
                   <a:schemeClr val="tx1">
                     <a:tint val="75000"/>
@@ -2673,7 +2673,7 @@
   </p:sldLayoutIdLst>
   <p:txStyles>
     <p:titleStyle>
-      <a:lvl1pPr algn="l" defTabSz="1090994" rtl="0" eaLnBrk="1" latinLnBrk="0" hangingPunct="1">
+      <a:lvl1pPr algn="l" defTabSz="727185" rtl="0" eaLnBrk="1" latinLnBrk="0" hangingPunct="1">
         <a:lnSpc>
           <a:spcPct val="90000"/>
         </a:lnSpc>
@@ -2681,7 +2681,7 @@
           <a:spcPct val="0"/>
         </a:spcBef>
         <a:buNone/>
-        <a:defRPr sz="5300" kern="1200">
+        <a:defRPr sz="3500" kern="1200">
           <a:solidFill>
             <a:schemeClr val="tx1"/>
           </a:solidFill>
@@ -2692,16 +2692,16 @@
       </a:lvl1pPr>
     </p:titleStyle>
     <p:bodyStyle>
-      <a:lvl1pPr marL="272749" indent="-272749" algn="l" defTabSz="1090994" rtl="0" eaLnBrk="1" latinLnBrk="0" hangingPunct="1">
+      <a:lvl1pPr marL="181796" indent="-181796" algn="l" defTabSz="727185" rtl="0" eaLnBrk="1" latinLnBrk="0" hangingPunct="1">
         <a:lnSpc>
           <a:spcPct val="90000"/>
         </a:lnSpc>
         <a:spcBef>
-          <a:spcPts val="1193"/>
+          <a:spcPts val="795"/>
         </a:spcBef>
         <a:buFont typeface="Arial" panose="020B0604020202020204" pitchFamily="34" charset="0"/>
         <a:buChar char="•"/>
-        <a:defRPr sz="3400" kern="1200">
+        <a:defRPr sz="2300" kern="1200">
           <a:solidFill>
             <a:schemeClr val="tx1"/>
           </a:solidFill>
@@ -2710,16 +2710,16 @@
           <a:cs typeface="+mn-cs"/>
         </a:defRPr>
       </a:lvl1pPr>
-      <a:lvl2pPr marL="818245" indent="-272749" algn="l" defTabSz="1090994" rtl="0" eaLnBrk="1" latinLnBrk="0" hangingPunct="1">
+      <a:lvl2pPr marL="545387" indent="-181796" algn="l" defTabSz="727185" rtl="0" eaLnBrk="1" latinLnBrk="0" hangingPunct="1">
         <a:lnSpc>
           <a:spcPct val="90000"/>
         </a:lnSpc>
         <a:spcBef>
-          <a:spcPts val="597"/>
+          <a:spcPts val="398"/>
         </a:spcBef>
         <a:buFont typeface="Arial" panose="020B0604020202020204" pitchFamily="34" charset="0"/>
         <a:buChar char="•"/>
-        <a:defRPr sz="2900" kern="1200">
+        <a:defRPr sz="1900" kern="1200">
           <a:solidFill>
             <a:schemeClr val="tx1"/>
           </a:solidFill>
@@ -2728,16 +2728,16 @@
           <a:cs typeface="+mn-cs"/>
         </a:defRPr>
       </a:lvl2pPr>
-      <a:lvl3pPr marL="1363742" indent="-272749" algn="l" defTabSz="1090994" rtl="0" eaLnBrk="1" latinLnBrk="0" hangingPunct="1">
+      <a:lvl3pPr marL="908979" indent="-181796" algn="l" defTabSz="727185" rtl="0" eaLnBrk="1" latinLnBrk="0" hangingPunct="1">
         <a:lnSpc>
           <a:spcPct val="90000"/>
         </a:lnSpc>
         <a:spcBef>
-          <a:spcPts val="597"/>
+          <a:spcPts val="398"/>
         </a:spcBef>
         <a:buFont typeface="Arial" panose="020B0604020202020204" pitchFamily="34" charset="0"/>
         <a:buChar char="•"/>
-        <a:defRPr sz="2400" kern="1200">
+        <a:defRPr sz="1600" kern="1200">
           <a:solidFill>
             <a:schemeClr val="tx1"/>
           </a:solidFill>
@@ -2746,16 +2746,16 @@
           <a:cs typeface="+mn-cs"/>
         </a:defRPr>
       </a:lvl3pPr>
-      <a:lvl4pPr marL="1909239" indent="-272749" algn="l" defTabSz="1090994" rtl="0" eaLnBrk="1" latinLnBrk="0" hangingPunct="1">
+      <a:lvl4pPr marL="1272572" indent="-181796" algn="l" defTabSz="727185" rtl="0" eaLnBrk="1" latinLnBrk="0" hangingPunct="1">
         <a:lnSpc>
           <a:spcPct val="90000"/>
         </a:lnSpc>
         <a:spcBef>
-          <a:spcPts val="597"/>
+          <a:spcPts val="398"/>
         </a:spcBef>
         <a:buFont typeface="Arial" panose="020B0604020202020204" pitchFamily="34" charset="0"/>
         <a:buChar char="•"/>
-        <a:defRPr sz="2200" kern="1200">
+        <a:defRPr sz="1500" kern="1200">
           <a:solidFill>
             <a:schemeClr val="tx1"/>
           </a:solidFill>
@@ -2764,16 +2764,16 @@
           <a:cs typeface="+mn-cs"/>
         </a:defRPr>
       </a:lvl4pPr>
-      <a:lvl5pPr marL="2454736" indent="-272749" algn="l" defTabSz="1090994" rtl="0" eaLnBrk="1" latinLnBrk="0" hangingPunct="1">
+      <a:lvl5pPr marL="1636164" indent="-181796" algn="l" defTabSz="727185" rtl="0" eaLnBrk="1" latinLnBrk="0" hangingPunct="1">
         <a:lnSpc>
           <a:spcPct val="90000"/>
         </a:lnSpc>
         <a:spcBef>
-          <a:spcPts val="597"/>
+          <a:spcPts val="398"/>
         </a:spcBef>
         <a:buFont typeface="Arial" panose="020B0604020202020204" pitchFamily="34" charset="0"/>
         <a:buChar char="•"/>
-        <a:defRPr sz="2200" kern="1200">
+        <a:defRPr sz="1500" kern="1200">
           <a:solidFill>
             <a:schemeClr val="tx1"/>
           </a:solidFill>
@@ -2782,16 +2782,16 @@
           <a:cs typeface="+mn-cs"/>
         </a:defRPr>
       </a:lvl5pPr>
-      <a:lvl6pPr marL="3000232" indent="-272749" algn="l" defTabSz="1090994" rtl="0" eaLnBrk="1" latinLnBrk="0" hangingPunct="1">
+      <a:lvl6pPr marL="1999755" indent="-181796" algn="l" defTabSz="727185" rtl="0" eaLnBrk="1" latinLnBrk="0" hangingPunct="1">
         <a:lnSpc>
           <a:spcPct val="90000"/>
         </a:lnSpc>
         <a:spcBef>
-          <a:spcPts val="597"/>
+          <a:spcPts val="398"/>
         </a:spcBef>
         <a:buFont typeface="Arial" panose="020B0604020202020204" pitchFamily="34" charset="0"/>
         <a:buChar char="•"/>
-        <a:defRPr sz="2200" kern="1200">
+        <a:defRPr sz="1500" kern="1200">
           <a:solidFill>
             <a:schemeClr val="tx1"/>
           </a:solidFill>
@@ -2800,16 +2800,16 @@
           <a:cs typeface="+mn-cs"/>
         </a:defRPr>
       </a:lvl6pPr>
-      <a:lvl7pPr marL="3545729" indent="-272749" algn="l" defTabSz="1090994" rtl="0" eaLnBrk="1" latinLnBrk="0" hangingPunct="1">
+      <a:lvl7pPr marL="2363347" indent="-181796" algn="l" defTabSz="727185" rtl="0" eaLnBrk="1" latinLnBrk="0" hangingPunct="1">
         <a:lnSpc>
           <a:spcPct val="90000"/>
         </a:lnSpc>
         <a:spcBef>
-          <a:spcPts val="597"/>
+          <a:spcPts val="398"/>
         </a:spcBef>
         <a:buFont typeface="Arial" panose="020B0604020202020204" pitchFamily="34" charset="0"/>
         <a:buChar char="•"/>
-        <a:defRPr sz="2200" kern="1200">
+        <a:defRPr sz="1500" kern="1200">
           <a:solidFill>
             <a:schemeClr val="tx1"/>
           </a:solidFill>
@@ -2818,16 +2818,16 @@
           <a:cs typeface="+mn-cs"/>
         </a:defRPr>
       </a:lvl7pPr>
-      <a:lvl8pPr marL="4091226" indent="-272749" algn="l" defTabSz="1090994" rtl="0" eaLnBrk="1" latinLnBrk="0" hangingPunct="1">
+      <a:lvl8pPr marL="2726939" indent="-181796" algn="l" defTabSz="727185" rtl="0" eaLnBrk="1" latinLnBrk="0" hangingPunct="1">
         <a:lnSpc>
           <a:spcPct val="90000"/>
         </a:lnSpc>
         <a:spcBef>
-          <a:spcPts val="597"/>
+          <a:spcPts val="398"/>
         </a:spcBef>
         <a:buFont typeface="Arial" panose="020B0604020202020204" pitchFamily="34" charset="0"/>
         <a:buChar char="•"/>
-        <a:defRPr sz="2200" kern="1200">
+        <a:defRPr sz="1500" kern="1200">
           <a:solidFill>
             <a:schemeClr val="tx1"/>
           </a:solidFill>
@@ -2836,16 +2836,16 @@
           <a:cs typeface="+mn-cs"/>
         </a:defRPr>
       </a:lvl8pPr>
-      <a:lvl9pPr marL="4636723" indent="-272749" algn="l" defTabSz="1090994" rtl="0" eaLnBrk="1" latinLnBrk="0" hangingPunct="1">
+      <a:lvl9pPr marL="3090531" indent="-181796" algn="l" defTabSz="727185" rtl="0" eaLnBrk="1" latinLnBrk="0" hangingPunct="1">
         <a:lnSpc>
           <a:spcPct val="90000"/>
         </a:lnSpc>
         <a:spcBef>
-          <a:spcPts val="597"/>
+          <a:spcPts val="398"/>
         </a:spcBef>
         <a:buFont typeface="Arial" panose="020B0604020202020204" pitchFamily="34" charset="0"/>
         <a:buChar char="•"/>
-        <a:defRPr sz="2200" kern="1200">
+        <a:defRPr sz="1500" kern="1200">
           <a:solidFill>
             <a:schemeClr val="tx1"/>
           </a:solidFill>
@@ -2859,8 +2859,8 @@
       <a:defPPr>
         <a:defRPr lang="en-US"/>
       </a:defPPr>
-      <a:lvl1pPr marL="0" algn="l" defTabSz="1090994" rtl="0" eaLnBrk="1" latinLnBrk="0" hangingPunct="1">
-        <a:defRPr sz="2200" kern="1200">
+      <a:lvl1pPr marL="0" algn="l" defTabSz="727185" rtl="0" eaLnBrk="1" latinLnBrk="0" hangingPunct="1">
+        <a:defRPr sz="1500" kern="1200">
           <a:solidFill>
             <a:schemeClr val="tx1"/>
           </a:solidFill>
@@ -2869,8 +2869,8 @@
           <a:cs typeface="+mn-cs"/>
         </a:defRPr>
       </a:lvl1pPr>
-      <a:lvl2pPr marL="545497" algn="l" defTabSz="1090994" rtl="0" eaLnBrk="1" latinLnBrk="0" hangingPunct="1">
-        <a:defRPr sz="2200" kern="1200">
+      <a:lvl2pPr marL="363592" algn="l" defTabSz="727185" rtl="0" eaLnBrk="1" latinLnBrk="0" hangingPunct="1">
+        <a:defRPr sz="1500" kern="1200">
           <a:solidFill>
             <a:schemeClr val="tx1"/>
           </a:solidFill>
@@ -2879,8 +2879,8 @@
           <a:cs typeface="+mn-cs"/>
         </a:defRPr>
       </a:lvl2pPr>
-      <a:lvl3pPr marL="1090994" algn="l" defTabSz="1090994" rtl="0" eaLnBrk="1" latinLnBrk="0" hangingPunct="1">
-        <a:defRPr sz="2200" kern="1200">
+      <a:lvl3pPr marL="727185" algn="l" defTabSz="727185" rtl="0" eaLnBrk="1" latinLnBrk="0" hangingPunct="1">
+        <a:defRPr sz="1500" kern="1200">
           <a:solidFill>
             <a:schemeClr val="tx1"/>
           </a:solidFill>
@@ -2889,8 +2889,8 @@
           <a:cs typeface="+mn-cs"/>
         </a:defRPr>
       </a:lvl3pPr>
-      <a:lvl4pPr marL="1636491" algn="l" defTabSz="1090994" rtl="0" eaLnBrk="1" latinLnBrk="0" hangingPunct="1">
-        <a:defRPr sz="2200" kern="1200">
+      <a:lvl4pPr marL="1090776" algn="l" defTabSz="727185" rtl="0" eaLnBrk="1" latinLnBrk="0" hangingPunct="1">
+        <a:defRPr sz="1500" kern="1200">
           <a:solidFill>
             <a:schemeClr val="tx1"/>
           </a:solidFill>
@@ -2899,8 +2899,8 @@
           <a:cs typeface="+mn-cs"/>
         </a:defRPr>
       </a:lvl4pPr>
-      <a:lvl5pPr marL="2181987" algn="l" defTabSz="1090994" rtl="0" eaLnBrk="1" latinLnBrk="0" hangingPunct="1">
-        <a:defRPr sz="2200" kern="1200">
+      <a:lvl5pPr marL="1454368" algn="l" defTabSz="727185" rtl="0" eaLnBrk="1" latinLnBrk="0" hangingPunct="1">
+        <a:defRPr sz="1500" kern="1200">
           <a:solidFill>
             <a:schemeClr val="tx1"/>
           </a:solidFill>
@@ -2909,8 +2909,8 @@
           <a:cs typeface="+mn-cs"/>
         </a:defRPr>
       </a:lvl5pPr>
-      <a:lvl6pPr marL="2727484" algn="l" defTabSz="1090994" rtl="0" eaLnBrk="1" latinLnBrk="0" hangingPunct="1">
-        <a:defRPr sz="2200" kern="1200">
+      <a:lvl6pPr marL="1817960" algn="l" defTabSz="727185" rtl="0" eaLnBrk="1" latinLnBrk="0" hangingPunct="1">
+        <a:defRPr sz="1500" kern="1200">
           <a:solidFill>
             <a:schemeClr val="tx1"/>
           </a:solidFill>
@@ -2919,8 +2919,8 @@
           <a:cs typeface="+mn-cs"/>
         </a:defRPr>
       </a:lvl6pPr>
-      <a:lvl7pPr marL="3272981" algn="l" defTabSz="1090994" rtl="0" eaLnBrk="1" latinLnBrk="0" hangingPunct="1">
-        <a:defRPr sz="2200" kern="1200">
+      <a:lvl7pPr marL="2181551" algn="l" defTabSz="727185" rtl="0" eaLnBrk="1" latinLnBrk="0" hangingPunct="1">
+        <a:defRPr sz="1500" kern="1200">
           <a:solidFill>
             <a:schemeClr val="tx1"/>
           </a:solidFill>
@@ -2929,8 +2929,8 @@
           <a:cs typeface="+mn-cs"/>
         </a:defRPr>
       </a:lvl7pPr>
-      <a:lvl8pPr marL="3818478" algn="l" defTabSz="1090994" rtl="0" eaLnBrk="1" latinLnBrk="0" hangingPunct="1">
-        <a:defRPr sz="2200" kern="1200">
+      <a:lvl8pPr marL="2545143" algn="l" defTabSz="727185" rtl="0" eaLnBrk="1" latinLnBrk="0" hangingPunct="1">
+        <a:defRPr sz="1500" kern="1200">
           <a:solidFill>
             <a:schemeClr val="tx1"/>
           </a:solidFill>
@@ -2939,8 +2939,8 @@
           <a:cs typeface="+mn-cs"/>
         </a:defRPr>
       </a:lvl8pPr>
-      <a:lvl9pPr marL="4363974" algn="l" defTabSz="1090994" rtl="0" eaLnBrk="1" latinLnBrk="0" hangingPunct="1">
-        <a:defRPr sz="2200" kern="1200">
+      <a:lvl9pPr marL="2908734" algn="l" defTabSz="727185" rtl="0" eaLnBrk="1" latinLnBrk="0" hangingPunct="1">
+        <a:defRPr sz="1500" kern="1200">
           <a:solidFill>
             <a:schemeClr val="tx1"/>
           </a:solidFill>
@@ -2971,631 +2971,813 @@
           <a:chExt cx="0" cy="0"/>
         </a:xfrm>
       </p:grpSpPr>
-      <p:pic>
-        <p:nvPicPr>
-          <p:cNvPr id="583" name="Picture 582"/>
-          <p:cNvPicPr>
-            <a:picLocks noChangeAspect="1"/>
-          </p:cNvPicPr>
-          <p:nvPr/>
-        </p:nvPicPr>
-        <p:blipFill>
-          <a:blip r:embed="rId2" cstate="email">
-            <a:extLst>
-              <a:ext uri="{28A0092B-C50C-407E-A947-70E740481C1C}">
-                <a14:useLocalDpi xmlns:a14="http://schemas.microsoft.com/office/drawing/2010/main"/>
-              </a:ext>
-            </a:extLst>
-          </a:blip>
-          <a:stretch>
-            <a:fillRect/>
-          </a:stretch>
-        </p:blipFill>
-        <p:spPr>
+      <p:grpSp>
+        <p:nvGrpSpPr>
+          <p:cNvPr id="582" name="Group 581"/>
+          <p:cNvGrpSpPr/>
+          <p:nvPr/>
+        </p:nvGrpSpPr>
+        <p:grpSpPr>
           <a:xfrm>
-            <a:off x="-1363401" y="-33373"/>
-            <a:ext cx="5957816" cy="3351271"/>
-          </a:xfrm>
-          <a:prstGeom prst="rect">
-            <a:avLst/>
-          </a:prstGeom>
-        </p:spPr>
-      </p:pic>
-      <p:sp>
-        <p:nvSpPr>
-          <p:cNvPr id="585" name="Rectangle 584"/>
-          <p:cNvSpPr/>
-          <p:nvPr/>
-        </p:nvSpPr>
-        <p:spPr>
-          <a:xfrm>
-            <a:off x="825500" y="1682750"/>
-            <a:ext cx="1993899" cy="869950"/>
-          </a:xfrm>
-          <a:prstGeom prst="rect">
-            <a:avLst/>
-          </a:prstGeom>
-          <a:solidFill>
-            <a:srgbClr val="FFFF00"/>
-          </a:solidFill>
-          <a:ln>
-            <a:solidFill>
-              <a:schemeClr val="tx1"/>
-            </a:solidFill>
-          </a:ln>
-          <a:effectLst/>
-        </p:spPr>
-        <p:style>
-          <a:lnRef idx="1">
-            <a:schemeClr val="accent1"/>
-          </a:lnRef>
-          <a:fillRef idx="3">
-            <a:schemeClr val="accent1"/>
-          </a:fillRef>
-          <a:effectRef idx="2">
-            <a:schemeClr val="accent1"/>
-          </a:effectRef>
-          <a:fontRef idx="minor">
-            <a:schemeClr val="lt1"/>
-          </a:fontRef>
-        </p:style>
-        <p:txBody>
-          <a:bodyPr rtlCol="0" anchor="ctr"/>
-          <a:lstStyle/>
-          <a:p>
-            <a:pPr algn="ctr"/>
-            <a:endParaRPr lang="en-US" sz="2500">
-              <a:latin typeface="Times New Roman"/>
-              <a:cs typeface="Times New Roman"/>
-            </a:endParaRPr>
-          </a:p>
-        </p:txBody>
-      </p:sp>
-      <p:sp>
-        <p:nvSpPr>
-          <p:cNvPr id="586" name="Rectangle 585"/>
-          <p:cNvSpPr/>
-          <p:nvPr/>
-        </p:nvSpPr>
-        <p:spPr>
-          <a:xfrm>
-            <a:off x="825500" y="488031"/>
-            <a:ext cx="2006600" cy="1188368"/>
-          </a:xfrm>
-          <a:prstGeom prst="rect">
-            <a:avLst/>
-          </a:prstGeom>
-          <a:solidFill>
-            <a:schemeClr val="accent6"/>
-          </a:solidFill>
-          <a:ln>
-            <a:solidFill>
-              <a:schemeClr val="tx1"/>
-            </a:solidFill>
-          </a:ln>
-          <a:effectLst/>
-        </p:spPr>
-        <p:style>
-          <a:lnRef idx="1">
-            <a:schemeClr val="accent1"/>
-          </a:lnRef>
-          <a:fillRef idx="3">
-            <a:schemeClr val="accent1"/>
-          </a:fillRef>
-          <a:effectRef idx="2">
-            <a:schemeClr val="accent1"/>
-          </a:effectRef>
-          <a:fontRef idx="minor">
-            <a:schemeClr val="lt1"/>
-          </a:fontRef>
-        </p:style>
-        <p:txBody>
-          <a:bodyPr rtlCol="0" anchor="ctr"/>
-          <a:lstStyle/>
-          <a:p>
-            <a:pPr algn="ctr"/>
-            <a:endParaRPr lang="en-US" sz="2500">
-              <a:latin typeface="Times New Roman"/>
-              <a:cs typeface="Times New Roman"/>
-            </a:endParaRPr>
-          </a:p>
-        </p:txBody>
-      </p:sp>
-      <p:sp>
-        <p:nvSpPr>
-          <p:cNvPr id="587" name="TextBox 586"/>
-          <p:cNvSpPr txBox="1"/>
-          <p:nvPr/>
-        </p:nvSpPr>
-        <p:spPr>
-          <a:xfrm>
-            <a:off x="2059014" y="538097"/>
-            <a:ext cx="646331" cy="584776"/>
-          </a:xfrm>
-          <a:prstGeom prst="rect">
-            <a:avLst/>
-          </a:prstGeom>
-          <a:noFill/>
-        </p:spPr>
-        <p:txBody>
-          <a:bodyPr wrap="none" rtlCol="0">
-            <a:spAutoFit/>
-          </a:bodyPr>
-          <a:lstStyle/>
-          <a:p>
-            <a:pPr algn="ctr"/>
-            <a:r>
-              <a:rPr lang="en-US" sz="1600" dirty="0">
-                <a:latin typeface="Times New Roman"/>
-                <a:cs typeface="Times New Roman"/>
-              </a:rPr>
-              <a:t>Build</a:t>
-            </a:r>
-          </a:p>
-          <a:p>
-            <a:pPr algn="ctr"/>
-            <a:r>
-              <a:rPr lang="en-US" sz="1600" dirty="0">
-                <a:latin typeface="Times New Roman"/>
-                <a:cs typeface="Times New Roman"/>
-              </a:rPr>
-              <a:t>zone</a:t>
-            </a:r>
-          </a:p>
-        </p:txBody>
-      </p:sp>
-      <p:sp>
-        <p:nvSpPr>
-          <p:cNvPr id="588" name="TextBox 587"/>
-          <p:cNvSpPr txBox="1"/>
-          <p:nvPr/>
-        </p:nvSpPr>
-        <p:spPr>
-          <a:xfrm>
-            <a:off x="863675" y="2506154"/>
-            <a:ext cx="332844" cy="338554"/>
-          </a:xfrm>
-          <a:prstGeom prst="rect">
-            <a:avLst/>
-          </a:prstGeom>
-          <a:noFill/>
-        </p:spPr>
-        <p:txBody>
-          <a:bodyPr wrap="none" rtlCol="0">
-            <a:spAutoFit/>
-          </a:bodyPr>
-          <a:lstStyle/>
-          <a:p>
-            <a:pPr algn="ctr"/>
-            <a:r>
-              <a:rPr lang="en-US" sz="1600" i="1" dirty="0" err="1" smtClean="0">
-                <a:latin typeface="Times New Roman"/>
-                <a:cs typeface="Times New Roman"/>
-              </a:rPr>
-              <a:t>ε</a:t>
-            </a:r>
-            <a:endParaRPr lang="en-US" sz="1600" i="1" dirty="0">
-              <a:latin typeface="Times New Roman"/>
-              <a:cs typeface="Times New Roman"/>
-            </a:endParaRPr>
-          </a:p>
-        </p:txBody>
-      </p:sp>
-      <p:sp>
-        <p:nvSpPr>
-          <p:cNvPr id="589" name="TextBox 588"/>
-          <p:cNvSpPr txBox="1"/>
-          <p:nvPr/>
-        </p:nvSpPr>
-        <p:spPr>
-          <a:xfrm>
-            <a:off x="775390" y="113858"/>
-            <a:ext cx="332844" cy="338554"/>
-          </a:xfrm>
-          <a:prstGeom prst="rect">
-            <a:avLst/>
-          </a:prstGeom>
-          <a:noFill/>
-        </p:spPr>
-        <p:txBody>
-          <a:bodyPr wrap="none" rtlCol="0">
-            <a:spAutoFit/>
-          </a:bodyPr>
-          <a:lstStyle/>
-          <a:p>
-            <a:pPr algn="ctr"/>
-            <a:r>
-              <a:rPr lang="en-US" sz="1600" i="1" dirty="0" err="1">
-                <a:latin typeface="Times New Roman"/>
-                <a:cs typeface="Times New Roman"/>
-              </a:rPr>
-              <a:t>ε</a:t>
-            </a:r>
-            <a:endParaRPr lang="en-US" sz="1600" i="1" dirty="0">
-              <a:latin typeface="Times New Roman"/>
-              <a:cs typeface="Times New Roman"/>
-            </a:endParaRPr>
-          </a:p>
-        </p:txBody>
-      </p:sp>
-      <p:sp>
-        <p:nvSpPr>
-          <p:cNvPr id="590" name="TextBox 589"/>
-          <p:cNvSpPr txBox="1"/>
-          <p:nvPr/>
-        </p:nvSpPr>
-        <p:spPr>
-          <a:xfrm>
-            <a:off x="288808" y="1703305"/>
-            <a:ext cx="631002" cy="338554"/>
-          </a:xfrm>
-          <a:prstGeom prst="rect">
-            <a:avLst/>
-          </a:prstGeom>
-          <a:noFill/>
-        </p:spPr>
-        <p:txBody>
-          <a:bodyPr wrap="none" rtlCol="0">
-            <a:spAutoFit/>
-          </a:bodyPr>
-          <a:lstStyle/>
-          <a:p>
-            <a:pPr algn="ctr"/>
-            <a:r>
-              <a:rPr lang="en-US" sz="1600" i="1" dirty="0">
-                <a:latin typeface="Times New Roman"/>
-                <a:cs typeface="Times New Roman"/>
-              </a:rPr>
-              <a:t>ε</a:t>
-            </a:r>
-            <a:r>
-              <a:rPr lang="en-US" sz="1600" dirty="0">
-                <a:latin typeface="Times New Roman"/>
-                <a:cs typeface="Times New Roman"/>
-              </a:rPr>
-              <a:t>+2</a:t>
-            </a:r>
-            <a:r>
-              <a:rPr lang="en-US" sz="1600" i="1" dirty="0">
-                <a:latin typeface="Times New Roman"/>
-                <a:cs typeface="Times New Roman"/>
-              </a:rPr>
-              <a:t>r</a:t>
-            </a:r>
-          </a:p>
-        </p:txBody>
-      </p:sp>
-      <p:cxnSp>
-        <p:nvCxnSpPr>
-          <p:cNvPr id="591" name="Straight Arrow Connector 590"/>
-          <p:cNvCxnSpPr/>
-          <p:nvPr/>
-        </p:nvCxnSpPr>
-        <p:spPr>
-          <a:xfrm>
-            <a:off x="304800" y="1701800"/>
-            <a:ext cx="520700" cy="0"/>
-          </a:xfrm>
-          <a:prstGeom prst="straightConnector1">
-            <a:avLst/>
-          </a:prstGeom>
-          <a:ln w="38100" cmpd="sng">
-            <a:solidFill>
-              <a:schemeClr val="tx1"/>
-            </a:solidFill>
-            <a:headEnd type="stealth" w="med" len="lg"/>
-            <a:tailEnd type="stealth" w="med" len="lg"/>
-          </a:ln>
-          <a:effectLst/>
-        </p:spPr>
-        <p:style>
-          <a:lnRef idx="2">
-            <a:schemeClr val="accent1"/>
-          </a:lnRef>
-          <a:fillRef idx="0">
-            <a:schemeClr val="accent1"/>
-          </a:fillRef>
-          <a:effectRef idx="1">
-            <a:schemeClr val="accent1"/>
-          </a:effectRef>
-          <a:fontRef idx="minor">
-            <a:schemeClr val="tx1"/>
-          </a:fontRef>
-        </p:style>
-      </p:cxnSp>
-      <p:cxnSp>
-        <p:nvCxnSpPr>
-          <p:cNvPr id="596" name="Straight Arrow Connector 595"/>
-          <p:cNvCxnSpPr/>
-          <p:nvPr/>
-        </p:nvCxnSpPr>
-        <p:spPr>
-          <a:xfrm flipH="1">
-            <a:off x="1206500" y="504273"/>
-            <a:ext cx="6458" cy="1159426"/>
-          </a:xfrm>
-          <a:prstGeom prst="straightConnector1">
-            <a:avLst/>
-          </a:prstGeom>
-          <a:ln w="38100" cmpd="sng">
-            <a:solidFill>
-              <a:schemeClr val="tx1"/>
-            </a:solidFill>
-            <a:headEnd type="stealth" w="med" len="lg"/>
-            <a:tailEnd type="stealth" w="med" len="lg"/>
-          </a:ln>
-          <a:effectLst/>
-        </p:spPr>
-        <p:style>
-          <a:lnRef idx="2">
-            <a:schemeClr val="accent1"/>
-          </a:lnRef>
-          <a:fillRef idx="0">
-            <a:schemeClr val="accent1"/>
-          </a:fillRef>
-          <a:effectRef idx="1">
-            <a:schemeClr val="accent1"/>
-          </a:effectRef>
-          <a:fontRef idx="minor">
-            <a:schemeClr val="tx1"/>
-          </a:fontRef>
-        </p:style>
-      </p:cxnSp>
-      <p:sp>
-        <p:nvSpPr>
-          <p:cNvPr id="597" name="TextBox 596"/>
-          <p:cNvSpPr txBox="1"/>
-          <p:nvPr/>
-        </p:nvSpPr>
-        <p:spPr>
-          <a:xfrm>
-            <a:off x="1016052" y="752559"/>
-            <a:ext cx="472377" cy="338554"/>
-          </a:xfrm>
-          <a:prstGeom prst="rect">
-            <a:avLst/>
-          </a:prstGeom>
-          <a:solidFill>
-            <a:srgbClr val="70AD47"/>
-          </a:solidFill>
-        </p:spPr>
-        <p:txBody>
-          <a:bodyPr wrap="square" rtlCol="0">
-            <a:spAutoFit/>
-          </a:bodyPr>
-          <a:lstStyle/>
-          <a:p>
-            <a:r>
-              <a:rPr lang="en-US" sz="1600" i="1" dirty="0" err="1">
-                <a:latin typeface="Times New Roman"/>
-                <a:cs typeface="Times New Roman"/>
-              </a:rPr>
-              <a:t>h</a:t>
-            </a:r>
-            <a:r>
-              <a:rPr lang="en-US" sz="1600" i="1" baseline="-25000" dirty="0" err="1">
-                <a:latin typeface="Times New Roman"/>
-                <a:cs typeface="Times New Roman"/>
-              </a:rPr>
-              <a:t>b</a:t>
-            </a:r>
-            <a:endParaRPr lang="en-US" sz="1600" i="1" dirty="0">
-              <a:latin typeface="Times New Roman"/>
-              <a:cs typeface="Times New Roman"/>
-            </a:endParaRPr>
-          </a:p>
-        </p:txBody>
-      </p:sp>
-      <p:cxnSp>
-        <p:nvCxnSpPr>
-          <p:cNvPr id="598" name="Straight Arrow Connector 597"/>
-          <p:cNvCxnSpPr/>
-          <p:nvPr/>
-        </p:nvCxnSpPr>
-        <p:spPr>
-          <a:xfrm>
-            <a:off x="831850" y="2343150"/>
-            <a:ext cx="2006600" cy="0"/>
-          </a:xfrm>
-          <a:prstGeom prst="straightConnector1">
-            <a:avLst/>
-          </a:prstGeom>
-          <a:ln w="38100" cmpd="sng">
-            <a:solidFill>
-              <a:schemeClr val="tx1"/>
-            </a:solidFill>
-            <a:headEnd type="stealth" w="med" len="lg"/>
-            <a:tailEnd type="stealth" w="med" len="lg"/>
-          </a:ln>
-          <a:effectLst/>
-        </p:spPr>
-        <p:style>
-          <a:lnRef idx="2">
-            <a:schemeClr val="accent1"/>
-          </a:lnRef>
-          <a:fillRef idx="0">
-            <a:schemeClr val="accent1"/>
-          </a:fillRef>
-          <a:effectRef idx="1">
-            <a:schemeClr val="accent1"/>
-          </a:effectRef>
-          <a:fontRef idx="minor">
-            <a:schemeClr val="tx1"/>
-          </a:fontRef>
-        </p:style>
-      </p:cxnSp>
-      <p:cxnSp>
-        <p:nvCxnSpPr>
-          <p:cNvPr id="599" name="Straight Arrow Connector 598"/>
-          <p:cNvCxnSpPr/>
-          <p:nvPr/>
-        </p:nvCxnSpPr>
-        <p:spPr>
-          <a:xfrm>
-            <a:off x="1212850" y="1676399"/>
-            <a:ext cx="0" cy="869950"/>
-          </a:xfrm>
-          <a:prstGeom prst="straightConnector1">
-            <a:avLst/>
-          </a:prstGeom>
-          <a:ln w="38100" cmpd="sng">
-            <a:solidFill>
-              <a:schemeClr val="tx1"/>
-            </a:solidFill>
-            <a:headEnd type="stealth" w="med" len="lg"/>
-            <a:tailEnd type="stealth" w="med" len="lg"/>
-          </a:ln>
-          <a:effectLst/>
-        </p:spPr>
-        <p:style>
-          <a:lnRef idx="2">
-            <a:schemeClr val="accent1"/>
-          </a:lnRef>
-          <a:fillRef idx="0">
-            <a:schemeClr val="accent1"/>
-          </a:fillRef>
-          <a:effectRef idx="1">
-            <a:schemeClr val="accent1"/>
-          </a:effectRef>
-          <a:fontRef idx="minor">
-            <a:schemeClr val="tx1"/>
-          </a:fontRef>
-        </p:style>
-      </p:cxnSp>
-      <p:sp>
-        <p:nvSpPr>
-          <p:cNvPr id="600" name="TextBox 599"/>
-          <p:cNvSpPr txBox="1"/>
-          <p:nvPr/>
-        </p:nvSpPr>
-        <p:spPr>
-          <a:xfrm>
-            <a:off x="1041454" y="1925483"/>
-            <a:ext cx="457145" cy="338554"/>
-          </a:xfrm>
-          <a:prstGeom prst="rect">
-            <a:avLst/>
-          </a:prstGeom>
-          <a:solidFill>
-            <a:srgbClr val="FFFF00"/>
-          </a:solidFill>
-        </p:spPr>
-        <p:txBody>
-          <a:bodyPr wrap="square" rtlCol="0">
-            <a:spAutoFit/>
-          </a:bodyPr>
-          <a:lstStyle/>
-          <a:p>
-            <a:r>
-              <a:rPr lang="en-US" sz="1600" i="1" dirty="0" err="1">
-                <a:latin typeface="Times New Roman"/>
-                <a:cs typeface="Times New Roman"/>
-              </a:rPr>
-              <a:t>h</a:t>
-            </a:r>
-            <a:r>
-              <a:rPr lang="en-US" sz="1600" i="1" baseline="-25000" dirty="0" err="1">
-                <a:latin typeface="Times New Roman"/>
-                <a:cs typeface="Times New Roman"/>
-              </a:rPr>
-              <a:t>s</a:t>
-            </a:r>
-            <a:endParaRPr lang="en-US" sz="1600" i="1" dirty="0">
-              <a:latin typeface="Times New Roman"/>
-              <a:cs typeface="Times New Roman"/>
-            </a:endParaRPr>
-          </a:p>
-        </p:txBody>
-      </p:sp>
-      <p:sp>
-        <p:nvSpPr>
-          <p:cNvPr id="601" name="TextBox 600"/>
-          <p:cNvSpPr txBox="1"/>
-          <p:nvPr/>
-        </p:nvSpPr>
-        <p:spPr>
-          <a:xfrm>
-            <a:off x="1562191" y="2182284"/>
-            <a:ext cx="464572" cy="338554"/>
-          </a:xfrm>
-          <a:prstGeom prst="rect">
-            <a:avLst/>
-          </a:prstGeom>
-          <a:solidFill>
-            <a:srgbClr val="FFFF00"/>
-          </a:solidFill>
-        </p:spPr>
-        <p:txBody>
-          <a:bodyPr wrap="square" rtlCol="0">
-            <a:spAutoFit/>
-          </a:bodyPr>
-          <a:lstStyle/>
-          <a:p>
-            <a:pPr algn="ctr"/>
-            <a:r>
-              <a:rPr lang="en-US" sz="1600" i="1" dirty="0" err="1">
-                <a:latin typeface="Times New Roman"/>
-                <a:cs typeface="Times New Roman"/>
-              </a:rPr>
-              <a:t>w</a:t>
-            </a:r>
-            <a:r>
-              <a:rPr lang="en-US" sz="1600" i="1" baseline="-25000" dirty="0" err="1">
-                <a:latin typeface="Times New Roman"/>
-                <a:cs typeface="Times New Roman"/>
-              </a:rPr>
-              <a:t>s</a:t>
-            </a:r>
-            <a:endParaRPr lang="en-US" sz="1600" i="1" dirty="0">
-              <a:latin typeface="Times New Roman"/>
-              <a:cs typeface="Times New Roman"/>
-            </a:endParaRPr>
-          </a:p>
-        </p:txBody>
-      </p:sp>
-      <p:sp>
-        <p:nvSpPr>
-          <p:cNvPr id="602" name="TextBox 601"/>
-          <p:cNvSpPr txBox="1"/>
-          <p:nvPr/>
-        </p:nvSpPr>
-        <p:spPr>
-          <a:xfrm>
-            <a:off x="1902645" y="1711458"/>
-            <a:ext cx="811640" cy="584776"/>
-          </a:xfrm>
-          <a:prstGeom prst="rect">
-            <a:avLst/>
-          </a:prstGeom>
-          <a:noFill/>
-        </p:spPr>
-        <p:txBody>
-          <a:bodyPr wrap="none" rtlCol="0">
-            <a:spAutoFit/>
-          </a:bodyPr>
-          <a:lstStyle/>
-          <a:p>
-            <a:pPr algn="ctr"/>
-            <a:r>
-              <a:rPr lang="en-US" sz="1600" dirty="0">
-                <a:latin typeface="Times New Roman"/>
-                <a:cs typeface="Times New Roman"/>
-              </a:rPr>
-              <a:t>Staging</a:t>
-            </a:r>
-          </a:p>
-          <a:p>
-            <a:pPr algn="ctr"/>
-            <a:r>
-              <a:rPr lang="en-US" sz="1600" dirty="0">
-                <a:latin typeface="Times New Roman"/>
-                <a:cs typeface="Times New Roman"/>
-              </a:rPr>
-              <a:t>zone</a:t>
-            </a:r>
-          </a:p>
-        </p:txBody>
-      </p:sp>
+            <a:off x="-908934" y="-22249"/>
+            <a:ext cx="3971877" cy="2234181"/>
+            <a:chOff x="-4711990" y="513760"/>
+            <a:chExt cx="24328597" cy="13684834"/>
+          </a:xfrm>
+        </p:grpSpPr>
+        <p:pic>
+          <p:nvPicPr>
+            <p:cNvPr id="583" name="Picture 582"/>
+            <p:cNvPicPr>
+              <a:picLocks noChangeAspect="1"/>
+            </p:cNvPicPr>
+            <p:nvPr/>
+          </p:nvPicPr>
+          <p:blipFill>
+            <a:blip r:embed="rId2" cstate="email">
+              <a:extLst>
+                <a:ext uri="{28A0092B-C50C-407E-A947-70E740481C1C}">
+                  <a14:useLocalDpi xmlns:a14="http://schemas.microsoft.com/office/drawing/2010/main"/>
+                </a:ext>
+              </a:extLst>
+            </a:blip>
+            <a:stretch>
+              <a:fillRect/>
+            </a:stretch>
+          </p:blipFill>
+          <p:spPr>
+            <a:xfrm>
+              <a:off x="-4711990" y="513760"/>
+              <a:ext cx="24328597" cy="13684834"/>
+            </a:xfrm>
+            <a:prstGeom prst="rect">
+              <a:avLst/>
+            </a:prstGeom>
+          </p:spPr>
+        </p:pic>
+        <p:grpSp>
+          <p:nvGrpSpPr>
+            <p:cNvPr id="584" name="Group 583"/>
+            <p:cNvGrpSpPr/>
+            <p:nvPr/>
+          </p:nvGrpSpPr>
+          <p:grpSpPr>
+            <a:xfrm>
+              <a:off x="2297428" y="1529854"/>
+              <a:ext cx="10022377" cy="11123110"/>
+              <a:chOff x="2230124" y="-85772"/>
+              <a:chExt cx="9620593" cy="11967885"/>
+            </a:xfrm>
+          </p:grpSpPr>
+          <p:sp>
+            <p:nvSpPr>
+              <p:cNvPr id="585" name="Rectangle 584"/>
+              <p:cNvSpPr/>
+              <p:nvPr/>
+            </p:nvSpPr>
+            <p:spPr>
+              <a:xfrm>
+                <a:off x="7104421" y="6869680"/>
+                <a:ext cx="4746296" cy="2589096"/>
+              </a:xfrm>
+              <a:prstGeom prst="rect">
+                <a:avLst/>
+              </a:prstGeom>
+              <a:solidFill>
+                <a:srgbClr val="FFFF00"/>
+              </a:solidFill>
+              <a:ln>
+                <a:solidFill>
+                  <a:schemeClr val="tx1"/>
+                </a:solidFill>
+              </a:ln>
+              <a:effectLst/>
+            </p:spPr>
+            <p:style>
+              <a:lnRef idx="1">
+                <a:schemeClr val="accent1"/>
+              </a:lnRef>
+              <a:fillRef idx="3">
+                <a:schemeClr val="accent1"/>
+              </a:fillRef>
+              <a:effectRef idx="2">
+                <a:schemeClr val="accent1"/>
+              </a:effectRef>
+              <a:fontRef idx="minor">
+                <a:schemeClr val="lt1"/>
+              </a:fontRef>
+            </p:style>
+            <p:txBody>
+              <a:bodyPr rtlCol="0" anchor="ctr"/>
+              <a:lstStyle/>
+              <a:p>
+                <a:pPr algn="ctr"/>
+                <a:endParaRPr lang="en-US" sz="1700">
+                  <a:latin typeface="Times New Roman"/>
+                  <a:cs typeface="Times New Roman"/>
+                </a:endParaRPr>
+              </a:p>
+            </p:txBody>
+          </p:sp>
+          <p:sp>
+            <p:nvSpPr>
+              <p:cNvPr id="586" name="Rectangle 585"/>
+              <p:cNvSpPr/>
+              <p:nvPr/>
+            </p:nvSpPr>
+            <p:spPr>
+              <a:xfrm>
+                <a:off x="8104269" y="1111813"/>
+                <a:ext cx="3490768" cy="3704315"/>
+              </a:xfrm>
+              <a:prstGeom prst="rect">
+                <a:avLst/>
+              </a:prstGeom>
+              <a:solidFill>
+                <a:schemeClr val="accent6"/>
+              </a:solidFill>
+              <a:ln>
+                <a:solidFill>
+                  <a:schemeClr val="tx1"/>
+                </a:solidFill>
+              </a:ln>
+              <a:effectLst/>
+            </p:spPr>
+            <p:style>
+              <a:lnRef idx="1">
+                <a:schemeClr val="accent1"/>
+              </a:lnRef>
+              <a:fillRef idx="3">
+                <a:schemeClr val="accent1"/>
+              </a:fillRef>
+              <a:effectRef idx="2">
+                <a:schemeClr val="accent1"/>
+              </a:effectRef>
+              <a:fontRef idx="minor">
+                <a:schemeClr val="lt1"/>
+              </a:fontRef>
+            </p:style>
+            <p:txBody>
+              <a:bodyPr rtlCol="0" anchor="ctr"/>
+              <a:lstStyle/>
+              <a:p>
+                <a:pPr algn="ctr"/>
+                <a:endParaRPr lang="en-US" sz="1700">
+                  <a:latin typeface="Times New Roman"/>
+                  <a:cs typeface="Times New Roman"/>
+                </a:endParaRPr>
+              </a:p>
+            </p:txBody>
+          </p:sp>
+          <p:sp>
+            <p:nvSpPr>
+              <p:cNvPr id="587" name="TextBox 586"/>
+              <p:cNvSpPr txBox="1"/>
+              <p:nvPr/>
+            </p:nvSpPr>
+            <p:spPr>
+              <a:xfrm>
+                <a:off x="8395321" y="2447759"/>
+                <a:ext cx="2929266" cy="2839721"/>
+              </a:xfrm>
+              <a:prstGeom prst="rect">
+                <a:avLst/>
+              </a:prstGeom>
+              <a:noFill/>
+            </p:spPr>
+            <p:txBody>
+              <a:bodyPr wrap="none" rtlCol="0">
+                <a:spAutoFit/>
+              </a:bodyPr>
+              <a:lstStyle/>
+              <a:p>
+                <a:pPr algn="ctr"/>
+                <a:r>
+                  <a:rPr lang="en-US" sz="1100" dirty="0">
+                    <a:latin typeface="Times New Roman"/>
+                    <a:cs typeface="Times New Roman"/>
+                  </a:rPr>
+                  <a:t>Build</a:t>
+                </a:r>
+              </a:p>
+              <a:p>
+                <a:pPr algn="ctr"/>
+                <a:r>
+                  <a:rPr lang="en-US" sz="1100" dirty="0">
+                    <a:latin typeface="Times New Roman"/>
+                    <a:cs typeface="Times New Roman"/>
+                  </a:rPr>
+                  <a:t>zone</a:t>
+                </a:r>
+              </a:p>
+            </p:txBody>
+          </p:sp>
+          <p:sp>
+            <p:nvSpPr>
+              <p:cNvPr id="588" name="TextBox 587"/>
+              <p:cNvSpPr txBox="1"/>
+              <p:nvPr/>
+            </p:nvSpPr>
+            <p:spPr>
+              <a:xfrm>
+                <a:off x="5220956" y="9867050"/>
+                <a:ext cx="2113198" cy="1724117"/>
+              </a:xfrm>
+              <a:prstGeom prst="rect">
+                <a:avLst/>
+              </a:prstGeom>
+              <a:noFill/>
+            </p:spPr>
+            <p:txBody>
+              <a:bodyPr wrap="none" rtlCol="0">
+                <a:spAutoFit/>
+              </a:bodyPr>
+              <a:lstStyle/>
+              <a:p>
+                <a:pPr algn="ctr"/>
+                <a:r>
+                  <a:rPr lang="en-US" sz="1100" i="1" dirty="0">
+                    <a:latin typeface="Times New Roman"/>
+                    <a:cs typeface="Times New Roman"/>
+                  </a:rPr>
+                  <a:t>2ε</a:t>
+                </a:r>
+              </a:p>
+            </p:txBody>
+          </p:sp>
+          <p:sp>
+            <p:nvSpPr>
+              <p:cNvPr id="589" name="TextBox 588"/>
+              <p:cNvSpPr txBox="1"/>
+              <p:nvPr/>
+            </p:nvSpPr>
+            <p:spPr>
+              <a:xfrm>
+                <a:off x="5331147" y="-85772"/>
+                <a:ext cx="1698494" cy="1724117"/>
+              </a:xfrm>
+              <a:prstGeom prst="rect">
+                <a:avLst/>
+              </a:prstGeom>
+              <a:noFill/>
+            </p:spPr>
+            <p:txBody>
+              <a:bodyPr wrap="none" rtlCol="0">
+                <a:spAutoFit/>
+              </a:bodyPr>
+              <a:lstStyle/>
+              <a:p>
+                <a:pPr algn="ctr"/>
+                <a:r>
+                  <a:rPr lang="en-US" sz="1100" i="1" dirty="0" err="1">
+                    <a:latin typeface="Times New Roman"/>
+                    <a:cs typeface="Times New Roman"/>
+                  </a:rPr>
+                  <a:t>ε</a:t>
+                </a:r>
+                <a:endParaRPr lang="en-US" sz="1100" i="1" dirty="0">
+                  <a:latin typeface="Times New Roman"/>
+                  <a:cs typeface="Times New Roman"/>
+                </a:endParaRPr>
+              </a:p>
+            </p:txBody>
+          </p:sp>
+          <p:sp>
+            <p:nvSpPr>
+              <p:cNvPr id="590" name="TextBox 589"/>
+              <p:cNvSpPr txBox="1"/>
+              <p:nvPr/>
+            </p:nvSpPr>
+            <p:spPr>
+              <a:xfrm>
+                <a:off x="2708664" y="6479145"/>
+                <a:ext cx="2903730" cy="1724117"/>
+              </a:xfrm>
+              <a:prstGeom prst="rect">
+                <a:avLst/>
+              </a:prstGeom>
+              <a:noFill/>
+            </p:spPr>
+            <p:txBody>
+              <a:bodyPr wrap="none" rtlCol="0">
+                <a:spAutoFit/>
+              </a:bodyPr>
+              <a:lstStyle/>
+              <a:p>
+                <a:pPr algn="ctr"/>
+                <a:r>
+                  <a:rPr lang="en-US" sz="1100" i="1" dirty="0">
+                    <a:latin typeface="Times New Roman"/>
+                    <a:cs typeface="Times New Roman"/>
+                  </a:rPr>
+                  <a:t>ε</a:t>
+                </a:r>
+                <a:r>
+                  <a:rPr lang="en-US" sz="1100" dirty="0">
+                    <a:latin typeface="Times New Roman"/>
+                    <a:cs typeface="Times New Roman"/>
+                  </a:rPr>
+                  <a:t>+2</a:t>
+                </a:r>
+                <a:r>
+                  <a:rPr lang="en-US" sz="1100" i="1" dirty="0">
+                    <a:latin typeface="Times New Roman"/>
+                    <a:cs typeface="Times New Roman"/>
+                  </a:rPr>
+                  <a:t>r</a:t>
+                </a:r>
+              </a:p>
+            </p:txBody>
+          </p:sp>
+          <p:cxnSp>
+            <p:nvCxnSpPr>
+              <p:cNvPr id="591" name="Straight Arrow Connector 590"/>
+              <p:cNvCxnSpPr/>
+              <p:nvPr/>
+            </p:nvCxnSpPr>
+            <p:spPr>
+              <a:xfrm>
+                <a:off x="2230124" y="6479148"/>
+                <a:ext cx="3833790" cy="93843"/>
+              </a:xfrm>
+              <a:prstGeom prst="straightConnector1">
+                <a:avLst/>
+              </a:prstGeom>
+              <a:ln w="19050" cmpd="sng">
+                <a:solidFill>
+                  <a:schemeClr val="tx1"/>
+                </a:solidFill>
+                <a:headEnd type="stealth" w="med" len="lg"/>
+                <a:tailEnd type="stealth" w="med" len="lg"/>
+              </a:ln>
+              <a:effectLst/>
+            </p:spPr>
+            <p:style>
+              <a:lnRef idx="2">
+                <a:schemeClr val="accent1"/>
+              </a:lnRef>
+              <a:fillRef idx="0">
+                <a:schemeClr val="accent1"/>
+              </a:fillRef>
+              <a:effectRef idx="1">
+                <a:schemeClr val="accent1"/>
+              </a:effectRef>
+              <a:fontRef idx="minor">
+                <a:schemeClr val="tx1"/>
+              </a:fontRef>
+            </p:style>
+          </p:cxnSp>
+          <p:cxnSp>
+            <p:nvCxnSpPr>
+              <p:cNvPr id="592" name="Straight Arrow Connector 591"/>
+              <p:cNvCxnSpPr/>
+              <p:nvPr/>
+            </p:nvCxnSpPr>
+            <p:spPr>
+              <a:xfrm>
+                <a:off x="6809526" y="9458777"/>
+                <a:ext cx="0" cy="2423336"/>
+              </a:xfrm>
+              <a:prstGeom prst="straightConnector1">
+                <a:avLst/>
+              </a:prstGeom>
+              <a:ln w="19050" cmpd="sng">
+                <a:solidFill>
+                  <a:schemeClr val="tx1"/>
+                </a:solidFill>
+                <a:headEnd type="stealth" w="med" len="lg"/>
+                <a:tailEnd type="stealth" w="med" len="lg"/>
+              </a:ln>
+              <a:effectLst/>
+            </p:spPr>
+            <p:style>
+              <a:lnRef idx="2">
+                <a:schemeClr val="accent1"/>
+              </a:lnRef>
+              <a:fillRef idx="0">
+                <a:schemeClr val="accent1"/>
+              </a:fillRef>
+              <a:effectRef idx="1">
+                <a:schemeClr val="accent1"/>
+              </a:effectRef>
+              <a:fontRef idx="minor">
+                <a:schemeClr val="tx1"/>
+              </a:fontRef>
+            </p:style>
+          </p:cxnSp>
+          <p:cxnSp>
+            <p:nvCxnSpPr>
+              <p:cNvPr id="593" name="Straight Arrow Connector 592"/>
+              <p:cNvCxnSpPr/>
+              <p:nvPr/>
+            </p:nvCxnSpPr>
+            <p:spPr>
+              <a:xfrm>
+                <a:off x="6758675" y="300343"/>
+                <a:ext cx="0" cy="882829"/>
+              </a:xfrm>
+              <a:prstGeom prst="straightConnector1">
+                <a:avLst/>
+              </a:prstGeom>
+              <a:ln w="19050" cmpd="sng">
+                <a:solidFill>
+                  <a:schemeClr val="tx1"/>
+                </a:solidFill>
+                <a:headEnd type="stealth" w="med" len="lg"/>
+                <a:tailEnd type="stealth" w="med" len="lg"/>
+              </a:ln>
+              <a:effectLst/>
+            </p:spPr>
+            <p:style>
+              <a:lnRef idx="2">
+                <a:schemeClr val="accent1"/>
+              </a:lnRef>
+              <a:fillRef idx="0">
+                <a:schemeClr val="accent1"/>
+              </a:fillRef>
+              <a:effectRef idx="1">
+                <a:schemeClr val="accent1"/>
+              </a:effectRef>
+              <a:fontRef idx="minor">
+                <a:schemeClr val="tx1"/>
+              </a:fontRef>
+            </p:style>
+          </p:cxnSp>
+          <p:cxnSp>
+            <p:nvCxnSpPr>
+              <p:cNvPr id="594" name="Straight Arrow Connector 593"/>
+              <p:cNvCxnSpPr/>
+              <p:nvPr/>
+            </p:nvCxnSpPr>
+            <p:spPr>
+              <a:xfrm flipV="1">
+                <a:off x="8104269" y="2058014"/>
+                <a:ext cx="3322953" cy="8429"/>
+              </a:xfrm>
+              <a:prstGeom prst="straightConnector1">
+                <a:avLst/>
+              </a:prstGeom>
+              <a:ln w="57150" cmpd="sng">
+                <a:solidFill>
+                  <a:schemeClr val="tx1"/>
+                </a:solidFill>
+                <a:headEnd type="stealth" w="med" len="lg"/>
+                <a:tailEnd type="stealth" w="med" len="lg"/>
+              </a:ln>
+              <a:effectLst/>
+            </p:spPr>
+            <p:style>
+              <a:lnRef idx="2">
+                <a:schemeClr val="accent1"/>
+              </a:lnRef>
+              <a:fillRef idx="0">
+                <a:schemeClr val="accent1"/>
+              </a:fillRef>
+              <a:effectRef idx="1">
+                <a:schemeClr val="accent1"/>
+              </a:effectRef>
+              <a:fontRef idx="minor">
+                <a:schemeClr val="tx1"/>
+              </a:fontRef>
+            </p:style>
+          </p:cxnSp>
+          <p:sp>
+            <p:nvSpPr>
+              <p:cNvPr id="595" name="TextBox 594"/>
+              <p:cNvSpPr txBox="1"/>
+              <p:nvPr/>
+            </p:nvSpPr>
+            <p:spPr>
+              <a:xfrm>
+                <a:off x="8725541" y="1415635"/>
+                <a:ext cx="2164280" cy="1724117"/>
+              </a:xfrm>
+              <a:prstGeom prst="rect">
+                <a:avLst/>
+              </a:prstGeom>
+              <a:solidFill>
+                <a:schemeClr val="accent6"/>
+              </a:solidFill>
+            </p:spPr>
+            <p:txBody>
+              <a:bodyPr wrap="none" rtlCol="0">
+                <a:spAutoFit/>
+              </a:bodyPr>
+              <a:lstStyle/>
+              <a:p>
+                <a:pPr algn="ctr"/>
+                <a:r>
+                  <a:rPr lang="en-US" sz="1100" i="1" dirty="0" err="1">
+                    <a:latin typeface="Times New Roman"/>
+                    <a:cs typeface="Times New Roman"/>
+                  </a:rPr>
+                  <a:t>w</a:t>
+                </a:r>
+                <a:r>
+                  <a:rPr lang="en-US" sz="1100" i="1" baseline="-25000" dirty="0" err="1">
+                    <a:latin typeface="Times New Roman"/>
+                    <a:cs typeface="Times New Roman"/>
+                  </a:rPr>
+                  <a:t>b</a:t>
+                </a:r>
+                <a:endParaRPr lang="en-US" sz="1100" i="1" dirty="0">
+                  <a:latin typeface="Times New Roman"/>
+                  <a:cs typeface="Times New Roman"/>
+                </a:endParaRPr>
+              </a:p>
+            </p:txBody>
+          </p:sp>
+          <p:cxnSp>
+            <p:nvCxnSpPr>
+              <p:cNvPr id="596" name="Straight Arrow Connector 595"/>
+              <p:cNvCxnSpPr/>
+              <p:nvPr/>
+            </p:nvCxnSpPr>
+            <p:spPr>
+              <a:xfrm>
+                <a:off x="6770310" y="1183172"/>
+                <a:ext cx="0" cy="3737367"/>
+              </a:xfrm>
+              <a:prstGeom prst="straightConnector1">
+                <a:avLst/>
+              </a:prstGeom>
+              <a:ln w="19050" cmpd="sng">
+                <a:solidFill>
+                  <a:schemeClr val="tx1"/>
+                </a:solidFill>
+                <a:headEnd type="stealth" w="med" len="lg"/>
+                <a:tailEnd type="stealth" w="med" len="lg"/>
+              </a:ln>
+              <a:effectLst/>
+            </p:spPr>
+            <p:style>
+              <a:lnRef idx="2">
+                <a:schemeClr val="accent1"/>
+              </a:lnRef>
+              <a:fillRef idx="0">
+                <a:schemeClr val="accent1"/>
+              </a:fillRef>
+              <a:effectRef idx="1">
+                <a:schemeClr val="accent1"/>
+              </a:effectRef>
+              <a:fontRef idx="minor">
+                <a:schemeClr val="tx1"/>
+              </a:fontRef>
+            </p:style>
+          </p:cxnSp>
+          <p:sp>
+            <p:nvSpPr>
+              <p:cNvPr id="597" name="TextBox 596"/>
+              <p:cNvSpPr txBox="1"/>
+              <p:nvPr/>
+            </p:nvSpPr>
+            <p:spPr>
+              <a:xfrm>
+                <a:off x="4517478" y="2363718"/>
+                <a:ext cx="1851612" cy="1724117"/>
+              </a:xfrm>
+              <a:prstGeom prst="rect">
+                <a:avLst/>
+              </a:prstGeom>
+              <a:noFill/>
+            </p:spPr>
+            <p:txBody>
+              <a:bodyPr wrap="square" rtlCol="0">
+                <a:spAutoFit/>
+              </a:bodyPr>
+              <a:lstStyle/>
+              <a:p>
+                <a:pPr algn="ctr"/>
+                <a:r>
+                  <a:rPr lang="en-US" sz="1100" i="1" dirty="0" err="1">
+                    <a:latin typeface="Times New Roman"/>
+                    <a:cs typeface="Times New Roman"/>
+                  </a:rPr>
+                  <a:t>h</a:t>
+                </a:r>
+                <a:r>
+                  <a:rPr lang="en-US" sz="1100" i="1" baseline="-25000" dirty="0" err="1">
+                    <a:latin typeface="Times New Roman"/>
+                    <a:cs typeface="Times New Roman"/>
+                  </a:rPr>
+                  <a:t>b</a:t>
+                </a:r>
+                <a:endParaRPr lang="en-US" sz="1100" i="1" dirty="0">
+                  <a:latin typeface="Times New Roman"/>
+                  <a:cs typeface="Times New Roman"/>
+                </a:endParaRPr>
+              </a:p>
+            </p:txBody>
+          </p:sp>
+          <p:cxnSp>
+            <p:nvCxnSpPr>
+              <p:cNvPr id="598" name="Straight Arrow Connector 597"/>
+              <p:cNvCxnSpPr/>
+              <p:nvPr/>
+            </p:nvCxnSpPr>
+            <p:spPr>
+              <a:xfrm>
+                <a:off x="7224064" y="9849279"/>
+                <a:ext cx="4470712" cy="0"/>
+              </a:xfrm>
+              <a:prstGeom prst="straightConnector1">
+                <a:avLst/>
+              </a:prstGeom>
+              <a:ln w="19050" cmpd="sng">
+                <a:solidFill>
+                  <a:schemeClr val="tx1"/>
+                </a:solidFill>
+                <a:headEnd type="stealth" w="med" len="lg"/>
+                <a:tailEnd type="stealth" w="med" len="lg"/>
+              </a:ln>
+              <a:effectLst/>
+            </p:spPr>
+            <p:style>
+              <a:lnRef idx="2">
+                <a:schemeClr val="accent1"/>
+              </a:lnRef>
+              <a:fillRef idx="0">
+                <a:schemeClr val="accent1"/>
+              </a:fillRef>
+              <a:effectRef idx="1">
+                <a:schemeClr val="accent1"/>
+              </a:effectRef>
+              <a:fontRef idx="minor">
+                <a:schemeClr val="tx1"/>
+              </a:fontRef>
+            </p:style>
+          </p:cxnSp>
+          <p:cxnSp>
+            <p:nvCxnSpPr>
+              <p:cNvPr id="599" name="Straight Arrow Connector 598"/>
+              <p:cNvCxnSpPr/>
+              <p:nvPr/>
+            </p:nvCxnSpPr>
+            <p:spPr>
+              <a:xfrm>
+                <a:off x="6770310" y="6869680"/>
+                <a:ext cx="0" cy="2589096"/>
+              </a:xfrm>
+              <a:prstGeom prst="straightConnector1">
+                <a:avLst/>
+              </a:prstGeom>
+              <a:ln w="19050" cmpd="sng">
+                <a:solidFill>
+                  <a:schemeClr val="tx1"/>
+                </a:solidFill>
+                <a:headEnd type="stealth" w="med" len="lg"/>
+                <a:tailEnd type="stealth" w="med" len="lg"/>
+              </a:ln>
+              <a:effectLst/>
+            </p:spPr>
+            <p:style>
+              <a:lnRef idx="2">
+                <a:schemeClr val="accent1"/>
+              </a:lnRef>
+              <a:fillRef idx="0">
+                <a:schemeClr val="accent1"/>
+              </a:fillRef>
+              <a:effectRef idx="1">
+                <a:schemeClr val="accent1"/>
+              </a:effectRef>
+              <a:fontRef idx="minor">
+                <a:schemeClr val="tx1"/>
+              </a:fontRef>
+            </p:style>
+          </p:cxnSp>
+          <p:sp>
+            <p:nvSpPr>
+              <p:cNvPr id="600" name="TextBox 599"/>
+              <p:cNvSpPr txBox="1"/>
+              <p:nvPr/>
+            </p:nvSpPr>
+            <p:spPr>
+              <a:xfrm>
+                <a:off x="4392576" y="7427406"/>
+                <a:ext cx="2393875" cy="1724117"/>
+              </a:xfrm>
+              <a:prstGeom prst="rect">
+                <a:avLst/>
+              </a:prstGeom>
+              <a:noFill/>
+            </p:spPr>
+            <p:txBody>
+              <a:bodyPr wrap="square" rtlCol="0">
+                <a:spAutoFit/>
+              </a:bodyPr>
+              <a:lstStyle/>
+              <a:p>
+                <a:pPr algn="ctr"/>
+                <a:r>
+                  <a:rPr lang="en-US" sz="1100" i="1" dirty="0" err="1">
+                    <a:latin typeface="Times New Roman"/>
+                    <a:cs typeface="Times New Roman"/>
+                  </a:rPr>
+                  <a:t>h</a:t>
+                </a:r>
+                <a:r>
+                  <a:rPr lang="en-US" sz="1100" i="1" baseline="-25000" dirty="0" err="1">
+                    <a:latin typeface="Times New Roman"/>
+                    <a:cs typeface="Times New Roman"/>
+                  </a:rPr>
+                  <a:t>s</a:t>
+                </a:r>
+                <a:endParaRPr lang="en-US" sz="1100" i="1" dirty="0">
+                  <a:latin typeface="Times New Roman"/>
+                  <a:cs typeface="Times New Roman"/>
+                </a:endParaRPr>
+              </a:p>
+            </p:txBody>
+          </p:sp>
+          <p:sp>
+            <p:nvSpPr>
+              <p:cNvPr id="601" name="TextBox 600"/>
+              <p:cNvSpPr txBox="1"/>
+              <p:nvPr/>
+            </p:nvSpPr>
+            <p:spPr>
+              <a:xfrm>
+                <a:off x="8189004" y="9448466"/>
+                <a:ext cx="1821020" cy="1724117"/>
+              </a:xfrm>
+              <a:prstGeom prst="rect">
+                <a:avLst/>
+              </a:prstGeom>
+              <a:noFill/>
+            </p:spPr>
+            <p:txBody>
+              <a:bodyPr wrap="square" rtlCol="0">
+                <a:spAutoFit/>
+              </a:bodyPr>
+              <a:lstStyle/>
+              <a:p>
+                <a:pPr algn="ctr"/>
+                <a:r>
+                  <a:rPr lang="en-US" sz="1100" i="1" dirty="0" err="1">
+                    <a:latin typeface="Times New Roman"/>
+                    <a:cs typeface="Times New Roman"/>
+                  </a:rPr>
+                  <a:t>w</a:t>
+                </a:r>
+                <a:r>
+                  <a:rPr lang="en-US" sz="1100" i="1" baseline="-25000" dirty="0" err="1">
+                    <a:latin typeface="Times New Roman"/>
+                    <a:cs typeface="Times New Roman"/>
+                  </a:rPr>
+                  <a:t>s</a:t>
+                </a:r>
+                <a:endParaRPr lang="en-US" sz="1100" i="1" dirty="0">
+                  <a:latin typeface="Times New Roman"/>
+                  <a:cs typeface="Times New Roman"/>
+                </a:endParaRPr>
+              </a:p>
+            </p:txBody>
+          </p:sp>
+          <p:sp>
+            <p:nvSpPr>
+              <p:cNvPr id="602" name="TextBox 601"/>
+              <p:cNvSpPr txBox="1"/>
+              <p:nvPr/>
+            </p:nvSpPr>
+            <p:spPr>
+              <a:xfrm>
+                <a:off x="7462242" y="7100851"/>
+                <a:ext cx="3620173" cy="2839721"/>
+              </a:xfrm>
+              <a:prstGeom prst="rect">
+                <a:avLst/>
+              </a:prstGeom>
+              <a:noFill/>
+            </p:spPr>
+            <p:txBody>
+              <a:bodyPr wrap="none" rtlCol="0">
+                <a:spAutoFit/>
+              </a:bodyPr>
+              <a:lstStyle/>
+              <a:p>
+                <a:pPr algn="ctr"/>
+                <a:r>
+                  <a:rPr lang="en-US" sz="1100" dirty="0">
+                    <a:latin typeface="Times New Roman"/>
+                    <a:cs typeface="Times New Roman"/>
+                  </a:rPr>
+                  <a:t>Staging</a:t>
+                </a:r>
+              </a:p>
+              <a:p>
+                <a:pPr algn="ctr"/>
+                <a:r>
+                  <a:rPr lang="en-US" sz="1100" dirty="0">
+                    <a:latin typeface="Times New Roman"/>
+                    <a:cs typeface="Times New Roman"/>
+                  </a:rPr>
+                  <a:t>zone</a:t>
+                </a:r>
+              </a:p>
+            </p:txBody>
+          </p:sp>
+        </p:grpSp>
+      </p:grpSp>
       <p:pic>
         <p:nvPicPr>
           <p:cNvPr id="603" name="Picture 602"/>
@@ -3618,8 +3800,8 @@
         </p:blipFill>
         <p:spPr>
           <a:xfrm>
-            <a:off x="-546424" y="3627947"/>
-            <a:ext cx="2340659" cy="1316621"/>
+            <a:off x="-364282" y="2418633"/>
+            <a:ext cx="1560439" cy="877747"/>
           </a:xfrm>
           <a:prstGeom prst="rect">
             <a:avLst/>
@@ -3648,8 +3830,8 @@
         </p:blipFill>
         <p:spPr>
           <a:xfrm>
-            <a:off x="-546423" y="5277116"/>
-            <a:ext cx="2335438" cy="1313684"/>
+            <a:off x="-364282" y="3518077"/>
+            <a:ext cx="1556959" cy="875789"/>
           </a:xfrm>
           <a:prstGeom prst="rect">
             <a:avLst/>
@@ -3678,8 +3860,8 @@
         </p:blipFill>
         <p:spPr>
           <a:xfrm>
-            <a:off x="-539998" y="6923351"/>
-            <a:ext cx="2334233" cy="1313006"/>
+            <a:off x="-359998" y="4615569"/>
+            <a:ext cx="1556155" cy="875337"/>
           </a:xfrm>
           <a:prstGeom prst="rect">
             <a:avLst/>
@@ -3708,8 +3890,8 @@
         </p:blipFill>
         <p:spPr>
           <a:xfrm>
-            <a:off x="846965" y="3639772"/>
-            <a:ext cx="2319636" cy="1304795"/>
+            <a:off x="564643" y="2426516"/>
+            <a:ext cx="1546424" cy="869863"/>
           </a:xfrm>
           <a:prstGeom prst="rect">
             <a:avLst/>
@@ -3738,8 +3920,8 @@
         </p:blipFill>
         <p:spPr>
           <a:xfrm>
-            <a:off x="2230589" y="3638864"/>
-            <a:ext cx="2319636" cy="1304795"/>
+            <a:off x="1487059" y="2425911"/>
+            <a:ext cx="1546424" cy="869863"/>
           </a:xfrm>
           <a:prstGeom prst="rect">
             <a:avLst/>
@@ -3768,8 +3950,8 @@
         </p:blipFill>
         <p:spPr>
           <a:xfrm>
-            <a:off x="3615040" y="3639772"/>
-            <a:ext cx="2320683" cy="1305384"/>
+            <a:off x="2410028" y="2426515"/>
+            <a:ext cx="1547122" cy="870256"/>
           </a:xfrm>
           <a:prstGeom prst="rect">
             <a:avLst/>
@@ -3798,8 +3980,8 @@
         </p:blipFill>
         <p:spPr>
           <a:xfrm>
-            <a:off x="5000539" y="3638864"/>
-            <a:ext cx="2319636" cy="1304795"/>
+            <a:off x="3333693" y="2425911"/>
+            <a:ext cx="1546424" cy="869863"/>
           </a:xfrm>
           <a:prstGeom prst="rect">
             <a:avLst/>
@@ -3828,8 +4010,8 @@
         </p:blipFill>
         <p:spPr>
           <a:xfrm>
-            <a:off x="6384163" y="3638864"/>
-            <a:ext cx="2319636" cy="1304795"/>
+            <a:off x="4256109" y="2425911"/>
+            <a:ext cx="1546424" cy="869863"/>
           </a:xfrm>
           <a:prstGeom prst="rect">
             <a:avLst/>
@@ -3858,8 +4040,8 @@
         </p:blipFill>
         <p:spPr>
           <a:xfrm>
-            <a:off x="7768613" y="3627948"/>
-            <a:ext cx="2317459" cy="1303571"/>
+            <a:off x="5179077" y="2418634"/>
+            <a:ext cx="1544973" cy="869047"/>
           </a:xfrm>
           <a:prstGeom prst="rect">
             <a:avLst/>
@@ -3888,8 +4070,8 @@
         </p:blipFill>
         <p:spPr>
           <a:xfrm>
-            <a:off x="9198568" y="3605065"/>
-            <a:ext cx="2298412" cy="1292857"/>
+            <a:off x="6132380" y="2403378"/>
+            <a:ext cx="1532275" cy="861905"/>
           </a:xfrm>
           <a:prstGeom prst="rect">
             <a:avLst/>
@@ -3918,8 +4100,8 @@
         </p:blipFill>
         <p:spPr>
           <a:xfrm>
-            <a:off x="2230589" y="5285632"/>
-            <a:ext cx="2320301" cy="1305170"/>
+            <a:off x="1487061" y="3523756"/>
+            <a:ext cx="1546867" cy="870113"/>
           </a:xfrm>
           <a:prstGeom prst="rect">
             <a:avLst/>
@@ -3948,8 +4130,8 @@
         </p:blipFill>
         <p:spPr>
           <a:xfrm>
-            <a:off x="3615040" y="5288034"/>
-            <a:ext cx="2316027" cy="1302765"/>
+            <a:off x="2410028" y="3525356"/>
+            <a:ext cx="1544018" cy="868510"/>
           </a:xfrm>
           <a:prstGeom prst="rect">
             <a:avLst/>
@@ -3978,8 +4160,8 @@
         </p:blipFill>
         <p:spPr>
           <a:xfrm>
-            <a:off x="836415" y="5280919"/>
-            <a:ext cx="2337052" cy="1314592"/>
+            <a:off x="557611" y="3520614"/>
+            <a:ext cx="1558035" cy="876395"/>
           </a:xfrm>
           <a:prstGeom prst="rect">
             <a:avLst/>
@@ -4008,8 +4190,8 @@
         </p:blipFill>
         <p:spPr>
           <a:xfrm>
-            <a:off x="4992464" y="5287604"/>
-            <a:ext cx="2316795" cy="1303197"/>
+            <a:off x="3328310" y="3525070"/>
+            <a:ext cx="1544530" cy="868798"/>
           </a:xfrm>
           <a:prstGeom prst="rect">
             <a:avLst/>
@@ -4038,8 +4220,8 @@
         </p:blipFill>
         <p:spPr>
           <a:xfrm>
-            <a:off x="7768615" y="5290344"/>
-            <a:ext cx="2313367" cy="1301269"/>
+            <a:off x="5179078" y="3526897"/>
+            <a:ext cx="1542245" cy="867513"/>
           </a:xfrm>
           <a:prstGeom prst="rect">
             <a:avLst/>
@@ -4068,8 +4250,8 @@
         </p:blipFill>
         <p:spPr>
           <a:xfrm>
-            <a:off x="6393325" y="5291158"/>
-            <a:ext cx="2310474" cy="1299642"/>
+            <a:off x="4262217" y="3527439"/>
+            <a:ext cx="1540316" cy="866428"/>
           </a:xfrm>
           <a:prstGeom prst="rect">
             <a:avLst/>
@@ -4098,8 +4280,8 @@
         </p:blipFill>
         <p:spPr>
           <a:xfrm>
-            <a:off x="9184414" y="5267462"/>
-            <a:ext cx="2326719" cy="1308780"/>
+            <a:off x="6122944" y="3511641"/>
+            <a:ext cx="1551146" cy="872520"/>
           </a:xfrm>
           <a:prstGeom prst="rect">
             <a:avLst/>
@@ -4128,8 +4310,8 @@
         </p:blipFill>
         <p:spPr>
           <a:xfrm>
-            <a:off x="832364" y="6923349"/>
-            <a:ext cx="2334235" cy="1313008"/>
+            <a:off x="554911" y="4615567"/>
+            <a:ext cx="1556157" cy="875339"/>
           </a:xfrm>
           <a:prstGeom prst="rect">
             <a:avLst/>
@@ -4158,8 +4340,8 @@
         </p:blipFill>
         <p:spPr>
           <a:xfrm>
-            <a:off x="2223289" y="6923348"/>
-            <a:ext cx="2334236" cy="1313008"/>
+            <a:off x="1482194" y="4615566"/>
+            <a:ext cx="1556157" cy="875339"/>
           </a:xfrm>
           <a:prstGeom prst="rect">
             <a:avLst/>
@@ -4188,8 +4370,8 @@
         </p:blipFill>
         <p:spPr>
           <a:xfrm>
-            <a:off x="3605936" y="6923348"/>
-            <a:ext cx="2334236" cy="1313008"/>
+            <a:off x="2403959" y="4615566"/>
+            <a:ext cx="1556157" cy="875339"/>
           </a:xfrm>
           <a:prstGeom prst="rect">
             <a:avLst/>
@@ -4218,8 +4400,8 @@
         </p:blipFill>
         <p:spPr>
           <a:xfrm>
-            <a:off x="4988582" y="6923348"/>
-            <a:ext cx="2334236" cy="1313008"/>
+            <a:off x="3325723" y="4615566"/>
+            <a:ext cx="1556157" cy="875339"/>
           </a:xfrm>
           <a:prstGeom prst="rect">
             <a:avLst/>
@@ -4248,8 +4430,8 @@
         </p:blipFill>
         <p:spPr>
           <a:xfrm>
-            <a:off x="6384162" y="6923348"/>
-            <a:ext cx="2334236" cy="1313008"/>
+            <a:off x="4256109" y="4615566"/>
+            <a:ext cx="1556157" cy="875339"/>
           </a:xfrm>
           <a:prstGeom prst="rect">
             <a:avLst/>
@@ -4278,8 +4460,8 @@
         </p:blipFill>
         <p:spPr>
           <a:xfrm>
-            <a:off x="7760226" y="6923348"/>
-            <a:ext cx="2334236" cy="1313008"/>
+            <a:off x="5173485" y="4615566"/>
+            <a:ext cx="1556157" cy="875339"/>
           </a:xfrm>
           <a:prstGeom prst="rect">
             <a:avLst/>
@@ -4308,8 +4490,8 @@
         </p:blipFill>
         <p:spPr>
           <a:xfrm>
-            <a:off x="9184415" y="6912185"/>
-            <a:ext cx="2334236" cy="1313008"/>
+            <a:off x="6122945" y="4608124"/>
+            <a:ext cx="1556157" cy="875339"/>
           </a:xfrm>
           <a:prstGeom prst="rect">
             <a:avLst/>
@@ -4324,8 +4506,8 @@
         </p:nvGrpSpPr>
         <p:grpSpPr>
           <a:xfrm>
-            <a:off x="5443605" y="6618598"/>
-            <a:ext cx="68580" cy="273232"/>
+            <a:off x="3629070" y="4412400"/>
+            <a:ext cx="45720" cy="182155"/>
             <a:chOff x="13396070" y="13514614"/>
             <a:chExt cx="274320" cy="1092926"/>
           </a:xfrm>
@@ -4483,8 +4665,8 @@
         </p:nvSpPr>
         <p:spPr>
           <a:xfrm>
-            <a:off x="-9971" y="6683202"/>
-            <a:ext cx="389844" cy="284693"/>
+            <a:off x="-6647" y="4455470"/>
+            <a:ext cx="259896" cy="189795"/>
           </a:xfrm>
           <a:prstGeom prst="rect">
             <a:avLst/>
@@ -4492,20 +4674,20 @@
           <a:noFill/>
         </p:spPr>
         <p:txBody>
-          <a:bodyPr wrap="none" lIns="22860" tIns="11430" rIns="22860" bIns="11430" rtlCol="0">
+          <a:bodyPr wrap="none" lIns="15236" tIns="7619" rIns="15236" bIns="7619" rtlCol="0">
             <a:spAutoFit/>
           </a:bodyPr>
           <a:lstStyle/>
           <a:p>
             <a:r>
-              <a:rPr lang="en-US" sz="1700" i="1" dirty="0">
+              <a:rPr lang="en-US" sz="1100" i="1" dirty="0">
                 <a:latin typeface="Times New Roman"/>
                 <a:cs typeface="Times New Roman"/>
               </a:rPr>
               <a:t>k</a:t>
             </a:r>
             <a:r>
-              <a:rPr lang="en-US" sz="1700" dirty="0">
+              <a:rPr lang="en-US" sz="1100" dirty="0">
                 <a:latin typeface="Times New Roman"/>
                 <a:cs typeface="Times New Roman"/>
               </a:rPr>
@@ -4522,8 +4704,8 @@
         </p:nvSpPr>
         <p:spPr>
           <a:xfrm>
-            <a:off x="-17591" y="5029662"/>
-            <a:ext cx="389844" cy="284693"/>
+            <a:off x="-11727" y="3353110"/>
+            <a:ext cx="259896" cy="189795"/>
           </a:xfrm>
           <a:prstGeom prst="rect">
             <a:avLst/>
@@ -4531,20 +4713,20 @@
           <a:noFill/>
         </p:spPr>
         <p:txBody>
-          <a:bodyPr wrap="none" lIns="22860" tIns="11430" rIns="22860" bIns="11430" rtlCol="0">
+          <a:bodyPr wrap="none" lIns="15236" tIns="7619" rIns="15236" bIns="7619" rtlCol="0">
             <a:spAutoFit/>
           </a:bodyPr>
           <a:lstStyle/>
           <a:p>
             <a:r>
-              <a:rPr lang="en-US" sz="1700" i="1" dirty="0">
+              <a:rPr lang="en-US" sz="1100" i="1" dirty="0">
                 <a:latin typeface="Times New Roman"/>
                 <a:cs typeface="Times New Roman"/>
               </a:rPr>
               <a:t>k</a:t>
             </a:r>
             <a:r>
-              <a:rPr lang="en-US" sz="1700" dirty="0">
+              <a:rPr lang="en-US" sz="1100" dirty="0">
                 <a:latin typeface="Times New Roman"/>
                 <a:cs typeface="Times New Roman"/>
               </a:rPr>
@@ -4561,8 +4743,8 @@
         </p:nvSpPr>
         <p:spPr>
           <a:xfrm>
-            <a:off x="-17591" y="3374184"/>
-            <a:ext cx="389844" cy="284693"/>
+            <a:off x="-11727" y="2249458"/>
+            <a:ext cx="259896" cy="189795"/>
           </a:xfrm>
           <a:prstGeom prst="rect">
             <a:avLst/>
@@ -4570,20 +4752,20 @@
           <a:noFill/>
         </p:spPr>
         <p:txBody>
-          <a:bodyPr wrap="none" lIns="22860" tIns="11430" rIns="22860" bIns="11430" rtlCol="0">
+          <a:bodyPr wrap="none" lIns="15236" tIns="7619" rIns="15236" bIns="7619" rtlCol="0">
             <a:spAutoFit/>
           </a:bodyPr>
           <a:lstStyle/>
           <a:p>
             <a:r>
-              <a:rPr lang="en-US" sz="1700" i="1" dirty="0">
+              <a:rPr lang="en-US" sz="1100" i="1" dirty="0">
                 <a:latin typeface="Times New Roman"/>
                 <a:cs typeface="Times New Roman"/>
               </a:rPr>
               <a:t>k</a:t>
             </a:r>
             <a:r>
-              <a:rPr lang="en-US" sz="1700" dirty="0">
+              <a:rPr lang="en-US" sz="1100" dirty="0">
                 <a:latin typeface="Times New Roman"/>
                 <a:cs typeface="Times New Roman"/>
               </a:rPr>
@@ -4600,8 +4782,8 @@
         </p:nvSpPr>
         <p:spPr>
           <a:xfrm>
-            <a:off x="3396005" y="823357"/>
-            <a:ext cx="584775" cy="284693"/>
+            <a:off x="2264004" y="548906"/>
+            <a:ext cx="389850" cy="189795"/>
           </a:xfrm>
           <a:prstGeom prst="rect">
             <a:avLst/>
@@ -4609,14 +4791,14 @@
           <a:noFill/>
         </p:spPr>
         <p:txBody>
-          <a:bodyPr wrap="none" lIns="22860" tIns="11430" rIns="22860" bIns="11430" rtlCol="0">
+          <a:bodyPr wrap="none" lIns="15236" tIns="7619" rIns="15236" bIns="7619" rtlCol="0">
             <a:spAutoFit/>
           </a:bodyPr>
           <a:lstStyle/>
           <a:p>
             <a:pPr algn="ctr"/>
             <a:r>
-              <a:rPr lang="en-US" sz="1700" dirty="0">
+              <a:rPr lang="en-US" sz="1100" dirty="0">
                 <a:latin typeface="Times New Roman"/>
                 <a:cs typeface="Times New Roman"/>
               </a:rPr>
@@ -4633,8 +4815,8 @@
         </p:nvSpPr>
         <p:spPr>
           <a:xfrm>
-            <a:off x="3400322" y="1250159"/>
-            <a:ext cx="469942" cy="284693"/>
+            <a:off x="2266882" y="833441"/>
+            <a:ext cx="313295" cy="189795"/>
           </a:xfrm>
           <a:prstGeom prst="rect">
             <a:avLst/>
@@ -4642,14 +4824,14 @@
           <a:noFill/>
         </p:spPr>
         <p:txBody>
-          <a:bodyPr wrap="none" lIns="22860" tIns="11430" rIns="22860" bIns="11430" rtlCol="0">
+          <a:bodyPr wrap="none" lIns="15236" tIns="7619" rIns="15236" bIns="7619" rtlCol="0">
             <a:spAutoFit/>
           </a:bodyPr>
           <a:lstStyle/>
           <a:p>
             <a:pPr algn="ctr"/>
             <a:r>
-              <a:rPr lang="en-US" sz="1700" dirty="0">
+              <a:rPr lang="en-US" sz="1100" dirty="0">
                 <a:latin typeface="Times New Roman"/>
                 <a:cs typeface="Times New Roman"/>
               </a:rPr>
@@ -4666,8 +4848,8 @@
         </p:nvSpPr>
         <p:spPr>
           <a:xfrm>
-            <a:off x="3396806" y="1665357"/>
-            <a:ext cx="559127" cy="284693"/>
+            <a:off x="2264539" y="1110240"/>
+            <a:ext cx="372751" cy="189795"/>
           </a:xfrm>
           <a:prstGeom prst="rect">
             <a:avLst/>
@@ -4675,14 +4857,14 @@
           <a:noFill/>
         </p:spPr>
         <p:txBody>
-          <a:bodyPr wrap="none" lIns="22860" tIns="11430" rIns="22860" bIns="11430" rtlCol="0">
+          <a:bodyPr wrap="none" lIns="15236" tIns="7619" rIns="15236" bIns="7619" rtlCol="0">
             <a:spAutoFit/>
           </a:bodyPr>
           <a:lstStyle/>
           <a:p>
             <a:pPr algn="ctr"/>
             <a:r>
-              <a:rPr lang="en-US" sz="1700" dirty="0">
+              <a:rPr lang="en-US" sz="1100" dirty="0">
                 <a:latin typeface="Times New Roman"/>
                 <a:cs typeface="Times New Roman"/>
               </a:rPr>
@@ -4699,8 +4881,8 @@
         </p:nvSpPr>
         <p:spPr>
           <a:xfrm>
-            <a:off x="3355851" y="2091319"/>
-            <a:ext cx="1033616" cy="284693"/>
+            <a:off x="2237235" y="1394214"/>
+            <a:ext cx="689077" cy="189795"/>
           </a:xfrm>
           <a:prstGeom prst="rect">
             <a:avLst/>
@@ -4708,14 +4890,14 @@
           <a:noFill/>
         </p:spPr>
         <p:txBody>
-          <a:bodyPr wrap="none" lIns="22860" tIns="11430" rIns="22860" bIns="11430" rtlCol="0">
+          <a:bodyPr wrap="none" lIns="15236" tIns="7619" rIns="15236" bIns="7619" rtlCol="0">
             <a:spAutoFit/>
           </a:bodyPr>
           <a:lstStyle/>
           <a:p>
             <a:pPr algn="ctr"/>
             <a:r>
-              <a:rPr lang="en-US" sz="1700" dirty="0">
+              <a:rPr lang="en-US" sz="1100" dirty="0">
                 <a:latin typeface="Times New Roman"/>
                 <a:cs typeface="Times New Roman"/>
               </a:rPr>
@@ -4732,8 +4914,8 @@
         </p:nvGrpSpPr>
         <p:grpSpPr>
           <a:xfrm rot="5400000">
-            <a:off x="4528888" y="2118101"/>
-            <a:ext cx="367788" cy="362220"/>
+            <a:off x="3019259" y="1412067"/>
+            <a:ext cx="245192" cy="241480"/>
             <a:chOff x="6330339" y="5786642"/>
             <a:chExt cx="631500" cy="334817"/>
           </a:xfrm>
@@ -4863,8 +5045,8 @@
         </p:nvCxnSpPr>
         <p:spPr>
           <a:xfrm flipH="1">
-            <a:off x="873163" y="4611064"/>
-            <a:ext cx="181428" cy="198831"/>
+            <a:off x="582109" y="3074044"/>
+            <a:ext cx="120952" cy="132554"/>
           </a:xfrm>
           <a:prstGeom prst="straightConnector1">
             <a:avLst/>
@@ -4913,8 +5095,8 @@
         </p:blipFill>
         <p:spPr>
           <a:xfrm>
-            <a:off x="4447062" y="738945"/>
-            <a:ext cx="434341" cy="457201"/>
+            <a:off x="2964709" y="492631"/>
+            <a:ext cx="289561" cy="304801"/>
           </a:xfrm>
           <a:prstGeom prst="rect">
             <a:avLst/>
@@ -4942,8 +5124,8 @@
         </p:blipFill>
         <p:spPr>
           <a:xfrm>
-            <a:off x="4479548" y="1279184"/>
-            <a:ext cx="378995" cy="368969"/>
+            <a:off x="2986367" y="852791"/>
+            <a:ext cx="252663" cy="245979"/>
           </a:xfrm>
           <a:prstGeom prst="rect">
             <a:avLst/>
@@ -4958,8 +5140,8 @@
         </p:nvCxnSpPr>
         <p:spPr>
           <a:xfrm flipH="1">
-            <a:off x="735421" y="4611064"/>
-            <a:ext cx="172955" cy="198831"/>
+            <a:off x="490282" y="3074044"/>
+            <a:ext cx="115303" cy="132554"/>
           </a:xfrm>
           <a:prstGeom prst="straightConnector1">
             <a:avLst/>
@@ -4995,8 +5177,8 @@
         </p:nvCxnSpPr>
         <p:spPr>
           <a:xfrm flipH="1">
-            <a:off x="589205" y="4611064"/>
-            <a:ext cx="169107" cy="198831"/>
+            <a:off x="392804" y="3074044"/>
+            <a:ext cx="112738" cy="132554"/>
           </a:xfrm>
           <a:prstGeom prst="straightConnector1">
             <a:avLst/>
@@ -5032,8 +5214,8 @@
         </p:nvCxnSpPr>
         <p:spPr>
           <a:xfrm flipH="1">
-            <a:off x="439139" y="4611064"/>
-            <a:ext cx="159586" cy="198831"/>
+            <a:off x="292760" y="3074044"/>
+            <a:ext cx="106391" cy="132554"/>
           </a:xfrm>
           <a:prstGeom prst="straightConnector1">
             <a:avLst/>
@@ -5069,8 +5251,8 @@
         </p:nvGrpSpPr>
         <p:grpSpPr>
           <a:xfrm>
-            <a:off x="2894258" y="4541781"/>
-            <a:ext cx="193270" cy="163919"/>
+            <a:off x="1929506" y="3027856"/>
+            <a:ext cx="128847" cy="109279"/>
             <a:chOff x="12500645" y="19167862"/>
             <a:chExt cx="773077" cy="655676"/>
           </a:xfrm>
@@ -5200,8 +5382,8 @@
         </p:nvGrpSpPr>
         <p:grpSpPr>
           <a:xfrm rot="5400000">
-            <a:off x="4224843" y="4369136"/>
-            <a:ext cx="102824" cy="78151"/>
+            <a:off x="2816563" y="2912759"/>
+            <a:ext cx="68549" cy="52101"/>
             <a:chOff x="6330339" y="5786642"/>
             <a:chExt cx="631500" cy="334817"/>
           </a:xfrm>
@@ -5331,8 +5513,8 @@
         </p:nvCxnSpPr>
         <p:spPr>
           <a:xfrm flipH="1">
-            <a:off x="5626337" y="4541781"/>
-            <a:ext cx="304730" cy="6420"/>
+            <a:off x="3750893" y="3027854"/>
+            <a:ext cx="203153" cy="4280"/>
           </a:xfrm>
           <a:prstGeom prst="straightConnector1">
             <a:avLst/>
@@ -5368,8 +5550,8 @@
         </p:nvGrpSpPr>
         <p:grpSpPr>
           <a:xfrm rot="5400000">
-            <a:off x="4224843" y="4225445"/>
-            <a:ext cx="102824" cy="78151"/>
+            <a:off x="2816563" y="2816965"/>
+            <a:ext cx="68549" cy="52101"/>
             <a:chOff x="6330339" y="5786642"/>
             <a:chExt cx="631500" cy="334817"/>
           </a:xfrm>
@@ -5499,8 +5681,8 @@
         </p:nvGrpSpPr>
         <p:grpSpPr>
           <a:xfrm rot="5400000">
-            <a:off x="4224843" y="4097762"/>
-            <a:ext cx="102824" cy="78151"/>
+            <a:off x="2816563" y="2731841"/>
+            <a:ext cx="68549" cy="52101"/>
             <a:chOff x="6330339" y="5786642"/>
             <a:chExt cx="631500" cy="334817"/>
           </a:xfrm>
@@ -5630,8 +5812,8 @@
         </p:nvGrpSpPr>
         <p:grpSpPr>
           <a:xfrm rot="5400000">
-            <a:off x="4224843" y="3966250"/>
-            <a:ext cx="102824" cy="78151"/>
+            <a:off x="2816563" y="2644168"/>
+            <a:ext cx="68549" cy="52101"/>
             <a:chOff x="6330339" y="5786642"/>
             <a:chExt cx="631500" cy="334817"/>
           </a:xfrm>
@@ -5761,8 +5943,8 @@
         </p:nvCxnSpPr>
         <p:spPr>
           <a:xfrm flipH="1">
-            <a:off x="5569508" y="4685486"/>
-            <a:ext cx="93246" cy="914"/>
+            <a:off x="3713005" y="3123659"/>
+            <a:ext cx="62164" cy="609"/>
           </a:xfrm>
           <a:prstGeom prst="straightConnector1">
             <a:avLst/>
@@ -5798,8 +5980,8 @@
         </p:nvCxnSpPr>
         <p:spPr>
           <a:xfrm>
-            <a:off x="7106870" y="4004054"/>
-            <a:ext cx="856657" cy="814"/>
+            <a:off x="4737915" y="2669370"/>
+            <a:ext cx="571105" cy="543"/>
           </a:xfrm>
           <a:prstGeom prst="straightConnector1">
             <a:avLst/>
@@ -5835,8 +6017,8 @@
         </p:nvCxnSpPr>
         <p:spPr>
           <a:xfrm flipV="1">
-            <a:off x="7365678" y="4532152"/>
-            <a:ext cx="669061" cy="2456"/>
+            <a:off x="4910453" y="3021436"/>
+            <a:ext cx="446041" cy="1637"/>
           </a:xfrm>
           <a:prstGeom prst="straightConnector1">
             <a:avLst/>
@@ -5872,8 +6054,8 @@
         </p:nvCxnSpPr>
         <p:spPr>
           <a:xfrm flipV="1">
-            <a:off x="7365678" y="4671700"/>
-            <a:ext cx="669061" cy="3135"/>
+            <a:off x="4910453" y="3114468"/>
+            <a:ext cx="446041" cy="2090"/>
           </a:xfrm>
           <a:prstGeom prst="straightConnector1">
             <a:avLst/>
@@ -5909,8 +6091,8 @@
         </p:nvGrpSpPr>
         <p:grpSpPr>
           <a:xfrm>
-            <a:off x="5737797" y="4244190"/>
-            <a:ext cx="193270" cy="163919"/>
+            <a:off x="3825199" y="2829462"/>
+            <a:ext cx="128847" cy="109279"/>
             <a:chOff x="12500645" y="19167862"/>
             <a:chExt cx="773077" cy="655676"/>
           </a:xfrm>
@@ -6040,8 +6222,8 @@
         </p:nvCxnSpPr>
         <p:spPr>
           <a:xfrm rot="16200000" flipH="1" flipV="1">
-            <a:off x="9008363" y="4519434"/>
-            <a:ext cx="2126" cy="153532"/>
+            <a:off x="6005577" y="3012957"/>
+            <a:ext cx="1417" cy="102355"/>
           </a:xfrm>
           <a:prstGeom prst="straightConnector1">
             <a:avLst/>
@@ -6079,8 +6261,8 @@
         </p:nvCxnSpPr>
         <p:spPr>
           <a:xfrm flipV="1">
-            <a:off x="8917343" y="4426741"/>
-            <a:ext cx="0" cy="184324"/>
+            <a:off x="5944895" y="2951162"/>
+            <a:ext cx="0" cy="122883"/>
           </a:xfrm>
           <a:prstGeom prst="straightConnector1">
             <a:avLst/>
@@ -6119,8 +6301,8 @@
         </p:nvCxnSpPr>
         <p:spPr>
           <a:xfrm rot="16200000">
-            <a:off x="9011410" y="4367672"/>
-            <a:ext cx="1" cy="157500"/>
+            <a:off x="6007608" y="2911781"/>
+            <a:ext cx="1" cy="105000"/>
           </a:xfrm>
           <a:prstGeom prst="straightConnector1">
             <a:avLst/>
@@ -6156,8 +6338,8 @@
         </p:nvCxnSpPr>
         <p:spPr>
           <a:xfrm rot="16200000" flipH="1" flipV="1">
-            <a:off x="9177211" y="3914678"/>
-            <a:ext cx="2126" cy="153532"/>
+            <a:off x="6118142" y="2609786"/>
+            <a:ext cx="1417" cy="102355"/>
           </a:xfrm>
           <a:prstGeom prst="straightConnector1">
             <a:avLst/>
@@ -6195,8 +6377,8 @@
         </p:nvCxnSpPr>
         <p:spPr>
           <a:xfrm flipV="1">
-            <a:off x="9086191" y="3821986"/>
-            <a:ext cx="0" cy="184324"/>
+            <a:off x="6057461" y="2547992"/>
+            <a:ext cx="0" cy="122883"/>
           </a:xfrm>
           <a:prstGeom prst="straightConnector1">
             <a:avLst/>
@@ -6235,8 +6417,8 @@
         </p:nvCxnSpPr>
         <p:spPr>
           <a:xfrm rot="16200000">
-            <a:off x="9180258" y="3762916"/>
-            <a:ext cx="1" cy="157500"/>
+            <a:off x="6120173" y="2508611"/>
+            <a:ext cx="1" cy="105000"/>
           </a:xfrm>
           <a:prstGeom prst="straightConnector1">
             <a:avLst/>
@@ -6272,8 +6454,8 @@
         </p:nvCxnSpPr>
         <p:spPr>
           <a:xfrm flipH="1">
-            <a:off x="912097" y="6253970"/>
-            <a:ext cx="185622" cy="165439"/>
+            <a:off x="608065" y="4169315"/>
+            <a:ext cx="123748" cy="110293"/>
           </a:xfrm>
           <a:prstGeom prst="straightConnector1">
             <a:avLst/>
@@ -6309,8 +6491,8 @@
         </p:nvCxnSpPr>
         <p:spPr>
           <a:xfrm flipH="1">
-            <a:off x="759588" y="6253970"/>
-            <a:ext cx="185622" cy="165439"/>
+            <a:off x="506392" y="4169315"/>
+            <a:ext cx="123748" cy="110293"/>
           </a:xfrm>
           <a:prstGeom prst="straightConnector1">
             <a:avLst/>
@@ -6346,8 +6528,8 @@
         </p:nvCxnSpPr>
         <p:spPr>
           <a:xfrm flipH="1">
-            <a:off x="607078" y="6253970"/>
-            <a:ext cx="185622" cy="165439"/>
+            <a:off x="404719" y="4169315"/>
+            <a:ext cx="123748" cy="110293"/>
           </a:xfrm>
           <a:prstGeom prst="straightConnector1">
             <a:avLst/>
@@ -6383,8 +6565,8 @@
         </p:nvCxnSpPr>
         <p:spPr>
           <a:xfrm flipH="1">
-            <a:off x="761551" y="5565658"/>
-            <a:ext cx="185622" cy="165439"/>
+            <a:off x="507701" y="3710440"/>
+            <a:ext cx="123748" cy="110293"/>
           </a:xfrm>
           <a:prstGeom prst="straightConnector1">
             <a:avLst/>
@@ -6420,8 +6602,8 @@
         </p:nvGrpSpPr>
         <p:grpSpPr>
           <a:xfrm rot="7373386">
-            <a:off x="1964927" y="5714631"/>
-            <a:ext cx="102824" cy="78151"/>
+            <a:off x="1309953" y="3809755"/>
+            <a:ext cx="68549" cy="52101"/>
             <a:chOff x="6330339" y="5786642"/>
             <a:chExt cx="631500" cy="334817"/>
           </a:xfrm>
@@ -6551,8 +6733,8 @@
         </p:nvGrpSpPr>
         <p:grpSpPr>
           <a:xfrm rot="7373386">
-            <a:off x="1826589" y="6407967"/>
-            <a:ext cx="102824" cy="78151"/>
+            <a:off x="1217727" y="4271979"/>
+            <a:ext cx="68549" cy="52101"/>
             <a:chOff x="6330339" y="5786642"/>
             <a:chExt cx="631500" cy="334817"/>
           </a:xfrm>
@@ -6682,8 +6864,8 @@
         </p:nvGrpSpPr>
         <p:grpSpPr>
           <a:xfrm rot="7373386">
-            <a:off x="1839378" y="6279285"/>
-            <a:ext cx="102824" cy="78151"/>
+            <a:off x="1226253" y="4186191"/>
+            <a:ext cx="68549" cy="52101"/>
             <a:chOff x="6330339" y="5786642"/>
             <a:chExt cx="631500" cy="334817"/>
           </a:xfrm>
@@ -6813,8 +6995,8 @@
         </p:nvGrpSpPr>
         <p:grpSpPr>
           <a:xfrm rot="7373386">
-            <a:off x="1681160" y="6407966"/>
-            <a:ext cx="102824" cy="78151"/>
+            <a:off x="1120775" y="4271979"/>
+            <a:ext cx="68549" cy="52101"/>
             <a:chOff x="6330339" y="5786642"/>
             <a:chExt cx="631500" cy="334817"/>
           </a:xfrm>
@@ -6944,8 +7126,8 @@
         </p:nvGrpSpPr>
         <p:grpSpPr>
           <a:xfrm>
-            <a:off x="2896418" y="6186127"/>
-            <a:ext cx="193270" cy="163919"/>
+            <a:off x="1930946" y="4124086"/>
+            <a:ext cx="128847" cy="109279"/>
             <a:chOff x="12500645" y="19167862"/>
             <a:chExt cx="773077" cy="655676"/>
           </a:xfrm>
@@ -7075,8 +7257,8 @@
         </p:nvGrpSpPr>
         <p:grpSpPr>
           <a:xfrm>
-            <a:off x="3460774" y="5489165"/>
-            <a:ext cx="193270" cy="163919"/>
+            <a:off x="2307184" y="3659445"/>
+            <a:ext cx="128847" cy="109279"/>
             <a:chOff x="12500645" y="19167862"/>
             <a:chExt cx="773077" cy="655676"/>
           </a:xfrm>
@@ -7206,8 +7388,8 @@
         </p:nvGrpSpPr>
         <p:grpSpPr>
           <a:xfrm rot="5400000">
-            <a:off x="4227537" y="5743433"/>
-            <a:ext cx="102824" cy="78151"/>
+            <a:off x="2818359" y="3828957"/>
+            <a:ext cx="68549" cy="52101"/>
             <a:chOff x="6330339" y="5786642"/>
             <a:chExt cx="631500" cy="334817"/>
           </a:xfrm>
@@ -7337,8 +7519,8 @@
         </p:nvGrpSpPr>
         <p:grpSpPr>
           <a:xfrm rot="5400000">
-            <a:off x="4227537" y="6019763"/>
-            <a:ext cx="102824" cy="78151"/>
+            <a:off x="2818359" y="4013177"/>
+            <a:ext cx="68549" cy="52101"/>
             <a:chOff x="6330339" y="5786642"/>
             <a:chExt cx="631500" cy="334817"/>
           </a:xfrm>
@@ -7468,8 +7650,8 @@
         </p:nvGrpSpPr>
         <p:grpSpPr>
           <a:xfrm rot="5400000">
-            <a:off x="4227537" y="6147528"/>
-            <a:ext cx="102824" cy="78151"/>
+            <a:off x="2818359" y="4098353"/>
+            <a:ext cx="68549" cy="52101"/>
             <a:chOff x="6330339" y="5786642"/>
             <a:chExt cx="631500" cy="334817"/>
           </a:xfrm>
@@ -7599,8 +7781,8 @@
         </p:nvGrpSpPr>
         <p:grpSpPr>
           <a:xfrm rot="5400000">
-            <a:off x="4709815" y="5450090"/>
-            <a:ext cx="102824" cy="78151"/>
+            <a:off x="3139878" y="3633395"/>
+            <a:ext cx="68549" cy="52101"/>
             <a:chOff x="6330339" y="5786642"/>
             <a:chExt cx="631500" cy="334817"/>
           </a:xfrm>
@@ -7730,8 +7912,8 @@
         </p:nvGrpSpPr>
         <p:grpSpPr>
           <a:xfrm rot="5400000">
-            <a:off x="4588686" y="6010339"/>
-            <a:ext cx="102824" cy="78151"/>
+            <a:off x="3059125" y="4006894"/>
+            <a:ext cx="68549" cy="52101"/>
             <a:chOff x="6330339" y="5786642"/>
             <a:chExt cx="631500" cy="334817"/>
           </a:xfrm>
@@ -7861,8 +8043,8 @@
         </p:nvGrpSpPr>
         <p:grpSpPr>
           <a:xfrm rot="5400000">
-            <a:off x="4744533" y="6010339"/>
-            <a:ext cx="102824" cy="78151"/>
+            <a:off x="3163023" y="4006894"/>
+            <a:ext cx="68549" cy="52101"/>
             <a:chOff x="6330339" y="5786642"/>
             <a:chExt cx="631500" cy="334817"/>
           </a:xfrm>
@@ -7992,8 +8174,8 @@
         </p:nvGrpSpPr>
         <p:grpSpPr>
           <a:xfrm rot="5400000">
-            <a:off x="4889203" y="5995267"/>
-            <a:ext cx="102824" cy="78151"/>
+            <a:off x="3259470" y="3996846"/>
+            <a:ext cx="68549" cy="52101"/>
             <a:chOff x="6330339" y="5786642"/>
             <a:chExt cx="631500" cy="334817"/>
           </a:xfrm>
@@ -8123,8 +8305,8 @@
         </p:nvGrpSpPr>
         <p:grpSpPr>
           <a:xfrm rot="5400000">
-            <a:off x="4456704" y="6144749"/>
-            <a:ext cx="102824" cy="78151"/>
+            <a:off x="2971137" y="4096501"/>
+            <a:ext cx="68549" cy="52101"/>
             <a:chOff x="6330339" y="5786642"/>
             <a:chExt cx="631500" cy="334817"/>
           </a:xfrm>
@@ -8254,8 +8436,8 @@
         </p:nvGrpSpPr>
         <p:grpSpPr>
           <a:xfrm rot="5400000">
-            <a:off x="4341276" y="6144749"/>
-            <a:ext cx="102824" cy="78151"/>
+            <a:off x="2894185" y="4096501"/>
+            <a:ext cx="68549" cy="52101"/>
             <a:chOff x="6330339" y="5786642"/>
             <a:chExt cx="631500" cy="334817"/>
           </a:xfrm>
@@ -8385,8 +8567,8 @@
         </p:nvGrpSpPr>
         <p:grpSpPr>
           <a:xfrm rot="5400000">
-            <a:off x="4588686" y="4369136"/>
-            <a:ext cx="102824" cy="78151"/>
+            <a:off x="3059125" y="2912759"/>
+            <a:ext cx="68549" cy="52101"/>
             <a:chOff x="6330339" y="5786642"/>
             <a:chExt cx="631500" cy="334817"/>
           </a:xfrm>
@@ -8516,8 +8698,8 @@
         </p:nvGrpSpPr>
         <p:grpSpPr>
           <a:xfrm rot="5400000">
-            <a:off x="4744533" y="4369136"/>
-            <a:ext cx="102824" cy="78151"/>
+            <a:off x="3163023" y="2912759"/>
+            <a:ext cx="68549" cy="52101"/>
             <a:chOff x="6330339" y="5786642"/>
             <a:chExt cx="631500" cy="334817"/>
           </a:xfrm>
@@ -8647,8 +8829,8 @@
         </p:nvGrpSpPr>
         <p:grpSpPr>
           <a:xfrm rot="5400000">
-            <a:off x="4889203" y="4354064"/>
-            <a:ext cx="102824" cy="78151"/>
+            <a:off x="3259470" y="2902711"/>
+            <a:ext cx="68549" cy="52101"/>
             <a:chOff x="6330339" y="5786642"/>
             <a:chExt cx="631500" cy="334817"/>
           </a:xfrm>
@@ -8778,8 +8960,8 @@
         </p:nvGrpSpPr>
         <p:grpSpPr>
           <a:xfrm rot="5400000">
-            <a:off x="4456704" y="4503545"/>
-            <a:ext cx="102824" cy="78151"/>
+            <a:off x="2971137" y="3002365"/>
+            <a:ext cx="68549" cy="52101"/>
             <a:chOff x="6330339" y="5786642"/>
             <a:chExt cx="631500" cy="334817"/>
           </a:xfrm>
@@ -8909,8 +9091,8 @@
         </p:nvGrpSpPr>
         <p:grpSpPr>
           <a:xfrm rot="5400000">
-            <a:off x="4341276" y="4503545"/>
-            <a:ext cx="102824" cy="78151"/>
+            <a:off x="2894185" y="3002365"/>
+            <a:ext cx="68549" cy="52101"/>
             <a:chOff x="6330339" y="5786642"/>
             <a:chExt cx="631500" cy="334817"/>
           </a:xfrm>
@@ -9040,8 +9222,8 @@
         </p:nvCxnSpPr>
         <p:spPr>
           <a:xfrm flipH="1">
-            <a:off x="5626337" y="6192225"/>
-            <a:ext cx="304729" cy="6420"/>
+            <a:off x="3750893" y="4128150"/>
+            <a:ext cx="203153" cy="4280"/>
           </a:xfrm>
           <a:prstGeom prst="straightConnector1">
             <a:avLst/>
@@ -9077,8 +9259,8 @@
         </p:nvCxnSpPr>
         <p:spPr>
           <a:xfrm flipH="1" flipV="1">
-            <a:off x="5569508" y="6336844"/>
-            <a:ext cx="88861" cy="2814"/>
+            <a:off x="3713007" y="4224563"/>
+            <a:ext cx="59241" cy="1876"/>
           </a:xfrm>
           <a:prstGeom prst="straightConnector1">
             <a:avLst/>
@@ -9114,8 +9296,8 @@
         </p:nvCxnSpPr>
         <p:spPr>
           <a:xfrm flipH="1">
-            <a:off x="5658368" y="5644111"/>
-            <a:ext cx="406707" cy="11225"/>
+            <a:off x="3772246" y="3762742"/>
+            <a:ext cx="271138" cy="7483"/>
           </a:xfrm>
           <a:prstGeom prst="straightConnector1">
             <a:avLst/>
@@ -9151,8 +9333,8 @@
         </p:nvCxnSpPr>
         <p:spPr>
           <a:xfrm flipV="1">
-            <a:off x="7365678" y="6194866"/>
-            <a:ext cx="669061" cy="2456"/>
+            <a:off x="4910453" y="4129912"/>
+            <a:ext cx="446041" cy="1637"/>
           </a:xfrm>
           <a:prstGeom prst="straightConnector1">
             <a:avLst/>
@@ -9188,8 +9370,8 @@
         </p:nvCxnSpPr>
         <p:spPr>
           <a:xfrm flipV="1">
-            <a:off x="7241022" y="6334414"/>
-            <a:ext cx="793716" cy="5245"/>
+            <a:off x="4827348" y="4222944"/>
+            <a:ext cx="529144" cy="3497"/>
           </a:xfrm>
           <a:prstGeom prst="straightConnector1">
             <a:avLst/>
@@ -9225,8 +9407,8 @@
         </p:nvCxnSpPr>
         <p:spPr>
           <a:xfrm>
-            <a:off x="7106870" y="5655336"/>
-            <a:ext cx="856657" cy="814"/>
+            <a:off x="4737915" y="3770225"/>
+            <a:ext cx="571105" cy="543"/>
           </a:xfrm>
           <a:prstGeom prst="straightConnector1">
             <a:avLst/>
@@ -9262,8 +9444,8 @@
         </p:nvCxnSpPr>
         <p:spPr>
           <a:xfrm>
-            <a:off x="7106870" y="5782407"/>
-            <a:ext cx="856657" cy="814"/>
+            <a:off x="4737915" y="3854939"/>
+            <a:ext cx="571105" cy="543"/>
           </a:xfrm>
           <a:prstGeom prst="straightConnector1">
             <a:avLst/>
@@ -9299,8 +9481,8 @@
         </p:nvCxnSpPr>
         <p:spPr>
           <a:xfrm rot="16200000" flipH="1" flipV="1">
-            <a:off x="9008363" y="6208411"/>
-            <a:ext cx="2126" cy="153532"/>
+            <a:off x="6005577" y="4138941"/>
+            <a:ext cx="1417" cy="102355"/>
           </a:xfrm>
           <a:prstGeom prst="straightConnector1">
             <a:avLst/>
@@ -9338,8 +9520,8 @@
         </p:nvCxnSpPr>
         <p:spPr>
           <a:xfrm flipV="1">
-            <a:off x="8917343" y="6115718"/>
-            <a:ext cx="0" cy="184324"/>
+            <a:off x="5944895" y="4077146"/>
+            <a:ext cx="0" cy="122883"/>
           </a:xfrm>
           <a:prstGeom prst="straightConnector1">
             <a:avLst/>
@@ -9378,8 +9560,8 @@
         </p:nvCxnSpPr>
         <p:spPr>
           <a:xfrm rot="16200000">
-            <a:off x="9011410" y="6056650"/>
-            <a:ext cx="1" cy="157500"/>
+            <a:off x="6007608" y="4037767"/>
+            <a:ext cx="1" cy="105000"/>
           </a:xfrm>
           <a:prstGeom prst="straightConnector1">
             <a:avLst/>
@@ -9415,8 +9597,8 @@
         </p:nvCxnSpPr>
         <p:spPr>
           <a:xfrm rot="16200000" flipH="1" flipV="1">
-            <a:off x="9152091" y="5638826"/>
-            <a:ext cx="2126" cy="153532"/>
+            <a:off x="6101395" y="3759218"/>
+            <a:ext cx="1417" cy="102355"/>
           </a:xfrm>
           <a:prstGeom prst="straightConnector1">
             <a:avLst/>
@@ -9454,8 +9636,8 @@
         </p:nvCxnSpPr>
         <p:spPr>
           <a:xfrm flipV="1">
-            <a:off x="9061071" y="5546134"/>
-            <a:ext cx="0" cy="184324"/>
+            <a:off x="6040714" y="3697424"/>
+            <a:ext cx="0" cy="122883"/>
           </a:xfrm>
           <a:prstGeom prst="straightConnector1">
             <a:avLst/>
@@ -9494,8 +9676,8 @@
         </p:nvCxnSpPr>
         <p:spPr>
           <a:xfrm rot="16200000">
-            <a:off x="9155138" y="5487064"/>
-            <a:ext cx="1" cy="157500"/>
+            <a:off x="6103427" y="3658043"/>
+            <a:ext cx="1" cy="105000"/>
           </a:xfrm>
           <a:prstGeom prst="straightConnector1">
             <a:avLst/>
@@ -9531,8 +9713,8 @@
         </p:nvCxnSpPr>
         <p:spPr>
           <a:xfrm flipH="1">
-            <a:off x="627119" y="7768602"/>
-            <a:ext cx="107666" cy="303683"/>
+            <a:off x="418081" y="5179070"/>
+            <a:ext cx="71777" cy="202455"/>
           </a:xfrm>
           <a:prstGeom prst="straightConnector1">
             <a:avLst/>
@@ -9568,8 +9750,8 @@
         </p:nvGrpSpPr>
         <p:grpSpPr>
           <a:xfrm rot="7373386">
-            <a:off x="1689712" y="4756533"/>
-            <a:ext cx="102824" cy="78151"/>
+            <a:off x="1126476" y="3171023"/>
+            <a:ext cx="68549" cy="52101"/>
             <a:chOff x="6330339" y="5786642"/>
             <a:chExt cx="631500" cy="334817"/>
           </a:xfrm>
@@ -9699,8 +9881,8 @@
         </p:nvGrpSpPr>
         <p:grpSpPr>
           <a:xfrm rot="7373386">
-            <a:off x="1811040" y="4637014"/>
-            <a:ext cx="102824" cy="78151"/>
+            <a:off x="1207361" y="3091344"/>
+            <a:ext cx="68549" cy="52101"/>
             <a:chOff x="6330339" y="5786642"/>
             <a:chExt cx="631500" cy="334817"/>
           </a:xfrm>
@@ -9830,8 +10012,8 @@
         </p:nvCxnSpPr>
         <p:spPr>
           <a:xfrm flipH="1">
-            <a:off x="627119" y="7494864"/>
-            <a:ext cx="107666" cy="303683"/>
+            <a:off x="418081" y="4996578"/>
+            <a:ext cx="71777" cy="202455"/>
           </a:xfrm>
           <a:prstGeom prst="straightConnector1">
             <a:avLst/>
@@ -9867,8 +10049,8 @@
         </p:nvCxnSpPr>
         <p:spPr>
           <a:xfrm flipH="1">
-            <a:off x="914089" y="7494864"/>
-            <a:ext cx="107666" cy="303683"/>
+            <a:off x="609394" y="4996578"/>
+            <a:ext cx="71777" cy="202455"/>
           </a:xfrm>
           <a:prstGeom prst="straightConnector1">
             <a:avLst/>
@@ -9904,8 +10086,8 @@
         </p:nvGrpSpPr>
         <p:grpSpPr>
           <a:xfrm rot="7373386">
-            <a:off x="1826589" y="8040353"/>
-            <a:ext cx="102824" cy="78151"/>
+            <a:off x="1217727" y="5360237"/>
+            <a:ext cx="68549" cy="52101"/>
             <a:chOff x="6330339" y="5786642"/>
             <a:chExt cx="631500" cy="334817"/>
           </a:xfrm>
@@ -10035,8 +10217,8 @@
         </p:nvGrpSpPr>
         <p:grpSpPr>
           <a:xfrm rot="7373386">
-            <a:off x="1684698" y="8040353"/>
-            <a:ext cx="102824" cy="78151"/>
+            <a:off x="1123133" y="5360237"/>
+            <a:ext cx="68549" cy="52101"/>
             <a:chOff x="6330339" y="5786642"/>
             <a:chExt cx="631500" cy="334817"/>
           </a:xfrm>
@@ -10166,8 +10348,8 @@
         </p:nvGrpSpPr>
         <p:grpSpPr>
           <a:xfrm>
-            <a:off x="2896418" y="7859915"/>
-            <a:ext cx="193270" cy="163919"/>
+            <a:off x="1930946" y="5239945"/>
+            <a:ext cx="128847" cy="109279"/>
             <a:chOff x="12500645" y="19167862"/>
             <a:chExt cx="773077" cy="655676"/>
           </a:xfrm>
@@ -10297,8 +10479,8 @@
         </p:nvGrpSpPr>
         <p:grpSpPr>
           <a:xfrm>
-            <a:off x="3300312" y="7408789"/>
-            <a:ext cx="193270" cy="163919"/>
+            <a:off x="2200209" y="4939194"/>
+            <a:ext cx="128847" cy="109279"/>
             <a:chOff x="12500645" y="19167862"/>
             <a:chExt cx="773077" cy="655676"/>
           </a:xfrm>
@@ -10428,8 +10610,8 @@
         </p:nvGrpSpPr>
         <p:grpSpPr>
           <a:xfrm rot="5400000">
-            <a:off x="4220393" y="7659794"/>
-            <a:ext cx="102824" cy="78151"/>
+            <a:off x="2813597" y="5106531"/>
+            <a:ext cx="68549" cy="52101"/>
             <a:chOff x="6330339" y="5786642"/>
             <a:chExt cx="631500" cy="334817"/>
           </a:xfrm>
@@ -10559,8 +10741,8 @@
         </p:nvGrpSpPr>
         <p:grpSpPr>
           <a:xfrm rot="5400000">
-            <a:off x="4220393" y="7787559"/>
-            <a:ext cx="102824" cy="78151"/>
+            <a:off x="2813597" y="5191707"/>
+            <a:ext cx="68549" cy="52101"/>
             <a:chOff x="6330339" y="5786642"/>
             <a:chExt cx="631500" cy="334817"/>
           </a:xfrm>
@@ -10690,8 +10872,8 @@
         </p:nvGrpSpPr>
         <p:grpSpPr>
           <a:xfrm rot="5400000">
-            <a:off x="4220393" y="7387475"/>
-            <a:ext cx="102824" cy="78151"/>
+            <a:off x="2813597" y="4924985"/>
+            <a:ext cx="68549" cy="52101"/>
             <a:chOff x="6330339" y="5786642"/>
             <a:chExt cx="631500" cy="334817"/>
           </a:xfrm>
@@ -10821,8 +11003,8 @@
         </p:nvCxnSpPr>
         <p:spPr>
           <a:xfrm flipH="1">
-            <a:off x="5616131" y="7548464"/>
-            <a:ext cx="318619" cy="8794"/>
+            <a:off x="3744089" y="5032310"/>
+            <a:ext cx="212413" cy="5863"/>
           </a:xfrm>
           <a:prstGeom prst="straightConnector1">
             <a:avLst/>
@@ -10858,8 +11040,8 @@
         </p:nvCxnSpPr>
         <p:spPr>
           <a:xfrm flipH="1">
-            <a:off x="5616131" y="7691059"/>
-            <a:ext cx="318619" cy="8794"/>
+            <a:off x="3744089" y="5127374"/>
+            <a:ext cx="212413" cy="5863"/>
           </a:xfrm>
           <a:prstGeom prst="straightConnector1">
             <a:avLst/>
@@ -10895,8 +11077,8 @@
         </p:nvCxnSpPr>
         <p:spPr>
           <a:xfrm flipV="1">
-            <a:off x="7364360" y="7415057"/>
-            <a:ext cx="711920" cy="2613"/>
+            <a:off x="4909575" y="4943372"/>
+            <a:ext cx="474613" cy="1742"/>
           </a:xfrm>
           <a:prstGeom prst="straightConnector1">
             <a:avLst/>
@@ -10932,8 +11114,8 @@
         </p:nvCxnSpPr>
         <p:spPr>
           <a:xfrm flipV="1">
-            <a:off x="7364360" y="7550247"/>
-            <a:ext cx="711920" cy="2613"/>
+            <a:off x="4909575" y="5033498"/>
+            <a:ext cx="474613" cy="1742"/>
           </a:xfrm>
           <a:prstGeom prst="straightConnector1">
             <a:avLst/>
@@ -10969,8 +11151,8 @@
         </p:nvCxnSpPr>
         <p:spPr>
           <a:xfrm flipV="1">
-            <a:off x="7364360" y="7692843"/>
-            <a:ext cx="711920" cy="2613"/>
+            <a:off x="4909575" y="5128562"/>
+            <a:ext cx="474613" cy="1742"/>
           </a:xfrm>
           <a:prstGeom prst="straightConnector1">
             <a:avLst/>
@@ -11006,8 +11188,8 @@
         </p:nvCxnSpPr>
         <p:spPr>
           <a:xfrm flipH="1">
-            <a:off x="8862317" y="7553767"/>
-            <a:ext cx="235036" cy="3490"/>
+            <a:off x="5908212" y="5035846"/>
+            <a:ext cx="156691" cy="2327"/>
           </a:xfrm>
           <a:prstGeom prst="straightConnector1">
             <a:avLst/>
@@ -11045,8 +11227,8 @@
         </p:nvCxnSpPr>
         <p:spPr>
           <a:xfrm flipH="1" flipV="1">
-            <a:off x="8862317" y="7284518"/>
-            <a:ext cx="860" cy="263946"/>
+            <a:off x="5908213" y="4856345"/>
+            <a:ext cx="573" cy="175964"/>
           </a:xfrm>
           <a:prstGeom prst="straightConnector1">
             <a:avLst/>
@@ -11085,8 +11267,8 @@
         </p:nvCxnSpPr>
         <p:spPr>
           <a:xfrm>
-            <a:off x="8886962" y="7284518"/>
-            <a:ext cx="117085" cy="0"/>
+            <a:off x="5924643" y="4856345"/>
+            <a:ext cx="78057" cy="0"/>
           </a:xfrm>
           <a:prstGeom prst="straightConnector1">
             <a:avLst/>
@@ -11122,8 +11304,8 @@
         </p:nvCxnSpPr>
         <p:spPr>
           <a:xfrm flipV="1">
-            <a:off x="4497816" y="1847490"/>
-            <a:ext cx="396077" cy="1454"/>
+            <a:off x="2998546" y="1231661"/>
+            <a:ext cx="264051" cy="969"/>
           </a:xfrm>
           <a:prstGeom prst="straightConnector1">
             <a:avLst/>
@@ -11173,8 +11355,8 @@
         </p:blipFill>
         <p:spPr>
           <a:xfrm>
-            <a:off x="4042511" y="-8265"/>
-            <a:ext cx="4876360" cy="2742953"/>
+            <a:off x="2695008" y="-5510"/>
+            <a:ext cx="3250907" cy="1828635"/>
           </a:xfrm>
           <a:prstGeom prst="rect">
             <a:avLst/>
@@ -11203,8 +11385,8 @@
         </p:blipFill>
         <p:spPr>
           <a:xfrm>
-            <a:off x="7239858" y="-694"/>
-            <a:ext cx="4854012" cy="2730382"/>
+            <a:off x="4826572" y="-462"/>
+            <a:ext cx="3236008" cy="1820255"/>
           </a:xfrm>
           <a:prstGeom prst="rect">
             <a:avLst/>
@@ -11219,8 +11401,8 @@
         </p:nvSpPr>
         <p:spPr>
           <a:xfrm>
-            <a:off x="7745083" y="1048686"/>
-            <a:ext cx="875531" cy="692732"/>
+            <a:off x="5163390" y="699125"/>
+            <a:ext cx="583687" cy="461821"/>
           </a:xfrm>
           <a:prstGeom prst="rightArrow">
             <a:avLst/>
@@ -11241,7 +11423,7 @@
           </a:fontRef>
         </p:style>
         <p:txBody>
-          <a:bodyPr lIns="22860" tIns="11430" rIns="22860" bIns="11430" rtlCol="0" anchor="ctr"/>
+          <a:bodyPr lIns="15236" tIns="7619" rIns="15236" bIns="7619" rtlCol="0" anchor="ctr"/>
           <a:lstStyle/>
           <a:p>
             <a:pPr algn="ctr"/>
@@ -11257,8 +11439,8 @@
         </p:nvSpPr>
         <p:spPr>
           <a:xfrm>
-            <a:off x="6312781" y="2786902"/>
-            <a:ext cx="430887" cy="284693"/>
+            <a:off x="4208521" y="1857936"/>
+            <a:ext cx="287258" cy="189795"/>
           </a:xfrm>
           <a:prstGeom prst="rect">
             <a:avLst/>
@@ -11266,13 +11448,13 @@
           <a:noFill/>
         </p:spPr>
         <p:txBody>
-          <a:bodyPr wrap="none" lIns="22860" tIns="11430" rIns="22860" bIns="11430" rtlCol="0">
+          <a:bodyPr wrap="none" lIns="15236" tIns="7619" rIns="15236" bIns="7619" rtlCol="0">
             <a:spAutoFit/>
           </a:bodyPr>
           <a:lstStyle/>
           <a:p>
             <a:r>
-              <a:rPr lang="en-US" sz="1700" dirty="0">
+              <a:rPr lang="en-US" sz="1100" dirty="0">
                 <a:latin typeface="Times New Roman"/>
                 <a:cs typeface="Times New Roman"/>
               </a:rPr>
@@ -11289,8 +11471,8 @@
         </p:nvSpPr>
         <p:spPr>
           <a:xfrm>
-            <a:off x="9564366" y="2776896"/>
-            <a:ext cx="445671" cy="284693"/>
+            <a:off x="6376244" y="1851266"/>
+            <a:ext cx="297114" cy="189795"/>
           </a:xfrm>
           <a:prstGeom prst="rect">
             <a:avLst/>
@@ -11298,1025 +11480,18 @@
           <a:noFill/>
         </p:spPr>
         <p:txBody>
-          <a:bodyPr wrap="none" lIns="22860" tIns="11430" rIns="22860" bIns="11430" rtlCol="0">
+          <a:bodyPr wrap="none" lIns="15236" tIns="7619" rIns="15236" bIns="7619" rtlCol="0">
             <a:spAutoFit/>
           </a:bodyPr>
           <a:lstStyle/>
           <a:p>
             <a:r>
-              <a:rPr lang="en-US" sz="1700" dirty="0">
+              <a:rPr lang="en-US" sz="1100" dirty="0">
                 <a:latin typeface="Times New Roman"/>
                 <a:cs typeface="Times New Roman"/>
               </a:rPr>
               <a:t>final</a:t>
             </a:r>
-          </a:p>
-        </p:txBody>
-      </p:sp>
-      <p:cxnSp>
-        <p:nvCxnSpPr>
-          <p:cNvPr id="260" name="Straight Arrow Connector 259"/>
-          <p:cNvCxnSpPr/>
-          <p:nvPr/>
-        </p:nvCxnSpPr>
-        <p:spPr>
-          <a:xfrm>
-            <a:off x="1200218" y="165099"/>
-            <a:ext cx="6282" cy="323851"/>
-          </a:xfrm>
-          <a:prstGeom prst="straightConnector1">
-            <a:avLst/>
-          </a:prstGeom>
-          <a:ln w="38100" cmpd="sng">
-            <a:solidFill>
-              <a:schemeClr val="tx1"/>
-            </a:solidFill>
-            <a:headEnd type="stealth" w="med" len="lg"/>
-            <a:tailEnd type="stealth" w="med" len="lg"/>
-          </a:ln>
-          <a:effectLst/>
-        </p:spPr>
-        <p:style>
-          <a:lnRef idx="2">
-            <a:schemeClr val="accent1"/>
-          </a:lnRef>
-          <a:fillRef idx="0">
-            <a:schemeClr val="accent1"/>
-          </a:fillRef>
-          <a:effectRef idx="1">
-            <a:schemeClr val="accent1"/>
-          </a:effectRef>
-          <a:fontRef idx="minor">
-            <a:schemeClr val="tx1"/>
-          </a:fontRef>
-        </p:style>
-      </p:cxnSp>
-      <p:sp>
-        <p:nvSpPr>
-          <p:cNvPr id="262" name="TextBox 261"/>
-          <p:cNvSpPr txBox="1"/>
-          <p:nvPr/>
-        </p:nvSpPr>
-        <p:spPr>
-          <a:xfrm>
-            <a:off x="7208719" y="288353"/>
-            <a:ext cx="287258" cy="338554"/>
-          </a:xfrm>
-          <a:prstGeom prst="rect">
-            <a:avLst/>
-          </a:prstGeom>
-          <a:noFill/>
-        </p:spPr>
-        <p:txBody>
-          <a:bodyPr wrap="none" rtlCol="0">
-            <a:spAutoFit/>
-          </a:bodyPr>
-          <a:lstStyle/>
-          <a:p>
-            <a:pPr algn="ctr"/>
-            <a:r>
-              <a:rPr lang="en-US" sz="1600" dirty="0" smtClean="0">
-                <a:solidFill>
-                  <a:schemeClr val="bg2">
-                    <a:lumMod val="50000"/>
-                  </a:schemeClr>
-                </a:solidFill>
-                <a:latin typeface="Times New Roman"/>
-                <a:cs typeface="Times New Roman"/>
-              </a:rPr>
-              <a:t>1</a:t>
-            </a:r>
-            <a:endParaRPr lang="en-US" sz="1600" dirty="0">
-              <a:solidFill>
-                <a:schemeClr val="bg2">
-                  <a:lumMod val="50000"/>
-                </a:schemeClr>
-              </a:solidFill>
-              <a:latin typeface="Times New Roman"/>
-              <a:cs typeface="Times New Roman"/>
-            </a:endParaRPr>
-          </a:p>
-        </p:txBody>
-      </p:sp>
-      <p:sp>
-        <p:nvSpPr>
-          <p:cNvPr id="264" name="TextBox 263"/>
-          <p:cNvSpPr txBox="1"/>
-          <p:nvPr/>
-        </p:nvSpPr>
-        <p:spPr>
-          <a:xfrm>
-            <a:off x="7212945" y="578331"/>
-            <a:ext cx="287258" cy="338554"/>
-          </a:xfrm>
-          <a:prstGeom prst="rect">
-            <a:avLst/>
-          </a:prstGeom>
-          <a:noFill/>
-        </p:spPr>
-        <p:txBody>
-          <a:bodyPr wrap="none" rtlCol="0">
-            <a:spAutoFit/>
-          </a:bodyPr>
-          <a:lstStyle/>
-          <a:p>
-            <a:pPr algn="ctr"/>
-            <a:r>
-              <a:rPr lang="en-US" sz="1600" dirty="0" smtClean="0">
-                <a:solidFill>
-                  <a:schemeClr val="bg2">
-                    <a:lumMod val="50000"/>
-                  </a:schemeClr>
-                </a:solidFill>
-                <a:latin typeface="Times New Roman"/>
-                <a:cs typeface="Times New Roman"/>
-              </a:rPr>
-              <a:t>2</a:t>
-            </a:r>
-            <a:endParaRPr lang="en-US" sz="1600" dirty="0">
-              <a:solidFill>
-                <a:schemeClr val="bg2">
-                  <a:lumMod val="50000"/>
-                </a:schemeClr>
-              </a:solidFill>
-              <a:latin typeface="Times New Roman"/>
-              <a:cs typeface="Times New Roman"/>
-            </a:endParaRPr>
-          </a:p>
-        </p:txBody>
-      </p:sp>
-      <p:sp>
-        <p:nvSpPr>
-          <p:cNvPr id="265" name="TextBox 264"/>
-          <p:cNvSpPr txBox="1"/>
-          <p:nvPr/>
-        </p:nvSpPr>
-        <p:spPr>
-          <a:xfrm>
-            <a:off x="7231995" y="851381"/>
-            <a:ext cx="287258" cy="338554"/>
-          </a:xfrm>
-          <a:prstGeom prst="rect">
-            <a:avLst/>
-          </a:prstGeom>
-          <a:noFill/>
-        </p:spPr>
-        <p:txBody>
-          <a:bodyPr wrap="none" rtlCol="0">
-            <a:spAutoFit/>
-          </a:bodyPr>
-          <a:lstStyle/>
-          <a:p>
-            <a:pPr algn="ctr"/>
-            <a:r>
-              <a:rPr lang="en-US" sz="1600" dirty="0" smtClean="0">
-                <a:solidFill>
-                  <a:schemeClr val="bg2">
-                    <a:lumMod val="50000"/>
-                  </a:schemeClr>
-                </a:solidFill>
-                <a:latin typeface="Times New Roman"/>
-                <a:cs typeface="Times New Roman"/>
-              </a:rPr>
-              <a:t>3</a:t>
-            </a:r>
-            <a:endParaRPr lang="en-US" sz="1600" dirty="0">
-              <a:solidFill>
-                <a:schemeClr val="bg2">
-                  <a:lumMod val="50000"/>
-                </a:schemeClr>
-              </a:solidFill>
-              <a:latin typeface="Times New Roman"/>
-              <a:cs typeface="Times New Roman"/>
-            </a:endParaRPr>
-          </a:p>
-        </p:txBody>
-      </p:sp>
-      <p:sp>
-        <p:nvSpPr>
-          <p:cNvPr id="266" name="TextBox 265"/>
-          <p:cNvSpPr txBox="1"/>
-          <p:nvPr/>
-        </p:nvSpPr>
-        <p:spPr>
-          <a:xfrm>
-            <a:off x="6927195" y="857731"/>
-            <a:ext cx="287258" cy="338554"/>
-          </a:xfrm>
-          <a:prstGeom prst="rect">
-            <a:avLst/>
-          </a:prstGeom>
-          <a:noFill/>
-        </p:spPr>
-        <p:txBody>
-          <a:bodyPr wrap="none" rtlCol="0">
-            <a:spAutoFit/>
-          </a:bodyPr>
-          <a:lstStyle/>
-          <a:p>
-            <a:pPr algn="ctr"/>
-            <a:r>
-              <a:rPr lang="en-US" sz="1600" dirty="0" smtClean="0">
-                <a:solidFill>
-                  <a:schemeClr val="bg2">
-                    <a:lumMod val="50000"/>
-                  </a:schemeClr>
-                </a:solidFill>
-                <a:latin typeface="Times New Roman"/>
-                <a:cs typeface="Times New Roman"/>
-              </a:rPr>
-              <a:t>4</a:t>
-            </a:r>
-            <a:endParaRPr lang="en-US" sz="1600" dirty="0">
-              <a:solidFill>
-                <a:schemeClr val="bg2">
-                  <a:lumMod val="50000"/>
-                </a:schemeClr>
-              </a:solidFill>
-              <a:latin typeface="Times New Roman"/>
-              <a:cs typeface="Times New Roman"/>
-            </a:endParaRPr>
-          </a:p>
-        </p:txBody>
-      </p:sp>
-      <p:sp>
-        <p:nvSpPr>
-          <p:cNvPr id="267" name="TextBox 266"/>
-          <p:cNvSpPr txBox="1"/>
-          <p:nvPr/>
-        </p:nvSpPr>
-        <p:spPr>
-          <a:xfrm>
-            <a:off x="6647795" y="864081"/>
-            <a:ext cx="287258" cy="338554"/>
-          </a:xfrm>
-          <a:prstGeom prst="rect">
-            <a:avLst/>
-          </a:prstGeom>
-          <a:noFill/>
-        </p:spPr>
-        <p:txBody>
-          <a:bodyPr wrap="none" rtlCol="0">
-            <a:spAutoFit/>
-          </a:bodyPr>
-          <a:lstStyle/>
-          <a:p>
-            <a:pPr algn="ctr"/>
-            <a:r>
-              <a:rPr lang="en-US" sz="1600" dirty="0" smtClean="0">
-                <a:solidFill>
-                  <a:schemeClr val="bg2">
-                    <a:lumMod val="50000"/>
-                  </a:schemeClr>
-                </a:solidFill>
-                <a:latin typeface="Times New Roman"/>
-                <a:cs typeface="Times New Roman"/>
-              </a:rPr>
-              <a:t>5</a:t>
-            </a:r>
-            <a:endParaRPr lang="en-US" sz="1600" dirty="0">
-              <a:solidFill>
-                <a:schemeClr val="bg2">
-                  <a:lumMod val="50000"/>
-                </a:schemeClr>
-              </a:solidFill>
-              <a:latin typeface="Times New Roman"/>
-              <a:cs typeface="Times New Roman"/>
-            </a:endParaRPr>
-          </a:p>
-        </p:txBody>
-      </p:sp>
-      <p:sp>
-        <p:nvSpPr>
-          <p:cNvPr id="268" name="TextBox 267"/>
-          <p:cNvSpPr txBox="1"/>
-          <p:nvPr/>
-        </p:nvSpPr>
-        <p:spPr>
-          <a:xfrm>
-            <a:off x="6641445" y="571981"/>
-            <a:ext cx="287258" cy="338554"/>
-          </a:xfrm>
-          <a:prstGeom prst="rect">
-            <a:avLst/>
-          </a:prstGeom>
-          <a:noFill/>
-        </p:spPr>
-        <p:txBody>
-          <a:bodyPr wrap="none" rtlCol="0">
-            <a:spAutoFit/>
-          </a:bodyPr>
-          <a:lstStyle/>
-          <a:p>
-            <a:pPr algn="ctr"/>
-            <a:r>
-              <a:rPr lang="en-US" sz="1600" dirty="0" smtClean="0">
-                <a:solidFill>
-                  <a:schemeClr val="bg2">
-                    <a:lumMod val="50000"/>
-                  </a:schemeClr>
-                </a:solidFill>
-                <a:latin typeface="Times New Roman"/>
-                <a:cs typeface="Times New Roman"/>
-              </a:rPr>
-              <a:t>6</a:t>
-            </a:r>
-            <a:endParaRPr lang="en-US" sz="1600" dirty="0">
-              <a:solidFill>
-                <a:schemeClr val="bg2">
-                  <a:lumMod val="50000"/>
-                </a:schemeClr>
-              </a:solidFill>
-              <a:latin typeface="Times New Roman"/>
-              <a:cs typeface="Times New Roman"/>
-            </a:endParaRPr>
-          </a:p>
-        </p:txBody>
-      </p:sp>
-      <p:sp>
-        <p:nvSpPr>
-          <p:cNvPr id="269" name="TextBox 268"/>
-          <p:cNvSpPr txBox="1"/>
-          <p:nvPr/>
-        </p:nvSpPr>
-        <p:spPr>
-          <a:xfrm>
-            <a:off x="6641445" y="292581"/>
-            <a:ext cx="287258" cy="338554"/>
-          </a:xfrm>
-          <a:prstGeom prst="rect">
-            <a:avLst/>
-          </a:prstGeom>
-          <a:noFill/>
-        </p:spPr>
-        <p:txBody>
-          <a:bodyPr wrap="none" rtlCol="0">
-            <a:spAutoFit/>
-          </a:bodyPr>
-          <a:lstStyle/>
-          <a:p>
-            <a:pPr algn="ctr"/>
-            <a:r>
-              <a:rPr lang="en-US" sz="1600" dirty="0" smtClean="0">
-                <a:solidFill>
-                  <a:schemeClr val="bg2">
-                    <a:lumMod val="50000"/>
-                  </a:schemeClr>
-                </a:solidFill>
-                <a:latin typeface="Times New Roman"/>
-                <a:cs typeface="Times New Roman"/>
-              </a:rPr>
-              <a:t>7</a:t>
-            </a:r>
-            <a:endParaRPr lang="en-US" sz="1600" dirty="0">
-              <a:solidFill>
-                <a:schemeClr val="bg2">
-                  <a:lumMod val="50000"/>
-                </a:schemeClr>
-              </a:solidFill>
-              <a:latin typeface="Times New Roman"/>
-              <a:cs typeface="Times New Roman"/>
-            </a:endParaRPr>
-          </a:p>
-        </p:txBody>
-      </p:sp>
-      <p:sp>
-        <p:nvSpPr>
-          <p:cNvPr id="270" name="TextBox 269"/>
-          <p:cNvSpPr txBox="1"/>
-          <p:nvPr/>
-        </p:nvSpPr>
-        <p:spPr>
-          <a:xfrm>
-            <a:off x="6374745" y="1714981"/>
-            <a:ext cx="287258" cy="338554"/>
-          </a:xfrm>
-          <a:prstGeom prst="rect">
-            <a:avLst/>
-          </a:prstGeom>
-          <a:noFill/>
-        </p:spPr>
-        <p:txBody>
-          <a:bodyPr wrap="none" rtlCol="0">
-            <a:spAutoFit/>
-          </a:bodyPr>
-          <a:lstStyle/>
-          <a:p>
-            <a:pPr algn="ctr"/>
-            <a:r>
-              <a:rPr lang="en-US" sz="1600" dirty="0" smtClean="0">
-                <a:latin typeface="Times New Roman"/>
-                <a:cs typeface="Times New Roman"/>
-              </a:rPr>
-              <a:t>1</a:t>
-            </a:r>
-            <a:endParaRPr lang="en-US" sz="1600" dirty="0">
-              <a:latin typeface="Times New Roman"/>
-              <a:cs typeface="Times New Roman"/>
-            </a:endParaRPr>
-          </a:p>
-        </p:txBody>
-      </p:sp>
-      <p:sp>
-        <p:nvSpPr>
-          <p:cNvPr id="271" name="TextBox 270"/>
-          <p:cNvSpPr txBox="1"/>
-          <p:nvPr/>
-        </p:nvSpPr>
-        <p:spPr>
-          <a:xfrm>
-            <a:off x="6685895" y="1708631"/>
-            <a:ext cx="287258" cy="338554"/>
-          </a:xfrm>
-          <a:prstGeom prst="rect">
-            <a:avLst/>
-          </a:prstGeom>
-          <a:noFill/>
-        </p:spPr>
-        <p:txBody>
-          <a:bodyPr wrap="none" rtlCol="0">
-            <a:spAutoFit/>
-          </a:bodyPr>
-          <a:lstStyle/>
-          <a:p>
-            <a:pPr algn="ctr"/>
-            <a:r>
-              <a:rPr lang="en-US" sz="1600" dirty="0" smtClean="0">
-                <a:latin typeface="Times New Roman"/>
-                <a:cs typeface="Times New Roman"/>
-              </a:rPr>
-              <a:t>2</a:t>
-            </a:r>
-            <a:endParaRPr lang="en-US" sz="1600" dirty="0">
-              <a:latin typeface="Times New Roman"/>
-              <a:cs typeface="Times New Roman"/>
-            </a:endParaRPr>
-          </a:p>
-        </p:txBody>
-      </p:sp>
-      <p:sp>
-        <p:nvSpPr>
-          <p:cNvPr id="272" name="TextBox 271"/>
-          <p:cNvSpPr txBox="1"/>
-          <p:nvPr/>
-        </p:nvSpPr>
-        <p:spPr>
-          <a:xfrm>
-            <a:off x="6990695" y="1695931"/>
-            <a:ext cx="287258" cy="338554"/>
-          </a:xfrm>
-          <a:prstGeom prst="rect">
-            <a:avLst/>
-          </a:prstGeom>
-          <a:noFill/>
-        </p:spPr>
-        <p:txBody>
-          <a:bodyPr wrap="none" rtlCol="0">
-            <a:spAutoFit/>
-          </a:bodyPr>
-          <a:lstStyle/>
-          <a:p>
-            <a:pPr algn="ctr"/>
-            <a:r>
-              <a:rPr lang="en-US" sz="1600" dirty="0" smtClean="0">
-                <a:latin typeface="Times New Roman"/>
-                <a:cs typeface="Times New Roman"/>
-              </a:rPr>
-              <a:t>3</a:t>
-            </a:r>
-            <a:endParaRPr lang="en-US" sz="1600" dirty="0">
-              <a:latin typeface="Times New Roman"/>
-              <a:cs typeface="Times New Roman"/>
-            </a:endParaRPr>
-          </a:p>
-        </p:txBody>
-      </p:sp>
-      <p:sp>
-        <p:nvSpPr>
-          <p:cNvPr id="273" name="TextBox 272"/>
-          <p:cNvSpPr txBox="1"/>
-          <p:nvPr/>
-        </p:nvSpPr>
-        <p:spPr>
-          <a:xfrm>
-            <a:off x="7282795" y="1689581"/>
-            <a:ext cx="287258" cy="338554"/>
-          </a:xfrm>
-          <a:prstGeom prst="rect">
-            <a:avLst/>
-          </a:prstGeom>
-          <a:noFill/>
-        </p:spPr>
-        <p:txBody>
-          <a:bodyPr wrap="none" rtlCol="0">
-            <a:spAutoFit/>
-          </a:bodyPr>
-          <a:lstStyle/>
-          <a:p>
-            <a:pPr algn="ctr"/>
-            <a:r>
-              <a:rPr lang="en-US" sz="1600" dirty="0" smtClean="0">
-                <a:latin typeface="Times New Roman"/>
-                <a:cs typeface="Times New Roman"/>
-              </a:rPr>
-              <a:t>4</a:t>
-            </a:r>
-            <a:endParaRPr lang="en-US" sz="1600" dirty="0">
-              <a:latin typeface="Times New Roman"/>
-              <a:cs typeface="Times New Roman"/>
-            </a:endParaRPr>
-          </a:p>
-        </p:txBody>
-      </p:sp>
-      <p:sp>
-        <p:nvSpPr>
-          <p:cNvPr id="274" name="TextBox 273"/>
-          <p:cNvSpPr txBox="1"/>
-          <p:nvPr/>
-        </p:nvSpPr>
-        <p:spPr>
-          <a:xfrm>
-            <a:off x="6673195" y="1397481"/>
-            <a:ext cx="287258" cy="338554"/>
-          </a:xfrm>
-          <a:prstGeom prst="rect">
-            <a:avLst/>
-          </a:prstGeom>
-          <a:noFill/>
-        </p:spPr>
-        <p:txBody>
-          <a:bodyPr wrap="none" rtlCol="0">
-            <a:spAutoFit/>
-          </a:bodyPr>
-          <a:lstStyle/>
-          <a:p>
-            <a:pPr algn="ctr"/>
-            <a:r>
-              <a:rPr lang="en-US" sz="1600" dirty="0" smtClean="0">
-                <a:latin typeface="Times New Roman"/>
-                <a:cs typeface="Times New Roman"/>
-              </a:rPr>
-              <a:t>5</a:t>
-            </a:r>
-            <a:endParaRPr lang="en-US" sz="1600" dirty="0">
-              <a:latin typeface="Times New Roman"/>
-              <a:cs typeface="Times New Roman"/>
-            </a:endParaRPr>
-          </a:p>
-        </p:txBody>
-      </p:sp>
-      <p:sp>
-        <p:nvSpPr>
-          <p:cNvPr id="275" name="TextBox 274"/>
-          <p:cNvSpPr txBox="1"/>
-          <p:nvPr/>
-        </p:nvSpPr>
-        <p:spPr>
-          <a:xfrm>
-            <a:off x="6971645" y="1391131"/>
-            <a:ext cx="287258" cy="338554"/>
-          </a:xfrm>
-          <a:prstGeom prst="rect">
-            <a:avLst/>
-          </a:prstGeom>
-          <a:noFill/>
-        </p:spPr>
-        <p:txBody>
-          <a:bodyPr wrap="none" rtlCol="0">
-            <a:spAutoFit/>
-          </a:bodyPr>
-          <a:lstStyle/>
-          <a:p>
-            <a:pPr algn="ctr"/>
-            <a:r>
-              <a:rPr lang="en-US" sz="1600" dirty="0" smtClean="0">
-                <a:latin typeface="Times New Roman"/>
-                <a:cs typeface="Times New Roman"/>
-              </a:rPr>
-              <a:t>6</a:t>
-            </a:r>
-            <a:endParaRPr lang="en-US" sz="1600" dirty="0">
-              <a:latin typeface="Times New Roman"/>
-              <a:cs typeface="Times New Roman"/>
-            </a:endParaRPr>
-          </a:p>
-        </p:txBody>
-      </p:sp>
-      <p:sp>
-        <p:nvSpPr>
-          <p:cNvPr id="276" name="TextBox 275"/>
-          <p:cNvSpPr txBox="1"/>
-          <p:nvPr/>
-        </p:nvSpPr>
-        <p:spPr>
-          <a:xfrm>
-            <a:off x="7276445" y="1384781"/>
-            <a:ext cx="287258" cy="338554"/>
-          </a:xfrm>
-          <a:prstGeom prst="rect">
-            <a:avLst/>
-          </a:prstGeom>
-          <a:noFill/>
-        </p:spPr>
-        <p:txBody>
-          <a:bodyPr wrap="none" rtlCol="0">
-            <a:spAutoFit/>
-          </a:bodyPr>
-          <a:lstStyle/>
-          <a:p>
-            <a:pPr algn="ctr"/>
-            <a:r>
-              <a:rPr lang="en-US" sz="1600" dirty="0" smtClean="0">
-                <a:latin typeface="Times New Roman"/>
-                <a:cs typeface="Times New Roman"/>
-              </a:rPr>
-              <a:t>7</a:t>
-            </a:r>
-            <a:endParaRPr lang="en-US" sz="1600" dirty="0">
-              <a:latin typeface="Times New Roman"/>
-              <a:cs typeface="Times New Roman"/>
-            </a:endParaRPr>
-          </a:p>
-        </p:txBody>
-      </p:sp>
-      <p:sp>
-        <p:nvSpPr>
-          <p:cNvPr id="277" name="TextBox 276"/>
-          <p:cNvSpPr txBox="1"/>
-          <p:nvPr/>
-        </p:nvSpPr>
-        <p:spPr>
-          <a:xfrm>
-            <a:off x="10392185" y="288352"/>
-            <a:ext cx="287258" cy="338554"/>
-          </a:xfrm>
-          <a:prstGeom prst="rect">
-            <a:avLst/>
-          </a:prstGeom>
-          <a:noFill/>
-        </p:spPr>
-        <p:txBody>
-          <a:bodyPr wrap="none" rtlCol="0">
-            <a:spAutoFit/>
-          </a:bodyPr>
-          <a:lstStyle/>
-          <a:p>
-            <a:pPr algn="ctr"/>
-            <a:r>
-              <a:rPr lang="en-US" sz="1600" dirty="0" smtClean="0">
-                <a:latin typeface="Times New Roman"/>
-                <a:cs typeface="Times New Roman"/>
-              </a:rPr>
-              <a:t>1</a:t>
-            </a:r>
-            <a:endParaRPr lang="en-US" sz="1600" dirty="0">
-              <a:latin typeface="Times New Roman"/>
-              <a:cs typeface="Times New Roman"/>
-            </a:endParaRPr>
-          </a:p>
-        </p:txBody>
-      </p:sp>
-      <p:sp>
-        <p:nvSpPr>
-          <p:cNvPr id="278" name="TextBox 277"/>
-          <p:cNvSpPr txBox="1"/>
-          <p:nvPr/>
-        </p:nvSpPr>
-        <p:spPr>
-          <a:xfrm>
-            <a:off x="10396411" y="578330"/>
-            <a:ext cx="287258" cy="338554"/>
-          </a:xfrm>
-          <a:prstGeom prst="rect">
-            <a:avLst/>
-          </a:prstGeom>
-          <a:noFill/>
-        </p:spPr>
-        <p:txBody>
-          <a:bodyPr wrap="none" rtlCol="0">
-            <a:spAutoFit/>
-          </a:bodyPr>
-          <a:lstStyle/>
-          <a:p>
-            <a:pPr algn="ctr"/>
-            <a:r>
-              <a:rPr lang="en-US" sz="1600" dirty="0" smtClean="0">
-                <a:latin typeface="Times New Roman"/>
-                <a:cs typeface="Times New Roman"/>
-              </a:rPr>
-              <a:t>2</a:t>
-            </a:r>
-            <a:endParaRPr lang="en-US" sz="1600" dirty="0">
-              <a:latin typeface="Times New Roman"/>
-              <a:cs typeface="Times New Roman"/>
-            </a:endParaRPr>
-          </a:p>
-        </p:txBody>
-      </p:sp>
-      <p:sp>
-        <p:nvSpPr>
-          <p:cNvPr id="279" name="TextBox 278"/>
-          <p:cNvSpPr txBox="1"/>
-          <p:nvPr/>
-        </p:nvSpPr>
-        <p:spPr>
-          <a:xfrm>
-            <a:off x="10415461" y="851380"/>
-            <a:ext cx="287258" cy="338554"/>
-          </a:xfrm>
-          <a:prstGeom prst="rect">
-            <a:avLst/>
-          </a:prstGeom>
-          <a:noFill/>
-        </p:spPr>
-        <p:txBody>
-          <a:bodyPr wrap="none" rtlCol="0">
-            <a:spAutoFit/>
-          </a:bodyPr>
-          <a:lstStyle/>
-          <a:p>
-            <a:pPr algn="ctr"/>
-            <a:r>
-              <a:rPr lang="en-US" sz="1600" dirty="0" smtClean="0">
-                <a:latin typeface="Times New Roman"/>
-                <a:cs typeface="Times New Roman"/>
-              </a:rPr>
-              <a:t>3</a:t>
-            </a:r>
-            <a:endParaRPr lang="en-US" sz="1600" dirty="0">
-              <a:latin typeface="Times New Roman"/>
-              <a:cs typeface="Times New Roman"/>
-            </a:endParaRPr>
-          </a:p>
-        </p:txBody>
-      </p:sp>
-      <p:sp>
-        <p:nvSpPr>
-          <p:cNvPr id="280" name="TextBox 279"/>
-          <p:cNvSpPr txBox="1"/>
-          <p:nvPr/>
-        </p:nvSpPr>
-        <p:spPr>
-          <a:xfrm>
-            <a:off x="10110661" y="857730"/>
-            <a:ext cx="287258" cy="338554"/>
-          </a:xfrm>
-          <a:prstGeom prst="rect">
-            <a:avLst/>
-          </a:prstGeom>
-          <a:noFill/>
-        </p:spPr>
-        <p:txBody>
-          <a:bodyPr wrap="none" rtlCol="0">
-            <a:spAutoFit/>
-          </a:bodyPr>
-          <a:lstStyle/>
-          <a:p>
-            <a:pPr algn="ctr"/>
-            <a:r>
-              <a:rPr lang="en-US" sz="1600" dirty="0" smtClean="0">
-                <a:latin typeface="Times New Roman"/>
-                <a:cs typeface="Times New Roman"/>
-              </a:rPr>
-              <a:t>4</a:t>
-            </a:r>
-            <a:endParaRPr lang="en-US" sz="1600" dirty="0">
-              <a:latin typeface="Times New Roman"/>
-              <a:cs typeface="Times New Roman"/>
-            </a:endParaRPr>
-          </a:p>
-        </p:txBody>
-      </p:sp>
-      <p:sp>
-        <p:nvSpPr>
-          <p:cNvPr id="281" name="TextBox 280"/>
-          <p:cNvSpPr txBox="1"/>
-          <p:nvPr/>
-        </p:nvSpPr>
-        <p:spPr>
-          <a:xfrm>
-            <a:off x="9831261" y="864080"/>
-            <a:ext cx="287258" cy="338554"/>
-          </a:xfrm>
-          <a:prstGeom prst="rect">
-            <a:avLst/>
-          </a:prstGeom>
-          <a:noFill/>
-        </p:spPr>
-        <p:txBody>
-          <a:bodyPr wrap="none" rtlCol="0">
-            <a:spAutoFit/>
-          </a:bodyPr>
-          <a:lstStyle/>
-          <a:p>
-            <a:pPr algn="ctr"/>
-            <a:r>
-              <a:rPr lang="en-US" sz="1600" dirty="0" smtClean="0">
-                <a:latin typeface="Times New Roman"/>
-                <a:cs typeface="Times New Roman"/>
-              </a:rPr>
-              <a:t>5</a:t>
-            </a:r>
-            <a:endParaRPr lang="en-US" sz="1600" dirty="0">
-              <a:latin typeface="Times New Roman"/>
-              <a:cs typeface="Times New Roman"/>
-            </a:endParaRPr>
-          </a:p>
-        </p:txBody>
-      </p:sp>
-      <p:sp>
-        <p:nvSpPr>
-          <p:cNvPr id="282" name="TextBox 281"/>
-          <p:cNvSpPr txBox="1"/>
-          <p:nvPr/>
-        </p:nvSpPr>
-        <p:spPr>
-          <a:xfrm>
-            <a:off x="9824911" y="571980"/>
-            <a:ext cx="287258" cy="338554"/>
-          </a:xfrm>
-          <a:prstGeom prst="rect">
-            <a:avLst/>
-          </a:prstGeom>
-          <a:noFill/>
-        </p:spPr>
-        <p:txBody>
-          <a:bodyPr wrap="none" rtlCol="0">
-            <a:spAutoFit/>
-          </a:bodyPr>
-          <a:lstStyle/>
-          <a:p>
-            <a:pPr algn="ctr"/>
-            <a:r>
-              <a:rPr lang="en-US" sz="1600" dirty="0" smtClean="0">
-                <a:latin typeface="Times New Roman"/>
-                <a:cs typeface="Times New Roman"/>
-              </a:rPr>
-              <a:t>6</a:t>
-            </a:r>
-            <a:endParaRPr lang="en-US" sz="1600" dirty="0">
-              <a:latin typeface="Times New Roman"/>
-              <a:cs typeface="Times New Roman"/>
-            </a:endParaRPr>
-          </a:p>
-        </p:txBody>
-      </p:sp>
-      <p:sp>
-        <p:nvSpPr>
-          <p:cNvPr id="283" name="TextBox 282"/>
-          <p:cNvSpPr txBox="1"/>
-          <p:nvPr/>
-        </p:nvSpPr>
-        <p:spPr>
-          <a:xfrm>
-            <a:off x="9824911" y="292580"/>
-            <a:ext cx="287258" cy="338554"/>
-          </a:xfrm>
-          <a:prstGeom prst="rect">
-            <a:avLst/>
-          </a:prstGeom>
-          <a:noFill/>
-        </p:spPr>
-        <p:txBody>
-          <a:bodyPr wrap="none" rtlCol="0">
-            <a:spAutoFit/>
-          </a:bodyPr>
-          <a:lstStyle/>
-          <a:p>
-            <a:pPr algn="ctr"/>
-            <a:r>
-              <a:rPr lang="en-US" sz="1600" dirty="0" smtClean="0">
-                <a:latin typeface="Times New Roman"/>
-                <a:cs typeface="Times New Roman"/>
-              </a:rPr>
-              <a:t>7</a:t>
-            </a:r>
-            <a:endParaRPr lang="en-US" sz="1600" dirty="0">
-              <a:latin typeface="Times New Roman"/>
-              <a:cs typeface="Times New Roman"/>
-            </a:endParaRPr>
-          </a:p>
-        </p:txBody>
-      </p:sp>
-      <p:cxnSp>
-        <p:nvCxnSpPr>
-          <p:cNvPr id="288" name="Straight Arrow Connector 287"/>
-          <p:cNvCxnSpPr/>
-          <p:nvPr/>
-        </p:nvCxnSpPr>
-        <p:spPr>
-          <a:xfrm>
-            <a:off x="1212918" y="2546349"/>
-            <a:ext cx="6282" cy="323851"/>
-          </a:xfrm>
-          <a:prstGeom prst="straightConnector1">
-            <a:avLst/>
-          </a:prstGeom>
-          <a:ln w="38100" cmpd="sng">
-            <a:solidFill>
-              <a:schemeClr val="tx1"/>
-            </a:solidFill>
-            <a:headEnd type="stealth" w="med" len="lg"/>
-            <a:tailEnd type="stealth" w="med" len="lg"/>
-          </a:ln>
-          <a:effectLst/>
-        </p:spPr>
-        <p:style>
-          <a:lnRef idx="2">
-            <a:schemeClr val="accent1"/>
-          </a:lnRef>
-          <a:fillRef idx="0">
-            <a:schemeClr val="accent1"/>
-          </a:fillRef>
-          <a:effectRef idx="1">
-            <a:schemeClr val="accent1"/>
-          </a:effectRef>
-          <a:fontRef idx="minor">
-            <a:schemeClr val="tx1"/>
-          </a:fontRef>
-        </p:style>
-      </p:cxnSp>
-      <p:cxnSp>
-        <p:nvCxnSpPr>
-          <p:cNvPr id="296" name="Straight Arrow Connector 295"/>
-          <p:cNvCxnSpPr/>
-          <p:nvPr/>
-        </p:nvCxnSpPr>
-        <p:spPr>
-          <a:xfrm>
-            <a:off x="844550" y="1365250"/>
-            <a:ext cx="1987550" cy="0"/>
-          </a:xfrm>
-          <a:prstGeom prst="straightConnector1">
-            <a:avLst/>
-          </a:prstGeom>
-          <a:ln w="38100" cmpd="sng">
-            <a:solidFill>
-              <a:schemeClr val="tx1"/>
-            </a:solidFill>
-            <a:headEnd type="stealth" w="med" len="lg"/>
-            <a:tailEnd type="stealth" w="med" len="lg"/>
-          </a:ln>
-          <a:effectLst/>
-        </p:spPr>
-        <p:style>
-          <a:lnRef idx="2">
-            <a:schemeClr val="accent1"/>
-          </a:lnRef>
-          <a:fillRef idx="0">
-            <a:schemeClr val="accent1"/>
-          </a:fillRef>
-          <a:effectRef idx="1">
-            <a:schemeClr val="accent1"/>
-          </a:effectRef>
-          <a:fontRef idx="minor">
-            <a:schemeClr val="tx1"/>
-          </a:fontRef>
-        </p:style>
-      </p:cxnSp>
-      <p:sp>
-        <p:nvSpPr>
-          <p:cNvPr id="595" name="TextBox 594"/>
-          <p:cNvSpPr txBox="1"/>
-          <p:nvPr/>
-        </p:nvSpPr>
-        <p:spPr>
-          <a:xfrm>
-            <a:off x="1584536" y="1154082"/>
-            <a:ext cx="451009" cy="338554"/>
-          </a:xfrm>
-          <a:prstGeom prst="rect">
-            <a:avLst/>
-          </a:prstGeom>
-          <a:solidFill>
-            <a:srgbClr val="70AD47"/>
-          </a:solidFill>
-        </p:spPr>
-        <p:txBody>
-          <a:bodyPr wrap="none" rtlCol="0">
-            <a:spAutoFit/>
-          </a:bodyPr>
-          <a:lstStyle/>
-          <a:p>
-            <a:pPr algn="ctr"/>
-            <a:r>
-              <a:rPr lang="en-US" sz="1600" i="1" dirty="0" err="1">
-                <a:latin typeface="Times New Roman"/>
-                <a:cs typeface="Times New Roman"/>
-              </a:rPr>
-              <a:t>w</a:t>
-            </a:r>
-            <a:r>
-              <a:rPr lang="en-US" sz="1600" i="1" baseline="-25000" dirty="0" err="1">
-                <a:latin typeface="Times New Roman"/>
-                <a:cs typeface="Times New Roman"/>
-              </a:rPr>
-              <a:t>b</a:t>
-            </a:r>
-            <a:endParaRPr lang="en-US" sz="1600" i="1" dirty="0">
-              <a:latin typeface="Times New Roman"/>
-              <a:cs typeface="Times New Roman"/>
-            </a:endParaRPr>
           </a:p>
         </p:txBody>
       </p:sp>
@@ -12588,7 +11763,7 @@
   <a:extraClrSchemeLst/>
   <a:extLst>
     <a:ext uri="{05A4C25C-085E-4340-85A3-A5531E510DB2}">
-      <thm15:themeFamily xmlns:thm15="http://schemas.microsoft.com/office/thememl/2012/main" xmlns="" name="Office Theme" id="{62F939B6-93AF-4DB8-9C6B-D6C7DFDC589F}" vid="{4A3C46E8-61CC-4603-A589-7422A47A8E4A}"/>
+      <thm15:themeFamily xmlns="" xmlns:thm15="http://schemas.microsoft.com/office/thememl/2012/main" name="Office Theme" id="{62F939B6-93AF-4DB8-9C6B-D6C7DFDC589F}" vid="{4A3C46E8-61CC-4603-A589-7422A47A8E4A}"/>
     </a:ext>
   </a:extLst>
 </a:theme>

--- a/RA-L/pictures/pdf/multirobotSliderHardware.pptx
+++ b/RA-L/pictures/pdf/multirobotSliderHardware.pptx
@@ -7,14 +7,14 @@
   <p:sldIdLst>
     <p:sldId id="256" r:id="rId2"/>
   </p:sldIdLst>
-  <p:sldSz cx="7315200" cy="5486400"/>
+  <p:sldSz cx="10972800" cy="8229600" type="B4JIS"/>
   <p:notesSz cx="6858000" cy="9144000"/>
   <p:defaultTextStyle>
     <a:defPPr>
       <a:defRPr lang="en-US"/>
     </a:defPPr>
-    <a:lvl1pPr marL="0" algn="l" defTabSz="422348" rtl="0" eaLnBrk="1" latinLnBrk="0" hangingPunct="1">
-      <a:defRPr sz="900" kern="1200">
+    <a:lvl1pPr marL="0" algn="l" defTabSz="633649" rtl="0" eaLnBrk="1" latinLnBrk="0" hangingPunct="1">
+      <a:defRPr sz="1300" kern="1200">
         <a:solidFill>
           <a:schemeClr val="tx1"/>
         </a:solidFill>
@@ -23,8 +23,8 @@
         <a:cs typeface="+mn-cs"/>
       </a:defRPr>
     </a:lvl1pPr>
-    <a:lvl2pPr marL="211175" algn="l" defTabSz="422348" rtl="0" eaLnBrk="1" latinLnBrk="0" hangingPunct="1">
-      <a:defRPr sz="900" kern="1200">
+    <a:lvl2pPr marL="316825" algn="l" defTabSz="633649" rtl="0" eaLnBrk="1" latinLnBrk="0" hangingPunct="1">
+      <a:defRPr sz="1300" kern="1200">
         <a:solidFill>
           <a:schemeClr val="tx1"/>
         </a:solidFill>
@@ -33,8 +33,8 @@
         <a:cs typeface="+mn-cs"/>
       </a:defRPr>
     </a:lvl2pPr>
-    <a:lvl3pPr marL="422348" algn="l" defTabSz="422348" rtl="0" eaLnBrk="1" latinLnBrk="0" hangingPunct="1">
-      <a:defRPr sz="900" kern="1200">
+    <a:lvl3pPr marL="633649" algn="l" defTabSz="633649" rtl="0" eaLnBrk="1" latinLnBrk="0" hangingPunct="1">
+      <a:defRPr sz="1300" kern="1200">
         <a:solidFill>
           <a:schemeClr val="tx1"/>
         </a:solidFill>
@@ -43,8 +43,8 @@
         <a:cs typeface="+mn-cs"/>
       </a:defRPr>
     </a:lvl3pPr>
-    <a:lvl4pPr marL="633523" algn="l" defTabSz="422348" rtl="0" eaLnBrk="1" latinLnBrk="0" hangingPunct="1">
-      <a:defRPr sz="900" kern="1200">
+    <a:lvl4pPr marL="950474" algn="l" defTabSz="633649" rtl="0" eaLnBrk="1" latinLnBrk="0" hangingPunct="1">
+      <a:defRPr sz="1300" kern="1200">
         <a:solidFill>
           <a:schemeClr val="tx1"/>
         </a:solidFill>
@@ -53,8 +53,8 @@
         <a:cs typeface="+mn-cs"/>
       </a:defRPr>
     </a:lvl4pPr>
-    <a:lvl5pPr marL="844697" algn="l" defTabSz="422348" rtl="0" eaLnBrk="1" latinLnBrk="0" hangingPunct="1">
-      <a:defRPr sz="900" kern="1200">
+    <a:lvl5pPr marL="1267298" algn="l" defTabSz="633649" rtl="0" eaLnBrk="1" latinLnBrk="0" hangingPunct="1">
+      <a:defRPr sz="1300" kern="1200">
         <a:solidFill>
           <a:schemeClr val="tx1"/>
         </a:solidFill>
@@ -63,8 +63,8 @@
         <a:cs typeface="+mn-cs"/>
       </a:defRPr>
     </a:lvl5pPr>
-    <a:lvl6pPr marL="1055870" algn="l" defTabSz="422348" rtl="0" eaLnBrk="1" latinLnBrk="0" hangingPunct="1">
-      <a:defRPr sz="900" kern="1200">
+    <a:lvl6pPr marL="1584123" algn="l" defTabSz="633649" rtl="0" eaLnBrk="1" latinLnBrk="0" hangingPunct="1">
+      <a:defRPr sz="1300" kern="1200">
         <a:solidFill>
           <a:schemeClr val="tx1"/>
         </a:solidFill>
@@ -73,8 +73,8 @@
         <a:cs typeface="+mn-cs"/>
       </a:defRPr>
     </a:lvl6pPr>
-    <a:lvl7pPr marL="1267045" algn="l" defTabSz="422348" rtl="0" eaLnBrk="1" latinLnBrk="0" hangingPunct="1">
-      <a:defRPr sz="900" kern="1200">
+    <a:lvl7pPr marL="1900948" algn="l" defTabSz="633649" rtl="0" eaLnBrk="1" latinLnBrk="0" hangingPunct="1">
+      <a:defRPr sz="1300" kern="1200">
         <a:solidFill>
           <a:schemeClr val="tx1"/>
         </a:solidFill>
@@ -83,8 +83,8 @@
         <a:cs typeface="+mn-cs"/>
       </a:defRPr>
     </a:lvl7pPr>
-    <a:lvl8pPr marL="1478219" algn="l" defTabSz="422348" rtl="0" eaLnBrk="1" latinLnBrk="0" hangingPunct="1">
-      <a:defRPr sz="900" kern="1200">
+    <a:lvl8pPr marL="2217772" algn="l" defTabSz="633649" rtl="0" eaLnBrk="1" latinLnBrk="0" hangingPunct="1">
+      <a:defRPr sz="1300" kern="1200">
         <a:solidFill>
           <a:schemeClr val="tx1"/>
         </a:solidFill>
@@ -93,8 +93,8 @@
         <a:cs typeface="+mn-cs"/>
       </a:defRPr>
     </a:lvl8pPr>
-    <a:lvl9pPr marL="1689393" algn="l" defTabSz="422348" rtl="0" eaLnBrk="1" latinLnBrk="0" hangingPunct="1">
-      <a:defRPr sz="900" kern="1200">
+    <a:lvl9pPr marL="2534596" algn="l" defTabSz="633649" rtl="0" eaLnBrk="1" latinLnBrk="0" hangingPunct="1">
+      <a:defRPr sz="1300" kern="1200">
         <a:solidFill>
           <a:schemeClr val="tx1"/>
         </a:solidFill>
@@ -106,7 +106,7 @@
   </p:defaultTextStyle>
   <p:extLst>
     <p:ext uri="{EFAFB233-063F-42B5-8137-9DF3F51BA10A}">
-      <p15:sldGuideLst xmlns="" xmlns:p15="http://schemas.microsoft.com/office/powerpoint/2012/main"/>
+      <p15:sldGuideLst xmlns:p15="http://schemas.microsoft.com/office/powerpoint/2012/main" xmlns=""/>
     </p:ext>
   </p:extLst>
 </p:presentation>
@@ -141,15 +141,15 @@
         </p:nvSpPr>
         <p:spPr>
           <a:xfrm>
-            <a:off x="548640" y="897891"/>
-            <a:ext cx="6217920" cy="1910080"/>
+            <a:off x="822960" y="1346836"/>
+            <a:ext cx="9326880" cy="2865120"/>
           </a:xfrm>
         </p:spPr>
         <p:txBody>
           <a:bodyPr anchor="b"/>
           <a:lstStyle>
             <a:lvl1pPr algn="ctr">
-              <a:defRPr sz="4800"/>
+              <a:defRPr sz="7200"/>
             </a:lvl1pPr>
           </a:lstStyle>
           <a:p>
@@ -173,8 +173,8 @@
         </p:nvSpPr>
         <p:spPr>
           <a:xfrm>
-            <a:off x="914400" y="2881632"/>
-            <a:ext cx="5486400" cy="1324610"/>
+            <a:off x="1371600" y="4322447"/>
+            <a:ext cx="8229600" cy="1986915"/>
           </a:xfrm>
         </p:spPr>
         <p:txBody>
@@ -182,39 +182,39 @@
           <a:lstStyle>
             <a:lvl1pPr marL="0" indent="0" algn="ctr">
               <a:buNone/>
+              <a:defRPr sz="2900"/>
+            </a:lvl1pPr>
+            <a:lvl2pPr marL="545497" indent="0" algn="ctr">
+              <a:buNone/>
+              <a:defRPr sz="2400"/>
+            </a:lvl2pPr>
+            <a:lvl3pPr marL="1090994" indent="0" algn="ctr">
+              <a:buNone/>
+              <a:defRPr sz="2200"/>
+            </a:lvl3pPr>
+            <a:lvl4pPr marL="1636491" indent="0" algn="ctr">
+              <a:buNone/>
               <a:defRPr sz="1900"/>
-            </a:lvl1pPr>
-            <a:lvl2pPr marL="363592" indent="0" algn="ctr">
+            </a:lvl4pPr>
+            <a:lvl5pPr marL="2181987" indent="0" algn="ctr">
               <a:buNone/>
-              <a:defRPr sz="1600"/>
-            </a:lvl2pPr>
-            <a:lvl3pPr marL="727185" indent="0" algn="ctr">
+              <a:defRPr sz="1900"/>
+            </a:lvl5pPr>
+            <a:lvl6pPr marL="2727484" indent="0" algn="ctr">
               <a:buNone/>
-              <a:defRPr sz="1500"/>
-            </a:lvl3pPr>
-            <a:lvl4pPr marL="1090776" indent="0" algn="ctr">
+              <a:defRPr sz="1900"/>
+            </a:lvl6pPr>
+            <a:lvl7pPr marL="3272981" indent="0" algn="ctr">
               <a:buNone/>
-              <a:defRPr sz="1300"/>
-            </a:lvl4pPr>
-            <a:lvl5pPr marL="1454368" indent="0" algn="ctr">
+              <a:defRPr sz="1900"/>
+            </a:lvl7pPr>
+            <a:lvl8pPr marL="3818478" indent="0" algn="ctr">
               <a:buNone/>
-              <a:defRPr sz="1300"/>
-            </a:lvl5pPr>
-            <a:lvl6pPr marL="1817960" indent="0" algn="ctr">
+              <a:defRPr sz="1900"/>
+            </a:lvl8pPr>
+            <a:lvl9pPr marL="4363974" indent="0" algn="ctr">
               <a:buNone/>
-              <a:defRPr sz="1300"/>
-            </a:lvl6pPr>
-            <a:lvl7pPr marL="2181551" indent="0" algn="ctr">
-              <a:buNone/>
-              <a:defRPr sz="1300"/>
-            </a:lvl7pPr>
-            <a:lvl8pPr marL="2545143" indent="0" algn="ctr">
-              <a:buNone/>
-              <a:defRPr sz="1300"/>
-            </a:lvl8pPr>
-            <a:lvl9pPr marL="2908734" indent="0" algn="ctr">
-              <a:buNone/>
-              <a:defRPr sz="1300"/>
+              <a:defRPr sz="1900"/>
             </a:lvl9pPr>
           </a:lstStyle>
           <a:p>
@@ -243,7 +243,7 @@
           <a:p>
             <a:fld id="{42C1E845-9D35-42B9-9CDA-699C804E8D28}" type="datetimeFigureOut">
               <a:rPr lang="en-US" smtClean="0"/>
-              <a:t>9/6/16</a:t>
+              <a:t>9/10/16</a:t>
             </a:fld>
             <a:endParaRPr lang="en-US"/>
           </a:p>
@@ -413,7 +413,7 @@
           <a:p>
             <a:fld id="{42C1E845-9D35-42B9-9CDA-699C804E8D28}" type="datetimeFigureOut">
               <a:rPr lang="en-US" smtClean="0"/>
-              <a:t>9/6/16</a:t>
+              <a:t>9/10/16</a:t>
             </a:fld>
             <a:endParaRPr lang="en-US"/>
           </a:p>
@@ -503,8 +503,8 @@
         </p:nvSpPr>
         <p:spPr>
           <a:xfrm>
-            <a:off x="5234941" y="292102"/>
-            <a:ext cx="1577340" cy="4649471"/>
+            <a:off x="7852411" y="438151"/>
+            <a:ext cx="2366010" cy="6974206"/>
           </a:xfrm>
         </p:spPr>
         <p:txBody>
@@ -531,8 +531,8 @@
         </p:nvSpPr>
         <p:spPr>
           <a:xfrm>
-            <a:off x="502922" y="292102"/>
-            <a:ext cx="4640580" cy="4649471"/>
+            <a:off x="754383" y="438151"/>
+            <a:ext cx="6960870" cy="6974206"/>
           </a:xfrm>
         </p:spPr>
         <p:txBody>
@@ -593,7 +593,7 @@
           <a:p>
             <a:fld id="{42C1E845-9D35-42B9-9CDA-699C804E8D28}" type="datetimeFigureOut">
               <a:rPr lang="en-US" smtClean="0"/>
-              <a:t>9/6/16</a:t>
+              <a:t>9/10/16</a:t>
             </a:fld>
             <a:endParaRPr lang="en-US"/>
           </a:p>
@@ -763,7 +763,7 @@
           <a:p>
             <a:fld id="{42C1E845-9D35-42B9-9CDA-699C804E8D28}" type="datetimeFigureOut">
               <a:rPr lang="en-US" smtClean="0"/>
-              <a:t>9/6/16</a:t>
+              <a:t>9/10/16</a:t>
             </a:fld>
             <a:endParaRPr lang="en-US"/>
           </a:p>
@@ -853,15 +853,15 @@
         </p:nvSpPr>
         <p:spPr>
           <a:xfrm>
-            <a:off x="499111" y="1367792"/>
-            <a:ext cx="6309360" cy="2282190"/>
+            <a:off x="748666" y="2051688"/>
+            <a:ext cx="9464040" cy="3423285"/>
           </a:xfrm>
         </p:spPr>
         <p:txBody>
           <a:bodyPr anchor="b"/>
           <a:lstStyle>
             <a:lvl1pPr>
-              <a:defRPr sz="4800"/>
+              <a:defRPr sz="7200"/>
             </a:lvl1pPr>
           </a:lstStyle>
           <a:p>
@@ -885,8 +885,8 @@
         </p:nvSpPr>
         <p:spPr>
           <a:xfrm>
-            <a:off x="499111" y="3671572"/>
-            <a:ext cx="6309360" cy="1200150"/>
+            <a:off x="748666" y="5507358"/>
+            <a:ext cx="9464040" cy="1800225"/>
           </a:xfrm>
         </p:spPr>
         <p:txBody>
@@ -894,15 +894,15 @@
           <a:lstStyle>
             <a:lvl1pPr marL="0" indent="0">
               <a:buNone/>
-              <a:defRPr sz="1900">
+              <a:defRPr sz="2900">
                 <a:solidFill>
                   <a:schemeClr val="tx1"/>
                 </a:solidFill>
               </a:defRPr>
             </a:lvl1pPr>
-            <a:lvl2pPr marL="363592" indent="0">
+            <a:lvl2pPr marL="545497" indent="0">
               <a:buNone/>
-              <a:defRPr sz="1600">
+              <a:defRPr sz="2400">
                 <a:solidFill>
                   <a:schemeClr val="tx1">
                     <a:tint val="75000"/>
@@ -910,9 +910,9 @@
                 </a:solidFill>
               </a:defRPr>
             </a:lvl2pPr>
-            <a:lvl3pPr marL="727185" indent="0">
+            <a:lvl3pPr marL="1090994" indent="0">
               <a:buNone/>
-              <a:defRPr sz="1500">
+              <a:defRPr sz="2200">
                 <a:solidFill>
                   <a:schemeClr val="tx1">
                     <a:tint val="75000"/>
@@ -920,9 +920,9 @@
                 </a:solidFill>
               </a:defRPr>
             </a:lvl3pPr>
-            <a:lvl4pPr marL="1090776" indent="0">
+            <a:lvl4pPr marL="1636491" indent="0">
               <a:buNone/>
-              <a:defRPr sz="1300">
+              <a:defRPr sz="1900">
                 <a:solidFill>
                   <a:schemeClr val="tx1">
                     <a:tint val="75000"/>
@@ -930,9 +930,9 @@
                 </a:solidFill>
               </a:defRPr>
             </a:lvl4pPr>
-            <a:lvl5pPr marL="1454368" indent="0">
+            <a:lvl5pPr marL="2181987" indent="0">
               <a:buNone/>
-              <a:defRPr sz="1300">
+              <a:defRPr sz="1900">
                 <a:solidFill>
                   <a:schemeClr val="tx1">
                     <a:tint val="75000"/>
@@ -940,9 +940,9 @@
                 </a:solidFill>
               </a:defRPr>
             </a:lvl5pPr>
-            <a:lvl6pPr marL="1817960" indent="0">
+            <a:lvl6pPr marL="2727484" indent="0">
               <a:buNone/>
-              <a:defRPr sz="1300">
+              <a:defRPr sz="1900">
                 <a:solidFill>
                   <a:schemeClr val="tx1">
                     <a:tint val="75000"/>
@@ -950,9 +950,9 @@
                 </a:solidFill>
               </a:defRPr>
             </a:lvl6pPr>
-            <a:lvl7pPr marL="2181551" indent="0">
+            <a:lvl7pPr marL="3272981" indent="0">
               <a:buNone/>
-              <a:defRPr sz="1300">
+              <a:defRPr sz="1900">
                 <a:solidFill>
                   <a:schemeClr val="tx1">
                     <a:tint val="75000"/>
@@ -960,9 +960,9 @@
                 </a:solidFill>
               </a:defRPr>
             </a:lvl7pPr>
-            <a:lvl8pPr marL="2545143" indent="0">
+            <a:lvl8pPr marL="3818478" indent="0">
               <a:buNone/>
-              <a:defRPr sz="1300">
+              <a:defRPr sz="1900">
                 <a:solidFill>
                   <a:schemeClr val="tx1">
                     <a:tint val="75000"/>
@@ -970,9 +970,9 @@
                 </a:solidFill>
               </a:defRPr>
             </a:lvl8pPr>
-            <a:lvl9pPr marL="2908734" indent="0">
+            <a:lvl9pPr marL="4363974" indent="0">
               <a:buNone/>
-              <a:defRPr sz="1300">
+              <a:defRPr sz="1900">
                 <a:solidFill>
                   <a:schemeClr val="tx1">
                     <a:tint val="75000"/>
@@ -1007,7 +1007,7 @@
           <a:p>
             <a:fld id="{42C1E845-9D35-42B9-9CDA-699C804E8D28}" type="datetimeFigureOut">
               <a:rPr lang="en-US" smtClean="0"/>
-              <a:t>9/6/16</a:t>
+              <a:t>9/10/16</a:t>
             </a:fld>
             <a:endParaRPr lang="en-US"/>
           </a:p>
@@ -1120,8 +1120,8 @@
         </p:nvSpPr>
         <p:spPr>
           <a:xfrm>
-            <a:off x="502920" y="1460501"/>
-            <a:ext cx="3108960" cy="3481071"/>
+            <a:off x="754380" y="2190750"/>
+            <a:ext cx="4663440" cy="5221606"/>
           </a:xfrm>
         </p:spPr>
         <p:txBody>
@@ -1177,8 +1177,8 @@
         </p:nvSpPr>
         <p:spPr>
           <a:xfrm>
-            <a:off x="3703320" y="1460501"/>
-            <a:ext cx="3108960" cy="3481071"/>
+            <a:off x="5554980" y="2190750"/>
+            <a:ext cx="4663440" cy="5221606"/>
           </a:xfrm>
         </p:spPr>
         <p:txBody>
@@ -1239,7 +1239,7 @@
           <a:p>
             <a:fld id="{42C1E845-9D35-42B9-9CDA-699C804E8D28}" type="datetimeFigureOut">
               <a:rPr lang="en-US" smtClean="0"/>
-              <a:t>9/6/16</a:t>
+              <a:t>9/10/16</a:t>
             </a:fld>
             <a:endParaRPr lang="en-US"/>
           </a:p>
@@ -1329,8 +1329,8 @@
         </p:nvSpPr>
         <p:spPr>
           <a:xfrm>
-            <a:off x="503873" y="292103"/>
-            <a:ext cx="6309360" cy="1060451"/>
+            <a:off x="755809" y="438153"/>
+            <a:ext cx="9464040" cy="1590676"/>
           </a:xfrm>
         </p:spPr>
         <p:txBody>
@@ -1357,8 +1357,8 @@
         </p:nvSpPr>
         <p:spPr>
           <a:xfrm>
-            <a:off x="503874" y="1344932"/>
-            <a:ext cx="3094672" cy="659130"/>
+            <a:off x="755811" y="2017397"/>
+            <a:ext cx="4642008" cy="988695"/>
           </a:xfrm>
         </p:spPr>
         <p:txBody>
@@ -1366,39 +1366,39 @@
           <a:lstStyle>
             <a:lvl1pPr marL="0" indent="0">
               <a:buNone/>
+              <a:defRPr sz="2900" b="1"/>
+            </a:lvl1pPr>
+            <a:lvl2pPr marL="545497" indent="0">
+              <a:buNone/>
+              <a:defRPr sz="2400" b="1"/>
+            </a:lvl2pPr>
+            <a:lvl3pPr marL="1090994" indent="0">
+              <a:buNone/>
+              <a:defRPr sz="2200" b="1"/>
+            </a:lvl3pPr>
+            <a:lvl4pPr marL="1636491" indent="0">
+              <a:buNone/>
               <a:defRPr sz="1900" b="1"/>
-            </a:lvl1pPr>
-            <a:lvl2pPr marL="363592" indent="0">
+            </a:lvl4pPr>
+            <a:lvl5pPr marL="2181987" indent="0">
               <a:buNone/>
-              <a:defRPr sz="1600" b="1"/>
-            </a:lvl2pPr>
-            <a:lvl3pPr marL="727185" indent="0">
+              <a:defRPr sz="1900" b="1"/>
+            </a:lvl5pPr>
+            <a:lvl6pPr marL="2727484" indent="0">
               <a:buNone/>
-              <a:defRPr sz="1500" b="1"/>
-            </a:lvl3pPr>
-            <a:lvl4pPr marL="1090776" indent="0">
+              <a:defRPr sz="1900" b="1"/>
+            </a:lvl6pPr>
+            <a:lvl7pPr marL="3272981" indent="0">
               <a:buNone/>
-              <a:defRPr sz="1300" b="1"/>
-            </a:lvl4pPr>
-            <a:lvl5pPr marL="1454368" indent="0">
+              <a:defRPr sz="1900" b="1"/>
+            </a:lvl7pPr>
+            <a:lvl8pPr marL="3818478" indent="0">
               <a:buNone/>
-              <a:defRPr sz="1300" b="1"/>
-            </a:lvl5pPr>
-            <a:lvl6pPr marL="1817960" indent="0">
+              <a:defRPr sz="1900" b="1"/>
+            </a:lvl8pPr>
+            <a:lvl9pPr marL="4363974" indent="0">
               <a:buNone/>
-              <a:defRPr sz="1300" b="1"/>
-            </a:lvl6pPr>
-            <a:lvl7pPr marL="2181551" indent="0">
-              <a:buNone/>
-              <a:defRPr sz="1300" b="1"/>
-            </a:lvl7pPr>
-            <a:lvl8pPr marL="2545143" indent="0">
-              <a:buNone/>
-              <a:defRPr sz="1300" b="1"/>
-            </a:lvl8pPr>
-            <a:lvl9pPr marL="2908734" indent="0">
-              <a:buNone/>
-              <a:defRPr sz="1300" b="1"/>
+              <a:defRPr sz="1900" b="1"/>
             </a:lvl9pPr>
           </a:lstStyle>
           <a:p>
@@ -1422,8 +1422,8 @@
         </p:nvSpPr>
         <p:spPr>
           <a:xfrm>
-            <a:off x="503874" y="2004061"/>
-            <a:ext cx="3094672" cy="2947671"/>
+            <a:off x="755811" y="3006090"/>
+            <a:ext cx="4642008" cy="4421506"/>
           </a:xfrm>
         </p:spPr>
         <p:txBody>
@@ -1479,8 +1479,8 @@
         </p:nvSpPr>
         <p:spPr>
           <a:xfrm>
-            <a:off x="3703322" y="1344932"/>
-            <a:ext cx="3109913" cy="659130"/>
+            <a:off x="5554981" y="2017397"/>
+            <a:ext cx="4664870" cy="988695"/>
           </a:xfrm>
         </p:spPr>
         <p:txBody>
@@ -1488,39 +1488,39 @@
           <a:lstStyle>
             <a:lvl1pPr marL="0" indent="0">
               <a:buNone/>
+              <a:defRPr sz="2900" b="1"/>
+            </a:lvl1pPr>
+            <a:lvl2pPr marL="545497" indent="0">
+              <a:buNone/>
+              <a:defRPr sz="2400" b="1"/>
+            </a:lvl2pPr>
+            <a:lvl3pPr marL="1090994" indent="0">
+              <a:buNone/>
+              <a:defRPr sz="2200" b="1"/>
+            </a:lvl3pPr>
+            <a:lvl4pPr marL="1636491" indent="0">
+              <a:buNone/>
               <a:defRPr sz="1900" b="1"/>
-            </a:lvl1pPr>
-            <a:lvl2pPr marL="363592" indent="0">
+            </a:lvl4pPr>
+            <a:lvl5pPr marL="2181987" indent="0">
               <a:buNone/>
-              <a:defRPr sz="1600" b="1"/>
-            </a:lvl2pPr>
-            <a:lvl3pPr marL="727185" indent="0">
+              <a:defRPr sz="1900" b="1"/>
+            </a:lvl5pPr>
+            <a:lvl6pPr marL="2727484" indent="0">
               <a:buNone/>
-              <a:defRPr sz="1500" b="1"/>
-            </a:lvl3pPr>
-            <a:lvl4pPr marL="1090776" indent="0">
+              <a:defRPr sz="1900" b="1"/>
+            </a:lvl6pPr>
+            <a:lvl7pPr marL="3272981" indent="0">
               <a:buNone/>
-              <a:defRPr sz="1300" b="1"/>
-            </a:lvl4pPr>
-            <a:lvl5pPr marL="1454368" indent="0">
+              <a:defRPr sz="1900" b="1"/>
+            </a:lvl7pPr>
+            <a:lvl8pPr marL="3818478" indent="0">
               <a:buNone/>
-              <a:defRPr sz="1300" b="1"/>
-            </a:lvl5pPr>
-            <a:lvl6pPr marL="1817960" indent="0">
+              <a:defRPr sz="1900" b="1"/>
+            </a:lvl8pPr>
+            <a:lvl9pPr marL="4363974" indent="0">
               <a:buNone/>
-              <a:defRPr sz="1300" b="1"/>
-            </a:lvl6pPr>
-            <a:lvl7pPr marL="2181551" indent="0">
-              <a:buNone/>
-              <a:defRPr sz="1300" b="1"/>
-            </a:lvl7pPr>
-            <a:lvl8pPr marL="2545143" indent="0">
-              <a:buNone/>
-              <a:defRPr sz="1300" b="1"/>
-            </a:lvl8pPr>
-            <a:lvl9pPr marL="2908734" indent="0">
-              <a:buNone/>
-              <a:defRPr sz="1300" b="1"/>
+              <a:defRPr sz="1900" b="1"/>
             </a:lvl9pPr>
           </a:lstStyle>
           <a:p>
@@ -1544,8 +1544,8 @@
         </p:nvSpPr>
         <p:spPr>
           <a:xfrm>
-            <a:off x="3703322" y="2004061"/>
-            <a:ext cx="3109913" cy="2947671"/>
+            <a:off x="5554981" y="3006090"/>
+            <a:ext cx="4664870" cy="4421506"/>
           </a:xfrm>
         </p:spPr>
         <p:txBody>
@@ -1606,7 +1606,7 @@
           <a:p>
             <a:fld id="{42C1E845-9D35-42B9-9CDA-699C804E8D28}" type="datetimeFigureOut">
               <a:rPr lang="en-US" smtClean="0"/>
-              <a:t>9/6/16</a:t>
+              <a:t>9/10/16</a:t>
             </a:fld>
             <a:endParaRPr lang="en-US"/>
           </a:p>
@@ -1724,7 +1724,7 @@
           <a:p>
             <a:fld id="{42C1E845-9D35-42B9-9CDA-699C804E8D28}" type="datetimeFigureOut">
               <a:rPr lang="en-US" smtClean="0"/>
-              <a:t>9/6/16</a:t>
+              <a:t>9/10/16</a:t>
             </a:fld>
             <a:endParaRPr lang="en-US"/>
           </a:p>
@@ -1819,7 +1819,7 @@
           <a:p>
             <a:fld id="{42C1E845-9D35-42B9-9CDA-699C804E8D28}" type="datetimeFigureOut">
               <a:rPr lang="en-US" smtClean="0"/>
-              <a:t>9/6/16</a:t>
+              <a:t>9/10/16</a:t>
             </a:fld>
             <a:endParaRPr lang="en-US"/>
           </a:p>
@@ -1909,15 +1909,15 @@
         </p:nvSpPr>
         <p:spPr>
           <a:xfrm>
-            <a:off x="503875" y="365760"/>
-            <a:ext cx="2359343" cy="1280160"/>
+            <a:off x="755811" y="548640"/>
+            <a:ext cx="3539014" cy="1920240"/>
           </a:xfrm>
         </p:spPr>
         <p:txBody>
           <a:bodyPr anchor="b"/>
           <a:lstStyle>
             <a:lvl1pPr>
-              <a:defRPr sz="2500"/>
+              <a:defRPr sz="3800"/>
             </a:lvl1pPr>
           </a:lstStyle>
           <a:p>
@@ -1941,39 +1941,39 @@
         </p:nvSpPr>
         <p:spPr>
           <a:xfrm>
-            <a:off x="3109913" y="789942"/>
-            <a:ext cx="3703320" cy="3898900"/>
+            <a:off x="4664869" y="1184913"/>
+            <a:ext cx="5554980" cy="5848350"/>
           </a:xfrm>
         </p:spPr>
         <p:txBody>
           <a:bodyPr/>
           <a:lstStyle>
             <a:lvl1pPr>
-              <a:defRPr sz="2500"/>
+              <a:defRPr sz="3800"/>
             </a:lvl1pPr>
             <a:lvl2pPr>
-              <a:defRPr sz="2300"/>
+              <a:defRPr sz="3400"/>
             </a:lvl2pPr>
             <a:lvl3pPr>
-              <a:defRPr sz="1900"/>
+              <a:defRPr sz="2900"/>
             </a:lvl3pPr>
             <a:lvl4pPr>
-              <a:defRPr sz="1600"/>
+              <a:defRPr sz="2400"/>
             </a:lvl4pPr>
             <a:lvl5pPr>
-              <a:defRPr sz="1600"/>
+              <a:defRPr sz="2400"/>
             </a:lvl5pPr>
             <a:lvl6pPr>
-              <a:defRPr sz="1600"/>
+              <a:defRPr sz="2400"/>
             </a:lvl6pPr>
             <a:lvl7pPr>
-              <a:defRPr sz="1600"/>
+              <a:defRPr sz="2400"/>
             </a:lvl7pPr>
             <a:lvl8pPr>
-              <a:defRPr sz="1600"/>
+              <a:defRPr sz="2400"/>
             </a:lvl8pPr>
             <a:lvl9pPr>
-              <a:defRPr sz="1600"/>
+              <a:defRPr sz="2400"/>
             </a:lvl9pPr>
           </a:lstStyle>
           <a:p>
@@ -2026,8 +2026,8 @@
         </p:nvSpPr>
         <p:spPr>
           <a:xfrm>
-            <a:off x="503875" y="1645922"/>
-            <a:ext cx="2359343" cy="3049271"/>
+            <a:off x="755811" y="2468881"/>
+            <a:ext cx="3539014" cy="4573906"/>
           </a:xfrm>
         </p:spPr>
         <p:txBody>
@@ -2035,39 +2035,39 @@
           <a:lstStyle>
             <a:lvl1pPr marL="0" indent="0">
               <a:buNone/>
-              <a:defRPr sz="1300"/>
+              <a:defRPr sz="1900"/>
             </a:lvl1pPr>
-            <a:lvl2pPr marL="363592" indent="0">
+            <a:lvl2pPr marL="545497" indent="0">
               <a:buNone/>
-              <a:defRPr sz="1100"/>
+              <a:defRPr sz="1700"/>
             </a:lvl2pPr>
-            <a:lvl3pPr marL="727185" indent="0">
+            <a:lvl3pPr marL="1090994" indent="0">
               <a:buNone/>
-              <a:defRPr sz="1000"/>
+              <a:defRPr sz="1500"/>
             </a:lvl3pPr>
-            <a:lvl4pPr marL="1090776" indent="0">
+            <a:lvl4pPr marL="1636491" indent="0">
               <a:buNone/>
-              <a:defRPr sz="800"/>
+              <a:defRPr sz="1200"/>
             </a:lvl4pPr>
-            <a:lvl5pPr marL="1454368" indent="0">
+            <a:lvl5pPr marL="2181987" indent="0">
               <a:buNone/>
-              <a:defRPr sz="800"/>
+              <a:defRPr sz="1200"/>
             </a:lvl5pPr>
-            <a:lvl6pPr marL="1817960" indent="0">
+            <a:lvl6pPr marL="2727484" indent="0">
               <a:buNone/>
-              <a:defRPr sz="800"/>
+              <a:defRPr sz="1200"/>
             </a:lvl6pPr>
-            <a:lvl7pPr marL="2181551" indent="0">
+            <a:lvl7pPr marL="3272981" indent="0">
               <a:buNone/>
-              <a:defRPr sz="800"/>
+              <a:defRPr sz="1200"/>
             </a:lvl7pPr>
-            <a:lvl8pPr marL="2545143" indent="0">
+            <a:lvl8pPr marL="3818478" indent="0">
               <a:buNone/>
-              <a:defRPr sz="800"/>
+              <a:defRPr sz="1200"/>
             </a:lvl8pPr>
-            <a:lvl9pPr marL="2908734" indent="0">
+            <a:lvl9pPr marL="4363974" indent="0">
               <a:buNone/>
-              <a:defRPr sz="800"/>
+              <a:defRPr sz="1200"/>
             </a:lvl9pPr>
           </a:lstStyle>
           <a:p>
@@ -2096,7 +2096,7 @@
           <a:p>
             <a:fld id="{42C1E845-9D35-42B9-9CDA-699C804E8D28}" type="datetimeFigureOut">
               <a:rPr lang="en-US" smtClean="0"/>
-              <a:t>9/6/16</a:t>
+              <a:t>9/10/16</a:t>
             </a:fld>
             <a:endParaRPr lang="en-US"/>
           </a:p>
@@ -2186,15 +2186,15 @@
         </p:nvSpPr>
         <p:spPr>
           <a:xfrm>
-            <a:off x="503875" y="365760"/>
-            <a:ext cx="2359343" cy="1280160"/>
+            <a:off x="755811" y="548640"/>
+            <a:ext cx="3539014" cy="1920240"/>
           </a:xfrm>
         </p:spPr>
         <p:txBody>
           <a:bodyPr anchor="b"/>
           <a:lstStyle>
             <a:lvl1pPr>
-              <a:defRPr sz="2500"/>
+              <a:defRPr sz="3800"/>
             </a:lvl1pPr>
           </a:lstStyle>
           <a:p>
@@ -2218,8 +2218,8 @@
         </p:nvSpPr>
         <p:spPr>
           <a:xfrm>
-            <a:off x="3109913" y="789942"/>
-            <a:ext cx="3703320" cy="3898900"/>
+            <a:off x="4664869" y="1184913"/>
+            <a:ext cx="5554980" cy="5848350"/>
           </a:xfrm>
         </p:spPr>
         <p:txBody>
@@ -2227,39 +2227,39 @@
           <a:lstStyle>
             <a:lvl1pPr marL="0" indent="0">
               <a:buNone/>
-              <a:defRPr sz="2500"/>
+              <a:defRPr sz="3800"/>
             </a:lvl1pPr>
-            <a:lvl2pPr marL="363592" indent="0">
+            <a:lvl2pPr marL="545497" indent="0">
               <a:buNone/>
-              <a:defRPr sz="2300"/>
+              <a:defRPr sz="3400"/>
             </a:lvl2pPr>
-            <a:lvl3pPr marL="727185" indent="0">
+            <a:lvl3pPr marL="1090994" indent="0">
               <a:buNone/>
-              <a:defRPr sz="1900"/>
+              <a:defRPr sz="2900"/>
             </a:lvl3pPr>
-            <a:lvl4pPr marL="1090776" indent="0">
+            <a:lvl4pPr marL="1636491" indent="0">
               <a:buNone/>
-              <a:defRPr sz="1600"/>
+              <a:defRPr sz="2400"/>
             </a:lvl4pPr>
-            <a:lvl5pPr marL="1454368" indent="0">
+            <a:lvl5pPr marL="2181987" indent="0">
               <a:buNone/>
-              <a:defRPr sz="1600"/>
+              <a:defRPr sz="2400"/>
             </a:lvl5pPr>
-            <a:lvl6pPr marL="1817960" indent="0">
+            <a:lvl6pPr marL="2727484" indent="0">
               <a:buNone/>
-              <a:defRPr sz="1600"/>
+              <a:defRPr sz="2400"/>
             </a:lvl6pPr>
-            <a:lvl7pPr marL="2181551" indent="0">
+            <a:lvl7pPr marL="3272981" indent="0">
               <a:buNone/>
-              <a:defRPr sz="1600"/>
+              <a:defRPr sz="2400"/>
             </a:lvl7pPr>
-            <a:lvl8pPr marL="2545143" indent="0">
+            <a:lvl8pPr marL="3818478" indent="0">
               <a:buNone/>
-              <a:defRPr sz="1600"/>
+              <a:defRPr sz="2400"/>
             </a:lvl8pPr>
-            <a:lvl9pPr marL="2908734" indent="0">
+            <a:lvl9pPr marL="4363974" indent="0">
               <a:buNone/>
-              <a:defRPr sz="1600"/>
+              <a:defRPr sz="2400"/>
             </a:lvl9pPr>
           </a:lstStyle>
           <a:p>
@@ -2283,8 +2283,8 @@
         </p:nvSpPr>
         <p:spPr>
           <a:xfrm>
-            <a:off x="503875" y="1645922"/>
-            <a:ext cx="2359343" cy="3049271"/>
+            <a:off x="755811" y="2468881"/>
+            <a:ext cx="3539014" cy="4573906"/>
           </a:xfrm>
         </p:spPr>
         <p:txBody>
@@ -2292,39 +2292,39 @@
           <a:lstStyle>
             <a:lvl1pPr marL="0" indent="0">
               <a:buNone/>
-              <a:defRPr sz="1300"/>
+              <a:defRPr sz="1900"/>
             </a:lvl1pPr>
-            <a:lvl2pPr marL="363592" indent="0">
+            <a:lvl2pPr marL="545497" indent="0">
               <a:buNone/>
-              <a:defRPr sz="1100"/>
+              <a:defRPr sz="1700"/>
             </a:lvl2pPr>
-            <a:lvl3pPr marL="727185" indent="0">
+            <a:lvl3pPr marL="1090994" indent="0">
               <a:buNone/>
-              <a:defRPr sz="1000"/>
+              <a:defRPr sz="1500"/>
             </a:lvl3pPr>
-            <a:lvl4pPr marL="1090776" indent="0">
+            <a:lvl4pPr marL="1636491" indent="0">
               <a:buNone/>
-              <a:defRPr sz="800"/>
+              <a:defRPr sz="1200"/>
             </a:lvl4pPr>
-            <a:lvl5pPr marL="1454368" indent="0">
+            <a:lvl5pPr marL="2181987" indent="0">
               <a:buNone/>
-              <a:defRPr sz="800"/>
+              <a:defRPr sz="1200"/>
             </a:lvl5pPr>
-            <a:lvl6pPr marL="1817960" indent="0">
+            <a:lvl6pPr marL="2727484" indent="0">
               <a:buNone/>
-              <a:defRPr sz="800"/>
+              <a:defRPr sz="1200"/>
             </a:lvl6pPr>
-            <a:lvl7pPr marL="2181551" indent="0">
+            <a:lvl7pPr marL="3272981" indent="0">
               <a:buNone/>
-              <a:defRPr sz="800"/>
+              <a:defRPr sz="1200"/>
             </a:lvl7pPr>
-            <a:lvl8pPr marL="2545143" indent="0">
+            <a:lvl8pPr marL="3818478" indent="0">
               <a:buNone/>
-              <a:defRPr sz="800"/>
+              <a:defRPr sz="1200"/>
             </a:lvl8pPr>
-            <a:lvl9pPr marL="2908734" indent="0">
+            <a:lvl9pPr marL="4363974" indent="0">
               <a:buNone/>
-              <a:defRPr sz="800"/>
+              <a:defRPr sz="1200"/>
             </a:lvl9pPr>
           </a:lstStyle>
           <a:p>
@@ -2353,7 +2353,7 @@
           <a:p>
             <a:fld id="{42C1E845-9D35-42B9-9CDA-699C804E8D28}" type="datetimeFigureOut">
               <a:rPr lang="en-US" smtClean="0"/>
-              <a:t>9/6/16</a:t>
+              <a:t>9/10/16</a:t>
             </a:fld>
             <a:endParaRPr lang="en-US"/>
           </a:p>
@@ -2448,15 +2448,15 @@
         </p:nvSpPr>
         <p:spPr>
           <a:xfrm>
-            <a:off x="502920" y="292103"/>
-            <a:ext cx="6309360" cy="1060451"/>
+            <a:off x="754380" y="438153"/>
+            <a:ext cx="9464040" cy="1590676"/>
           </a:xfrm>
           <a:prstGeom prst="rect">
             <a:avLst/>
           </a:prstGeom>
         </p:spPr>
         <p:txBody>
-          <a:bodyPr vert="horz" lIns="14544" tIns="7273" rIns="14544" bIns="7273" rtlCol="0" anchor="ctr">
+          <a:bodyPr vert="horz" lIns="21820" tIns="10910" rIns="21820" bIns="10910" rtlCol="0" anchor="ctr">
             <a:normAutofit/>
           </a:bodyPr>
           <a:lstStyle/>
@@ -2481,15 +2481,15 @@
         </p:nvSpPr>
         <p:spPr>
           <a:xfrm>
-            <a:off x="502920" y="1460501"/>
-            <a:ext cx="6309360" cy="3481071"/>
+            <a:off x="754380" y="2190750"/>
+            <a:ext cx="9464040" cy="5221606"/>
           </a:xfrm>
           <a:prstGeom prst="rect">
             <a:avLst/>
           </a:prstGeom>
         </p:spPr>
         <p:txBody>
-          <a:bodyPr vert="horz" lIns="14544" tIns="7273" rIns="14544" bIns="7273" rtlCol="0">
+          <a:bodyPr vert="horz" lIns="21820" tIns="10910" rIns="21820" bIns="10910" rtlCol="0">
             <a:normAutofit/>
           </a:bodyPr>
           <a:lstStyle/>
@@ -2543,18 +2543,18 @@
         </p:nvSpPr>
         <p:spPr>
           <a:xfrm>
-            <a:off x="502920" y="5085083"/>
-            <a:ext cx="1645920" cy="292101"/>
+            <a:off x="754380" y="7627622"/>
+            <a:ext cx="2468880" cy="438151"/>
           </a:xfrm>
           <a:prstGeom prst="rect">
             <a:avLst/>
           </a:prstGeom>
         </p:spPr>
         <p:txBody>
-          <a:bodyPr vert="horz" lIns="14544" tIns="7273" rIns="14544" bIns="7273" rtlCol="0" anchor="ctr"/>
+          <a:bodyPr vert="horz" lIns="21820" tIns="10910" rIns="21820" bIns="10910" rtlCol="0" anchor="ctr"/>
           <a:lstStyle>
             <a:lvl1pPr algn="l">
-              <a:defRPr sz="1000">
+              <a:defRPr sz="1500">
                 <a:solidFill>
                   <a:schemeClr val="tx1">
                     <a:tint val="75000"/>
@@ -2566,7 +2566,7 @@
           <a:p>
             <a:fld id="{42C1E845-9D35-42B9-9CDA-699C804E8D28}" type="datetimeFigureOut">
               <a:rPr lang="en-US" smtClean="0"/>
-              <a:t>9/6/16</a:t>
+              <a:t>9/10/16</a:t>
             </a:fld>
             <a:endParaRPr lang="en-US"/>
           </a:p>
@@ -2584,18 +2584,18 @@
         </p:nvSpPr>
         <p:spPr>
           <a:xfrm>
-            <a:off x="2423160" y="5085083"/>
-            <a:ext cx="2468880" cy="292101"/>
+            <a:off x="3634740" y="7627622"/>
+            <a:ext cx="3703320" cy="438151"/>
           </a:xfrm>
           <a:prstGeom prst="rect">
             <a:avLst/>
           </a:prstGeom>
         </p:spPr>
         <p:txBody>
-          <a:bodyPr vert="horz" lIns="14544" tIns="7273" rIns="14544" bIns="7273" rtlCol="0" anchor="ctr"/>
+          <a:bodyPr vert="horz" lIns="21820" tIns="10910" rIns="21820" bIns="10910" rtlCol="0" anchor="ctr"/>
           <a:lstStyle>
             <a:lvl1pPr algn="ctr">
-              <a:defRPr sz="1000">
+              <a:defRPr sz="1500">
                 <a:solidFill>
                   <a:schemeClr val="tx1">
                     <a:tint val="75000"/>
@@ -2621,18 +2621,18 @@
         </p:nvSpPr>
         <p:spPr>
           <a:xfrm>
-            <a:off x="5166360" y="5085083"/>
-            <a:ext cx="1645920" cy="292101"/>
+            <a:off x="7749540" y="7627622"/>
+            <a:ext cx="2468880" cy="438151"/>
           </a:xfrm>
           <a:prstGeom prst="rect">
             <a:avLst/>
           </a:prstGeom>
         </p:spPr>
         <p:txBody>
-          <a:bodyPr vert="horz" lIns="14544" tIns="7273" rIns="14544" bIns="7273" rtlCol="0" anchor="ctr"/>
+          <a:bodyPr vert="horz" lIns="21820" tIns="10910" rIns="21820" bIns="10910" rtlCol="0" anchor="ctr"/>
           <a:lstStyle>
             <a:lvl1pPr algn="r">
-              <a:defRPr sz="1000">
+              <a:defRPr sz="1500">
                 <a:solidFill>
                   <a:schemeClr val="tx1">
                     <a:tint val="75000"/>
@@ -2673,7 +2673,7 @@
   </p:sldLayoutIdLst>
   <p:txStyles>
     <p:titleStyle>
-      <a:lvl1pPr algn="l" defTabSz="727185" rtl="0" eaLnBrk="1" latinLnBrk="0" hangingPunct="1">
+      <a:lvl1pPr algn="l" defTabSz="1090994" rtl="0" eaLnBrk="1" latinLnBrk="0" hangingPunct="1">
         <a:lnSpc>
           <a:spcPct val="90000"/>
         </a:lnSpc>
@@ -2681,7 +2681,7 @@
           <a:spcPct val="0"/>
         </a:spcBef>
         <a:buNone/>
-        <a:defRPr sz="3500" kern="1200">
+        <a:defRPr sz="5300" kern="1200">
           <a:solidFill>
             <a:schemeClr val="tx1"/>
           </a:solidFill>
@@ -2692,16 +2692,16 @@
       </a:lvl1pPr>
     </p:titleStyle>
     <p:bodyStyle>
-      <a:lvl1pPr marL="181796" indent="-181796" algn="l" defTabSz="727185" rtl="0" eaLnBrk="1" latinLnBrk="0" hangingPunct="1">
+      <a:lvl1pPr marL="272749" indent="-272749" algn="l" defTabSz="1090994" rtl="0" eaLnBrk="1" latinLnBrk="0" hangingPunct="1">
         <a:lnSpc>
           <a:spcPct val="90000"/>
         </a:lnSpc>
         <a:spcBef>
-          <a:spcPts val="795"/>
+          <a:spcPts val="1193"/>
         </a:spcBef>
         <a:buFont typeface="Arial" panose="020B0604020202020204" pitchFamily="34" charset="0"/>
         <a:buChar char="•"/>
-        <a:defRPr sz="2300" kern="1200">
+        <a:defRPr sz="3400" kern="1200">
           <a:solidFill>
             <a:schemeClr val="tx1"/>
           </a:solidFill>
@@ -2710,16 +2710,16 @@
           <a:cs typeface="+mn-cs"/>
         </a:defRPr>
       </a:lvl1pPr>
-      <a:lvl2pPr marL="545387" indent="-181796" algn="l" defTabSz="727185" rtl="0" eaLnBrk="1" latinLnBrk="0" hangingPunct="1">
+      <a:lvl2pPr marL="818245" indent="-272749" algn="l" defTabSz="1090994" rtl="0" eaLnBrk="1" latinLnBrk="0" hangingPunct="1">
         <a:lnSpc>
           <a:spcPct val="90000"/>
         </a:lnSpc>
         <a:spcBef>
-          <a:spcPts val="398"/>
+          <a:spcPts val="597"/>
         </a:spcBef>
         <a:buFont typeface="Arial" panose="020B0604020202020204" pitchFamily="34" charset="0"/>
         <a:buChar char="•"/>
-        <a:defRPr sz="1900" kern="1200">
+        <a:defRPr sz="2900" kern="1200">
           <a:solidFill>
             <a:schemeClr val="tx1"/>
           </a:solidFill>
@@ -2728,16 +2728,16 @@
           <a:cs typeface="+mn-cs"/>
         </a:defRPr>
       </a:lvl2pPr>
-      <a:lvl3pPr marL="908979" indent="-181796" algn="l" defTabSz="727185" rtl="0" eaLnBrk="1" latinLnBrk="0" hangingPunct="1">
+      <a:lvl3pPr marL="1363742" indent="-272749" algn="l" defTabSz="1090994" rtl="0" eaLnBrk="1" latinLnBrk="0" hangingPunct="1">
         <a:lnSpc>
           <a:spcPct val="90000"/>
         </a:lnSpc>
         <a:spcBef>
-          <a:spcPts val="398"/>
+          <a:spcPts val="597"/>
         </a:spcBef>
         <a:buFont typeface="Arial" panose="020B0604020202020204" pitchFamily="34" charset="0"/>
         <a:buChar char="•"/>
-        <a:defRPr sz="1600" kern="1200">
+        <a:defRPr sz="2400" kern="1200">
           <a:solidFill>
             <a:schemeClr val="tx1"/>
           </a:solidFill>
@@ -2746,16 +2746,16 @@
           <a:cs typeface="+mn-cs"/>
         </a:defRPr>
       </a:lvl3pPr>
-      <a:lvl4pPr marL="1272572" indent="-181796" algn="l" defTabSz="727185" rtl="0" eaLnBrk="1" latinLnBrk="0" hangingPunct="1">
+      <a:lvl4pPr marL="1909239" indent="-272749" algn="l" defTabSz="1090994" rtl="0" eaLnBrk="1" latinLnBrk="0" hangingPunct="1">
         <a:lnSpc>
           <a:spcPct val="90000"/>
         </a:lnSpc>
         <a:spcBef>
-          <a:spcPts val="398"/>
+          <a:spcPts val="597"/>
         </a:spcBef>
         <a:buFont typeface="Arial" panose="020B0604020202020204" pitchFamily="34" charset="0"/>
         <a:buChar char="•"/>
-        <a:defRPr sz="1500" kern="1200">
+        <a:defRPr sz="2200" kern="1200">
           <a:solidFill>
             <a:schemeClr val="tx1"/>
           </a:solidFill>
@@ -2764,16 +2764,16 @@
           <a:cs typeface="+mn-cs"/>
         </a:defRPr>
       </a:lvl4pPr>
-      <a:lvl5pPr marL="1636164" indent="-181796" algn="l" defTabSz="727185" rtl="0" eaLnBrk="1" latinLnBrk="0" hangingPunct="1">
+      <a:lvl5pPr marL="2454736" indent="-272749" algn="l" defTabSz="1090994" rtl="0" eaLnBrk="1" latinLnBrk="0" hangingPunct="1">
         <a:lnSpc>
           <a:spcPct val="90000"/>
         </a:lnSpc>
         <a:spcBef>
-          <a:spcPts val="398"/>
+          <a:spcPts val="597"/>
         </a:spcBef>
         <a:buFont typeface="Arial" panose="020B0604020202020204" pitchFamily="34" charset="0"/>
         <a:buChar char="•"/>
-        <a:defRPr sz="1500" kern="1200">
+        <a:defRPr sz="2200" kern="1200">
           <a:solidFill>
             <a:schemeClr val="tx1"/>
           </a:solidFill>
@@ -2782,16 +2782,16 @@
           <a:cs typeface="+mn-cs"/>
         </a:defRPr>
       </a:lvl5pPr>
-      <a:lvl6pPr marL="1999755" indent="-181796" algn="l" defTabSz="727185" rtl="0" eaLnBrk="1" latinLnBrk="0" hangingPunct="1">
+      <a:lvl6pPr marL="3000232" indent="-272749" algn="l" defTabSz="1090994" rtl="0" eaLnBrk="1" latinLnBrk="0" hangingPunct="1">
         <a:lnSpc>
           <a:spcPct val="90000"/>
         </a:lnSpc>
         <a:spcBef>
-          <a:spcPts val="398"/>
+          <a:spcPts val="597"/>
         </a:spcBef>
         <a:buFont typeface="Arial" panose="020B0604020202020204" pitchFamily="34" charset="0"/>
         <a:buChar char="•"/>
-        <a:defRPr sz="1500" kern="1200">
+        <a:defRPr sz="2200" kern="1200">
           <a:solidFill>
             <a:schemeClr val="tx1"/>
           </a:solidFill>
@@ -2800,16 +2800,16 @@
           <a:cs typeface="+mn-cs"/>
         </a:defRPr>
       </a:lvl6pPr>
-      <a:lvl7pPr marL="2363347" indent="-181796" algn="l" defTabSz="727185" rtl="0" eaLnBrk="1" latinLnBrk="0" hangingPunct="1">
+      <a:lvl7pPr marL="3545729" indent="-272749" algn="l" defTabSz="1090994" rtl="0" eaLnBrk="1" latinLnBrk="0" hangingPunct="1">
         <a:lnSpc>
           <a:spcPct val="90000"/>
         </a:lnSpc>
         <a:spcBef>
-          <a:spcPts val="398"/>
+          <a:spcPts val="597"/>
         </a:spcBef>
         <a:buFont typeface="Arial" panose="020B0604020202020204" pitchFamily="34" charset="0"/>
         <a:buChar char="•"/>
-        <a:defRPr sz="1500" kern="1200">
+        <a:defRPr sz="2200" kern="1200">
           <a:solidFill>
             <a:schemeClr val="tx1"/>
           </a:solidFill>
@@ -2818,16 +2818,16 @@
           <a:cs typeface="+mn-cs"/>
         </a:defRPr>
       </a:lvl7pPr>
-      <a:lvl8pPr marL="2726939" indent="-181796" algn="l" defTabSz="727185" rtl="0" eaLnBrk="1" latinLnBrk="0" hangingPunct="1">
+      <a:lvl8pPr marL="4091226" indent="-272749" algn="l" defTabSz="1090994" rtl="0" eaLnBrk="1" latinLnBrk="0" hangingPunct="1">
         <a:lnSpc>
           <a:spcPct val="90000"/>
         </a:lnSpc>
         <a:spcBef>
-          <a:spcPts val="398"/>
+          <a:spcPts val="597"/>
         </a:spcBef>
         <a:buFont typeface="Arial" panose="020B0604020202020204" pitchFamily="34" charset="0"/>
         <a:buChar char="•"/>
-        <a:defRPr sz="1500" kern="1200">
+        <a:defRPr sz="2200" kern="1200">
           <a:solidFill>
             <a:schemeClr val="tx1"/>
           </a:solidFill>
@@ -2836,16 +2836,16 @@
           <a:cs typeface="+mn-cs"/>
         </a:defRPr>
       </a:lvl8pPr>
-      <a:lvl9pPr marL="3090531" indent="-181796" algn="l" defTabSz="727185" rtl="0" eaLnBrk="1" latinLnBrk="0" hangingPunct="1">
+      <a:lvl9pPr marL="4636723" indent="-272749" algn="l" defTabSz="1090994" rtl="0" eaLnBrk="1" latinLnBrk="0" hangingPunct="1">
         <a:lnSpc>
           <a:spcPct val="90000"/>
         </a:lnSpc>
         <a:spcBef>
-          <a:spcPts val="398"/>
+          <a:spcPts val="597"/>
         </a:spcBef>
         <a:buFont typeface="Arial" panose="020B0604020202020204" pitchFamily="34" charset="0"/>
         <a:buChar char="•"/>
-        <a:defRPr sz="1500" kern="1200">
+        <a:defRPr sz="2200" kern="1200">
           <a:solidFill>
             <a:schemeClr val="tx1"/>
           </a:solidFill>
@@ -2859,8 +2859,8 @@
       <a:defPPr>
         <a:defRPr lang="en-US"/>
       </a:defPPr>
-      <a:lvl1pPr marL="0" algn="l" defTabSz="727185" rtl="0" eaLnBrk="1" latinLnBrk="0" hangingPunct="1">
-        <a:defRPr sz="1500" kern="1200">
+      <a:lvl1pPr marL="0" algn="l" defTabSz="1090994" rtl="0" eaLnBrk="1" latinLnBrk="0" hangingPunct="1">
+        <a:defRPr sz="2200" kern="1200">
           <a:solidFill>
             <a:schemeClr val="tx1"/>
           </a:solidFill>
@@ -2869,8 +2869,8 @@
           <a:cs typeface="+mn-cs"/>
         </a:defRPr>
       </a:lvl1pPr>
-      <a:lvl2pPr marL="363592" algn="l" defTabSz="727185" rtl="0" eaLnBrk="1" latinLnBrk="0" hangingPunct="1">
-        <a:defRPr sz="1500" kern="1200">
+      <a:lvl2pPr marL="545497" algn="l" defTabSz="1090994" rtl="0" eaLnBrk="1" latinLnBrk="0" hangingPunct="1">
+        <a:defRPr sz="2200" kern="1200">
           <a:solidFill>
             <a:schemeClr val="tx1"/>
           </a:solidFill>
@@ -2879,8 +2879,8 @@
           <a:cs typeface="+mn-cs"/>
         </a:defRPr>
       </a:lvl2pPr>
-      <a:lvl3pPr marL="727185" algn="l" defTabSz="727185" rtl="0" eaLnBrk="1" latinLnBrk="0" hangingPunct="1">
-        <a:defRPr sz="1500" kern="1200">
+      <a:lvl3pPr marL="1090994" algn="l" defTabSz="1090994" rtl="0" eaLnBrk="1" latinLnBrk="0" hangingPunct="1">
+        <a:defRPr sz="2200" kern="1200">
           <a:solidFill>
             <a:schemeClr val="tx1"/>
           </a:solidFill>
@@ -2889,8 +2889,8 @@
           <a:cs typeface="+mn-cs"/>
         </a:defRPr>
       </a:lvl3pPr>
-      <a:lvl4pPr marL="1090776" algn="l" defTabSz="727185" rtl="0" eaLnBrk="1" latinLnBrk="0" hangingPunct="1">
-        <a:defRPr sz="1500" kern="1200">
+      <a:lvl4pPr marL="1636491" algn="l" defTabSz="1090994" rtl="0" eaLnBrk="1" latinLnBrk="0" hangingPunct="1">
+        <a:defRPr sz="2200" kern="1200">
           <a:solidFill>
             <a:schemeClr val="tx1"/>
           </a:solidFill>
@@ -2899,8 +2899,8 @@
           <a:cs typeface="+mn-cs"/>
         </a:defRPr>
       </a:lvl4pPr>
-      <a:lvl5pPr marL="1454368" algn="l" defTabSz="727185" rtl="0" eaLnBrk="1" latinLnBrk="0" hangingPunct="1">
-        <a:defRPr sz="1500" kern="1200">
+      <a:lvl5pPr marL="2181987" algn="l" defTabSz="1090994" rtl="0" eaLnBrk="1" latinLnBrk="0" hangingPunct="1">
+        <a:defRPr sz="2200" kern="1200">
           <a:solidFill>
             <a:schemeClr val="tx1"/>
           </a:solidFill>
@@ -2909,8 +2909,8 @@
           <a:cs typeface="+mn-cs"/>
         </a:defRPr>
       </a:lvl5pPr>
-      <a:lvl6pPr marL="1817960" algn="l" defTabSz="727185" rtl="0" eaLnBrk="1" latinLnBrk="0" hangingPunct="1">
-        <a:defRPr sz="1500" kern="1200">
+      <a:lvl6pPr marL="2727484" algn="l" defTabSz="1090994" rtl="0" eaLnBrk="1" latinLnBrk="0" hangingPunct="1">
+        <a:defRPr sz="2200" kern="1200">
           <a:solidFill>
             <a:schemeClr val="tx1"/>
           </a:solidFill>
@@ -2919,8 +2919,8 @@
           <a:cs typeface="+mn-cs"/>
         </a:defRPr>
       </a:lvl6pPr>
-      <a:lvl7pPr marL="2181551" algn="l" defTabSz="727185" rtl="0" eaLnBrk="1" latinLnBrk="0" hangingPunct="1">
-        <a:defRPr sz="1500" kern="1200">
+      <a:lvl7pPr marL="3272981" algn="l" defTabSz="1090994" rtl="0" eaLnBrk="1" latinLnBrk="0" hangingPunct="1">
+        <a:defRPr sz="2200" kern="1200">
           <a:solidFill>
             <a:schemeClr val="tx1"/>
           </a:solidFill>
@@ -2929,8 +2929,8 @@
           <a:cs typeface="+mn-cs"/>
         </a:defRPr>
       </a:lvl7pPr>
-      <a:lvl8pPr marL="2545143" algn="l" defTabSz="727185" rtl="0" eaLnBrk="1" latinLnBrk="0" hangingPunct="1">
-        <a:defRPr sz="1500" kern="1200">
+      <a:lvl8pPr marL="3818478" algn="l" defTabSz="1090994" rtl="0" eaLnBrk="1" latinLnBrk="0" hangingPunct="1">
+        <a:defRPr sz="2200" kern="1200">
           <a:solidFill>
             <a:schemeClr val="tx1"/>
           </a:solidFill>
@@ -2939,8 +2939,8 @@
           <a:cs typeface="+mn-cs"/>
         </a:defRPr>
       </a:lvl8pPr>
-      <a:lvl9pPr marL="2908734" algn="l" defTabSz="727185" rtl="0" eaLnBrk="1" latinLnBrk="0" hangingPunct="1">
-        <a:defRPr sz="1500" kern="1200">
+      <a:lvl9pPr marL="4363974" algn="l" defTabSz="1090994" rtl="0" eaLnBrk="1" latinLnBrk="0" hangingPunct="1">
+        <a:defRPr sz="2200" kern="1200">
           <a:solidFill>
             <a:schemeClr val="tx1"/>
           </a:solidFill>
@@ -2971,813 +2971,631 @@
           <a:chExt cx="0" cy="0"/>
         </a:xfrm>
       </p:grpSpPr>
-      <p:grpSp>
-        <p:nvGrpSpPr>
-          <p:cNvPr id="582" name="Group 581"/>
-          <p:cNvGrpSpPr/>
-          <p:nvPr/>
-        </p:nvGrpSpPr>
-        <p:grpSpPr>
+      <p:pic>
+        <p:nvPicPr>
+          <p:cNvPr id="583" name="Picture 582"/>
+          <p:cNvPicPr>
+            <a:picLocks noChangeAspect="1"/>
+          </p:cNvPicPr>
+          <p:nvPr/>
+        </p:nvPicPr>
+        <p:blipFill>
+          <a:blip r:embed="rId2" cstate="email">
+            <a:extLst>
+              <a:ext uri="{28A0092B-C50C-407E-A947-70E740481C1C}">
+                <a14:useLocalDpi xmlns:a14="http://schemas.microsoft.com/office/drawing/2010/main"/>
+              </a:ext>
+            </a:extLst>
+          </a:blip>
+          <a:stretch>
+            <a:fillRect/>
+          </a:stretch>
+        </p:blipFill>
+        <p:spPr>
           <a:xfrm>
-            <a:off x="-908934" y="-22249"/>
-            <a:ext cx="3971877" cy="2234181"/>
-            <a:chOff x="-4711990" y="513760"/>
-            <a:chExt cx="24328597" cy="13684834"/>
-          </a:xfrm>
-        </p:grpSpPr>
-        <p:pic>
-          <p:nvPicPr>
-            <p:cNvPr id="583" name="Picture 582"/>
-            <p:cNvPicPr>
-              <a:picLocks noChangeAspect="1"/>
-            </p:cNvPicPr>
-            <p:nvPr/>
-          </p:nvPicPr>
-          <p:blipFill>
-            <a:blip r:embed="rId2" cstate="email">
-              <a:extLst>
-                <a:ext uri="{28A0092B-C50C-407E-A947-70E740481C1C}">
-                  <a14:useLocalDpi xmlns:a14="http://schemas.microsoft.com/office/drawing/2010/main"/>
-                </a:ext>
-              </a:extLst>
-            </a:blip>
-            <a:stretch>
-              <a:fillRect/>
-            </a:stretch>
-          </p:blipFill>
-          <p:spPr>
-            <a:xfrm>
-              <a:off x="-4711990" y="513760"/>
-              <a:ext cx="24328597" cy="13684834"/>
-            </a:xfrm>
-            <a:prstGeom prst="rect">
-              <a:avLst/>
-            </a:prstGeom>
-          </p:spPr>
-        </p:pic>
-        <p:grpSp>
-          <p:nvGrpSpPr>
-            <p:cNvPr id="584" name="Group 583"/>
-            <p:cNvGrpSpPr/>
-            <p:nvPr/>
-          </p:nvGrpSpPr>
-          <p:grpSpPr>
-            <a:xfrm>
-              <a:off x="2297428" y="1529854"/>
-              <a:ext cx="10022377" cy="11123110"/>
-              <a:chOff x="2230124" y="-85772"/>
-              <a:chExt cx="9620593" cy="11967885"/>
-            </a:xfrm>
-          </p:grpSpPr>
-          <p:sp>
-            <p:nvSpPr>
-              <p:cNvPr id="585" name="Rectangle 584"/>
-              <p:cNvSpPr/>
-              <p:nvPr/>
-            </p:nvSpPr>
-            <p:spPr>
-              <a:xfrm>
-                <a:off x="7104421" y="6869680"/>
-                <a:ext cx="4746296" cy="2589096"/>
-              </a:xfrm>
-              <a:prstGeom prst="rect">
-                <a:avLst/>
-              </a:prstGeom>
-              <a:solidFill>
-                <a:srgbClr val="FFFF00"/>
-              </a:solidFill>
-              <a:ln>
-                <a:solidFill>
-                  <a:schemeClr val="tx1"/>
-                </a:solidFill>
-              </a:ln>
-              <a:effectLst/>
-            </p:spPr>
-            <p:style>
-              <a:lnRef idx="1">
-                <a:schemeClr val="accent1"/>
-              </a:lnRef>
-              <a:fillRef idx="3">
-                <a:schemeClr val="accent1"/>
-              </a:fillRef>
-              <a:effectRef idx="2">
-                <a:schemeClr val="accent1"/>
-              </a:effectRef>
-              <a:fontRef idx="minor">
-                <a:schemeClr val="lt1"/>
-              </a:fontRef>
-            </p:style>
-            <p:txBody>
-              <a:bodyPr rtlCol="0" anchor="ctr"/>
-              <a:lstStyle/>
-              <a:p>
-                <a:pPr algn="ctr"/>
-                <a:endParaRPr lang="en-US" sz="1700">
-                  <a:latin typeface="Times New Roman"/>
-                  <a:cs typeface="Times New Roman"/>
-                </a:endParaRPr>
-              </a:p>
-            </p:txBody>
-          </p:sp>
-          <p:sp>
-            <p:nvSpPr>
-              <p:cNvPr id="586" name="Rectangle 585"/>
-              <p:cNvSpPr/>
-              <p:nvPr/>
-            </p:nvSpPr>
-            <p:spPr>
-              <a:xfrm>
-                <a:off x="8104269" y="1111813"/>
-                <a:ext cx="3490768" cy="3704315"/>
-              </a:xfrm>
-              <a:prstGeom prst="rect">
-                <a:avLst/>
-              </a:prstGeom>
-              <a:solidFill>
-                <a:schemeClr val="accent6"/>
-              </a:solidFill>
-              <a:ln>
-                <a:solidFill>
-                  <a:schemeClr val="tx1"/>
-                </a:solidFill>
-              </a:ln>
-              <a:effectLst/>
-            </p:spPr>
-            <p:style>
-              <a:lnRef idx="1">
-                <a:schemeClr val="accent1"/>
-              </a:lnRef>
-              <a:fillRef idx="3">
-                <a:schemeClr val="accent1"/>
-              </a:fillRef>
-              <a:effectRef idx="2">
-                <a:schemeClr val="accent1"/>
-              </a:effectRef>
-              <a:fontRef idx="minor">
-                <a:schemeClr val="lt1"/>
-              </a:fontRef>
-            </p:style>
-            <p:txBody>
-              <a:bodyPr rtlCol="0" anchor="ctr"/>
-              <a:lstStyle/>
-              <a:p>
-                <a:pPr algn="ctr"/>
-                <a:endParaRPr lang="en-US" sz="1700">
-                  <a:latin typeface="Times New Roman"/>
-                  <a:cs typeface="Times New Roman"/>
-                </a:endParaRPr>
-              </a:p>
-            </p:txBody>
-          </p:sp>
-          <p:sp>
-            <p:nvSpPr>
-              <p:cNvPr id="587" name="TextBox 586"/>
-              <p:cNvSpPr txBox="1"/>
-              <p:nvPr/>
-            </p:nvSpPr>
-            <p:spPr>
-              <a:xfrm>
-                <a:off x="8395321" y="2447759"/>
-                <a:ext cx="2929266" cy="2839721"/>
-              </a:xfrm>
-              <a:prstGeom prst="rect">
-                <a:avLst/>
-              </a:prstGeom>
-              <a:noFill/>
-            </p:spPr>
-            <p:txBody>
-              <a:bodyPr wrap="none" rtlCol="0">
-                <a:spAutoFit/>
-              </a:bodyPr>
-              <a:lstStyle/>
-              <a:p>
-                <a:pPr algn="ctr"/>
-                <a:r>
-                  <a:rPr lang="en-US" sz="1100" dirty="0">
-                    <a:latin typeface="Times New Roman"/>
-                    <a:cs typeface="Times New Roman"/>
-                  </a:rPr>
-                  <a:t>Build</a:t>
-                </a:r>
-              </a:p>
-              <a:p>
-                <a:pPr algn="ctr"/>
-                <a:r>
-                  <a:rPr lang="en-US" sz="1100" dirty="0">
-                    <a:latin typeface="Times New Roman"/>
-                    <a:cs typeface="Times New Roman"/>
-                  </a:rPr>
-                  <a:t>zone</a:t>
-                </a:r>
-              </a:p>
-            </p:txBody>
-          </p:sp>
-          <p:sp>
-            <p:nvSpPr>
-              <p:cNvPr id="588" name="TextBox 587"/>
-              <p:cNvSpPr txBox="1"/>
-              <p:nvPr/>
-            </p:nvSpPr>
-            <p:spPr>
-              <a:xfrm>
-                <a:off x="5220956" y="9867050"/>
-                <a:ext cx="2113198" cy="1724117"/>
-              </a:xfrm>
-              <a:prstGeom prst="rect">
-                <a:avLst/>
-              </a:prstGeom>
-              <a:noFill/>
-            </p:spPr>
-            <p:txBody>
-              <a:bodyPr wrap="none" rtlCol="0">
-                <a:spAutoFit/>
-              </a:bodyPr>
-              <a:lstStyle/>
-              <a:p>
-                <a:pPr algn="ctr"/>
-                <a:r>
-                  <a:rPr lang="en-US" sz="1100" i="1" dirty="0">
-                    <a:latin typeface="Times New Roman"/>
-                    <a:cs typeface="Times New Roman"/>
-                  </a:rPr>
-                  <a:t>2ε</a:t>
-                </a:r>
-              </a:p>
-            </p:txBody>
-          </p:sp>
-          <p:sp>
-            <p:nvSpPr>
-              <p:cNvPr id="589" name="TextBox 588"/>
-              <p:cNvSpPr txBox="1"/>
-              <p:nvPr/>
-            </p:nvSpPr>
-            <p:spPr>
-              <a:xfrm>
-                <a:off x="5331147" y="-85772"/>
-                <a:ext cx="1698494" cy="1724117"/>
-              </a:xfrm>
-              <a:prstGeom prst="rect">
-                <a:avLst/>
-              </a:prstGeom>
-              <a:noFill/>
-            </p:spPr>
-            <p:txBody>
-              <a:bodyPr wrap="none" rtlCol="0">
-                <a:spAutoFit/>
-              </a:bodyPr>
-              <a:lstStyle/>
-              <a:p>
-                <a:pPr algn="ctr"/>
-                <a:r>
-                  <a:rPr lang="en-US" sz="1100" i="1" dirty="0" err="1">
-                    <a:latin typeface="Times New Roman"/>
-                    <a:cs typeface="Times New Roman"/>
-                  </a:rPr>
-                  <a:t>ε</a:t>
-                </a:r>
-                <a:endParaRPr lang="en-US" sz="1100" i="1" dirty="0">
-                  <a:latin typeface="Times New Roman"/>
-                  <a:cs typeface="Times New Roman"/>
-                </a:endParaRPr>
-              </a:p>
-            </p:txBody>
-          </p:sp>
-          <p:sp>
-            <p:nvSpPr>
-              <p:cNvPr id="590" name="TextBox 589"/>
-              <p:cNvSpPr txBox="1"/>
-              <p:nvPr/>
-            </p:nvSpPr>
-            <p:spPr>
-              <a:xfrm>
-                <a:off x="2708664" y="6479145"/>
-                <a:ext cx="2903730" cy="1724117"/>
-              </a:xfrm>
-              <a:prstGeom prst="rect">
-                <a:avLst/>
-              </a:prstGeom>
-              <a:noFill/>
-            </p:spPr>
-            <p:txBody>
-              <a:bodyPr wrap="none" rtlCol="0">
-                <a:spAutoFit/>
-              </a:bodyPr>
-              <a:lstStyle/>
-              <a:p>
-                <a:pPr algn="ctr"/>
-                <a:r>
-                  <a:rPr lang="en-US" sz="1100" i="1" dirty="0">
-                    <a:latin typeface="Times New Roman"/>
-                    <a:cs typeface="Times New Roman"/>
-                  </a:rPr>
-                  <a:t>ε</a:t>
-                </a:r>
-                <a:r>
-                  <a:rPr lang="en-US" sz="1100" dirty="0">
-                    <a:latin typeface="Times New Roman"/>
-                    <a:cs typeface="Times New Roman"/>
-                  </a:rPr>
-                  <a:t>+2</a:t>
-                </a:r>
-                <a:r>
-                  <a:rPr lang="en-US" sz="1100" i="1" dirty="0">
-                    <a:latin typeface="Times New Roman"/>
-                    <a:cs typeface="Times New Roman"/>
-                  </a:rPr>
-                  <a:t>r</a:t>
-                </a:r>
-              </a:p>
-            </p:txBody>
-          </p:sp>
-          <p:cxnSp>
-            <p:nvCxnSpPr>
-              <p:cNvPr id="591" name="Straight Arrow Connector 590"/>
-              <p:cNvCxnSpPr/>
-              <p:nvPr/>
-            </p:nvCxnSpPr>
-            <p:spPr>
-              <a:xfrm>
-                <a:off x="2230124" y="6479148"/>
-                <a:ext cx="3833790" cy="93843"/>
-              </a:xfrm>
-              <a:prstGeom prst="straightConnector1">
-                <a:avLst/>
-              </a:prstGeom>
-              <a:ln w="19050" cmpd="sng">
-                <a:solidFill>
-                  <a:schemeClr val="tx1"/>
-                </a:solidFill>
-                <a:headEnd type="stealth" w="med" len="lg"/>
-                <a:tailEnd type="stealth" w="med" len="lg"/>
-              </a:ln>
-              <a:effectLst/>
-            </p:spPr>
-            <p:style>
-              <a:lnRef idx="2">
-                <a:schemeClr val="accent1"/>
-              </a:lnRef>
-              <a:fillRef idx="0">
-                <a:schemeClr val="accent1"/>
-              </a:fillRef>
-              <a:effectRef idx="1">
-                <a:schemeClr val="accent1"/>
-              </a:effectRef>
-              <a:fontRef idx="minor">
-                <a:schemeClr val="tx1"/>
-              </a:fontRef>
-            </p:style>
-          </p:cxnSp>
-          <p:cxnSp>
-            <p:nvCxnSpPr>
-              <p:cNvPr id="592" name="Straight Arrow Connector 591"/>
-              <p:cNvCxnSpPr/>
-              <p:nvPr/>
-            </p:nvCxnSpPr>
-            <p:spPr>
-              <a:xfrm>
-                <a:off x="6809526" y="9458777"/>
-                <a:ext cx="0" cy="2423336"/>
-              </a:xfrm>
-              <a:prstGeom prst="straightConnector1">
-                <a:avLst/>
-              </a:prstGeom>
-              <a:ln w="19050" cmpd="sng">
-                <a:solidFill>
-                  <a:schemeClr val="tx1"/>
-                </a:solidFill>
-                <a:headEnd type="stealth" w="med" len="lg"/>
-                <a:tailEnd type="stealth" w="med" len="lg"/>
-              </a:ln>
-              <a:effectLst/>
-            </p:spPr>
-            <p:style>
-              <a:lnRef idx="2">
-                <a:schemeClr val="accent1"/>
-              </a:lnRef>
-              <a:fillRef idx="0">
-                <a:schemeClr val="accent1"/>
-              </a:fillRef>
-              <a:effectRef idx="1">
-                <a:schemeClr val="accent1"/>
-              </a:effectRef>
-              <a:fontRef idx="minor">
-                <a:schemeClr val="tx1"/>
-              </a:fontRef>
-            </p:style>
-          </p:cxnSp>
-          <p:cxnSp>
-            <p:nvCxnSpPr>
-              <p:cNvPr id="593" name="Straight Arrow Connector 592"/>
-              <p:cNvCxnSpPr/>
-              <p:nvPr/>
-            </p:nvCxnSpPr>
-            <p:spPr>
-              <a:xfrm>
-                <a:off x="6758675" y="300343"/>
-                <a:ext cx="0" cy="882829"/>
-              </a:xfrm>
-              <a:prstGeom prst="straightConnector1">
-                <a:avLst/>
-              </a:prstGeom>
-              <a:ln w="19050" cmpd="sng">
-                <a:solidFill>
-                  <a:schemeClr val="tx1"/>
-                </a:solidFill>
-                <a:headEnd type="stealth" w="med" len="lg"/>
-                <a:tailEnd type="stealth" w="med" len="lg"/>
-              </a:ln>
-              <a:effectLst/>
-            </p:spPr>
-            <p:style>
-              <a:lnRef idx="2">
-                <a:schemeClr val="accent1"/>
-              </a:lnRef>
-              <a:fillRef idx="0">
-                <a:schemeClr val="accent1"/>
-              </a:fillRef>
-              <a:effectRef idx="1">
-                <a:schemeClr val="accent1"/>
-              </a:effectRef>
-              <a:fontRef idx="minor">
-                <a:schemeClr val="tx1"/>
-              </a:fontRef>
-            </p:style>
-          </p:cxnSp>
-          <p:cxnSp>
-            <p:nvCxnSpPr>
-              <p:cNvPr id="594" name="Straight Arrow Connector 593"/>
-              <p:cNvCxnSpPr/>
-              <p:nvPr/>
-            </p:nvCxnSpPr>
-            <p:spPr>
-              <a:xfrm flipV="1">
-                <a:off x="8104269" y="2058014"/>
-                <a:ext cx="3322953" cy="8429"/>
-              </a:xfrm>
-              <a:prstGeom prst="straightConnector1">
-                <a:avLst/>
-              </a:prstGeom>
-              <a:ln w="57150" cmpd="sng">
-                <a:solidFill>
-                  <a:schemeClr val="tx1"/>
-                </a:solidFill>
-                <a:headEnd type="stealth" w="med" len="lg"/>
-                <a:tailEnd type="stealth" w="med" len="lg"/>
-              </a:ln>
-              <a:effectLst/>
-            </p:spPr>
-            <p:style>
-              <a:lnRef idx="2">
-                <a:schemeClr val="accent1"/>
-              </a:lnRef>
-              <a:fillRef idx="0">
-                <a:schemeClr val="accent1"/>
-              </a:fillRef>
-              <a:effectRef idx="1">
-                <a:schemeClr val="accent1"/>
-              </a:effectRef>
-              <a:fontRef idx="minor">
-                <a:schemeClr val="tx1"/>
-              </a:fontRef>
-            </p:style>
-          </p:cxnSp>
-          <p:sp>
-            <p:nvSpPr>
-              <p:cNvPr id="595" name="TextBox 594"/>
-              <p:cNvSpPr txBox="1"/>
-              <p:nvPr/>
-            </p:nvSpPr>
-            <p:spPr>
-              <a:xfrm>
-                <a:off x="8725541" y="1415635"/>
-                <a:ext cx="2164280" cy="1724117"/>
-              </a:xfrm>
-              <a:prstGeom prst="rect">
-                <a:avLst/>
-              </a:prstGeom>
-              <a:solidFill>
-                <a:schemeClr val="accent6"/>
-              </a:solidFill>
-            </p:spPr>
-            <p:txBody>
-              <a:bodyPr wrap="none" rtlCol="0">
-                <a:spAutoFit/>
-              </a:bodyPr>
-              <a:lstStyle/>
-              <a:p>
-                <a:pPr algn="ctr"/>
-                <a:r>
-                  <a:rPr lang="en-US" sz="1100" i="1" dirty="0" err="1">
-                    <a:latin typeface="Times New Roman"/>
-                    <a:cs typeface="Times New Roman"/>
-                  </a:rPr>
-                  <a:t>w</a:t>
-                </a:r>
-                <a:r>
-                  <a:rPr lang="en-US" sz="1100" i="1" baseline="-25000" dirty="0" err="1">
-                    <a:latin typeface="Times New Roman"/>
-                    <a:cs typeface="Times New Roman"/>
-                  </a:rPr>
-                  <a:t>b</a:t>
-                </a:r>
-                <a:endParaRPr lang="en-US" sz="1100" i="1" dirty="0">
-                  <a:latin typeface="Times New Roman"/>
-                  <a:cs typeface="Times New Roman"/>
-                </a:endParaRPr>
-              </a:p>
-            </p:txBody>
-          </p:sp>
-          <p:cxnSp>
-            <p:nvCxnSpPr>
-              <p:cNvPr id="596" name="Straight Arrow Connector 595"/>
-              <p:cNvCxnSpPr/>
-              <p:nvPr/>
-            </p:nvCxnSpPr>
-            <p:spPr>
-              <a:xfrm>
-                <a:off x="6770310" y="1183172"/>
-                <a:ext cx="0" cy="3737367"/>
-              </a:xfrm>
-              <a:prstGeom prst="straightConnector1">
-                <a:avLst/>
-              </a:prstGeom>
-              <a:ln w="19050" cmpd="sng">
-                <a:solidFill>
-                  <a:schemeClr val="tx1"/>
-                </a:solidFill>
-                <a:headEnd type="stealth" w="med" len="lg"/>
-                <a:tailEnd type="stealth" w="med" len="lg"/>
-              </a:ln>
-              <a:effectLst/>
-            </p:spPr>
-            <p:style>
-              <a:lnRef idx="2">
-                <a:schemeClr val="accent1"/>
-              </a:lnRef>
-              <a:fillRef idx="0">
-                <a:schemeClr val="accent1"/>
-              </a:fillRef>
-              <a:effectRef idx="1">
-                <a:schemeClr val="accent1"/>
-              </a:effectRef>
-              <a:fontRef idx="minor">
-                <a:schemeClr val="tx1"/>
-              </a:fontRef>
-            </p:style>
-          </p:cxnSp>
-          <p:sp>
-            <p:nvSpPr>
-              <p:cNvPr id="597" name="TextBox 596"/>
-              <p:cNvSpPr txBox="1"/>
-              <p:nvPr/>
-            </p:nvSpPr>
-            <p:spPr>
-              <a:xfrm>
-                <a:off x="4517478" y="2363718"/>
-                <a:ext cx="1851612" cy="1724117"/>
-              </a:xfrm>
-              <a:prstGeom prst="rect">
-                <a:avLst/>
-              </a:prstGeom>
-              <a:noFill/>
-            </p:spPr>
-            <p:txBody>
-              <a:bodyPr wrap="square" rtlCol="0">
-                <a:spAutoFit/>
-              </a:bodyPr>
-              <a:lstStyle/>
-              <a:p>
-                <a:pPr algn="ctr"/>
-                <a:r>
-                  <a:rPr lang="en-US" sz="1100" i="1" dirty="0" err="1">
-                    <a:latin typeface="Times New Roman"/>
-                    <a:cs typeface="Times New Roman"/>
-                  </a:rPr>
-                  <a:t>h</a:t>
-                </a:r>
-                <a:r>
-                  <a:rPr lang="en-US" sz="1100" i="1" baseline="-25000" dirty="0" err="1">
-                    <a:latin typeface="Times New Roman"/>
-                    <a:cs typeface="Times New Roman"/>
-                  </a:rPr>
-                  <a:t>b</a:t>
-                </a:r>
-                <a:endParaRPr lang="en-US" sz="1100" i="1" dirty="0">
-                  <a:latin typeface="Times New Roman"/>
-                  <a:cs typeface="Times New Roman"/>
-                </a:endParaRPr>
-              </a:p>
-            </p:txBody>
-          </p:sp>
-          <p:cxnSp>
-            <p:nvCxnSpPr>
-              <p:cNvPr id="598" name="Straight Arrow Connector 597"/>
-              <p:cNvCxnSpPr/>
-              <p:nvPr/>
-            </p:nvCxnSpPr>
-            <p:spPr>
-              <a:xfrm>
-                <a:off x="7224064" y="9849279"/>
-                <a:ext cx="4470712" cy="0"/>
-              </a:xfrm>
-              <a:prstGeom prst="straightConnector1">
-                <a:avLst/>
-              </a:prstGeom>
-              <a:ln w="19050" cmpd="sng">
-                <a:solidFill>
-                  <a:schemeClr val="tx1"/>
-                </a:solidFill>
-                <a:headEnd type="stealth" w="med" len="lg"/>
-                <a:tailEnd type="stealth" w="med" len="lg"/>
-              </a:ln>
-              <a:effectLst/>
-            </p:spPr>
-            <p:style>
-              <a:lnRef idx="2">
-                <a:schemeClr val="accent1"/>
-              </a:lnRef>
-              <a:fillRef idx="0">
-                <a:schemeClr val="accent1"/>
-              </a:fillRef>
-              <a:effectRef idx="1">
-                <a:schemeClr val="accent1"/>
-              </a:effectRef>
-              <a:fontRef idx="minor">
-                <a:schemeClr val="tx1"/>
-              </a:fontRef>
-            </p:style>
-          </p:cxnSp>
-          <p:cxnSp>
-            <p:nvCxnSpPr>
-              <p:cNvPr id="599" name="Straight Arrow Connector 598"/>
-              <p:cNvCxnSpPr/>
-              <p:nvPr/>
-            </p:nvCxnSpPr>
-            <p:spPr>
-              <a:xfrm>
-                <a:off x="6770310" y="6869680"/>
-                <a:ext cx="0" cy="2589096"/>
-              </a:xfrm>
-              <a:prstGeom prst="straightConnector1">
-                <a:avLst/>
-              </a:prstGeom>
-              <a:ln w="19050" cmpd="sng">
-                <a:solidFill>
-                  <a:schemeClr val="tx1"/>
-                </a:solidFill>
-                <a:headEnd type="stealth" w="med" len="lg"/>
-                <a:tailEnd type="stealth" w="med" len="lg"/>
-              </a:ln>
-              <a:effectLst/>
-            </p:spPr>
-            <p:style>
-              <a:lnRef idx="2">
-                <a:schemeClr val="accent1"/>
-              </a:lnRef>
-              <a:fillRef idx="0">
-                <a:schemeClr val="accent1"/>
-              </a:fillRef>
-              <a:effectRef idx="1">
-                <a:schemeClr val="accent1"/>
-              </a:effectRef>
-              <a:fontRef idx="minor">
-                <a:schemeClr val="tx1"/>
-              </a:fontRef>
-            </p:style>
-          </p:cxnSp>
-          <p:sp>
-            <p:nvSpPr>
-              <p:cNvPr id="600" name="TextBox 599"/>
-              <p:cNvSpPr txBox="1"/>
-              <p:nvPr/>
-            </p:nvSpPr>
-            <p:spPr>
-              <a:xfrm>
-                <a:off x="4392576" y="7427406"/>
-                <a:ext cx="2393875" cy="1724117"/>
-              </a:xfrm>
-              <a:prstGeom prst="rect">
-                <a:avLst/>
-              </a:prstGeom>
-              <a:noFill/>
-            </p:spPr>
-            <p:txBody>
-              <a:bodyPr wrap="square" rtlCol="0">
-                <a:spAutoFit/>
-              </a:bodyPr>
-              <a:lstStyle/>
-              <a:p>
-                <a:pPr algn="ctr"/>
-                <a:r>
-                  <a:rPr lang="en-US" sz="1100" i="1" dirty="0" err="1">
-                    <a:latin typeface="Times New Roman"/>
-                    <a:cs typeface="Times New Roman"/>
-                  </a:rPr>
-                  <a:t>h</a:t>
-                </a:r>
-                <a:r>
-                  <a:rPr lang="en-US" sz="1100" i="1" baseline="-25000" dirty="0" err="1">
-                    <a:latin typeface="Times New Roman"/>
-                    <a:cs typeface="Times New Roman"/>
-                  </a:rPr>
-                  <a:t>s</a:t>
-                </a:r>
-                <a:endParaRPr lang="en-US" sz="1100" i="1" dirty="0">
-                  <a:latin typeface="Times New Roman"/>
-                  <a:cs typeface="Times New Roman"/>
-                </a:endParaRPr>
-              </a:p>
-            </p:txBody>
-          </p:sp>
-          <p:sp>
-            <p:nvSpPr>
-              <p:cNvPr id="601" name="TextBox 600"/>
-              <p:cNvSpPr txBox="1"/>
-              <p:nvPr/>
-            </p:nvSpPr>
-            <p:spPr>
-              <a:xfrm>
-                <a:off x="8189004" y="9448466"/>
-                <a:ext cx="1821020" cy="1724117"/>
-              </a:xfrm>
-              <a:prstGeom prst="rect">
-                <a:avLst/>
-              </a:prstGeom>
-              <a:noFill/>
-            </p:spPr>
-            <p:txBody>
-              <a:bodyPr wrap="square" rtlCol="0">
-                <a:spAutoFit/>
-              </a:bodyPr>
-              <a:lstStyle/>
-              <a:p>
-                <a:pPr algn="ctr"/>
-                <a:r>
-                  <a:rPr lang="en-US" sz="1100" i="1" dirty="0" err="1">
-                    <a:latin typeface="Times New Roman"/>
-                    <a:cs typeface="Times New Roman"/>
-                  </a:rPr>
-                  <a:t>w</a:t>
-                </a:r>
-                <a:r>
-                  <a:rPr lang="en-US" sz="1100" i="1" baseline="-25000" dirty="0" err="1">
-                    <a:latin typeface="Times New Roman"/>
-                    <a:cs typeface="Times New Roman"/>
-                  </a:rPr>
-                  <a:t>s</a:t>
-                </a:r>
-                <a:endParaRPr lang="en-US" sz="1100" i="1" dirty="0">
-                  <a:latin typeface="Times New Roman"/>
-                  <a:cs typeface="Times New Roman"/>
-                </a:endParaRPr>
-              </a:p>
-            </p:txBody>
-          </p:sp>
-          <p:sp>
-            <p:nvSpPr>
-              <p:cNvPr id="602" name="TextBox 601"/>
-              <p:cNvSpPr txBox="1"/>
-              <p:nvPr/>
-            </p:nvSpPr>
-            <p:spPr>
-              <a:xfrm>
-                <a:off x="7462242" y="7100851"/>
-                <a:ext cx="3620173" cy="2839721"/>
-              </a:xfrm>
-              <a:prstGeom prst="rect">
-                <a:avLst/>
-              </a:prstGeom>
-              <a:noFill/>
-            </p:spPr>
-            <p:txBody>
-              <a:bodyPr wrap="none" rtlCol="0">
-                <a:spAutoFit/>
-              </a:bodyPr>
-              <a:lstStyle/>
-              <a:p>
-                <a:pPr algn="ctr"/>
-                <a:r>
-                  <a:rPr lang="en-US" sz="1100" dirty="0">
-                    <a:latin typeface="Times New Roman"/>
-                    <a:cs typeface="Times New Roman"/>
-                  </a:rPr>
-                  <a:t>Staging</a:t>
-                </a:r>
-              </a:p>
-              <a:p>
-                <a:pPr algn="ctr"/>
-                <a:r>
-                  <a:rPr lang="en-US" sz="1100" dirty="0">
-                    <a:latin typeface="Times New Roman"/>
-                    <a:cs typeface="Times New Roman"/>
-                  </a:rPr>
-                  <a:t>zone</a:t>
-                </a:r>
-              </a:p>
-            </p:txBody>
-          </p:sp>
-        </p:grpSp>
-      </p:grpSp>
+            <a:off x="-1363401" y="-33373"/>
+            <a:ext cx="5957816" cy="3351271"/>
+          </a:xfrm>
+          <a:prstGeom prst="rect">
+            <a:avLst/>
+          </a:prstGeom>
+        </p:spPr>
+      </p:pic>
+      <p:sp>
+        <p:nvSpPr>
+          <p:cNvPr id="585" name="Rectangle 584"/>
+          <p:cNvSpPr/>
+          <p:nvPr/>
+        </p:nvSpPr>
+        <p:spPr>
+          <a:xfrm>
+            <a:off x="825500" y="1682750"/>
+            <a:ext cx="1993899" cy="869950"/>
+          </a:xfrm>
+          <a:prstGeom prst="rect">
+            <a:avLst/>
+          </a:prstGeom>
+          <a:solidFill>
+            <a:srgbClr val="FFFF00"/>
+          </a:solidFill>
+          <a:ln>
+            <a:solidFill>
+              <a:schemeClr val="tx1"/>
+            </a:solidFill>
+          </a:ln>
+          <a:effectLst/>
+        </p:spPr>
+        <p:style>
+          <a:lnRef idx="1">
+            <a:schemeClr val="accent1"/>
+          </a:lnRef>
+          <a:fillRef idx="3">
+            <a:schemeClr val="accent1"/>
+          </a:fillRef>
+          <a:effectRef idx="2">
+            <a:schemeClr val="accent1"/>
+          </a:effectRef>
+          <a:fontRef idx="minor">
+            <a:schemeClr val="lt1"/>
+          </a:fontRef>
+        </p:style>
+        <p:txBody>
+          <a:bodyPr rtlCol="0" anchor="ctr"/>
+          <a:lstStyle/>
+          <a:p>
+            <a:pPr algn="ctr"/>
+            <a:endParaRPr lang="en-US" sz="2500">
+              <a:latin typeface="Times New Roman"/>
+              <a:cs typeface="Times New Roman"/>
+            </a:endParaRPr>
+          </a:p>
+        </p:txBody>
+      </p:sp>
+      <p:sp>
+        <p:nvSpPr>
+          <p:cNvPr id="586" name="Rectangle 585"/>
+          <p:cNvSpPr/>
+          <p:nvPr/>
+        </p:nvSpPr>
+        <p:spPr>
+          <a:xfrm>
+            <a:off x="825500" y="488031"/>
+            <a:ext cx="2006600" cy="1188368"/>
+          </a:xfrm>
+          <a:prstGeom prst="rect">
+            <a:avLst/>
+          </a:prstGeom>
+          <a:solidFill>
+            <a:schemeClr val="accent6"/>
+          </a:solidFill>
+          <a:ln>
+            <a:solidFill>
+              <a:schemeClr val="tx1"/>
+            </a:solidFill>
+          </a:ln>
+          <a:effectLst/>
+        </p:spPr>
+        <p:style>
+          <a:lnRef idx="1">
+            <a:schemeClr val="accent1"/>
+          </a:lnRef>
+          <a:fillRef idx="3">
+            <a:schemeClr val="accent1"/>
+          </a:fillRef>
+          <a:effectRef idx="2">
+            <a:schemeClr val="accent1"/>
+          </a:effectRef>
+          <a:fontRef idx="minor">
+            <a:schemeClr val="lt1"/>
+          </a:fontRef>
+        </p:style>
+        <p:txBody>
+          <a:bodyPr rtlCol="0" anchor="ctr"/>
+          <a:lstStyle/>
+          <a:p>
+            <a:pPr algn="ctr"/>
+            <a:endParaRPr lang="en-US" sz="2500">
+              <a:latin typeface="Times New Roman"/>
+              <a:cs typeface="Times New Roman"/>
+            </a:endParaRPr>
+          </a:p>
+        </p:txBody>
+      </p:sp>
+      <p:sp>
+        <p:nvSpPr>
+          <p:cNvPr id="587" name="TextBox 586"/>
+          <p:cNvSpPr txBox="1"/>
+          <p:nvPr/>
+        </p:nvSpPr>
+        <p:spPr>
+          <a:xfrm>
+            <a:off x="2059014" y="538097"/>
+            <a:ext cx="646331" cy="584776"/>
+          </a:xfrm>
+          <a:prstGeom prst="rect">
+            <a:avLst/>
+          </a:prstGeom>
+          <a:noFill/>
+        </p:spPr>
+        <p:txBody>
+          <a:bodyPr wrap="none" rtlCol="0">
+            <a:spAutoFit/>
+          </a:bodyPr>
+          <a:lstStyle/>
+          <a:p>
+            <a:pPr algn="ctr"/>
+            <a:r>
+              <a:rPr lang="en-US" sz="1600" dirty="0">
+                <a:latin typeface="Times New Roman"/>
+                <a:cs typeface="Times New Roman"/>
+              </a:rPr>
+              <a:t>Build</a:t>
+            </a:r>
+          </a:p>
+          <a:p>
+            <a:pPr algn="ctr"/>
+            <a:r>
+              <a:rPr lang="en-US" sz="1600" dirty="0">
+                <a:latin typeface="Times New Roman"/>
+                <a:cs typeface="Times New Roman"/>
+              </a:rPr>
+              <a:t>zone</a:t>
+            </a:r>
+          </a:p>
+        </p:txBody>
+      </p:sp>
+      <p:sp>
+        <p:nvSpPr>
+          <p:cNvPr id="588" name="TextBox 587"/>
+          <p:cNvSpPr txBox="1"/>
+          <p:nvPr/>
+        </p:nvSpPr>
+        <p:spPr>
+          <a:xfrm>
+            <a:off x="863675" y="2506154"/>
+            <a:ext cx="332844" cy="338554"/>
+          </a:xfrm>
+          <a:prstGeom prst="rect">
+            <a:avLst/>
+          </a:prstGeom>
+          <a:noFill/>
+        </p:spPr>
+        <p:txBody>
+          <a:bodyPr wrap="none" rtlCol="0">
+            <a:spAutoFit/>
+          </a:bodyPr>
+          <a:lstStyle/>
+          <a:p>
+            <a:pPr algn="ctr"/>
+            <a:r>
+              <a:rPr lang="en-US" sz="1600" i="1" dirty="0" err="1" smtClean="0">
+                <a:latin typeface="Times New Roman"/>
+                <a:cs typeface="Times New Roman"/>
+              </a:rPr>
+              <a:t>ε</a:t>
+            </a:r>
+            <a:endParaRPr lang="en-US" sz="1600" i="1" dirty="0">
+              <a:latin typeface="Times New Roman"/>
+              <a:cs typeface="Times New Roman"/>
+            </a:endParaRPr>
+          </a:p>
+        </p:txBody>
+      </p:sp>
+      <p:sp>
+        <p:nvSpPr>
+          <p:cNvPr id="589" name="TextBox 588"/>
+          <p:cNvSpPr txBox="1"/>
+          <p:nvPr/>
+        </p:nvSpPr>
+        <p:spPr>
+          <a:xfrm>
+            <a:off x="775390" y="113858"/>
+            <a:ext cx="332844" cy="338554"/>
+          </a:xfrm>
+          <a:prstGeom prst="rect">
+            <a:avLst/>
+          </a:prstGeom>
+          <a:noFill/>
+        </p:spPr>
+        <p:txBody>
+          <a:bodyPr wrap="none" rtlCol="0">
+            <a:spAutoFit/>
+          </a:bodyPr>
+          <a:lstStyle/>
+          <a:p>
+            <a:pPr algn="ctr"/>
+            <a:r>
+              <a:rPr lang="en-US" sz="1600" i="1" dirty="0" err="1">
+                <a:latin typeface="Times New Roman"/>
+                <a:cs typeface="Times New Roman"/>
+              </a:rPr>
+              <a:t>ε</a:t>
+            </a:r>
+            <a:endParaRPr lang="en-US" sz="1600" i="1" dirty="0">
+              <a:latin typeface="Times New Roman"/>
+              <a:cs typeface="Times New Roman"/>
+            </a:endParaRPr>
+          </a:p>
+        </p:txBody>
+      </p:sp>
+      <p:sp>
+        <p:nvSpPr>
+          <p:cNvPr id="590" name="TextBox 589"/>
+          <p:cNvSpPr txBox="1"/>
+          <p:nvPr/>
+        </p:nvSpPr>
+        <p:spPr>
+          <a:xfrm>
+            <a:off x="288808" y="1703305"/>
+            <a:ext cx="631002" cy="338554"/>
+          </a:xfrm>
+          <a:prstGeom prst="rect">
+            <a:avLst/>
+          </a:prstGeom>
+          <a:noFill/>
+        </p:spPr>
+        <p:txBody>
+          <a:bodyPr wrap="none" rtlCol="0">
+            <a:spAutoFit/>
+          </a:bodyPr>
+          <a:lstStyle/>
+          <a:p>
+            <a:pPr algn="ctr"/>
+            <a:r>
+              <a:rPr lang="en-US" sz="1600" i="1" dirty="0">
+                <a:latin typeface="Times New Roman"/>
+                <a:cs typeface="Times New Roman"/>
+              </a:rPr>
+              <a:t>ε</a:t>
+            </a:r>
+            <a:r>
+              <a:rPr lang="en-US" sz="1600" dirty="0">
+                <a:latin typeface="Times New Roman"/>
+                <a:cs typeface="Times New Roman"/>
+              </a:rPr>
+              <a:t>+2</a:t>
+            </a:r>
+            <a:r>
+              <a:rPr lang="en-US" sz="1600" i="1" dirty="0">
+                <a:latin typeface="Times New Roman"/>
+                <a:cs typeface="Times New Roman"/>
+              </a:rPr>
+              <a:t>r</a:t>
+            </a:r>
+          </a:p>
+        </p:txBody>
+      </p:sp>
+      <p:cxnSp>
+        <p:nvCxnSpPr>
+          <p:cNvPr id="591" name="Straight Arrow Connector 590"/>
+          <p:cNvCxnSpPr/>
+          <p:nvPr/>
+        </p:nvCxnSpPr>
+        <p:spPr>
+          <a:xfrm>
+            <a:off x="304800" y="1701800"/>
+            <a:ext cx="520700" cy="0"/>
+          </a:xfrm>
+          <a:prstGeom prst="straightConnector1">
+            <a:avLst/>
+          </a:prstGeom>
+          <a:ln w="38100" cmpd="sng">
+            <a:solidFill>
+              <a:schemeClr val="tx1"/>
+            </a:solidFill>
+            <a:headEnd type="stealth" w="med" len="lg"/>
+            <a:tailEnd type="stealth" w="med" len="lg"/>
+          </a:ln>
+          <a:effectLst/>
+        </p:spPr>
+        <p:style>
+          <a:lnRef idx="2">
+            <a:schemeClr val="accent1"/>
+          </a:lnRef>
+          <a:fillRef idx="0">
+            <a:schemeClr val="accent1"/>
+          </a:fillRef>
+          <a:effectRef idx="1">
+            <a:schemeClr val="accent1"/>
+          </a:effectRef>
+          <a:fontRef idx="minor">
+            <a:schemeClr val="tx1"/>
+          </a:fontRef>
+        </p:style>
+      </p:cxnSp>
+      <p:cxnSp>
+        <p:nvCxnSpPr>
+          <p:cNvPr id="596" name="Straight Arrow Connector 595"/>
+          <p:cNvCxnSpPr/>
+          <p:nvPr/>
+        </p:nvCxnSpPr>
+        <p:spPr>
+          <a:xfrm flipH="1">
+            <a:off x="1206500" y="504273"/>
+            <a:ext cx="6458" cy="1159426"/>
+          </a:xfrm>
+          <a:prstGeom prst="straightConnector1">
+            <a:avLst/>
+          </a:prstGeom>
+          <a:ln w="38100" cmpd="sng">
+            <a:solidFill>
+              <a:schemeClr val="tx1"/>
+            </a:solidFill>
+            <a:headEnd type="stealth" w="med" len="lg"/>
+            <a:tailEnd type="stealth" w="med" len="lg"/>
+          </a:ln>
+          <a:effectLst/>
+        </p:spPr>
+        <p:style>
+          <a:lnRef idx="2">
+            <a:schemeClr val="accent1"/>
+          </a:lnRef>
+          <a:fillRef idx="0">
+            <a:schemeClr val="accent1"/>
+          </a:fillRef>
+          <a:effectRef idx="1">
+            <a:schemeClr val="accent1"/>
+          </a:effectRef>
+          <a:fontRef idx="minor">
+            <a:schemeClr val="tx1"/>
+          </a:fontRef>
+        </p:style>
+      </p:cxnSp>
+      <p:sp>
+        <p:nvSpPr>
+          <p:cNvPr id="597" name="TextBox 596"/>
+          <p:cNvSpPr txBox="1"/>
+          <p:nvPr/>
+        </p:nvSpPr>
+        <p:spPr>
+          <a:xfrm>
+            <a:off x="1016052" y="752559"/>
+            <a:ext cx="472377" cy="338554"/>
+          </a:xfrm>
+          <a:prstGeom prst="rect">
+            <a:avLst/>
+          </a:prstGeom>
+          <a:solidFill>
+            <a:srgbClr val="70AD47"/>
+          </a:solidFill>
+        </p:spPr>
+        <p:txBody>
+          <a:bodyPr wrap="square" rtlCol="0">
+            <a:spAutoFit/>
+          </a:bodyPr>
+          <a:lstStyle/>
+          <a:p>
+            <a:r>
+              <a:rPr lang="en-US" sz="1600" i="1" dirty="0" err="1">
+                <a:latin typeface="Times New Roman"/>
+                <a:cs typeface="Times New Roman"/>
+              </a:rPr>
+              <a:t>h</a:t>
+            </a:r>
+            <a:r>
+              <a:rPr lang="en-US" sz="1600" i="1" baseline="-25000" dirty="0" err="1">
+                <a:latin typeface="Times New Roman"/>
+                <a:cs typeface="Times New Roman"/>
+              </a:rPr>
+              <a:t>b</a:t>
+            </a:r>
+            <a:endParaRPr lang="en-US" sz="1600" i="1" dirty="0">
+              <a:latin typeface="Times New Roman"/>
+              <a:cs typeface="Times New Roman"/>
+            </a:endParaRPr>
+          </a:p>
+        </p:txBody>
+      </p:sp>
+      <p:cxnSp>
+        <p:nvCxnSpPr>
+          <p:cNvPr id="598" name="Straight Arrow Connector 597"/>
+          <p:cNvCxnSpPr/>
+          <p:nvPr/>
+        </p:nvCxnSpPr>
+        <p:spPr>
+          <a:xfrm>
+            <a:off x="831850" y="2343150"/>
+            <a:ext cx="2006600" cy="0"/>
+          </a:xfrm>
+          <a:prstGeom prst="straightConnector1">
+            <a:avLst/>
+          </a:prstGeom>
+          <a:ln w="38100" cmpd="sng">
+            <a:solidFill>
+              <a:schemeClr val="tx1"/>
+            </a:solidFill>
+            <a:headEnd type="stealth" w="med" len="lg"/>
+            <a:tailEnd type="stealth" w="med" len="lg"/>
+          </a:ln>
+          <a:effectLst/>
+        </p:spPr>
+        <p:style>
+          <a:lnRef idx="2">
+            <a:schemeClr val="accent1"/>
+          </a:lnRef>
+          <a:fillRef idx="0">
+            <a:schemeClr val="accent1"/>
+          </a:fillRef>
+          <a:effectRef idx="1">
+            <a:schemeClr val="accent1"/>
+          </a:effectRef>
+          <a:fontRef idx="minor">
+            <a:schemeClr val="tx1"/>
+          </a:fontRef>
+        </p:style>
+      </p:cxnSp>
+      <p:cxnSp>
+        <p:nvCxnSpPr>
+          <p:cNvPr id="599" name="Straight Arrow Connector 598"/>
+          <p:cNvCxnSpPr/>
+          <p:nvPr/>
+        </p:nvCxnSpPr>
+        <p:spPr>
+          <a:xfrm>
+            <a:off x="1212850" y="1676399"/>
+            <a:ext cx="0" cy="869950"/>
+          </a:xfrm>
+          <a:prstGeom prst="straightConnector1">
+            <a:avLst/>
+          </a:prstGeom>
+          <a:ln w="38100" cmpd="sng">
+            <a:solidFill>
+              <a:schemeClr val="tx1"/>
+            </a:solidFill>
+            <a:headEnd type="stealth" w="med" len="lg"/>
+            <a:tailEnd type="stealth" w="med" len="lg"/>
+          </a:ln>
+          <a:effectLst/>
+        </p:spPr>
+        <p:style>
+          <a:lnRef idx="2">
+            <a:schemeClr val="accent1"/>
+          </a:lnRef>
+          <a:fillRef idx="0">
+            <a:schemeClr val="accent1"/>
+          </a:fillRef>
+          <a:effectRef idx="1">
+            <a:schemeClr val="accent1"/>
+          </a:effectRef>
+          <a:fontRef idx="minor">
+            <a:schemeClr val="tx1"/>
+          </a:fontRef>
+        </p:style>
+      </p:cxnSp>
+      <p:sp>
+        <p:nvSpPr>
+          <p:cNvPr id="600" name="TextBox 599"/>
+          <p:cNvSpPr txBox="1"/>
+          <p:nvPr/>
+        </p:nvSpPr>
+        <p:spPr>
+          <a:xfrm>
+            <a:off x="1041454" y="1925483"/>
+            <a:ext cx="457145" cy="338554"/>
+          </a:xfrm>
+          <a:prstGeom prst="rect">
+            <a:avLst/>
+          </a:prstGeom>
+          <a:solidFill>
+            <a:srgbClr val="FFFF00"/>
+          </a:solidFill>
+        </p:spPr>
+        <p:txBody>
+          <a:bodyPr wrap="square" rtlCol="0">
+            <a:spAutoFit/>
+          </a:bodyPr>
+          <a:lstStyle/>
+          <a:p>
+            <a:r>
+              <a:rPr lang="en-US" sz="1600" i="1" dirty="0" err="1">
+                <a:latin typeface="Times New Roman"/>
+                <a:cs typeface="Times New Roman"/>
+              </a:rPr>
+              <a:t>h</a:t>
+            </a:r>
+            <a:r>
+              <a:rPr lang="en-US" sz="1600" i="1" baseline="-25000" dirty="0" err="1">
+                <a:latin typeface="Times New Roman"/>
+                <a:cs typeface="Times New Roman"/>
+              </a:rPr>
+              <a:t>s</a:t>
+            </a:r>
+            <a:endParaRPr lang="en-US" sz="1600" i="1" dirty="0">
+              <a:latin typeface="Times New Roman"/>
+              <a:cs typeface="Times New Roman"/>
+            </a:endParaRPr>
+          </a:p>
+        </p:txBody>
+      </p:sp>
+      <p:sp>
+        <p:nvSpPr>
+          <p:cNvPr id="601" name="TextBox 600"/>
+          <p:cNvSpPr txBox="1"/>
+          <p:nvPr/>
+        </p:nvSpPr>
+        <p:spPr>
+          <a:xfrm>
+            <a:off x="1562191" y="2182284"/>
+            <a:ext cx="464572" cy="338554"/>
+          </a:xfrm>
+          <a:prstGeom prst="rect">
+            <a:avLst/>
+          </a:prstGeom>
+          <a:solidFill>
+            <a:srgbClr val="FFFF00"/>
+          </a:solidFill>
+        </p:spPr>
+        <p:txBody>
+          <a:bodyPr wrap="square" rtlCol="0">
+            <a:spAutoFit/>
+          </a:bodyPr>
+          <a:lstStyle/>
+          <a:p>
+            <a:pPr algn="ctr"/>
+            <a:r>
+              <a:rPr lang="en-US" sz="1600" i="1" dirty="0" err="1">
+                <a:latin typeface="Times New Roman"/>
+                <a:cs typeface="Times New Roman"/>
+              </a:rPr>
+              <a:t>w</a:t>
+            </a:r>
+            <a:r>
+              <a:rPr lang="en-US" sz="1600" i="1" baseline="-25000" dirty="0" err="1">
+                <a:latin typeface="Times New Roman"/>
+                <a:cs typeface="Times New Roman"/>
+              </a:rPr>
+              <a:t>s</a:t>
+            </a:r>
+            <a:endParaRPr lang="en-US" sz="1600" i="1" dirty="0">
+              <a:latin typeface="Times New Roman"/>
+              <a:cs typeface="Times New Roman"/>
+            </a:endParaRPr>
+          </a:p>
+        </p:txBody>
+      </p:sp>
+      <p:sp>
+        <p:nvSpPr>
+          <p:cNvPr id="602" name="TextBox 601"/>
+          <p:cNvSpPr txBox="1"/>
+          <p:nvPr/>
+        </p:nvSpPr>
+        <p:spPr>
+          <a:xfrm>
+            <a:off x="1902645" y="1711458"/>
+            <a:ext cx="811640" cy="584776"/>
+          </a:xfrm>
+          <a:prstGeom prst="rect">
+            <a:avLst/>
+          </a:prstGeom>
+          <a:noFill/>
+        </p:spPr>
+        <p:txBody>
+          <a:bodyPr wrap="none" rtlCol="0">
+            <a:spAutoFit/>
+          </a:bodyPr>
+          <a:lstStyle/>
+          <a:p>
+            <a:pPr algn="ctr"/>
+            <a:r>
+              <a:rPr lang="en-US" sz="1600" dirty="0">
+                <a:latin typeface="Times New Roman"/>
+                <a:cs typeface="Times New Roman"/>
+              </a:rPr>
+              <a:t>Staging</a:t>
+            </a:r>
+          </a:p>
+          <a:p>
+            <a:pPr algn="ctr"/>
+            <a:r>
+              <a:rPr lang="en-US" sz="1600" dirty="0">
+                <a:latin typeface="Times New Roman"/>
+                <a:cs typeface="Times New Roman"/>
+              </a:rPr>
+              <a:t>zone</a:t>
+            </a:r>
+          </a:p>
+        </p:txBody>
+      </p:sp>
       <p:pic>
         <p:nvPicPr>
           <p:cNvPr id="603" name="Picture 602"/>
@@ -3800,8 +3618,8 @@
         </p:blipFill>
         <p:spPr>
           <a:xfrm>
-            <a:off x="-364282" y="2418633"/>
-            <a:ext cx="1560439" cy="877747"/>
+            <a:off x="-546424" y="3627947"/>
+            <a:ext cx="2340659" cy="1316621"/>
           </a:xfrm>
           <a:prstGeom prst="rect">
             <a:avLst/>
@@ -3830,8 +3648,8 @@
         </p:blipFill>
         <p:spPr>
           <a:xfrm>
-            <a:off x="-364282" y="3518077"/>
-            <a:ext cx="1556959" cy="875789"/>
+            <a:off x="-546423" y="5277116"/>
+            <a:ext cx="2335438" cy="1313684"/>
           </a:xfrm>
           <a:prstGeom prst="rect">
             <a:avLst/>
@@ -3860,8 +3678,8 @@
         </p:blipFill>
         <p:spPr>
           <a:xfrm>
-            <a:off x="-359998" y="4615569"/>
-            <a:ext cx="1556155" cy="875337"/>
+            <a:off x="-539998" y="6923351"/>
+            <a:ext cx="2334233" cy="1313006"/>
           </a:xfrm>
           <a:prstGeom prst="rect">
             <a:avLst/>
@@ -3890,8 +3708,8 @@
         </p:blipFill>
         <p:spPr>
           <a:xfrm>
-            <a:off x="564643" y="2426516"/>
-            <a:ext cx="1546424" cy="869863"/>
+            <a:off x="846965" y="3639772"/>
+            <a:ext cx="2319636" cy="1304795"/>
           </a:xfrm>
           <a:prstGeom prst="rect">
             <a:avLst/>
@@ -3920,8 +3738,8 @@
         </p:blipFill>
         <p:spPr>
           <a:xfrm>
-            <a:off x="1487059" y="2425911"/>
-            <a:ext cx="1546424" cy="869863"/>
+            <a:off x="2230589" y="3638864"/>
+            <a:ext cx="2319636" cy="1304795"/>
           </a:xfrm>
           <a:prstGeom prst="rect">
             <a:avLst/>
@@ -3950,8 +3768,8 @@
         </p:blipFill>
         <p:spPr>
           <a:xfrm>
-            <a:off x="2410028" y="2426515"/>
-            <a:ext cx="1547122" cy="870256"/>
+            <a:off x="3615040" y="3639772"/>
+            <a:ext cx="2320683" cy="1305384"/>
           </a:xfrm>
           <a:prstGeom prst="rect">
             <a:avLst/>
@@ -3980,8 +3798,8 @@
         </p:blipFill>
         <p:spPr>
           <a:xfrm>
-            <a:off x="3333693" y="2425911"/>
-            <a:ext cx="1546424" cy="869863"/>
+            <a:off x="5000539" y="3638864"/>
+            <a:ext cx="2319636" cy="1304795"/>
           </a:xfrm>
           <a:prstGeom prst="rect">
             <a:avLst/>
@@ -4010,8 +3828,8 @@
         </p:blipFill>
         <p:spPr>
           <a:xfrm>
-            <a:off x="4256109" y="2425911"/>
-            <a:ext cx="1546424" cy="869863"/>
+            <a:off x="6384163" y="3638864"/>
+            <a:ext cx="2319636" cy="1304795"/>
           </a:xfrm>
           <a:prstGeom prst="rect">
             <a:avLst/>
@@ -4040,8 +3858,8 @@
         </p:blipFill>
         <p:spPr>
           <a:xfrm>
-            <a:off x="5179077" y="2418634"/>
-            <a:ext cx="1544973" cy="869047"/>
+            <a:off x="7768613" y="3627948"/>
+            <a:ext cx="2317459" cy="1303571"/>
           </a:xfrm>
           <a:prstGeom prst="rect">
             <a:avLst/>
@@ -4070,8 +3888,8 @@
         </p:blipFill>
         <p:spPr>
           <a:xfrm>
-            <a:off x="6132380" y="2403378"/>
-            <a:ext cx="1532275" cy="861905"/>
+            <a:off x="9198568" y="3605065"/>
+            <a:ext cx="2298412" cy="1292857"/>
           </a:xfrm>
           <a:prstGeom prst="rect">
             <a:avLst/>
@@ -4100,8 +3918,8 @@
         </p:blipFill>
         <p:spPr>
           <a:xfrm>
-            <a:off x="1487061" y="3523756"/>
-            <a:ext cx="1546867" cy="870113"/>
+            <a:off x="2230589" y="5285632"/>
+            <a:ext cx="2320301" cy="1305170"/>
           </a:xfrm>
           <a:prstGeom prst="rect">
             <a:avLst/>
@@ -4130,8 +3948,8 @@
         </p:blipFill>
         <p:spPr>
           <a:xfrm>
-            <a:off x="2410028" y="3525356"/>
-            <a:ext cx="1544018" cy="868510"/>
+            <a:off x="3615040" y="5288034"/>
+            <a:ext cx="2316027" cy="1302765"/>
           </a:xfrm>
           <a:prstGeom prst="rect">
             <a:avLst/>
@@ -4160,8 +3978,8 @@
         </p:blipFill>
         <p:spPr>
           <a:xfrm>
-            <a:off x="557611" y="3520614"/>
-            <a:ext cx="1558035" cy="876395"/>
+            <a:off x="836415" y="5280919"/>
+            <a:ext cx="2337052" cy="1314592"/>
           </a:xfrm>
           <a:prstGeom prst="rect">
             <a:avLst/>
@@ -4190,8 +4008,8 @@
         </p:blipFill>
         <p:spPr>
           <a:xfrm>
-            <a:off x="3328310" y="3525070"/>
-            <a:ext cx="1544530" cy="868798"/>
+            <a:off x="4992464" y="5287604"/>
+            <a:ext cx="2316795" cy="1303197"/>
           </a:xfrm>
           <a:prstGeom prst="rect">
             <a:avLst/>
@@ -4220,8 +4038,8 @@
         </p:blipFill>
         <p:spPr>
           <a:xfrm>
-            <a:off x="5179078" y="3526897"/>
-            <a:ext cx="1542245" cy="867513"/>
+            <a:off x="7768615" y="5290344"/>
+            <a:ext cx="2313367" cy="1301269"/>
           </a:xfrm>
           <a:prstGeom prst="rect">
             <a:avLst/>
@@ -4250,8 +4068,8 @@
         </p:blipFill>
         <p:spPr>
           <a:xfrm>
-            <a:off x="4262217" y="3527439"/>
-            <a:ext cx="1540316" cy="866428"/>
+            <a:off x="6393325" y="5291158"/>
+            <a:ext cx="2310474" cy="1299642"/>
           </a:xfrm>
           <a:prstGeom prst="rect">
             <a:avLst/>
@@ -4280,8 +4098,8 @@
         </p:blipFill>
         <p:spPr>
           <a:xfrm>
-            <a:off x="6122944" y="3511641"/>
-            <a:ext cx="1551146" cy="872520"/>
+            <a:off x="9184414" y="5267462"/>
+            <a:ext cx="2326719" cy="1308780"/>
           </a:xfrm>
           <a:prstGeom prst="rect">
             <a:avLst/>
@@ -4310,8 +4128,8 @@
         </p:blipFill>
         <p:spPr>
           <a:xfrm>
-            <a:off x="554911" y="4615567"/>
-            <a:ext cx="1556157" cy="875339"/>
+            <a:off x="832364" y="6923349"/>
+            <a:ext cx="2334235" cy="1313008"/>
           </a:xfrm>
           <a:prstGeom prst="rect">
             <a:avLst/>
@@ -4340,8 +4158,8 @@
         </p:blipFill>
         <p:spPr>
           <a:xfrm>
-            <a:off x="1482194" y="4615566"/>
-            <a:ext cx="1556157" cy="875339"/>
+            <a:off x="2223289" y="6923348"/>
+            <a:ext cx="2334236" cy="1313008"/>
           </a:xfrm>
           <a:prstGeom prst="rect">
             <a:avLst/>
@@ -4370,8 +4188,8 @@
         </p:blipFill>
         <p:spPr>
           <a:xfrm>
-            <a:off x="2403959" y="4615566"/>
-            <a:ext cx="1556157" cy="875339"/>
+            <a:off x="3605936" y="6923348"/>
+            <a:ext cx="2334236" cy="1313008"/>
           </a:xfrm>
           <a:prstGeom prst="rect">
             <a:avLst/>
@@ -4400,8 +4218,8 @@
         </p:blipFill>
         <p:spPr>
           <a:xfrm>
-            <a:off x="3325723" y="4615566"/>
-            <a:ext cx="1556157" cy="875339"/>
+            <a:off x="4988582" y="6923348"/>
+            <a:ext cx="2334236" cy="1313008"/>
           </a:xfrm>
           <a:prstGeom prst="rect">
             <a:avLst/>
@@ -4430,8 +4248,8 @@
         </p:blipFill>
         <p:spPr>
           <a:xfrm>
-            <a:off x="4256109" y="4615566"/>
-            <a:ext cx="1556157" cy="875339"/>
+            <a:off x="6384162" y="6923348"/>
+            <a:ext cx="2334236" cy="1313008"/>
           </a:xfrm>
           <a:prstGeom prst="rect">
             <a:avLst/>
@@ -4460,8 +4278,8 @@
         </p:blipFill>
         <p:spPr>
           <a:xfrm>
-            <a:off x="5173485" y="4615566"/>
-            <a:ext cx="1556157" cy="875339"/>
+            <a:off x="7760226" y="6923348"/>
+            <a:ext cx="2334236" cy="1313008"/>
           </a:xfrm>
           <a:prstGeom prst="rect">
             <a:avLst/>
@@ -4490,8 +4308,8 @@
         </p:blipFill>
         <p:spPr>
           <a:xfrm>
-            <a:off x="6122945" y="4608124"/>
-            <a:ext cx="1556157" cy="875339"/>
+            <a:off x="9184415" y="6912185"/>
+            <a:ext cx="2334236" cy="1313008"/>
           </a:xfrm>
           <a:prstGeom prst="rect">
             <a:avLst/>
@@ -4506,8 +4324,8 @@
         </p:nvGrpSpPr>
         <p:grpSpPr>
           <a:xfrm>
-            <a:off x="3629070" y="4412400"/>
-            <a:ext cx="45720" cy="182155"/>
+            <a:off x="5443605" y="6618598"/>
+            <a:ext cx="68580" cy="273232"/>
             <a:chOff x="13396070" y="13514614"/>
             <a:chExt cx="274320" cy="1092926"/>
           </a:xfrm>
@@ -4665,8 +4483,8 @@
         </p:nvSpPr>
         <p:spPr>
           <a:xfrm>
-            <a:off x="-6647" y="4455470"/>
-            <a:ext cx="259896" cy="189795"/>
+            <a:off x="-9971" y="6683202"/>
+            <a:ext cx="389844" cy="284693"/>
           </a:xfrm>
           <a:prstGeom prst="rect">
             <a:avLst/>
@@ -4674,20 +4492,20 @@
           <a:noFill/>
         </p:spPr>
         <p:txBody>
-          <a:bodyPr wrap="none" lIns="15236" tIns="7619" rIns="15236" bIns="7619" rtlCol="0">
+          <a:bodyPr wrap="none" lIns="22860" tIns="11430" rIns="22860" bIns="11430" rtlCol="0">
             <a:spAutoFit/>
           </a:bodyPr>
           <a:lstStyle/>
           <a:p>
             <a:r>
-              <a:rPr lang="en-US" sz="1100" i="1" dirty="0">
+              <a:rPr lang="en-US" sz="1700" i="1" dirty="0">
                 <a:latin typeface="Times New Roman"/>
                 <a:cs typeface="Times New Roman"/>
               </a:rPr>
               <a:t>k</a:t>
             </a:r>
             <a:r>
-              <a:rPr lang="en-US" sz="1100" dirty="0">
+              <a:rPr lang="en-US" sz="1700" dirty="0">
                 <a:latin typeface="Times New Roman"/>
                 <a:cs typeface="Times New Roman"/>
               </a:rPr>
@@ -4704,8 +4522,8 @@
         </p:nvSpPr>
         <p:spPr>
           <a:xfrm>
-            <a:off x="-11727" y="3353110"/>
-            <a:ext cx="259896" cy="189795"/>
+            <a:off x="-17591" y="5029662"/>
+            <a:ext cx="389844" cy="284693"/>
           </a:xfrm>
           <a:prstGeom prst="rect">
             <a:avLst/>
@@ -4713,20 +4531,20 @@
           <a:noFill/>
         </p:spPr>
         <p:txBody>
-          <a:bodyPr wrap="none" lIns="15236" tIns="7619" rIns="15236" bIns="7619" rtlCol="0">
+          <a:bodyPr wrap="none" lIns="22860" tIns="11430" rIns="22860" bIns="11430" rtlCol="0">
             <a:spAutoFit/>
           </a:bodyPr>
           <a:lstStyle/>
           <a:p>
             <a:r>
-              <a:rPr lang="en-US" sz="1100" i="1" dirty="0">
+              <a:rPr lang="en-US" sz="1700" i="1" dirty="0">
                 <a:latin typeface="Times New Roman"/>
                 <a:cs typeface="Times New Roman"/>
               </a:rPr>
               <a:t>k</a:t>
             </a:r>
             <a:r>
-              <a:rPr lang="en-US" sz="1100" dirty="0">
+              <a:rPr lang="en-US" sz="1700" dirty="0">
                 <a:latin typeface="Times New Roman"/>
                 <a:cs typeface="Times New Roman"/>
               </a:rPr>
@@ -4743,8 +4561,8 @@
         </p:nvSpPr>
         <p:spPr>
           <a:xfrm>
-            <a:off x="-11727" y="2249458"/>
-            <a:ext cx="259896" cy="189795"/>
+            <a:off x="-17591" y="3374184"/>
+            <a:ext cx="389844" cy="284693"/>
           </a:xfrm>
           <a:prstGeom prst="rect">
             <a:avLst/>
@@ -4752,20 +4570,20 @@
           <a:noFill/>
         </p:spPr>
         <p:txBody>
-          <a:bodyPr wrap="none" lIns="15236" tIns="7619" rIns="15236" bIns="7619" rtlCol="0">
+          <a:bodyPr wrap="none" lIns="22860" tIns="11430" rIns="22860" bIns="11430" rtlCol="0">
             <a:spAutoFit/>
           </a:bodyPr>
           <a:lstStyle/>
           <a:p>
             <a:r>
-              <a:rPr lang="en-US" sz="1100" i="1" dirty="0">
+              <a:rPr lang="en-US" sz="1700" i="1" dirty="0">
                 <a:latin typeface="Times New Roman"/>
                 <a:cs typeface="Times New Roman"/>
               </a:rPr>
               <a:t>k</a:t>
             </a:r>
             <a:r>
-              <a:rPr lang="en-US" sz="1100" dirty="0">
+              <a:rPr lang="en-US" sz="1700" dirty="0">
                 <a:latin typeface="Times New Roman"/>
                 <a:cs typeface="Times New Roman"/>
               </a:rPr>
@@ -4782,8 +4600,8 @@
         </p:nvSpPr>
         <p:spPr>
           <a:xfrm>
-            <a:off x="2264004" y="548906"/>
-            <a:ext cx="389850" cy="189795"/>
+            <a:off x="3396005" y="823357"/>
+            <a:ext cx="584775" cy="284693"/>
           </a:xfrm>
           <a:prstGeom prst="rect">
             <a:avLst/>
@@ -4791,14 +4609,14 @@
           <a:noFill/>
         </p:spPr>
         <p:txBody>
-          <a:bodyPr wrap="none" lIns="15236" tIns="7619" rIns="15236" bIns="7619" rtlCol="0">
+          <a:bodyPr wrap="none" lIns="22860" tIns="11430" rIns="22860" bIns="11430" rtlCol="0">
             <a:spAutoFit/>
           </a:bodyPr>
           <a:lstStyle/>
           <a:p>
             <a:pPr algn="ctr"/>
             <a:r>
-              <a:rPr lang="en-US" sz="1100" dirty="0">
+              <a:rPr lang="en-US" sz="1700" dirty="0">
                 <a:latin typeface="Times New Roman"/>
                 <a:cs typeface="Times New Roman"/>
               </a:rPr>
@@ -4815,8 +4633,8 @@
         </p:nvSpPr>
         <p:spPr>
           <a:xfrm>
-            <a:off x="2266882" y="833441"/>
-            <a:ext cx="313295" cy="189795"/>
+            <a:off x="3400322" y="1250159"/>
+            <a:ext cx="469942" cy="284693"/>
           </a:xfrm>
           <a:prstGeom prst="rect">
             <a:avLst/>
@@ -4824,14 +4642,14 @@
           <a:noFill/>
         </p:spPr>
         <p:txBody>
-          <a:bodyPr wrap="none" lIns="15236" tIns="7619" rIns="15236" bIns="7619" rtlCol="0">
+          <a:bodyPr wrap="none" lIns="22860" tIns="11430" rIns="22860" bIns="11430" rtlCol="0">
             <a:spAutoFit/>
           </a:bodyPr>
           <a:lstStyle/>
           <a:p>
             <a:pPr algn="ctr"/>
             <a:r>
-              <a:rPr lang="en-US" sz="1100" dirty="0">
+              <a:rPr lang="en-US" sz="1700" dirty="0">
                 <a:latin typeface="Times New Roman"/>
                 <a:cs typeface="Times New Roman"/>
               </a:rPr>
@@ -4848,8 +4666,8 @@
         </p:nvSpPr>
         <p:spPr>
           <a:xfrm>
-            <a:off x="2264539" y="1110240"/>
-            <a:ext cx="372751" cy="189795"/>
+            <a:off x="3396806" y="1665357"/>
+            <a:ext cx="559127" cy="284693"/>
           </a:xfrm>
           <a:prstGeom prst="rect">
             <a:avLst/>
@@ -4857,14 +4675,14 @@
           <a:noFill/>
         </p:spPr>
         <p:txBody>
-          <a:bodyPr wrap="none" lIns="15236" tIns="7619" rIns="15236" bIns="7619" rtlCol="0">
+          <a:bodyPr wrap="none" lIns="22860" tIns="11430" rIns="22860" bIns="11430" rtlCol="0">
             <a:spAutoFit/>
           </a:bodyPr>
           <a:lstStyle/>
           <a:p>
             <a:pPr algn="ctr"/>
             <a:r>
-              <a:rPr lang="en-US" sz="1100" dirty="0">
+              <a:rPr lang="en-US" sz="1700" dirty="0">
                 <a:latin typeface="Times New Roman"/>
                 <a:cs typeface="Times New Roman"/>
               </a:rPr>
@@ -4881,8 +4699,8 @@
         </p:nvSpPr>
         <p:spPr>
           <a:xfrm>
-            <a:off x="2237235" y="1394214"/>
-            <a:ext cx="689077" cy="189795"/>
+            <a:off x="3355851" y="2091319"/>
+            <a:ext cx="1033616" cy="284693"/>
           </a:xfrm>
           <a:prstGeom prst="rect">
             <a:avLst/>
@@ -4890,14 +4708,14 @@
           <a:noFill/>
         </p:spPr>
         <p:txBody>
-          <a:bodyPr wrap="none" lIns="15236" tIns="7619" rIns="15236" bIns="7619" rtlCol="0">
+          <a:bodyPr wrap="none" lIns="22860" tIns="11430" rIns="22860" bIns="11430" rtlCol="0">
             <a:spAutoFit/>
           </a:bodyPr>
           <a:lstStyle/>
           <a:p>
             <a:pPr algn="ctr"/>
             <a:r>
-              <a:rPr lang="en-US" sz="1100" dirty="0">
+              <a:rPr lang="en-US" sz="1700" dirty="0">
                 <a:latin typeface="Times New Roman"/>
                 <a:cs typeface="Times New Roman"/>
               </a:rPr>
@@ -4914,8 +4732,8 @@
         </p:nvGrpSpPr>
         <p:grpSpPr>
           <a:xfrm rot="5400000">
-            <a:off x="3019259" y="1412067"/>
-            <a:ext cx="245192" cy="241480"/>
+            <a:off x="4528888" y="2118101"/>
+            <a:ext cx="367788" cy="362220"/>
             <a:chOff x="6330339" y="5786642"/>
             <a:chExt cx="631500" cy="334817"/>
           </a:xfrm>
@@ -5045,8 +4863,8 @@
         </p:nvCxnSpPr>
         <p:spPr>
           <a:xfrm flipH="1">
-            <a:off x="582109" y="3074044"/>
-            <a:ext cx="120952" cy="132554"/>
+            <a:off x="873163" y="4611064"/>
+            <a:ext cx="181428" cy="198831"/>
           </a:xfrm>
           <a:prstGeom prst="straightConnector1">
             <a:avLst/>
@@ -5095,8 +4913,8 @@
         </p:blipFill>
         <p:spPr>
           <a:xfrm>
-            <a:off x="2964709" y="492631"/>
-            <a:ext cx="289561" cy="304801"/>
+            <a:off x="4447062" y="738945"/>
+            <a:ext cx="434341" cy="457201"/>
           </a:xfrm>
           <a:prstGeom prst="rect">
             <a:avLst/>
@@ -5124,8 +4942,8 @@
         </p:blipFill>
         <p:spPr>
           <a:xfrm>
-            <a:off x="2986367" y="852791"/>
-            <a:ext cx="252663" cy="245979"/>
+            <a:off x="4479548" y="1279184"/>
+            <a:ext cx="378995" cy="368969"/>
           </a:xfrm>
           <a:prstGeom prst="rect">
             <a:avLst/>
@@ -5140,8 +4958,8 @@
         </p:nvCxnSpPr>
         <p:spPr>
           <a:xfrm flipH="1">
-            <a:off x="490282" y="3074044"/>
-            <a:ext cx="115303" cy="132554"/>
+            <a:off x="735421" y="4611064"/>
+            <a:ext cx="172955" cy="198831"/>
           </a:xfrm>
           <a:prstGeom prst="straightConnector1">
             <a:avLst/>
@@ -5177,8 +4995,8 @@
         </p:nvCxnSpPr>
         <p:spPr>
           <a:xfrm flipH="1">
-            <a:off x="392804" y="3074044"/>
-            <a:ext cx="112738" cy="132554"/>
+            <a:off x="589205" y="4611064"/>
+            <a:ext cx="169107" cy="198831"/>
           </a:xfrm>
           <a:prstGeom prst="straightConnector1">
             <a:avLst/>
@@ -5214,8 +5032,8 @@
         </p:nvCxnSpPr>
         <p:spPr>
           <a:xfrm flipH="1">
-            <a:off x="292760" y="3074044"/>
-            <a:ext cx="106391" cy="132554"/>
+            <a:off x="439139" y="4611064"/>
+            <a:ext cx="159586" cy="198831"/>
           </a:xfrm>
           <a:prstGeom prst="straightConnector1">
             <a:avLst/>
@@ -5251,8 +5069,8 @@
         </p:nvGrpSpPr>
         <p:grpSpPr>
           <a:xfrm>
-            <a:off x="1929506" y="3027856"/>
-            <a:ext cx="128847" cy="109279"/>
+            <a:off x="2894258" y="4541781"/>
+            <a:ext cx="193270" cy="163919"/>
             <a:chOff x="12500645" y="19167862"/>
             <a:chExt cx="773077" cy="655676"/>
           </a:xfrm>
@@ -5382,8 +5200,8 @@
         </p:nvGrpSpPr>
         <p:grpSpPr>
           <a:xfrm rot="5400000">
-            <a:off x="2816563" y="2912759"/>
-            <a:ext cx="68549" cy="52101"/>
+            <a:off x="4224843" y="4369136"/>
+            <a:ext cx="102824" cy="78151"/>
             <a:chOff x="6330339" y="5786642"/>
             <a:chExt cx="631500" cy="334817"/>
           </a:xfrm>
@@ -5513,8 +5331,8 @@
         </p:nvCxnSpPr>
         <p:spPr>
           <a:xfrm flipH="1">
-            <a:off x="3750893" y="3027854"/>
-            <a:ext cx="203153" cy="4280"/>
+            <a:off x="5626337" y="4541781"/>
+            <a:ext cx="304730" cy="6420"/>
           </a:xfrm>
           <a:prstGeom prst="straightConnector1">
             <a:avLst/>
@@ -5550,8 +5368,8 @@
         </p:nvGrpSpPr>
         <p:grpSpPr>
           <a:xfrm rot="5400000">
-            <a:off x="2816563" y="2816965"/>
-            <a:ext cx="68549" cy="52101"/>
+            <a:off x="4224843" y="4225445"/>
+            <a:ext cx="102824" cy="78151"/>
             <a:chOff x="6330339" y="5786642"/>
             <a:chExt cx="631500" cy="334817"/>
           </a:xfrm>
@@ -5681,8 +5499,8 @@
         </p:nvGrpSpPr>
         <p:grpSpPr>
           <a:xfrm rot="5400000">
-            <a:off x="2816563" y="2731841"/>
-            <a:ext cx="68549" cy="52101"/>
+            <a:off x="4224843" y="4097762"/>
+            <a:ext cx="102824" cy="78151"/>
             <a:chOff x="6330339" y="5786642"/>
             <a:chExt cx="631500" cy="334817"/>
           </a:xfrm>
@@ -5812,8 +5630,8 @@
         </p:nvGrpSpPr>
         <p:grpSpPr>
           <a:xfrm rot="5400000">
-            <a:off x="2816563" y="2644168"/>
-            <a:ext cx="68549" cy="52101"/>
+            <a:off x="4224843" y="3966250"/>
+            <a:ext cx="102824" cy="78151"/>
             <a:chOff x="6330339" y="5786642"/>
             <a:chExt cx="631500" cy="334817"/>
           </a:xfrm>
@@ -5943,8 +5761,8 @@
         </p:nvCxnSpPr>
         <p:spPr>
           <a:xfrm flipH="1">
-            <a:off x="3713005" y="3123659"/>
-            <a:ext cx="62164" cy="609"/>
+            <a:off x="5569508" y="4685486"/>
+            <a:ext cx="93246" cy="914"/>
           </a:xfrm>
           <a:prstGeom prst="straightConnector1">
             <a:avLst/>
@@ -5980,8 +5798,8 @@
         </p:nvCxnSpPr>
         <p:spPr>
           <a:xfrm>
-            <a:off x="4737915" y="2669370"/>
-            <a:ext cx="571105" cy="543"/>
+            <a:off x="7106870" y="4004054"/>
+            <a:ext cx="856657" cy="814"/>
           </a:xfrm>
           <a:prstGeom prst="straightConnector1">
             <a:avLst/>
@@ -6017,8 +5835,8 @@
         </p:nvCxnSpPr>
         <p:spPr>
           <a:xfrm flipV="1">
-            <a:off x="4910453" y="3021436"/>
-            <a:ext cx="446041" cy="1637"/>
+            <a:off x="7365678" y="4532152"/>
+            <a:ext cx="669061" cy="2456"/>
           </a:xfrm>
           <a:prstGeom prst="straightConnector1">
             <a:avLst/>
@@ -6054,8 +5872,8 @@
         </p:nvCxnSpPr>
         <p:spPr>
           <a:xfrm flipV="1">
-            <a:off x="4910453" y="3114468"/>
-            <a:ext cx="446041" cy="2090"/>
+            <a:off x="7365678" y="4671700"/>
+            <a:ext cx="669061" cy="3135"/>
           </a:xfrm>
           <a:prstGeom prst="straightConnector1">
             <a:avLst/>
@@ -6091,8 +5909,8 @@
         </p:nvGrpSpPr>
         <p:grpSpPr>
           <a:xfrm>
-            <a:off x="3825199" y="2829462"/>
-            <a:ext cx="128847" cy="109279"/>
+            <a:off x="5737797" y="4244190"/>
+            <a:ext cx="193270" cy="163919"/>
             <a:chOff x="12500645" y="19167862"/>
             <a:chExt cx="773077" cy="655676"/>
           </a:xfrm>
@@ -6222,8 +6040,8 @@
         </p:nvCxnSpPr>
         <p:spPr>
           <a:xfrm rot="16200000" flipH="1" flipV="1">
-            <a:off x="6005577" y="3012957"/>
-            <a:ext cx="1417" cy="102355"/>
+            <a:off x="9008363" y="4519434"/>
+            <a:ext cx="2126" cy="153532"/>
           </a:xfrm>
           <a:prstGeom prst="straightConnector1">
             <a:avLst/>
@@ -6261,8 +6079,8 @@
         </p:nvCxnSpPr>
         <p:spPr>
           <a:xfrm flipV="1">
-            <a:off x="5944895" y="2951162"/>
-            <a:ext cx="0" cy="122883"/>
+            <a:off x="8917343" y="4426741"/>
+            <a:ext cx="0" cy="184324"/>
           </a:xfrm>
           <a:prstGeom prst="straightConnector1">
             <a:avLst/>
@@ -6301,8 +6119,8 @@
         </p:nvCxnSpPr>
         <p:spPr>
           <a:xfrm rot="16200000">
-            <a:off x="6007608" y="2911781"/>
-            <a:ext cx="1" cy="105000"/>
+            <a:off x="9011410" y="4367672"/>
+            <a:ext cx="1" cy="157500"/>
           </a:xfrm>
           <a:prstGeom prst="straightConnector1">
             <a:avLst/>
@@ -6338,8 +6156,8 @@
         </p:nvCxnSpPr>
         <p:spPr>
           <a:xfrm rot="16200000" flipH="1" flipV="1">
-            <a:off x="6118142" y="2609786"/>
-            <a:ext cx="1417" cy="102355"/>
+            <a:off x="9177211" y="3914678"/>
+            <a:ext cx="2126" cy="153532"/>
           </a:xfrm>
           <a:prstGeom prst="straightConnector1">
             <a:avLst/>
@@ -6377,8 +6195,8 @@
         </p:nvCxnSpPr>
         <p:spPr>
           <a:xfrm flipV="1">
-            <a:off x="6057461" y="2547992"/>
-            <a:ext cx="0" cy="122883"/>
+            <a:off x="9086191" y="3821986"/>
+            <a:ext cx="0" cy="184324"/>
           </a:xfrm>
           <a:prstGeom prst="straightConnector1">
             <a:avLst/>
@@ -6417,8 +6235,8 @@
         </p:nvCxnSpPr>
         <p:spPr>
           <a:xfrm rot="16200000">
-            <a:off x="6120173" y="2508611"/>
-            <a:ext cx="1" cy="105000"/>
+            <a:off x="9180258" y="3762916"/>
+            <a:ext cx="1" cy="157500"/>
           </a:xfrm>
           <a:prstGeom prst="straightConnector1">
             <a:avLst/>
@@ -6454,8 +6272,8 @@
         </p:nvCxnSpPr>
         <p:spPr>
           <a:xfrm flipH="1">
-            <a:off x="608065" y="4169315"/>
-            <a:ext cx="123748" cy="110293"/>
+            <a:off x="912097" y="6253970"/>
+            <a:ext cx="185622" cy="165439"/>
           </a:xfrm>
           <a:prstGeom prst="straightConnector1">
             <a:avLst/>
@@ -6491,8 +6309,8 @@
         </p:nvCxnSpPr>
         <p:spPr>
           <a:xfrm flipH="1">
-            <a:off x="506392" y="4169315"/>
-            <a:ext cx="123748" cy="110293"/>
+            <a:off x="759588" y="6253970"/>
+            <a:ext cx="185622" cy="165439"/>
           </a:xfrm>
           <a:prstGeom prst="straightConnector1">
             <a:avLst/>
@@ -6528,8 +6346,8 @@
         </p:nvCxnSpPr>
         <p:spPr>
           <a:xfrm flipH="1">
-            <a:off x="404719" y="4169315"/>
-            <a:ext cx="123748" cy="110293"/>
+            <a:off x="607078" y="6253970"/>
+            <a:ext cx="185622" cy="165439"/>
           </a:xfrm>
           <a:prstGeom prst="straightConnector1">
             <a:avLst/>
@@ -6565,8 +6383,8 @@
         </p:nvCxnSpPr>
         <p:spPr>
           <a:xfrm flipH="1">
-            <a:off x="507701" y="3710440"/>
-            <a:ext cx="123748" cy="110293"/>
+            <a:off x="761551" y="5565658"/>
+            <a:ext cx="185622" cy="165439"/>
           </a:xfrm>
           <a:prstGeom prst="straightConnector1">
             <a:avLst/>
@@ -6602,8 +6420,8 @@
         </p:nvGrpSpPr>
         <p:grpSpPr>
           <a:xfrm rot="7373386">
-            <a:off x="1309953" y="3809755"/>
-            <a:ext cx="68549" cy="52101"/>
+            <a:off x="1964927" y="5714631"/>
+            <a:ext cx="102824" cy="78151"/>
             <a:chOff x="6330339" y="5786642"/>
             <a:chExt cx="631500" cy="334817"/>
           </a:xfrm>
@@ -6733,8 +6551,8 @@
         </p:nvGrpSpPr>
         <p:grpSpPr>
           <a:xfrm rot="7373386">
-            <a:off x="1217727" y="4271979"/>
-            <a:ext cx="68549" cy="52101"/>
+            <a:off x="1826589" y="6407967"/>
+            <a:ext cx="102824" cy="78151"/>
             <a:chOff x="6330339" y="5786642"/>
             <a:chExt cx="631500" cy="334817"/>
           </a:xfrm>
@@ -6864,8 +6682,8 @@
         </p:nvGrpSpPr>
         <p:grpSpPr>
           <a:xfrm rot="7373386">
-            <a:off x="1226253" y="4186191"/>
-            <a:ext cx="68549" cy="52101"/>
+            <a:off x="1839378" y="6279285"/>
+            <a:ext cx="102824" cy="78151"/>
             <a:chOff x="6330339" y="5786642"/>
             <a:chExt cx="631500" cy="334817"/>
           </a:xfrm>
@@ -6995,8 +6813,8 @@
         </p:nvGrpSpPr>
         <p:grpSpPr>
           <a:xfrm rot="7373386">
-            <a:off x="1120775" y="4271979"/>
-            <a:ext cx="68549" cy="52101"/>
+            <a:off x="1681160" y="6407966"/>
+            <a:ext cx="102824" cy="78151"/>
             <a:chOff x="6330339" y="5786642"/>
             <a:chExt cx="631500" cy="334817"/>
           </a:xfrm>
@@ -7126,8 +6944,8 @@
         </p:nvGrpSpPr>
         <p:grpSpPr>
           <a:xfrm>
-            <a:off x="1930946" y="4124086"/>
-            <a:ext cx="128847" cy="109279"/>
+            <a:off x="2896418" y="6186127"/>
+            <a:ext cx="193270" cy="163919"/>
             <a:chOff x="12500645" y="19167862"/>
             <a:chExt cx="773077" cy="655676"/>
           </a:xfrm>
@@ -7257,8 +7075,8 @@
         </p:nvGrpSpPr>
         <p:grpSpPr>
           <a:xfrm>
-            <a:off x="2307184" y="3659445"/>
-            <a:ext cx="128847" cy="109279"/>
+            <a:off x="3460774" y="5489165"/>
+            <a:ext cx="193270" cy="163919"/>
             <a:chOff x="12500645" y="19167862"/>
             <a:chExt cx="773077" cy="655676"/>
           </a:xfrm>
@@ -7388,8 +7206,8 @@
         </p:nvGrpSpPr>
         <p:grpSpPr>
           <a:xfrm rot="5400000">
-            <a:off x="2818359" y="3828957"/>
-            <a:ext cx="68549" cy="52101"/>
+            <a:off x="4227537" y="5743433"/>
+            <a:ext cx="102824" cy="78151"/>
             <a:chOff x="6330339" y="5786642"/>
             <a:chExt cx="631500" cy="334817"/>
           </a:xfrm>
@@ -7519,8 +7337,8 @@
         </p:nvGrpSpPr>
         <p:grpSpPr>
           <a:xfrm rot="5400000">
-            <a:off x="2818359" y="4013177"/>
-            <a:ext cx="68549" cy="52101"/>
+            <a:off x="4227537" y="6019763"/>
+            <a:ext cx="102824" cy="78151"/>
             <a:chOff x="6330339" y="5786642"/>
             <a:chExt cx="631500" cy="334817"/>
           </a:xfrm>
@@ -7650,8 +7468,8 @@
         </p:nvGrpSpPr>
         <p:grpSpPr>
           <a:xfrm rot="5400000">
-            <a:off x="2818359" y="4098353"/>
-            <a:ext cx="68549" cy="52101"/>
+            <a:off x="4227537" y="6147528"/>
+            <a:ext cx="102824" cy="78151"/>
             <a:chOff x="6330339" y="5786642"/>
             <a:chExt cx="631500" cy="334817"/>
           </a:xfrm>
@@ -7781,8 +7599,8 @@
         </p:nvGrpSpPr>
         <p:grpSpPr>
           <a:xfrm rot="5400000">
-            <a:off x="3139878" y="3633395"/>
-            <a:ext cx="68549" cy="52101"/>
+            <a:off x="4709815" y="5450090"/>
+            <a:ext cx="102824" cy="78151"/>
             <a:chOff x="6330339" y="5786642"/>
             <a:chExt cx="631500" cy="334817"/>
           </a:xfrm>
@@ -7912,8 +7730,8 @@
         </p:nvGrpSpPr>
         <p:grpSpPr>
           <a:xfrm rot="5400000">
-            <a:off x="3059125" y="4006894"/>
-            <a:ext cx="68549" cy="52101"/>
+            <a:off x="4588686" y="6010339"/>
+            <a:ext cx="102824" cy="78151"/>
             <a:chOff x="6330339" y="5786642"/>
             <a:chExt cx="631500" cy="334817"/>
           </a:xfrm>
@@ -8043,8 +7861,8 @@
         </p:nvGrpSpPr>
         <p:grpSpPr>
           <a:xfrm rot="5400000">
-            <a:off x="3163023" y="4006894"/>
-            <a:ext cx="68549" cy="52101"/>
+            <a:off x="4744533" y="6010339"/>
+            <a:ext cx="102824" cy="78151"/>
             <a:chOff x="6330339" y="5786642"/>
             <a:chExt cx="631500" cy="334817"/>
           </a:xfrm>
@@ -8174,8 +7992,8 @@
         </p:nvGrpSpPr>
         <p:grpSpPr>
           <a:xfrm rot="5400000">
-            <a:off x="3259470" y="3996846"/>
-            <a:ext cx="68549" cy="52101"/>
+            <a:off x="4889203" y="5995267"/>
+            <a:ext cx="102824" cy="78151"/>
             <a:chOff x="6330339" y="5786642"/>
             <a:chExt cx="631500" cy="334817"/>
           </a:xfrm>
@@ -8305,8 +8123,8 @@
         </p:nvGrpSpPr>
         <p:grpSpPr>
           <a:xfrm rot="5400000">
-            <a:off x="2971137" y="4096501"/>
-            <a:ext cx="68549" cy="52101"/>
+            <a:off x="4456704" y="6144749"/>
+            <a:ext cx="102824" cy="78151"/>
             <a:chOff x="6330339" y="5786642"/>
             <a:chExt cx="631500" cy="334817"/>
           </a:xfrm>
@@ -8436,8 +8254,8 @@
         </p:nvGrpSpPr>
         <p:grpSpPr>
           <a:xfrm rot="5400000">
-            <a:off x="2894185" y="4096501"/>
-            <a:ext cx="68549" cy="52101"/>
+            <a:off x="4341276" y="6144749"/>
+            <a:ext cx="102824" cy="78151"/>
             <a:chOff x="6330339" y="5786642"/>
             <a:chExt cx="631500" cy="334817"/>
           </a:xfrm>
@@ -8567,8 +8385,8 @@
         </p:nvGrpSpPr>
         <p:grpSpPr>
           <a:xfrm rot="5400000">
-            <a:off x="3059125" y="2912759"/>
-            <a:ext cx="68549" cy="52101"/>
+            <a:off x="4588686" y="4369136"/>
+            <a:ext cx="102824" cy="78151"/>
             <a:chOff x="6330339" y="5786642"/>
             <a:chExt cx="631500" cy="334817"/>
           </a:xfrm>
@@ -8698,8 +8516,8 @@
         </p:nvGrpSpPr>
         <p:grpSpPr>
           <a:xfrm rot="5400000">
-            <a:off x="3163023" y="2912759"/>
-            <a:ext cx="68549" cy="52101"/>
+            <a:off x="4744533" y="4369136"/>
+            <a:ext cx="102824" cy="78151"/>
             <a:chOff x="6330339" y="5786642"/>
             <a:chExt cx="631500" cy="334817"/>
           </a:xfrm>
@@ -8829,8 +8647,8 @@
         </p:nvGrpSpPr>
         <p:grpSpPr>
           <a:xfrm rot="5400000">
-            <a:off x="3259470" y="2902711"/>
-            <a:ext cx="68549" cy="52101"/>
+            <a:off x="4889203" y="4354064"/>
+            <a:ext cx="102824" cy="78151"/>
             <a:chOff x="6330339" y="5786642"/>
             <a:chExt cx="631500" cy="334817"/>
           </a:xfrm>
@@ -8960,8 +8778,8 @@
         </p:nvGrpSpPr>
         <p:grpSpPr>
           <a:xfrm rot="5400000">
-            <a:off x="2971137" y="3002365"/>
-            <a:ext cx="68549" cy="52101"/>
+            <a:off x="4456704" y="4503545"/>
+            <a:ext cx="102824" cy="78151"/>
             <a:chOff x="6330339" y="5786642"/>
             <a:chExt cx="631500" cy="334817"/>
           </a:xfrm>
@@ -9091,8 +8909,8 @@
         </p:nvGrpSpPr>
         <p:grpSpPr>
           <a:xfrm rot="5400000">
-            <a:off x="2894185" y="3002365"/>
-            <a:ext cx="68549" cy="52101"/>
+            <a:off x="4341276" y="4503545"/>
+            <a:ext cx="102824" cy="78151"/>
             <a:chOff x="6330339" y="5786642"/>
             <a:chExt cx="631500" cy="334817"/>
           </a:xfrm>
@@ -9222,8 +9040,8 @@
         </p:nvCxnSpPr>
         <p:spPr>
           <a:xfrm flipH="1">
-            <a:off x="3750893" y="4128150"/>
-            <a:ext cx="203153" cy="4280"/>
+            <a:off x="5626337" y="6192225"/>
+            <a:ext cx="304729" cy="6420"/>
           </a:xfrm>
           <a:prstGeom prst="straightConnector1">
             <a:avLst/>
@@ -9259,8 +9077,8 @@
         </p:nvCxnSpPr>
         <p:spPr>
           <a:xfrm flipH="1" flipV="1">
-            <a:off x="3713007" y="4224563"/>
-            <a:ext cx="59241" cy="1876"/>
+            <a:off x="5569508" y="6336844"/>
+            <a:ext cx="88861" cy="2814"/>
           </a:xfrm>
           <a:prstGeom prst="straightConnector1">
             <a:avLst/>
@@ -9296,8 +9114,8 @@
         </p:nvCxnSpPr>
         <p:spPr>
           <a:xfrm flipH="1">
-            <a:off x="3772246" y="3762742"/>
-            <a:ext cx="271138" cy="7483"/>
+            <a:off x="5658368" y="5644111"/>
+            <a:ext cx="406707" cy="11225"/>
           </a:xfrm>
           <a:prstGeom prst="straightConnector1">
             <a:avLst/>
@@ -9333,8 +9151,8 @@
         </p:nvCxnSpPr>
         <p:spPr>
           <a:xfrm flipV="1">
-            <a:off x="4910453" y="4129912"/>
-            <a:ext cx="446041" cy="1637"/>
+            <a:off x="7365678" y="6194866"/>
+            <a:ext cx="669061" cy="2456"/>
           </a:xfrm>
           <a:prstGeom prst="straightConnector1">
             <a:avLst/>
@@ -9370,8 +9188,8 @@
         </p:nvCxnSpPr>
         <p:spPr>
           <a:xfrm flipV="1">
-            <a:off x="4827348" y="4222944"/>
-            <a:ext cx="529144" cy="3497"/>
+            <a:off x="7241022" y="6334414"/>
+            <a:ext cx="793716" cy="5245"/>
           </a:xfrm>
           <a:prstGeom prst="straightConnector1">
             <a:avLst/>
@@ -9407,8 +9225,8 @@
         </p:nvCxnSpPr>
         <p:spPr>
           <a:xfrm>
-            <a:off x="4737915" y="3770225"/>
-            <a:ext cx="571105" cy="543"/>
+            <a:off x="7106870" y="5655336"/>
+            <a:ext cx="856657" cy="814"/>
           </a:xfrm>
           <a:prstGeom prst="straightConnector1">
             <a:avLst/>
@@ -9444,8 +9262,8 @@
         </p:nvCxnSpPr>
         <p:spPr>
           <a:xfrm>
-            <a:off x="4737915" y="3854939"/>
-            <a:ext cx="571105" cy="543"/>
+            <a:off x="7106870" y="5782407"/>
+            <a:ext cx="856657" cy="814"/>
           </a:xfrm>
           <a:prstGeom prst="straightConnector1">
             <a:avLst/>
@@ -9481,8 +9299,8 @@
         </p:nvCxnSpPr>
         <p:spPr>
           <a:xfrm rot="16200000" flipH="1" flipV="1">
-            <a:off x="6005577" y="4138941"/>
-            <a:ext cx="1417" cy="102355"/>
+            <a:off x="9008363" y="6208411"/>
+            <a:ext cx="2126" cy="153532"/>
           </a:xfrm>
           <a:prstGeom prst="straightConnector1">
             <a:avLst/>
@@ -9520,8 +9338,8 @@
         </p:nvCxnSpPr>
         <p:spPr>
           <a:xfrm flipV="1">
-            <a:off x="5944895" y="4077146"/>
-            <a:ext cx="0" cy="122883"/>
+            <a:off x="8917343" y="6115718"/>
+            <a:ext cx="0" cy="184324"/>
           </a:xfrm>
           <a:prstGeom prst="straightConnector1">
             <a:avLst/>
@@ -9560,8 +9378,8 @@
         </p:nvCxnSpPr>
         <p:spPr>
           <a:xfrm rot="16200000">
-            <a:off x="6007608" y="4037767"/>
-            <a:ext cx="1" cy="105000"/>
+            <a:off x="9011410" y="6056650"/>
+            <a:ext cx="1" cy="157500"/>
           </a:xfrm>
           <a:prstGeom prst="straightConnector1">
             <a:avLst/>
@@ -9597,8 +9415,8 @@
         </p:nvCxnSpPr>
         <p:spPr>
           <a:xfrm rot="16200000" flipH="1" flipV="1">
-            <a:off x="6101395" y="3759218"/>
-            <a:ext cx="1417" cy="102355"/>
+            <a:off x="9152091" y="5638826"/>
+            <a:ext cx="2126" cy="153532"/>
           </a:xfrm>
           <a:prstGeom prst="straightConnector1">
             <a:avLst/>
@@ -9636,8 +9454,8 @@
         </p:nvCxnSpPr>
         <p:spPr>
           <a:xfrm flipV="1">
-            <a:off x="6040714" y="3697424"/>
-            <a:ext cx="0" cy="122883"/>
+            <a:off x="9061071" y="5546134"/>
+            <a:ext cx="0" cy="184324"/>
           </a:xfrm>
           <a:prstGeom prst="straightConnector1">
             <a:avLst/>
@@ -9676,8 +9494,8 @@
         </p:nvCxnSpPr>
         <p:spPr>
           <a:xfrm rot="16200000">
-            <a:off x="6103427" y="3658043"/>
-            <a:ext cx="1" cy="105000"/>
+            <a:off x="9155138" y="5487064"/>
+            <a:ext cx="1" cy="157500"/>
           </a:xfrm>
           <a:prstGeom prst="straightConnector1">
             <a:avLst/>
@@ -9713,8 +9531,8 @@
         </p:nvCxnSpPr>
         <p:spPr>
           <a:xfrm flipH="1">
-            <a:off x="418081" y="5179070"/>
-            <a:ext cx="71777" cy="202455"/>
+            <a:off x="627119" y="7768602"/>
+            <a:ext cx="107666" cy="303683"/>
           </a:xfrm>
           <a:prstGeom prst="straightConnector1">
             <a:avLst/>
@@ -9750,8 +9568,8 @@
         </p:nvGrpSpPr>
         <p:grpSpPr>
           <a:xfrm rot="7373386">
-            <a:off x="1126476" y="3171023"/>
-            <a:ext cx="68549" cy="52101"/>
+            <a:off x="1689712" y="4756533"/>
+            <a:ext cx="102824" cy="78151"/>
             <a:chOff x="6330339" y="5786642"/>
             <a:chExt cx="631500" cy="334817"/>
           </a:xfrm>
@@ -9881,8 +9699,8 @@
         </p:nvGrpSpPr>
         <p:grpSpPr>
           <a:xfrm rot="7373386">
-            <a:off x="1207361" y="3091344"/>
-            <a:ext cx="68549" cy="52101"/>
+            <a:off x="1811040" y="4637014"/>
+            <a:ext cx="102824" cy="78151"/>
             <a:chOff x="6330339" y="5786642"/>
             <a:chExt cx="631500" cy="334817"/>
           </a:xfrm>
@@ -10012,8 +9830,8 @@
         </p:nvCxnSpPr>
         <p:spPr>
           <a:xfrm flipH="1">
-            <a:off x="418081" y="4996578"/>
-            <a:ext cx="71777" cy="202455"/>
+            <a:off x="627119" y="7494864"/>
+            <a:ext cx="107666" cy="303683"/>
           </a:xfrm>
           <a:prstGeom prst="straightConnector1">
             <a:avLst/>
@@ -10049,8 +9867,8 @@
         </p:nvCxnSpPr>
         <p:spPr>
           <a:xfrm flipH="1">
-            <a:off x="609394" y="4996578"/>
-            <a:ext cx="71777" cy="202455"/>
+            <a:off x="914089" y="7494864"/>
+            <a:ext cx="107666" cy="303683"/>
           </a:xfrm>
           <a:prstGeom prst="straightConnector1">
             <a:avLst/>
@@ -10086,8 +9904,8 @@
         </p:nvGrpSpPr>
         <p:grpSpPr>
           <a:xfrm rot="7373386">
-            <a:off x="1217727" y="5360237"/>
-            <a:ext cx="68549" cy="52101"/>
+            <a:off x="1826589" y="8040353"/>
+            <a:ext cx="102824" cy="78151"/>
             <a:chOff x="6330339" y="5786642"/>
             <a:chExt cx="631500" cy="334817"/>
           </a:xfrm>
@@ -10217,8 +10035,8 @@
         </p:nvGrpSpPr>
         <p:grpSpPr>
           <a:xfrm rot="7373386">
-            <a:off x="1123133" y="5360237"/>
-            <a:ext cx="68549" cy="52101"/>
+            <a:off x="1684698" y="8040353"/>
+            <a:ext cx="102824" cy="78151"/>
             <a:chOff x="6330339" y="5786642"/>
             <a:chExt cx="631500" cy="334817"/>
           </a:xfrm>
@@ -10348,8 +10166,8 @@
         </p:nvGrpSpPr>
         <p:grpSpPr>
           <a:xfrm>
-            <a:off x="1930946" y="5239945"/>
-            <a:ext cx="128847" cy="109279"/>
+            <a:off x="2896418" y="7859915"/>
+            <a:ext cx="193270" cy="163919"/>
             <a:chOff x="12500645" y="19167862"/>
             <a:chExt cx="773077" cy="655676"/>
           </a:xfrm>
@@ -10479,8 +10297,8 @@
         </p:nvGrpSpPr>
         <p:grpSpPr>
           <a:xfrm>
-            <a:off x="2200209" y="4939194"/>
-            <a:ext cx="128847" cy="109279"/>
+            <a:off x="3300312" y="7408789"/>
+            <a:ext cx="193270" cy="163919"/>
             <a:chOff x="12500645" y="19167862"/>
             <a:chExt cx="773077" cy="655676"/>
           </a:xfrm>
@@ -10610,8 +10428,8 @@
         </p:nvGrpSpPr>
         <p:grpSpPr>
           <a:xfrm rot="5400000">
-            <a:off x="2813597" y="5106531"/>
-            <a:ext cx="68549" cy="52101"/>
+            <a:off x="4220393" y="7659794"/>
+            <a:ext cx="102824" cy="78151"/>
             <a:chOff x="6330339" y="5786642"/>
             <a:chExt cx="631500" cy="334817"/>
           </a:xfrm>
@@ -10741,8 +10559,8 @@
         </p:nvGrpSpPr>
         <p:grpSpPr>
           <a:xfrm rot="5400000">
-            <a:off x="2813597" y="5191707"/>
-            <a:ext cx="68549" cy="52101"/>
+            <a:off x="4220393" y="7787559"/>
+            <a:ext cx="102824" cy="78151"/>
             <a:chOff x="6330339" y="5786642"/>
             <a:chExt cx="631500" cy="334817"/>
           </a:xfrm>
@@ -10872,8 +10690,8 @@
         </p:nvGrpSpPr>
         <p:grpSpPr>
           <a:xfrm rot="5400000">
-            <a:off x="2813597" y="4924985"/>
-            <a:ext cx="68549" cy="52101"/>
+            <a:off x="4220393" y="7387475"/>
+            <a:ext cx="102824" cy="78151"/>
             <a:chOff x="6330339" y="5786642"/>
             <a:chExt cx="631500" cy="334817"/>
           </a:xfrm>
@@ -11003,8 +10821,8 @@
         </p:nvCxnSpPr>
         <p:spPr>
           <a:xfrm flipH="1">
-            <a:off x="3744089" y="5032310"/>
-            <a:ext cx="212413" cy="5863"/>
+            <a:off x="5616131" y="7548464"/>
+            <a:ext cx="318619" cy="8794"/>
           </a:xfrm>
           <a:prstGeom prst="straightConnector1">
             <a:avLst/>
@@ -11040,8 +10858,8 @@
         </p:nvCxnSpPr>
         <p:spPr>
           <a:xfrm flipH="1">
-            <a:off x="3744089" y="5127374"/>
-            <a:ext cx="212413" cy="5863"/>
+            <a:off x="5616131" y="7691059"/>
+            <a:ext cx="318619" cy="8794"/>
           </a:xfrm>
           <a:prstGeom prst="straightConnector1">
             <a:avLst/>
@@ -11077,8 +10895,8 @@
         </p:nvCxnSpPr>
         <p:spPr>
           <a:xfrm flipV="1">
-            <a:off x="4909575" y="4943372"/>
-            <a:ext cx="474613" cy="1742"/>
+            <a:off x="7364360" y="7415057"/>
+            <a:ext cx="711920" cy="2613"/>
           </a:xfrm>
           <a:prstGeom prst="straightConnector1">
             <a:avLst/>
@@ -11114,8 +10932,8 @@
         </p:nvCxnSpPr>
         <p:spPr>
           <a:xfrm flipV="1">
-            <a:off x="4909575" y="5033498"/>
-            <a:ext cx="474613" cy="1742"/>
+            <a:off x="7364360" y="7550247"/>
+            <a:ext cx="711920" cy="2613"/>
           </a:xfrm>
           <a:prstGeom prst="straightConnector1">
             <a:avLst/>
@@ -11151,8 +10969,8 @@
         </p:nvCxnSpPr>
         <p:spPr>
           <a:xfrm flipV="1">
-            <a:off x="4909575" y="5128562"/>
-            <a:ext cx="474613" cy="1742"/>
+            <a:off x="7364360" y="7692843"/>
+            <a:ext cx="711920" cy="2613"/>
           </a:xfrm>
           <a:prstGeom prst="straightConnector1">
             <a:avLst/>
@@ -11188,8 +11006,8 @@
         </p:nvCxnSpPr>
         <p:spPr>
           <a:xfrm flipH="1">
-            <a:off x="5908212" y="5035846"/>
-            <a:ext cx="156691" cy="2327"/>
+            <a:off x="8862317" y="7553767"/>
+            <a:ext cx="235036" cy="3490"/>
           </a:xfrm>
           <a:prstGeom prst="straightConnector1">
             <a:avLst/>
@@ -11227,8 +11045,8 @@
         </p:nvCxnSpPr>
         <p:spPr>
           <a:xfrm flipH="1" flipV="1">
-            <a:off x="5908213" y="4856345"/>
-            <a:ext cx="573" cy="175964"/>
+            <a:off x="8862317" y="7284518"/>
+            <a:ext cx="860" cy="263946"/>
           </a:xfrm>
           <a:prstGeom prst="straightConnector1">
             <a:avLst/>
@@ -11267,8 +11085,8 @@
         </p:nvCxnSpPr>
         <p:spPr>
           <a:xfrm>
-            <a:off x="5924643" y="4856345"/>
-            <a:ext cx="78057" cy="0"/>
+            <a:off x="8886962" y="7284518"/>
+            <a:ext cx="117085" cy="0"/>
           </a:xfrm>
           <a:prstGeom prst="straightConnector1">
             <a:avLst/>
@@ -11304,8 +11122,8 @@
         </p:nvCxnSpPr>
         <p:spPr>
           <a:xfrm flipV="1">
-            <a:off x="2998546" y="1231661"/>
-            <a:ext cx="264051" cy="969"/>
+            <a:off x="4497816" y="1847490"/>
+            <a:ext cx="396077" cy="1454"/>
           </a:xfrm>
           <a:prstGeom prst="straightConnector1">
             <a:avLst/>
@@ -11355,8 +11173,8 @@
         </p:blipFill>
         <p:spPr>
           <a:xfrm>
-            <a:off x="2695008" y="-5510"/>
-            <a:ext cx="3250907" cy="1828635"/>
+            <a:off x="4042511" y="-8265"/>
+            <a:ext cx="4876360" cy="2742953"/>
           </a:xfrm>
           <a:prstGeom prst="rect">
             <a:avLst/>
@@ -11385,8 +11203,8 @@
         </p:blipFill>
         <p:spPr>
           <a:xfrm>
-            <a:off x="4826572" y="-462"/>
-            <a:ext cx="3236008" cy="1820255"/>
+            <a:off x="7239858" y="-694"/>
+            <a:ext cx="4854012" cy="2730382"/>
           </a:xfrm>
           <a:prstGeom prst="rect">
             <a:avLst/>
@@ -11401,8 +11219,8 @@
         </p:nvSpPr>
         <p:spPr>
           <a:xfrm>
-            <a:off x="5163390" y="699125"/>
-            <a:ext cx="583687" cy="461821"/>
+            <a:off x="7745083" y="1048686"/>
+            <a:ext cx="875531" cy="692732"/>
           </a:xfrm>
           <a:prstGeom prst="rightArrow">
             <a:avLst/>
@@ -11423,7 +11241,7 @@
           </a:fontRef>
         </p:style>
         <p:txBody>
-          <a:bodyPr lIns="15236" tIns="7619" rIns="15236" bIns="7619" rtlCol="0" anchor="ctr"/>
+          <a:bodyPr lIns="22860" tIns="11430" rIns="22860" bIns="11430" rtlCol="0" anchor="ctr"/>
           <a:lstStyle/>
           <a:p>
             <a:pPr algn="ctr"/>
@@ -11439,8 +11257,8 @@
         </p:nvSpPr>
         <p:spPr>
           <a:xfrm>
-            <a:off x="4208521" y="1857936"/>
-            <a:ext cx="287258" cy="189795"/>
+            <a:off x="6312781" y="2786902"/>
+            <a:ext cx="430887" cy="284693"/>
           </a:xfrm>
           <a:prstGeom prst="rect">
             <a:avLst/>
@@ -11448,13 +11266,13 @@
           <a:noFill/>
         </p:spPr>
         <p:txBody>
-          <a:bodyPr wrap="none" lIns="15236" tIns="7619" rIns="15236" bIns="7619" rtlCol="0">
+          <a:bodyPr wrap="none" lIns="22860" tIns="11430" rIns="22860" bIns="11430" rtlCol="0">
             <a:spAutoFit/>
           </a:bodyPr>
           <a:lstStyle/>
           <a:p>
             <a:r>
-              <a:rPr lang="en-US" sz="1100" dirty="0">
+              <a:rPr lang="en-US" sz="1700" dirty="0">
                 <a:latin typeface="Times New Roman"/>
                 <a:cs typeface="Times New Roman"/>
               </a:rPr>
@@ -11471,8 +11289,8 @@
         </p:nvSpPr>
         <p:spPr>
           <a:xfrm>
-            <a:off x="6376244" y="1851266"/>
-            <a:ext cx="297114" cy="189795"/>
+            <a:off x="9564366" y="2776896"/>
+            <a:ext cx="445671" cy="284693"/>
           </a:xfrm>
           <a:prstGeom prst="rect">
             <a:avLst/>
@@ -11480,18 +11298,1025 @@
           <a:noFill/>
         </p:spPr>
         <p:txBody>
-          <a:bodyPr wrap="none" lIns="15236" tIns="7619" rIns="15236" bIns="7619" rtlCol="0">
+          <a:bodyPr wrap="none" lIns="22860" tIns="11430" rIns="22860" bIns="11430" rtlCol="0">
             <a:spAutoFit/>
           </a:bodyPr>
           <a:lstStyle/>
           <a:p>
             <a:r>
-              <a:rPr lang="en-US" sz="1100" dirty="0">
+              <a:rPr lang="en-US" sz="1700" dirty="0">
                 <a:latin typeface="Times New Roman"/>
                 <a:cs typeface="Times New Roman"/>
               </a:rPr>
               <a:t>final</a:t>
             </a:r>
+          </a:p>
+        </p:txBody>
+      </p:sp>
+      <p:cxnSp>
+        <p:nvCxnSpPr>
+          <p:cNvPr id="260" name="Straight Arrow Connector 259"/>
+          <p:cNvCxnSpPr/>
+          <p:nvPr/>
+        </p:nvCxnSpPr>
+        <p:spPr>
+          <a:xfrm>
+            <a:off x="1200218" y="165099"/>
+            <a:ext cx="6282" cy="323851"/>
+          </a:xfrm>
+          <a:prstGeom prst="straightConnector1">
+            <a:avLst/>
+          </a:prstGeom>
+          <a:ln w="38100" cmpd="sng">
+            <a:solidFill>
+              <a:schemeClr val="tx1"/>
+            </a:solidFill>
+            <a:headEnd type="stealth" w="med" len="lg"/>
+            <a:tailEnd type="stealth" w="med" len="lg"/>
+          </a:ln>
+          <a:effectLst/>
+        </p:spPr>
+        <p:style>
+          <a:lnRef idx="2">
+            <a:schemeClr val="accent1"/>
+          </a:lnRef>
+          <a:fillRef idx="0">
+            <a:schemeClr val="accent1"/>
+          </a:fillRef>
+          <a:effectRef idx="1">
+            <a:schemeClr val="accent1"/>
+          </a:effectRef>
+          <a:fontRef idx="minor">
+            <a:schemeClr val="tx1"/>
+          </a:fontRef>
+        </p:style>
+      </p:cxnSp>
+      <p:sp>
+        <p:nvSpPr>
+          <p:cNvPr id="262" name="TextBox 261"/>
+          <p:cNvSpPr txBox="1"/>
+          <p:nvPr/>
+        </p:nvSpPr>
+        <p:spPr>
+          <a:xfrm>
+            <a:off x="7208719" y="288353"/>
+            <a:ext cx="287258" cy="338554"/>
+          </a:xfrm>
+          <a:prstGeom prst="rect">
+            <a:avLst/>
+          </a:prstGeom>
+          <a:noFill/>
+        </p:spPr>
+        <p:txBody>
+          <a:bodyPr wrap="none" rtlCol="0">
+            <a:spAutoFit/>
+          </a:bodyPr>
+          <a:lstStyle/>
+          <a:p>
+            <a:pPr algn="ctr"/>
+            <a:r>
+              <a:rPr lang="en-US" sz="1600" dirty="0" smtClean="0">
+                <a:solidFill>
+                  <a:schemeClr val="bg2">
+                    <a:lumMod val="50000"/>
+                  </a:schemeClr>
+                </a:solidFill>
+                <a:latin typeface="Times New Roman"/>
+                <a:cs typeface="Times New Roman"/>
+              </a:rPr>
+              <a:t>1</a:t>
+            </a:r>
+            <a:endParaRPr lang="en-US" sz="1600" dirty="0">
+              <a:solidFill>
+                <a:schemeClr val="bg2">
+                  <a:lumMod val="50000"/>
+                </a:schemeClr>
+              </a:solidFill>
+              <a:latin typeface="Times New Roman"/>
+              <a:cs typeface="Times New Roman"/>
+            </a:endParaRPr>
+          </a:p>
+        </p:txBody>
+      </p:sp>
+      <p:sp>
+        <p:nvSpPr>
+          <p:cNvPr id="264" name="TextBox 263"/>
+          <p:cNvSpPr txBox="1"/>
+          <p:nvPr/>
+        </p:nvSpPr>
+        <p:spPr>
+          <a:xfrm>
+            <a:off x="7212945" y="578331"/>
+            <a:ext cx="287258" cy="338554"/>
+          </a:xfrm>
+          <a:prstGeom prst="rect">
+            <a:avLst/>
+          </a:prstGeom>
+          <a:noFill/>
+        </p:spPr>
+        <p:txBody>
+          <a:bodyPr wrap="none" rtlCol="0">
+            <a:spAutoFit/>
+          </a:bodyPr>
+          <a:lstStyle/>
+          <a:p>
+            <a:pPr algn="ctr"/>
+            <a:r>
+              <a:rPr lang="en-US" sz="1600" dirty="0" smtClean="0">
+                <a:solidFill>
+                  <a:schemeClr val="bg2">
+                    <a:lumMod val="50000"/>
+                  </a:schemeClr>
+                </a:solidFill>
+                <a:latin typeface="Times New Roman"/>
+                <a:cs typeface="Times New Roman"/>
+              </a:rPr>
+              <a:t>2</a:t>
+            </a:r>
+            <a:endParaRPr lang="en-US" sz="1600" dirty="0">
+              <a:solidFill>
+                <a:schemeClr val="bg2">
+                  <a:lumMod val="50000"/>
+                </a:schemeClr>
+              </a:solidFill>
+              <a:latin typeface="Times New Roman"/>
+              <a:cs typeface="Times New Roman"/>
+            </a:endParaRPr>
+          </a:p>
+        </p:txBody>
+      </p:sp>
+      <p:sp>
+        <p:nvSpPr>
+          <p:cNvPr id="265" name="TextBox 264"/>
+          <p:cNvSpPr txBox="1"/>
+          <p:nvPr/>
+        </p:nvSpPr>
+        <p:spPr>
+          <a:xfrm>
+            <a:off x="7231995" y="851381"/>
+            <a:ext cx="287258" cy="338554"/>
+          </a:xfrm>
+          <a:prstGeom prst="rect">
+            <a:avLst/>
+          </a:prstGeom>
+          <a:noFill/>
+        </p:spPr>
+        <p:txBody>
+          <a:bodyPr wrap="none" rtlCol="0">
+            <a:spAutoFit/>
+          </a:bodyPr>
+          <a:lstStyle/>
+          <a:p>
+            <a:pPr algn="ctr"/>
+            <a:r>
+              <a:rPr lang="en-US" sz="1600" dirty="0" smtClean="0">
+                <a:solidFill>
+                  <a:schemeClr val="bg2">
+                    <a:lumMod val="50000"/>
+                  </a:schemeClr>
+                </a:solidFill>
+                <a:latin typeface="Times New Roman"/>
+                <a:cs typeface="Times New Roman"/>
+              </a:rPr>
+              <a:t>3</a:t>
+            </a:r>
+            <a:endParaRPr lang="en-US" sz="1600" dirty="0">
+              <a:solidFill>
+                <a:schemeClr val="bg2">
+                  <a:lumMod val="50000"/>
+                </a:schemeClr>
+              </a:solidFill>
+              <a:latin typeface="Times New Roman"/>
+              <a:cs typeface="Times New Roman"/>
+            </a:endParaRPr>
+          </a:p>
+        </p:txBody>
+      </p:sp>
+      <p:sp>
+        <p:nvSpPr>
+          <p:cNvPr id="266" name="TextBox 265"/>
+          <p:cNvSpPr txBox="1"/>
+          <p:nvPr/>
+        </p:nvSpPr>
+        <p:spPr>
+          <a:xfrm>
+            <a:off x="6927195" y="857731"/>
+            <a:ext cx="287258" cy="338554"/>
+          </a:xfrm>
+          <a:prstGeom prst="rect">
+            <a:avLst/>
+          </a:prstGeom>
+          <a:noFill/>
+        </p:spPr>
+        <p:txBody>
+          <a:bodyPr wrap="none" rtlCol="0">
+            <a:spAutoFit/>
+          </a:bodyPr>
+          <a:lstStyle/>
+          <a:p>
+            <a:pPr algn="ctr"/>
+            <a:r>
+              <a:rPr lang="en-US" sz="1600" dirty="0" smtClean="0">
+                <a:solidFill>
+                  <a:schemeClr val="bg2">
+                    <a:lumMod val="50000"/>
+                  </a:schemeClr>
+                </a:solidFill>
+                <a:latin typeface="Times New Roman"/>
+                <a:cs typeface="Times New Roman"/>
+              </a:rPr>
+              <a:t>4</a:t>
+            </a:r>
+            <a:endParaRPr lang="en-US" sz="1600" dirty="0">
+              <a:solidFill>
+                <a:schemeClr val="bg2">
+                  <a:lumMod val="50000"/>
+                </a:schemeClr>
+              </a:solidFill>
+              <a:latin typeface="Times New Roman"/>
+              <a:cs typeface="Times New Roman"/>
+            </a:endParaRPr>
+          </a:p>
+        </p:txBody>
+      </p:sp>
+      <p:sp>
+        <p:nvSpPr>
+          <p:cNvPr id="267" name="TextBox 266"/>
+          <p:cNvSpPr txBox="1"/>
+          <p:nvPr/>
+        </p:nvSpPr>
+        <p:spPr>
+          <a:xfrm>
+            <a:off x="6647795" y="864081"/>
+            <a:ext cx="287258" cy="338554"/>
+          </a:xfrm>
+          <a:prstGeom prst="rect">
+            <a:avLst/>
+          </a:prstGeom>
+          <a:noFill/>
+        </p:spPr>
+        <p:txBody>
+          <a:bodyPr wrap="none" rtlCol="0">
+            <a:spAutoFit/>
+          </a:bodyPr>
+          <a:lstStyle/>
+          <a:p>
+            <a:pPr algn="ctr"/>
+            <a:r>
+              <a:rPr lang="en-US" sz="1600" dirty="0" smtClean="0">
+                <a:solidFill>
+                  <a:schemeClr val="bg2">
+                    <a:lumMod val="50000"/>
+                  </a:schemeClr>
+                </a:solidFill>
+                <a:latin typeface="Times New Roman"/>
+                <a:cs typeface="Times New Roman"/>
+              </a:rPr>
+              <a:t>5</a:t>
+            </a:r>
+            <a:endParaRPr lang="en-US" sz="1600" dirty="0">
+              <a:solidFill>
+                <a:schemeClr val="bg2">
+                  <a:lumMod val="50000"/>
+                </a:schemeClr>
+              </a:solidFill>
+              <a:latin typeface="Times New Roman"/>
+              <a:cs typeface="Times New Roman"/>
+            </a:endParaRPr>
+          </a:p>
+        </p:txBody>
+      </p:sp>
+      <p:sp>
+        <p:nvSpPr>
+          <p:cNvPr id="268" name="TextBox 267"/>
+          <p:cNvSpPr txBox="1"/>
+          <p:nvPr/>
+        </p:nvSpPr>
+        <p:spPr>
+          <a:xfrm>
+            <a:off x="6641445" y="571981"/>
+            <a:ext cx="287258" cy="338554"/>
+          </a:xfrm>
+          <a:prstGeom prst="rect">
+            <a:avLst/>
+          </a:prstGeom>
+          <a:noFill/>
+        </p:spPr>
+        <p:txBody>
+          <a:bodyPr wrap="none" rtlCol="0">
+            <a:spAutoFit/>
+          </a:bodyPr>
+          <a:lstStyle/>
+          <a:p>
+            <a:pPr algn="ctr"/>
+            <a:r>
+              <a:rPr lang="en-US" sz="1600" dirty="0" smtClean="0">
+                <a:solidFill>
+                  <a:schemeClr val="bg2">
+                    <a:lumMod val="50000"/>
+                  </a:schemeClr>
+                </a:solidFill>
+                <a:latin typeface="Times New Roman"/>
+                <a:cs typeface="Times New Roman"/>
+              </a:rPr>
+              <a:t>6</a:t>
+            </a:r>
+            <a:endParaRPr lang="en-US" sz="1600" dirty="0">
+              <a:solidFill>
+                <a:schemeClr val="bg2">
+                  <a:lumMod val="50000"/>
+                </a:schemeClr>
+              </a:solidFill>
+              <a:latin typeface="Times New Roman"/>
+              <a:cs typeface="Times New Roman"/>
+            </a:endParaRPr>
+          </a:p>
+        </p:txBody>
+      </p:sp>
+      <p:sp>
+        <p:nvSpPr>
+          <p:cNvPr id="269" name="TextBox 268"/>
+          <p:cNvSpPr txBox="1"/>
+          <p:nvPr/>
+        </p:nvSpPr>
+        <p:spPr>
+          <a:xfrm>
+            <a:off x="6641445" y="292581"/>
+            <a:ext cx="287258" cy="338554"/>
+          </a:xfrm>
+          <a:prstGeom prst="rect">
+            <a:avLst/>
+          </a:prstGeom>
+          <a:noFill/>
+        </p:spPr>
+        <p:txBody>
+          <a:bodyPr wrap="none" rtlCol="0">
+            <a:spAutoFit/>
+          </a:bodyPr>
+          <a:lstStyle/>
+          <a:p>
+            <a:pPr algn="ctr"/>
+            <a:r>
+              <a:rPr lang="en-US" sz="1600" dirty="0" smtClean="0">
+                <a:solidFill>
+                  <a:schemeClr val="bg2">
+                    <a:lumMod val="50000"/>
+                  </a:schemeClr>
+                </a:solidFill>
+                <a:latin typeface="Times New Roman"/>
+                <a:cs typeface="Times New Roman"/>
+              </a:rPr>
+              <a:t>7</a:t>
+            </a:r>
+            <a:endParaRPr lang="en-US" sz="1600" dirty="0">
+              <a:solidFill>
+                <a:schemeClr val="bg2">
+                  <a:lumMod val="50000"/>
+                </a:schemeClr>
+              </a:solidFill>
+              <a:latin typeface="Times New Roman"/>
+              <a:cs typeface="Times New Roman"/>
+            </a:endParaRPr>
+          </a:p>
+        </p:txBody>
+      </p:sp>
+      <p:sp>
+        <p:nvSpPr>
+          <p:cNvPr id="270" name="TextBox 269"/>
+          <p:cNvSpPr txBox="1"/>
+          <p:nvPr/>
+        </p:nvSpPr>
+        <p:spPr>
+          <a:xfrm>
+            <a:off x="6374745" y="1714981"/>
+            <a:ext cx="287258" cy="338554"/>
+          </a:xfrm>
+          <a:prstGeom prst="rect">
+            <a:avLst/>
+          </a:prstGeom>
+          <a:noFill/>
+        </p:spPr>
+        <p:txBody>
+          <a:bodyPr wrap="none" rtlCol="0">
+            <a:spAutoFit/>
+          </a:bodyPr>
+          <a:lstStyle/>
+          <a:p>
+            <a:pPr algn="ctr"/>
+            <a:r>
+              <a:rPr lang="en-US" sz="1600" dirty="0" smtClean="0">
+                <a:latin typeface="Times New Roman"/>
+                <a:cs typeface="Times New Roman"/>
+              </a:rPr>
+              <a:t>1</a:t>
+            </a:r>
+            <a:endParaRPr lang="en-US" sz="1600" dirty="0">
+              <a:latin typeface="Times New Roman"/>
+              <a:cs typeface="Times New Roman"/>
+            </a:endParaRPr>
+          </a:p>
+        </p:txBody>
+      </p:sp>
+      <p:sp>
+        <p:nvSpPr>
+          <p:cNvPr id="271" name="TextBox 270"/>
+          <p:cNvSpPr txBox="1"/>
+          <p:nvPr/>
+        </p:nvSpPr>
+        <p:spPr>
+          <a:xfrm>
+            <a:off x="6685895" y="1708631"/>
+            <a:ext cx="287258" cy="338554"/>
+          </a:xfrm>
+          <a:prstGeom prst="rect">
+            <a:avLst/>
+          </a:prstGeom>
+          <a:noFill/>
+        </p:spPr>
+        <p:txBody>
+          <a:bodyPr wrap="none" rtlCol="0">
+            <a:spAutoFit/>
+          </a:bodyPr>
+          <a:lstStyle/>
+          <a:p>
+            <a:pPr algn="ctr"/>
+            <a:r>
+              <a:rPr lang="en-US" sz="1600" dirty="0" smtClean="0">
+                <a:latin typeface="Times New Roman"/>
+                <a:cs typeface="Times New Roman"/>
+              </a:rPr>
+              <a:t>2</a:t>
+            </a:r>
+            <a:endParaRPr lang="en-US" sz="1600" dirty="0">
+              <a:latin typeface="Times New Roman"/>
+              <a:cs typeface="Times New Roman"/>
+            </a:endParaRPr>
+          </a:p>
+        </p:txBody>
+      </p:sp>
+      <p:sp>
+        <p:nvSpPr>
+          <p:cNvPr id="272" name="TextBox 271"/>
+          <p:cNvSpPr txBox="1"/>
+          <p:nvPr/>
+        </p:nvSpPr>
+        <p:spPr>
+          <a:xfrm>
+            <a:off x="6990695" y="1695931"/>
+            <a:ext cx="287258" cy="338554"/>
+          </a:xfrm>
+          <a:prstGeom prst="rect">
+            <a:avLst/>
+          </a:prstGeom>
+          <a:noFill/>
+        </p:spPr>
+        <p:txBody>
+          <a:bodyPr wrap="none" rtlCol="0">
+            <a:spAutoFit/>
+          </a:bodyPr>
+          <a:lstStyle/>
+          <a:p>
+            <a:pPr algn="ctr"/>
+            <a:r>
+              <a:rPr lang="en-US" sz="1600" dirty="0" smtClean="0">
+                <a:latin typeface="Times New Roman"/>
+                <a:cs typeface="Times New Roman"/>
+              </a:rPr>
+              <a:t>3</a:t>
+            </a:r>
+            <a:endParaRPr lang="en-US" sz="1600" dirty="0">
+              <a:latin typeface="Times New Roman"/>
+              <a:cs typeface="Times New Roman"/>
+            </a:endParaRPr>
+          </a:p>
+        </p:txBody>
+      </p:sp>
+      <p:sp>
+        <p:nvSpPr>
+          <p:cNvPr id="273" name="TextBox 272"/>
+          <p:cNvSpPr txBox="1"/>
+          <p:nvPr/>
+        </p:nvSpPr>
+        <p:spPr>
+          <a:xfrm>
+            <a:off x="7282795" y="1689581"/>
+            <a:ext cx="287258" cy="338554"/>
+          </a:xfrm>
+          <a:prstGeom prst="rect">
+            <a:avLst/>
+          </a:prstGeom>
+          <a:noFill/>
+        </p:spPr>
+        <p:txBody>
+          <a:bodyPr wrap="none" rtlCol="0">
+            <a:spAutoFit/>
+          </a:bodyPr>
+          <a:lstStyle/>
+          <a:p>
+            <a:pPr algn="ctr"/>
+            <a:r>
+              <a:rPr lang="en-US" sz="1600" dirty="0" smtClean="0">
+                <a:latin typeface="Times New Roman"/>
+                <a:cs typeface="Times New Roman"/>
+              </a:rPr>
+              <a:t>4</a:t>
+            </a:r>
+            <a:endParaRPr lang="en-US" sz="1600" dirty="0">
+              <a:latin typeface="Times New Roman"/>
+              <a:cs typeface="Times New Roman"/>
+            </a:endParaRPr>
+          </a:p>
+        </p:txBody>
+      </p:sp>
+      <p:sp>
+        <p:nvSpPr>
+          <p:cNvPr id="274" name="TextBox 273"/>
+          <p:cNvSpPr txBox="1"/>
+          <p:nvPr/>
+        </p:nvSpPr>
+        <p:spPr>
+          <a:xfrm>
+            <a:off x="6673195" y="1397481"/>
+            <a:ext cx="287258" cy="338554"/>
+          </a:xfrm>
+          <a:prstGeom prst="rect">
+            <a:avLst/>
+          </a:prstGeom>
+          <a:noFill/>
+        </p:spPr>
+        <p:txBody>
+          <a:bodyPr wrap="none" rtlCol="0">
+            <a:spAutoFit/>
+          </a:bodyPr>
+          <a:lstStyle/>
+          <a:p>
+            <a:pPr algn="ctr"/>
+            <a:r>
+              <a:rPr lang="en-US" sz="1600" dirty="0" smtClean="0">
+                <a:latin typeface="Times New Roman"/>
+                <a:cs typeface="Times New Roman"/>
+              </a:rPr>
+              <a:t>5</a:t>
+            </a:r>
+            <a:endParaRPr lang="en-US" sz="1600" dirty="0">
+              <a:latin typeface="Times New Roman"/>
+              <a:cs typeface="Times New Roman"/>
+            </a:endParaRPr>
+          </a:p>
+        </p:txBody>
+      </p:sp>
+      <p:sp>
+        <p:nvSpPr>
+          <p:cNvPr id="275" name="TextBox 274"/>
+          <p:cNvSpPr txBox="1"/>
+          <p:nvPr/>
+        </p:nvSpPr>
+        <p:spPr>
+          <a:xfrm>
+            <a:off x="6971645" y="1391131"/>
+            <a:ext cx="287258" cy="338554"/>
+          </a:xfrm>
+          <a:prstGeom prst="rect">
+            <a:avLst/>
+          </a:prstGeom>
+          <a:noFill/>
+        </p:spPr>
+        <p:txBody>
+          <a:bodyPr wrap="none" rtlCol="0">
+            <a:spAutoFit/>
+          </a:bodyPr>
+          <a:lstStyle/>
+          <a:p>
+            <a:pPr algn="ctr"/>
+            <a:r>
+              <a:rPr lang="en-US" sz="1600" dirty="0" smtClean="0">
+                <a:latin typeface="Times New Roman"/>
+                <a:cs typeface="Times New Roman"/>
+              </a:rPr>
+              <a:t>6</a:t>
+            </a:r>
+            <a:endParaRPr lang="en-US" sz="1600" dirty="0">
+              <a:latin typeface="Times New Roman"/>
+              <a:cs typeface="Times New Roman"/>
+            </a:endParaRPr>
+          </a:p>
+        </p:txBody>
+      </p:sp>
+      <p:sp>
+        <p:nvSpPr>
+          <p:cNvPr id="276" name="TextBox 275"/>
+          <p:cNvSpPr txBox="1"/>
+          <p:nvPr/>
+        </p:nvSpPr>
+        <p:spPr>
+          <a:xfrm>
+            <a:off x="7276445" y="1384781"/>
+            <a:ext cx="287258" cy="338554"/>
+          </a:xfrm>
+          <a:prstGeom prst="rect">
+            <a:avLst/>
+          </a:prstGeom>
+          <a:noFill/>
+        </p:spPr>
+        <p:txBody>
+          <a:bodyPr wrap="none" rtlCol="0">
+            <a:spAutoFit/>
+          </a:bodyPr>
+          <a:lstStyle/>
+          <a:p>
+            <a:pPr algn="ctr"/>
+            <a:r>
+              <a:rPr lang="en-US" sz="1600" dirty="0" smtClean="0">
+                <a:latin typeface="Times New Roman"/>
+                <a:cs typeface="Times New Roman"/>
+              </a:rPr>
+              <a:t>7</a:t>
+            </a:r>
+            <a:endParaRPr lang="en-US" sz="1600" dirty="0">
+              <a:latin typeface="Times New Roman"/>
+              <a:cs typeface="Times New Roman"/>
+            </a:endParaRPr>
+          </a:p>
+        </p:txBody>
+      </p:sp>
+      <p:sp>
+        <p:nvSpPr>
+          <p:cNvPr id="277" name="TextBox 276"/>
+          <p:cNvSpPr txBox="1"/>
+          <p:nvPr/>
+        </p:nvSpPr>
+        <p:spPr>
+          <a:xfrm>
+            <a:off x="10392185" y="288352"/>
+            <a:ext cx="287258" cy="338554"/>
+          </a:xfrm>
+          <a:prstGeom prst="rect">
+            <a:avLst/>
+          </a:prstGeom>
+          <a:noFill/>
+        </p:spPr>
+        <p:txBody>
+          <a:bodyPr wrap="none" rtlCol="0">
+            <a:spAutoFit/>
+          </a:bodyPr>
+          <a:lstStyle/>
+          <a:p>
+            <a:pPr algn="ctr"/>
+            <a:r>
+              <a:rPr lang="en-US" sz="1600" dirty="0" smtClean="0">
+                <a:latin typeface="Times New Roman"/>
+                <a:cs typeface="Times New Roman"/>
+              </a:rPr>
+              <a:t>1</a:t>
+            </a:r>
+            <a:endParaRPr lang="en-US" sz="1600" dirty="0">
+              <a:latin typeface="Times New Roman"/>
+              <a:cs typeface="Times New Roman"/>
+            </a:endParaRPr>
+          </a:p>
+        </p:txBody>
+      </p:sp>
+      <p:sp>
+        <p:nvSpPr>
+          <p:cNvPr id="278" name="TextBox 277"/>
+          <p:cNvSpPr txBox="1"/>
+          <p:nvPr/>
+        </p:nvSpPr>
+        <p:spPr>
+          <a:xfrm>
+            <a:off x="10396411" y="578330"/>
+            <a:ext cx="287258" cy="338554"/>
+          </a:xfrm>
+          <a:prstGeom prst="rect">
+            <a:avLst/>
+          </a:prstGeom>
+          <a:noFill/>
+        </p:spPr>
+        <p:txBody>
+          <a:bodyPr wrap="none" rtlCol="0">
+            <a:spAutoFit/>
+          </a:bodyPr>
+          <a:lstStyle/>
+          <a:p>
+            <a:pPr algn="ctr"/>
+            <a:r>
+              <a:rPr lang="en-US" sz="1600" dirty="0" smtClean="0">
+                <a:latin typeface="Times New Roman"/>
+                <a:cs typeface="Times New Roman"/>
+              </a:rPr>
+              <a:t>2</a:t>
+            </a:r>
+            <a:endParaRPr lang="en-US" sz="1600" dirty="0">
+              <a:latin typeface="Times New Roman"/>
+              <a:cs typeface="Times New Roman"/>
+            </a:endParaRPr>
+          </a:p>
+        </p:txBody>
+      </p:sp>
+      <p:sp>
+        <p:nvSpPr>
+          <p:cNvPr id="279" name="TextBox 278"/>
+          <p:cNvSpPr txBox="1"/>
+          <p:nvPr/>
+        </p:nvSpPr>
+        <p:spPr>
+          <a:xfrm>
+            <a:off x="10415461" y="851380"/>
+            <a:ext cx="287258" cy="338554"/>
+          </a:xfrm>
+          <a:prstGeom prst="rect">
+            <a:avLst/>
+          </a:prstGeom>
+          <a:noFill/>
+        </p:spPr>
+        <p:txBody>
+          <a:bodyPr wrap="none" rtlCol="0">
+            <a:spAutoFit/>
+          </a:bodyPr>
+          <a:lstStyle/>
+          <a:p>
+            <a:pPr algn="ctr"/>
+            <a:r>
+              <a:rPr lang="en-US" sz="1600" dirty="0" smtClean="0">
+                <a:latin typeface="Times New Roman"/>
+                <a:cs typeface="Times New Roman"/>
+              </a:rPr>
+              <a:t>3</a:t>
+            </a:r>
+            <a:endParaRPr lang="en-US" sz="1600" dirty="0">
+              <a:latin typeface="Times New Roman"/>
+              <a:cs typeface="Times New Roman"/>
+            </a:endParaRPr>
+          </a:p>
+        </p:txBody>
+      </p:sp>
+      <p:sp>
+        <p:nvSpPr>
+          <p:cNvPr id="280" name="TextBox 279"/>
+          <p:cNvSpPr txBox="1"/>
+          <p:nvPr/>
+        </p:nvSpPr>
+        <p:spPr>
+          <a:xfrm>
+            <a:off x="10110661" y="857730"/>
+            <a:ext cx="287258" cy="338554"/>
+          </a:xfrm>
+          <a:prstGeom prst="rect">
+            <a:avLst/>
+          </a:prstGeom>
+          <a:noFill/>
+        </p:spPr>
+        <p:txBody>
+          <a:bodyPr wrap="none" rtlCol="0">
+            <a:spAutoFit/>
+          </a:bodyPr>
+          <a:lstStyle/>
+          <a:p>
+            <a:pPr algn="ctr"/>
+            <a:r>
+              <a:rPr lang="en-US" sz="1600" dirty="0" smtClean="0">
+                <a:latin typeface="Times New Roman"/>
+                <a:cs typeface="Times New Roman"/>
+              </a:rPr>
+              <a:t>4</a:t>
+            </a:r>
+            <a:endParaRPr lang="en-US" sz="1600" dirty="0">
+              <a:latin typeface="Times New Roman"/>
+              <a:cs typeface="Times New Roman"/>
+            </a:endParaRPr>
+          </a:p>
+        </p:txBody>
+      </p:sp>
+      <p:sp>
+        <p:nvSpPr>
+          <p:cNvPr id="281" name="TextBox 280"/>
+          <p:cNvSpPr txBox="1"/>
+          <p:nvPr/>
+        </p:nvSpPr>
+        <p:spPr>
+          <a:xfrm>
+            <a:off x="9831261" y="864080"/>
+            <a:ext cx="287258" cy="338554"/>
+          </a:xfrm>
+          <a:prstGeom prst="rect">
+            <a:avLst/>
+          </a:prstGeom>
+          <a:noFill/>
+        </p:spPr>
+        <p:txBody>
+          <a:bodyPr wrap="none" rtlCol="0">
+            <a:spAutoFit/>
+          </a:bodyPr>
+          <a:lstStyle/>
+          <a:p>
+            <a:pPr algn="ctr"/>
+            <a:r>
+              <a:rPr lang="en-US" sz="1600" dirty="0" smtClean="0">
+                <a:latin typeface="Times New Roman"/>
+                <a:cs typeface="Times New Roman"/>
+              </a:rPr>
+              <a:t>5</a:t>
+            </a:r>
+            <a:endParaRPr lang="en-US" sz="1600" dirty="0">
+              <a:latin typeface="Times New Roman"/>
+              <a:cs typeface="Times New Roman"/>
+            </a:endParaRPr>
+          </a:p>
+        </p:txBody>
+      </p:sp>
+      <p:sp>
+        <p:nvSpPr>
+          <p:cNvPr id="282" name="TextBox 281"/>
+          <p:cNvSpPr txBox="1"/>
+          <p:nvPr/>
+        </p:nvSpPr>
+        <p:spPr>
+          <a:xfrm>
+            <a:off x="9824911" y="571980"/>
+            <a:ext cx="287258" cy="338554"/>
+          </a:xfrm>
+          <a:prstGeom prst="rect">
+            <a:avLst/>
+          </a:prstGeom>
+          <a:noFill/>
+        </p:spPr>
+        <p:txBody>
+          <a:bodyPr wrap="none" rtlCol="0">
+            <a:spAutoFit/>
+          </a:bodyPr>
+          <a:lstStyle/>
+          <a:p>
+            <a:pPr algn="ctr"/>
+            <a:r>
+              <a:rPr lang="en-US" sz="1600" dirty="0" smtClean="0">
+                <a:latin typeface="Times New Roman"/>
+                <a:cs typeface="Times New Roman"/>
+              </a:rPr>
+              <a:t>6</a:t>
+            </a:r>
+            <a:endParaRPr lang="en-US" sz="1600" dirty="0">
+              <a:latin typeface="Times New Roman"/>
+              <a:cs typeface="Times New Roman"/>
+            </a:endParaRPr>
+          </a:p>
+        </p:txBody>
+      </p:sp>
+      <p:sp>
+        <p:nvSpPr>
+          <p:cNvPr id="283" name="TextBox 282"/>
+          <p:cNvSpPr txBox="1"/>
+          <p:nvPr/>
+        </p:nvSpPr>
+        <p:spPr>
+          <a:xfrm>
+            <a:off x="9824911" y="292580"/>
+            <a:ext cx="287258" cy="338554"/>
+          </a:xfrm>
+          <a:prstGeom prst="rect">
+            <a:avLst/>
+          </a:prstGeom>
+          <a:noFill/>
+        </p:spPr>
+        <p:txBody>
+          <a:bodyPr wrap="none" rtlCol="0">
+            <a:spAutoFit/>
+          </a:bodyPr>
+          <a:lstStyle/>
+          <a:p>
+            <a:pPr algn="ctr"/>
+            <a:r>
+              <a:rPr lang="en-US" sz="1600" dirty="0" smtClean="0">
+                <a:latin typeface="Times New Roman"/>
+                <a:cs typeface="Times New Roman"/>
+              </a:rPr>
+              <a:t>7</a:t>
+            </a:r>
+            <a:endParaRPr lang="en-US" sz="1600" dirty="0">
+              <a:latin typeface="Times New Roman"/>
+              <a:cs typeface="Times New Roman"/>
+            </a:endParaRPr>
+          </a:p>
+        </p:txBody>
+      </p:sp>
+      <p:cxnSp>
+        <p:nvCxnSpPr>
+          <p:cNvPr id="288" name="Straight Arrow Connector 287"/>
+          <p:cNvCxnSpPr/>
+          <p:nvPr/>
+        </p:nvCxnSpPr>
+        <p:spPr>
+          <a:xfrm>
+            <a:off x="1212918" y="2546349"/>
+            <a:ext cx="6282" cy="323851"/>
+          </a:xfrm>
+          <a:prstGeom prst="straightConnector1">
+            <a:avLst/>
+          </a:prstGeom>
+          <a:ln w="38100" cmpd="sng">
+            <a:solidFill>
+              <a:schemeClr val="tx1"/>
+            </a:solidFill>
+            <a:headEnd type="stealth" w="med" len="lg"/>
+            <a:tailEnd type="stealth" w="med" len="lg"/>
+          </a:ln>
+          <a:effectLst/>
+        </p:spPr>
+        <p:style>
+          <a:lnRef idx="2">
+            <a:schemeClr val="accent1"/>
+          </a:lnRef>
+          <a:fillRef idx="0">
+            <a:schemeClr val="accent1"/>
+          </a:fillRef>
+          <a:effectRef idx="1">
+            <a:schemeClr val="accent1"/>
+          </a:effectRef>
+          <a:fontRef idx="minor">
+            <a:schemeClr val="tx1"/>
+          </a:fontRef>
+        </p:style>
+      </p:cxnSp>
+      <p:cxnSp>
+        <p:nvCxnSpPr>
+          <p:cNvPr id="296" name="Straight Arrow Connector 295"/>
+          <p:cNvCxnSpPr/>
+          <p:nvPr/>
+        </p:nvCxnSpPr>
+        <p:spPr>
+          <a:xfrm>
+            <a:off x="844550" y="1365250"/>
+            <a:ext cx="1987550" cy="0"/>
+          </a:xfrm>
+          <a:prstGeom prst="straightConnector1">
+            <a:avLst/>
+          </a:prstGeom>
+          <a:ln w="38100" cmpd="sng">
+            <a:solidFill>
+              <a:schemeClr val="tx1"/>
+            </a:solidFill>
+            <a:headEnd type="stealth" w="med" len="lg"/>
+            <a:tailEnd type="stealth" w="med" len="lg"/>
+          </a:ln>
+          <a:effectLst/>
+        </p:spPr>
+        <p:style>
+          <a:lnRef idx="2">
+            <a:schemeClr val="accent1"/>
+          </a:lnRef>
+          <a:fillRef idx="0">
+            <a:schemeClr val="accent1"/>
+          </a:fillRef>
+          <a:effectRef idx="1">
+            <a:schemeClr val="accent1"/>
+          </a:effectRef>
+          <a:fontRef idx="minor">
+            <a:schemeClr val="tx1"/>
+          </a:fontRef>
+        </p:style>
+      </p:cxnSp>
+      <p:sp>
+        <p:nvSpPr>
+          <p:cNvPr id="595" name="TextBox 594"/>
+          <p:cNvSpPr txBox="1"/>
+          <p:nvPr/>
+        </p:nvSpPr>
+        <p:spPr>
+          <a:xfrm>
+            <a:off x="1584536" y="1154082"/>
+            <a:ext cx="451009" cy="338554"/>
+          </a:xfrm>
+          <a:prstGeom prst="rect">
+            <a:avLst/>
+          </a:prstGeom>
+          <a:solidFill>
+            <a:srgbClr val="70AD47"/>
+          </a:solidFill>
+        </p:spPr>
+        <p:txBody>
+          <a:bodyPr wrap="none" rtlCol="0">
+            <a:spAutoFit/>
+          </a:bodyPr>
+          <a:lstStyle/>
+          <a:p>
+            <a:pPr algn="ctr"/>
+            <a:r>
+              <a:rPr lang="en-US" sz="1600" i="1" dirty="0" err="1">
+                <a:latin typeface="Times New Roman"/>
+                <a:cs typeface="Times New Roman"/>
+              </a:rPr>
+              <a:t>w</a:t>
+            </a:r>
+            <a:r>
+              <a:rPr lang="en-US" sz="1600" i="1" baseline="-25000" dirty="0" err="1">
+                <a:latin typeface="Times New Roman"/>
+                <a:cs typeface="Times New Roman"/>
+              </a:rPr>
+              <a:t>b</a:t>
+            </a:r>
+            <a:endParaRPr lang="en-US" sz="1600" i="1" dirty="0">
+              <a:latin typeface="Times New Roman"/>
+              <a:cs typeface="Times New Roman"/>
+            </a:endParaRPr>
           </a:p>
         </p:txBody>
       </p:sp>
@@ -11763,7 +12588,7 @@
   <a:extraClrSchemeLst/>
   <a:extLst>
     <a:ext uri="{05A4C25C-085E-4340-85A3-A5531E510DB2}">
-      <thm15:themeFamily xmlns="" xmlns:thm15="http://schemas.microsoft.com/office/thememl/2012/main" name="Office Theme" id="{62F939B6-93AF-4DB8-9C6B-D6C7DFDC589F}" vid="{4A3C46E8-61CC-4603-A589-7422A47A8E4A}"/>
+      <thm15:themeFamily xmlns:thm15="http://schemas.microsoft.com/office/thememl/2012/main" xmlns="" name="Office Theme" id="{62F939B6-93AF-4DB8-9C6B-D6C7DFDC589F}" vid="{4A3C46E8-61CC-4603-A589-7422A47A8E4A}"/>
     </a:ext>
   </a:extLst>
 </a:theme>
